--- a/Content/Diagrams.pptx
+++ b/Content/Diagrams.pptx
@@ -5,16 +5,17 @@
     <p:sldMasterId id="2147483648" r:id="rId1"/>
   </p:sldMasterIdLst>
   <p:notesMasterIdLst>
-    <p:notesMasterId r:id="rId4"/>
+    <p:notesMasterId r:id="rId5"/>
   </p:notesMasterIdLst>
   <p:sldIdLst>
     <p:sldId id="256" r:id="rId2"/>
-    <p:sldId id="257" r:id="rId3"/>
+    <p:sldId id="258" r:id="rId3"/>
+    <p:sldId id="257" r:id="rId4"/>
   </p:sldIdLst>
   <p:sldSz cx="12192000" cy="6858000"/>
   <p:notesSz cx="6858000" cy="9144000"/>
   <p:custDataLst>
-    <p:tags r:id="rId5"/>
+    <p:tags r:id="rId6"/>
   </p:custDataLst>
   <p:defaultTextStyle>
     <a:defPPr>
@@ -111,6 +112,11 @@
       </a:defRPr>
     </a:lvl9pPr>
   </p:defaultTextStyle>
+  <p:extLst>
+    <p:ext uri="{EFAFB233-063F-42B5-8137-9DF3F51BA10A}">
+      <p15:sldGuideLst xmlns:p15="http://schemas.microsoft.com/office/powerpoint/2012/main"/>
+    </p:ext>
+  </p:extLst>
 </p:presentation>
 </file>
 
@@ -196,7 +202,7 @@
           <a:p>
             <a:fld id="{F2DD37F5-048F-4840-9C6A-E88D052B6663}" type="datetimeFigureOut">
               <a:rPr lang="en-US" smtClean="0"/>
-              <a:t>7/8/2022</a:t>
+              <a:t>9/10/2022</a:t>
             </a:fld>
             <a:endParaRPr lang="en-US"/>
           </a:p>
@@ -610,7 +616,7 @@
           <a:p>
             <a:fld id="{BCCA07F9-06C3-4C90-A7AE-61AB97B15816}" type="datetimeFigureOut">
               <a:rPr lang="en-US" smtClean="0"/>
-              <a:t>7/8/2022</a:t>
+              <a:t>9/10/2022</a:t>
             </a:fld>
             <a:endParaRPr lang="en-US"/>
           </a:p>
@@ -808,7 +814,7 @@
           <a:p>
             <a:fld id="{BCCA07F9-06C3-4C90-A7AE-61AB97B15816}" type="datetimeFigureOut">
               <a:rPr lang="en-US" smtClean="0"/>
-              <a:t>7/8/2022</a:t>
+              <a:t>9/10/2022</a:t>
             </a:fld>
             <a:endParaRPr lang="en-US"/>
           </a:p>
@@ -1016,7 +1022,7 @@
           <a:p>
             <a:fld id="{BCCA07F9-06C3-4C90-A7AE-61AB97B15816}" type="datetimeFigureOut">
               <a:rPr lang="en-US" smtClean="0"/>
-              <a:t>7/8/2022</a:t>
+              <a:t>9/10/2022</a:t>
             </a:fld>
             <a:endParaRPr lang="en-US"/>
           </a:p>
@@ -1214,7 +1220,7 @@
           <a:p>
             <a:fld id="{BCCA07F9-06C3-4C90-A7AE-61AB97B15816}" type="datetimeFigureOut">
               <a:rPr lang="en-US" smtClean="0"/>
-              <a:t>7/8/2022</a:t>
+              <a:t>9/10/2022</a:t>
             </a:fld>
             <a:endParaRPr lang="en-US"/>
           </a:p>
@@ -1489,7 +1495,7 @@
           <a:p>
             <a:fld id="{BCCA07F9-06C3-4C90-A7AE-61AB97B15816}" type="datetimeFigureOut">
               <a:rPr lang="en-US" smtClean="0"/>
-              <a:t>7/8/2022</a:t>
+              <a:t>9/10/2022</a:t>
             </a:fld>
             <a:endParaRPr lang="en-US"/>
           </a:p>
@@ -1754,7 +1760,7 @@
           <a:p>
             <a:fld id="{BCCA07F9-06C3-4C90-A7AE-61AB97B15816}" type="datetimeFigureOut">
               <a:rPr lang="en-US" smtClean="0"/>
-              <a:t>7/8/2022</a:t>
+              <a:t>9/10/2022</a:t>
             </a:fld>
             <a:endParaRPr lang="en-US"/>
           </a:p>
@@ -2166,7 +2172,7 @@
           <a:p>
             <a:fld id="{BCCA07F9-06C3-4C90-A7AE-61AB97B15816}" type="datetimeFigureOut">
               <a:rPr lang="en-US" smtClean="0"/>
-              <a:t>7/8/2022</a:t>
+              <a:t>9/10/2022</a:t>
             </a:fld>
             <a:endParaRPr lang="en-US"/>
           </a:p>
@@ -2307,7 +2313,7 @@
           <a:p>
             <a:fld id="{BCCA07F9-06C3-4C90-A7AE-61AB97B15816}" type="datetimeFigureOut">
               <a:rPr lang="en-US" smtClean="0"/>
-              <a:t>7/8/2022</a:t>
+              <a:t>9/10/2022</a:t>
             </a:fld>
             <a:endParaRPr lang="en-US"/>
           </a:p>
@@ -2420,7 +2426,7 @@
           <a:p>
             <a:fld id="{BCCA07F9-06C3-4C90-A7AE-61AB97B15816}" type="datetimeFigureOut">
               <a:rPr lang="en-US" smtClean="0"/>
-              <a:t>7/8/2022</a:t>
+              <a:t>9/10/2022</a:t>
             </a:fld>
             <a:endParaRPr lang="en-US"/>
           </a:p>
@@ -2731,7 +2737,7 @@
           <a:p>
             <a:fld id="{BCCA07F9-06C3-4C90-A7AE-61AB97B15816}" type="datetimeFigureOut">
               <a:rPr lang="en-US" smtClean="0"/>
-              <a:t>7/8/2022</a:t>
+              <a:t>9/10/2022</a:t>
             </a:fld>
             <a:endParaRPr lang="en-US"/>
           </a:p>
@@ -3019,7 +3025,7 @@
           <a:p>
             <a:fld id="{BCCA07F9-06C3-4C90-A7AE-61AB97B15816}" type="datetimeFigureOut">
               <a:rPr lang="en-US" smtClean="0"/>
-              <a:t>7/8/2022</a:t>
+              <a:t>9/10/2022</a:t>
             </a:fld>
             <a:endParaRPr lang="en-US"/>
           </a:p>
@@ -3128,7 +3134,7 @@
           </p:cNvGraphicFramePr>
           <p:nvPr userDrawn="1">
             <p:custDataLst>
-              <p:tags r:id="rId14"/>
+              <p:tags r:id="rId13"/>
             </p:custDataLst>
             <p:extLst>
               <p:ext uri="{D42A27DB-BD31-4B8C-83A1-F6EECF244321}">
@@ -3145,12 +3151,12 @@
           <a:graphicData uri="http://schemas.openxmlformats.org/presentationml/2006/ole">
             <mc:AlternateContent xmlns:mc="http://schemas.openxmlformats.org/markup-compatibility/2006">
               <mc:Choice xmlns:v="urn:schemas-microsoft-com:vml" Requires="v">
-                <p:oleObj spid="_x0000_s1033" name="think-cell Slide" r:id="rId15" imgW="347" imgH="348" progId="TCLayout.ActiveDocument.1">
+                <p:oleObj name="think-cell Slide" r:id="rId14" imgW="347" imgH="348" progId="TCLayout.ActiveDocument.1">
                   <p:embed/>
                 </p:oleObj>
               </mc:Choice>
               <mc:Fallback>
-                <p:oleObj name="think-cell Slide" r:id="rId15" imgW="347" imgH="348" progId="TCLayout.ActiveDocument.1">
+                <p:oleObj name="think-cell Slide" r:id="rId14" imgW="347" imgH="348" progId="TCLayout.ActiveDocument.1">
                   <p:embed/>
                   <p:pic>
                     <p:nvPicPr>
@@ -3159,7 +3165,7 @@
                       <p:nvPr/>
                     </p:nvPicPr>
                     <p:blipFill>
-                      <a:blip r:embed="rId16"/>
+                      <a:blip r:embed="rId15"/>
                       <a:stretch>
                         <a:fillRect/>
                       </a:stretch>
@@ -3326,7 +3332,7 @@
           <a:p>
             <a:fld id="{BCCA07F9-06C3-4C90-A7AE-61AB97B15816}" type="datetimeFigureOut">
               <a:rPr lang="en-US" smtClean="0"/>
-              <a:t>7/8/2022</a:t>
+              <a:t>9/10/2022</a:t>
             </a:fld>
             <a:endParaRPr lang="en-US"/>
           </a:p>
@@ -3823,6 +3829,601 @@
           <a:chExt cx="0" cy="0"/>
         </a:xfrm>
       </p:grpSpPr>
+      <p:pic>
+        <p:nvPicPr>
+          <p:cNvPr id="7" name="Picture 6">
+            <a:extLst>
+              <a:ext uri="{FF2B5EF4-FFF2-40B4-BE49-F238E27FC236}">
+                <a16:creationId xmlns:a16="http://schemas.microsoft.com/office/drawing/2014/main" id="{5F906E03-438E-DE7C-59A4-F3E307AB45C0}"/>
+              </a:ext>
+            </a:extLst>
+          </p:cNvPr>
+          <p:cNvPicPr>
+            <a:picLocks noChangeAspect="1"/>
+          </p:cNvPicPr>
+          <p:nvPr/>
+        </p:nvPicPr>
+        <p:blipFill rotWithShape="1">
+          <a:blip r:embed="rId2"/>
+          <a:srcRect l="455" t="10843" r="531"/>
+          <a:stretch/>
+        </p:blipFill>
+        <p:spPr>
+          <a:xfrm>
+            <a:off x="1902467" y="395577"/>
+            <a:ext cx="8457014" cy="6066845"/>
+          </a:xfrm>
+          <a:prstGeom prst="rect">
+            <a:avLst/>
+          </a:prstGeom>
+        </p:spPr>
+      </p:pic>
+      <p:cxnSp>
+        <p:nvCxnSpPr>
+          <p:cNvPr id="11" name="Straight Arrow Connector 10">
+            <a:extLst>
+              <a:ext uri="{FF2B5EF4-FFF2-40B4-BE49-F238E27FC236}">
+                <a16:creationId xmlns:a16="http://schemas.microsoft.com/office/drawing/2014/main" id="{A4E70A34-6008-5F14-6413-20EDA39DF933}"/>
+              </a:ext>
+            </a:extLst>
+          </p:cNvPr>
+          <p:cNvCxnSpPr/>
+          <p:nvPr/>
+        </p:nvCxnSpPr>
+        <p:spPr>
+          <a:xfrm flipH="1" flipV="1">
+            <a:off x="3220278" y="1630017"/>
+            <a:ext cx="604299" cy="644056"/>
+          </a:xfrm>
+          <a:prstGeom prst="straightConnector1">
+            <a:avLst/>
+          </a:prstGeom>
+          <a:ln w="12700">
+            <a:solidFill>
+              <a:srgbClr val="FF0000"/>
+            </a:solidFill>
+            <a:tailEnd type="triangle"/>
+          </a:ln>
+        </p:spPr>
+        <p:style>
+          <a:lnRef idx="1">
+            <a:schemeClr val="accent1"/>
+          </a:lnRef>
+          <a:fillRef idx="0">
+            <a:schemeClr val="accent1"/>
+          </a:fillRef>
+          <a:effectRef idx="0">
+            <a:schemeClr val="accent1"/>
+          </a:effectRef>
+          <a:fontRef idx="minor">
+            <a:schemeClr val="tx1"/>
+          </a:fontRef>
+        </p:style>
+      </p:cxnSp>
+      <p:cxnSp>
+        <p:nvCxnSpPr>
+          <p:cNvPr id="17" name="Straight Arrow Connector 16">
+            <a:extLst>
+              <a:ext uri="{FF2B5EF4-FFF2-40B4-BE49-F238E27FC236}">
+                <a16:creationId xmlns:a16="http://schemas.microsoft.com/office/drawing/2014/main" id="{933EB422-D3E8-0F71-7717-416CBD626E53}"/>
+              </a:ext>
+            </a:extLst>
+          </p:cNvPr>
+          <p:cNvCxnSpPr>
+            <a:cxnSpLocks/>
+          </p:cNvCxnSpPr>
+          <p:nvPr/>
+        </p:nvCxnSpPr>
+        <p:spPr>
+          <a:xfrm flipV="1">
+            <a:off x="5793850" y="629478"/>
+            <a:ext cx="0" cy="817659"/>
+          </a:xfrm>
+          <a:prstGeom prst="straightConnector1">
+            <a:avLst/>
+          </a:prstGeom>
+          <a:ln w="12700">
+            <a:solidFill>
+              <a:srgbClr val="FF0000"/>
+            </a:solidFill>
+            <a:tailEnd type="triangle"/>
+          </a:ln>
+        </p:spPr>
+        <p:style>
+          <a:lnRef idx="1">
+            <a:schemeClr val="accent1"/>
+          </a:lnRef>
+          <a:fillRef idx="0">
+            <a:schemeClr val="accent1"/>
+          </a:fillRef>
+          <a:effectRef idx="0">
+            <a:schemeClr val="accent1"/>
+          </a:effectRef>
+          <a:fontRef idx="minor">
+            <a:schemeClr val="tx1"/>
+          </a:fontRef>
+        </p:style>
+      </p:cxnSp>
+      <p:cxnSp>
+        <p:nvCxnSpPr>
+          <p:cNvPr id="19" name="Straight Arrow Connector 18">
+            <a:extLst>
+              <a:ext uri="{FF2B5EF4-FFF2-40B4-BE49-F238E27FC236}">
+                <a16:creationId xmlns:a16="http://schemas.microsoft.com/office/drawing/2014/main" id="{EA0D4BCD-881D-3051-7A5C-1CCFE88FDD92}"/>
+              </a:ext>
+            </a:extLst>
+          </p:cNvPr>
+          <p:cNvCxnSpPr>
+            <a:cxnSpLocks/>
+          </p:cNvCxnSpPr>
+          <p:nvPr/>
+        </p:nvCxnSpPr>
+        <p:spPr>
+          <a:xfrm flipV="1">
+            <a:off x="7404782" y="2369489"/>
+            <a:ext cx="824818" cy="640078"/>
+          </a:xfrm>
+          <a:prstGeom prst="straightConnector1">
+            <a:avLst/>
+          </a:prstGeom>
+          <a:ln w="12700">
+            <a:solidFill>
+              <a:srgbClr val="FF0000"/>
+            </a:solidFill>
+            <a:tailEnd type="triangle"/>
+          </a:ln>
+        </p:spPr>
+        <p:style>
+          <a:lnRef idx="1">
+            <a:schemeClr val="accent1"/>
+          </a:lnRef>
+          <a:fillRef idx="0">
+            <a:schemeClr val="accent1"/>
+          </a:fillRef>
+          <a:effectRef idx="0">
+            <a:schemeClr val="accent1"/>
+          </a:effectRef>
+          <a:fontRef idx="minor">
+            <a:schemeClr val="tx1"/>
+          </a:fontRef>
+        </p:style>
+      </p:cxnSp>
+      <p:cxnSp>
+        <p:nvCxnSpPr>
+          <p:cNvPr id="21" name="Straight Arrow Connector 20">
+            <a:extLst>
+              <a:ext uri="{FF2B5EF4-FFF2-40B4-BE49-F238E27FC236}">
+                <a16:creationId xmlns:a16="http://schemas.microsoft.com/office/drawing/2014/main" id="{EA81539F-4BBF-1663-6FAE-FAC0EA926A78}"/>
+              </a:ext>
+            </a:extLst>
+          </p:cNvPr>
+          <p:cNvCxnSpPr>
+            <a:cxnSpLocks/>
+          </p:cNvCxnSpPr>
+          <p:nvPr/>
+        </p:nvCxnSpPr>
+        <p:spPr>
+          <a:xfrm flipH="1">
+            <a:off x="3929270" y="5255812"/>
+            <a:ext cx="690438" cy="430696"/>
+          </a:xfrm>
+          <a:prstGeom prst="straightConnector1">
+            <a:avLst/>
+          </a:prstGeom>
+          <a:ln w="12700">
+            <a:solidFill>
+              <a:srgbClr val="FF0000"/>
+            </a:solidFill>
+            <a:tailEnd type="triangle"/>
+          </a:ln>
+        </p:spPr>
+        <p:style>
+          <a:lnRef idx="1">
+            <a:schemeClr val="accent1"/>
+          </a:lnRef>
+          <a:fillRef idx="0">
+            <a:schemeClr val="accent1"/>
+          </a:fillRef>
+          <a:effectRef idx="0">
+            <a:schemeClr val="accent1"/>
+          </a:effectRef>
+          <a:fontRef idx="minor">
+            <a:schemeClr val="tx1"/>
+          </a:fontRef>
+        </p:style>
+      </p:cxnSp>
+      <p:cxnSp>
+        <p:nvCxnSpPr>
+          <p:cNvPr id="23" name="Straight Arrow Connector 22">
+            <a:extLst>
+              <a:ext uri="{FF2B5EF4-FFF2-40B4-BE49-F238E27FC236}">
+                <a16:creationId xmlns:a16="http://schemas.microsoft.com/office/drawing/2014/main" id="{D934C1F0-0599-9588-BF1F-75FBF59D6462}"/>
+              </a:ext>
+            </a:extLst>
+          </p:cNvPr>
+          <p:cNvCxnSpPr>
+            <a:cxnSpLocks/>
+          </p:cNvCxnSpPr>
+          <p:nvPr/>
+        </p:nvCxnSpPr>
+        <p:spPr>
+          <a:xfrm flipH="1" flipV="1">
+            <a:off x="2044810" y="716279"/>
+            <a:ext cx="690972" cy="2192573"/>
+          </a:xfrm>
+          <a:prstGeom prst="straightConnector1">
+            <a:avLst/>
+          </a:prstGeom>
+          <a:ln w="12700">
+            <a:solidFill>
+              <a:srgbClr val="FF0000"/>
+            </a:solidFill>
+            <a:tailEnd type="triangle"/>
+          </a:ln>
+        </p:spPr>
+        <p:style>
+          <a:lnRef idx="1">
+            <a:schemeClr val="accent1"/>
+          </a:lnRef>
+          <a:fillRef idx="0">
+            <a:schemeClr val="accent1"/>
+          </a:fillRef>
+          <a:effectRef idx="0">
+            <a:schemeClr val="accent1"/>
+          </a:effectRef>
+          <a:fontRef idx="minor">
+            <a:schemeClr val="tx1"/>
+          </a:fontRef>
+        </p:style>
+      </p:cxnSp>
+      <p:cxnSp>
+        <p:nvCxnSpPr>
+          <p:cNvPr id="25" name="Straight Arrow Connector 24">
+            <a:extLst>
+              <a:ext uri="{FF2B5EF4-FFF2-40B4-BE49-F238E27FC236}">
+                <a16:creationId xmlns:a16="http://schemas.microsoft.com/office/drawing/2014/main" id="{EB0F5594-6AEA-6052-A82D-9DD0A6DC2EBA}"/>
+              </a:ext>
+            </a:extLst>
+          </p:cNvPr>
+          <p:cNvCxnSpPr>
+            <a:cxnSpLocks/>
+          </p:cNvCxnSpPr>
+          <p:nvPr/>
+        </p:nvCxnSpPr>
+        <p:spPr>
+          <a:xfrm flipV="1">
+            <a:off x="9485906" y="629478"/>
+            <a:ext cx="571970" cy="3338223"/>
+          </a:xfrm>
+          <a:prstGeom prst="straightConnector1">
+            <a:avLst/>
+          </a:prstGeom>
+          <a:ln w="12700">
+            <a:solidFill>
+              <a:srgbClr val="FF0000"/>
+            </a:solidFill>
+            <a:tailEnd type="triangle"/>
+          </a:ln>
+        </p:spPr>
+        <p:style>
+          <a:lnRef idx="1">
+            <a:schemeClr val="accent1"/>
+          </a:lnRef>
+          <a:fillRef idx="0">
+            <a:schemeClr val="accent1"/>
+          </a:fillRef>
+          <a:effectRef idx="0">
+            <a:schemeClr val="accent1"/>
+          </a:effectRef>
+          <a:fontRef idx="minor">
+            <a:schemeClr val="tx1"/>
+          </a:fontRef>
+        </p:style>
+      </p:cxnSp>
+      <p:sp>
+        <p:nvSpPr>
+          <p:cNvPr id="27" name="TextBox 26">
+            <a:extLst>
+              <a:ext uri="{FF2B5EF4-FFF2-40B4-BE49-F238E27FC236}">
+                <a16:creationId xmlns:a16="http://schemas.microsoft.com/office/drawing/2014/main" id="{07519777-3303-DA67-0FBA-0ED5ABFD15DE}"/>
+              </a:ext>
+            </a:extLst>
+          </p:cNvPr>
+          <p:cNvSpPr txBox="1"/>
+          <p:nvPr/>
+        </p:nvSpPr>
+        <p:spPr>
+          <a:xfrm>
+            <a:off x="5221097" y="1447137"/>
+            <a:ext cx="1145506" cy="369332"/>
+          </a:xfrm>
+          <a:prstGeom prst="rect">
+            <a:avLst/>
+          </a:prstGeom>
+          <a:noFill/>
+        </p:spPr>
+        <p:txBody>
+          <a:bodyPr wrap="none" rtlCol="0">
+            <a:spAutoFit/>
+          </a:bodyPr>
+          <a:lstStyle/>
+          <a:p>
+            <a:r>
+              <a:rPr lang="en-US" b="1" dirty="0">
+                <a:solidFill>
+                  <a:srgbClr val="FF0000"/>
+                </a:solidFill>
+              </a:rPr>
+              <a:t>Masthead</a:t>
+            </a:r>
+            <a:endParaRPr lang="en-DE" b="1" dirty="0">
+              <a:solidFill>
+                <a:srgbClr val="FF0000"/>
+              </a:solidFill>
+            </a:endParaRPr>
+          </a:p>
+        </p:txBody>
+      </p:sp>
+      <p:sp>
+        <p:nvSpPr>
+          <p:cNvPr id="29" name="TextBox 28">
+            <a:extLst>
+              <a:ext uri="{FF2B5EF4-FFF2-40B4-BE49-F238E27FC236}">
+                <a16:creationId xmlns:a16="http://schemas.microsoft.com/office/drawing/2014/main" id="{B9E2F8A7-B2B4-9F96-20B2-024896EE3069}"/>
+              </a:ext>
+            </a:extLst>
+          </p:cNvPr>
+          <p:cNvSpPr txBox="1"/>
+          <p:nvPr/>
+        </p:nvSpPr>
+        <p:spPr>
+          <a:xfrm>
+            <a:off x="3524426" y="2264796"/>
+            <a:ext cx="2606547" cy="369332"/>
+          </a:xfrm>
+          <a:prstGeom prst="rect">
+            <a:avLst/>
+          </a:prstGeom>
+          <a:noFill/>
+        </p:spPr>
+        <p:txBody>
+          <a:bodyPr wrap="none" rtlCol="0">
+            <a:spAutoFit/>
+          </a:bodyPr>
+          <a:lstStyle/>
+          <a:p>
+            <a:r>
+              <a:rPr lang="en-US" b="1" dirty="0">
+                <a:solidFill>
+                  <a:srgbClr val="FF0000"/>
+                </a:solidFill>
+              </a:rPr>
+              <a:t>ONOS Cluster Head Panel</a:t>
+            </a:r>
+            <a:endParaRPr lang="en-DE" b="1" dirty="0">
+              <a:solidFill>
+                <a:srgbClr val="FF0000"/>
+              </a:solidFill>
+            </a:endParaRPr>
+          </a:p>
+        </p:txBody>
+      </p:sp>
+      <p:sp>
+        <p:nvSpPr>
+          <p:cNvPr id="31" name="TextBox 30">
+            <a:extLst>
+              <a:ext uri="{FF2B5EF4-FFF2-40B4-BE49-F238E27FC236}">
+                <a16:creationId xmlns:a16="http://schemas.microsoft.com/office/drawing/2014/main" id="{9C278016-A8C3-7585-2CC9-6B059AEF3BF4}"/>
+              </a:ext>
+            </a:extLst>
+          </p:cNvPr>
+          <p:cNvSpPr txBox="1"/>
+          <p:nvPr/>
+        </p:nvSpPr>
+        <p:spPr>
+          <a:xfrm>
+            <a:off x="3920144" y="4886480"/>
+            <a:ext cx="1815112" cy="369332"/>
+          </a:xfrm>
+          <a:prstGeom prst="rect">
+            <a:avLst/>
+          </a:prstGeom>
+          <a:noFill/>
+        </p:spPr>
+        <p:txBody>
+          <a:bodyPr wrap="none" rtlCol="0">
+            <a:spAutoFit/>
+          </a:bodyPr>
+          <a:lstStyle/>
+          <a:p>
+            <a:r>
+              <a:rPr lang="en-US" b="1" dirty="0">
+                <a:solidFill>
+                  <a:srgbClr val="FF0000"/>
+                </a:solidFill>
+              </a:rPr>
+              <a:t>Topology Toolbar</a:t>
+            </a:r>
+            <a:endParaRPr lang="en-DE" b="1" dirty="0">
+              <a:solidFill>
+                <a:srgbClr val="FF0000"/>
+              </a:solidFill>
+            </a:endParaRPr>
+          </a:p>
+        </p:txBody>
+      </p:sp>
+      <p:sp>
+        <p:nvSpPr>
+          <p:cNvPr id="33" name="TextBox 32">
+            <a:extLst>
+              <a:ext uri="{FF2B5EF4-FFF2-40B4-BE49-F238E27FC236}">
+                <a16:creationId xmlns:a16="http://schemas.microsoft.com/office/drawing/2014/main" id="{AC56668E-5FF0-07B0-CEE6-2E3E1AC47790}"/>
+              </a:ext>
+            </a:extLst>
+          </p:cNvPr>
+          <p:cNvSpPr txBox="1"/>
+          <p:nvPr/>
+        </p:nvSpPr>
+        <p:spPr>
+          <a:xfrm>
+            <a:off x="6247847" y="3009567"/>
+            <a:ext cx="1678408" cy="369332"/>
+          </a:xfrm>
+          <a:prstGeom prst="rect">
+            <a:avLst/>
+          </a:prstGeom>
+          <a:noFill/>
+        </p:spPr>
+        <p:txBody>
+          <a:bodyPr wrap="none" rtlCol="0">
+            <a:spAutoFit/>
+          </a:bodyPr>
+          <a:lstStyle/>
+          <a:p>
+            <a:r>
+              <a:rPr lang="en-US" b="1" dirty="0">
+                <a:solidFill>
+                  <a:srgbClr val="FF0000"/>
+                </a:solidFill>
+              </a:rPr>
+              <a:t>Summary Panel</a:t>
+            </a:r>
+            <a:endParaRPr lang="en-DE" b="1" dirty="0">
+              <a:solidFill>
+                <a:srgbClr val="FF0000"/>
+              </a:solidFill>
+            </a:endParaRPr>
+          </a:p>
+        </p:txBody>
+      </p:sp>
+      <p:sp>
+        <p:nvSpPr>
+          <p:cNvPr id="37" name="TextBox 36">
+            <a:extLst>
+              <a:ext uri="{FF2B5EF4-FFF2-40B4-BE49-F238E27FC236}">
+                <a16:creationId xmlns:a16="http://schemas.microsoft.com/office/drawing/2014/main" id="{BFED3F50-12AD-084B-E03D-B7433198DDAE}"/>
+              </a:ext>
+            </a:extLst>
+          </p:cNvPr>
+          <p:cNvSpPr txBox="1"/>
+          <p:nvPr/>
+        </p:nvSpPr>
+        <p:spPr>
+          <a:xfrm>
+            <a:off x="2006457" y="2908852"/>
+            <a:ext cx="2538002" cy="369332"/>
+          </a:xfrm>
+          <a:prstGeom prst="rect">
+            <a:avLst/>
+          </a:prstGeom>
+          <a:noFill/>
+        </p:spPr>
+        <p:txBody>
+          <a:bodyPr wrap="none" rtlCol="0">
+            <a:spAutoFit/>
+          </a:bodyPr>
+          <a:lstStyle/>
+          <a:p>
+            <a:r>
+              <a:rPr lang="en-US" b="1" dirty="0">
+                <a:solidFill>
+                  <a:srgbClr val="FF0000"/>
+                </a:solidFill>
+              </a:rPr>
+              <a:t>Navigation Menu Button</a:t>
+            </a:r>
+            <a:endParaRPr lang="en-DE" b="1" dirty="0">
+              <a:solidFill>
+                <a:srgbClr val="FF0000"/>
+              </a:solidFill>
+            </a:endParaRPr>
+          </a:p>
+        </p:txBody>
+      </p:sp>
+      <p:sp>
+        <p:nvSpPr>
+          <p:cNvPr id="40" name="TextBox 39">
+            <a:extLst>
+              <a:ext uri="{FF2B5EF4-FFF2-40B4-BE49-F238E27FC236}">
+                <a16:creationId xmlns:a16="http://schemas.microsoft.com/office/drawing/2014/main" id="{0C8239DD-036D-1FD0-9D99-04D47331E3B1}"/>
+              </a:ext>
+            </a:extLst>
+          </p:cNvPr>
+          <p:cNvSpPr txBox="1"/>
+          <p:nvPr/>
+        </p:nvSpPr>
+        <p:spPr>
+          <a:xfrm>
+            <a:off x="8615053" y="3967701"/>
+            <a:ext cx="1263487" cy="646331"/>
+          </a:xfrm>
+          <a:prstGeom prst="rect">
+            <a:avLst/>
+          </a:prstGeom>
+          <a:noFill/>
+        </p:spPr>
+        <p:txBody>
+          <a:bodyPr wrap="none" rtlCol="0">
+            <a:spAutoFit/>
+          </a:bodyPr>
+          <a:lstStyle/>
+          <a:p>
+            <a:r>
+              <a:rPr lang="en-US" b="1" dirty="0">
+                <a:solidFill>
+                  <a:srgbClr val="FF0000"/>
+                </a:solidFill>
+              </a:rPr>
+              <a:t>Username/</a:t>
+            </a:r>
+          </a:p>
+          <a:p>
+            <a:r>
+              <a:rPr lang="en-US" b="1" dirty="0">
+                <a:solidFill>
+                  <a:srgbClr val="FF0000"/>
+                </a:solidFill>
+              </a:rPr>
+              <a:t>Logout link</a:t>
+            </a:r>
+            <a:endParaRPr lang="en-DE" b="1" dirty="0">
+              <a:solidFill>
+                <a:srgbClr val="FF0000"/>
+              </a:solidFill>
+            </a:endParaRPr>
+          </a:p>
+        </p:txBody>
+      </p:sp>
+    </p:spTree>
+    <p:extLst>
+      <p:ext uri="{BB962C8B-B14F-4D97-AF65-F5344CB8AC3E}">
+        <p14:creationId xmlns:p14="http://schemas.microsoft.com/office/powerpoint/2010/main" val="1952688431"/>
+      </p:ext>
+    </p:extLst>
+  </p:cSld>
+  <p:clrMapOvr>
+    <a:masterClrMapping/>
+  </p:clrMapOvr>
+</p:sld>
+</file>
+
+<file path=ppt/slides/slide3.xml><?xml version="1.0" encoding="utf-8"?>
+<p:sld xmlns:a="http://schemas.openxmlformats.org/drawingml/2006/main" xmlns:r="http://schemas.openxmlformats.org/officeDocument/2006/relationships" xmlns:p="http://schemas.openxmlformats.org/presentationml/2006/main">
+  <p:cSld>
+    <p:spTree>
+      <p:nvGrpSpPr>
+        <p:cNvPr id="1" name=""/>
+        <p:cNvGrpSpPr/>
+        <p:nvPr/>
+      </p:nvGrpSpPr>
+      <p:grpSpPr>
+        <a:xfrm>
+          <a:off x="0" y="0"/>
+          <a:ext cx="0" cy="0"/>
+          <a:chOff x="0" y="0"/>
+          <a:chExt cx="0" cy="0"/>
+        </a:xfrm>
+      </p:grpSpPr>
       <p:graphicFrame>
         <p:nvGraphicFramePr>
           <p:cNvPr id="4" name="Object 3" hidden="1">
@@ -3837,7 +4438,7 @@
           </p:cNvGraphicFramePr>
           <p:nvPr>
             <p:custDataLst>
-              <p:tags r:id="rId2"/>
+              <p:tags r:id="rId1"/>
             </p:custDataLst>
             <p:extLst>
               <p:ext uri="{D42A27DB-BD31-4B8C-83A1-F6EECF244321}">
@@ -3854,12 +4455,12 @@
           <a:graphicData uri="http://schemas.openxmlformats.org/presentationml/2006/ole">
             <mc:AlternateContent xmlns:mc="http://schemas.openxmlformats.org/markup-compatibility/2006">
               <mc:Choice xmlns:v="urn:schemas-microsoft-com:vml" Requires="v">
-                <p:oleObj spid="_x0000_s2057" name="think-cell Slide" r:id="rId4" imgW="347" imgH="348" progId="TCLayout.ActiveDocument.1">
+                <p:oleObj name="think-cell Slide" r:id="rId3" imgW="347" imgH="348" progId="TCLayout.ActiveDocument.1">
                   <p:embed/>
                 </p:oleObj>
               </mc:Choice>
               <mc:Fallback>
-                <p:oleObj name="think-cell Slide" r:id="rId4" imgW="347" imgH="348" progId="TCLayout.ActiveDocument.1">
+                <p:oleObj name="think-cell Slide" r:id="rId3" imgW="347" imgH="348" progId="TCLayout.ActiveDocument.1">
                   <p:embed/>
                   <p:pic>
                     <p:nvPicPr>
@@ -3868,7 +4469,7 @@
                       <p:nvPr/>
                     </p:nvPicPr>
                     <p:blipFill>
-                      <a:blip r:embed="rId5"/>
+                      <a:blip r:embed="rId4"/>
                       <a:stretch>
                         <a:fillRect/>
                       </a:stretch>

--- a/Content/Diagrams.pptx
+++ b/Content/Diagrams.pptx
@@ -5,17 +5,18 @@
     <p:sldMasterId id="2147483648" r:id="rId1"/>
   </p:sldMasterIdLst>
   <p:notesMasterIdLst>
-    <p:notesMasterId r:id="rId5"/>
+    <p:notesMasterId r:id="rId6"/>
   </p:notesMasterIdLst>
   <p:sldIdLst>
     <p:sldId id="256" r:id="rId2"/>
-    <p:sldId id="258" r:id="rId3"/>
-    <p:sldId id="257" r:id="rId4"/>
+    <p:sldId id="259" r:id="rId3"/>
+    <p:sldId id="258" r:id="rId4"/>
+    <p:sldId id="257" r:id="rId5"/>
   </p:sldIdLst>
   <p:sldSz cx="12192000" cy="6858000"/>
   <p:notesSz cx="6858000" cy="9144000"/>
   <p:custDataLst>
-    <p:tags r:id="rId6"/>
+    <p:tags r:id="rId7"/>
   </p:custDataLst>
   <p:defaultTextStyle>
     <a:defPPr>
@@ -202,7 +203,7 @@
           <a:p>
             <a:fld id="{F2DD37F5-048F-4840-9C6A-E88D052B6663}" type="datetimeFigureOut">
               <a:rPr lang="en-US" smtClean="0"/>
-              <a:t>9/10/2022</a:t>
+              <a:t>9/11/2022</a:t>
             </a:fld>
             <a:endParaRPr lang="en-US"/>
           </a:p>
@@ -616,7 +617,7 @@
           <a:p>
             <a:fld id="{BCCA07F9-06C3-4C90-A7AE-61AB97B15816}" type="datetimeFigureOut">
               <a:rPr lang="en-US" smtClean="0"/>
-              <a:t>9/10/2022</a:t>
+              <a:t>9/11/2022</a:t>
             </a:fld>
             <a:endParaRPr lang="en-US"/>
           </a:p>
@@ -814,7 +815,7 @@
           <a:p>
             <a:fld id="{BCCA07F9-06C3-4C90-A7AE-61AB97B15816}" type="datetimeFigureOut">
               <a:rPr lang="en-US" smtClean="0"/>
-              <a:t>9/10/2022</a:t>
+              <a:t>9/11/2022</a:t>
             </a:fld>
             <a:endParaRPr lang="en-US"/>
           </a:p>
@@ -1022,7 +1023,7 @@
           <a:p>
             <a:fld id="{BCCA07F9-06C3-4C90-A7AE-61AB97B15816}" type="datetimeFigureOut">
               <a:rPr lang="en-US" smtClean="0"/>
-              <a:t>9/10/2022</a:t>
+              <a:t>9/11/2022</a:t>
             </a:fld>
             <a:endParaRPr lang="en-US"/>
           </a:p>
@@ -1220,7 +1221,7 @@
           <a:p>
             <a:fld id="{BCCA07F9-06C3-4C90-A7AE-61AB97B15816}" type="datetimeFigureOut">
               <a:rPr lang="en-US" smtClean="0"/>
-              <a:t>9/10/2022</a:t>
+              <a:t>9/11/2022</a:t>
             </a:fld>
             <a:endParaRPr lang="en-US"/>
           </a:p>
@@ -1495,7 +1496,7 @@
           <a:p>
             <a:fld id="{BCCA07F9-06C3-4C90-A7AE-61AB97B15816}" type="datetimeFigureOut">
               <a:rPr lang="en-US" smtClean="0"/>
-              <a:t>9/10/2022</a:t>
+              <a:t>9/11/2022</a:t>
             </a:fld>
             <a:endParaRPr lang="en-US"/>
           </a:p>
@@ -1760,7 +1761,7 @@
           <a:p>
             <a:fld id="{BCCA07F9-06C3-4C90-A7AE-61AB97B15816}" type="datetimeFigureOut">
               <a:rPr lang="en-US" smtClean="0"/>
-              <a:t>9/10/2022</a:t>
+              <a:t>9/11/2022</a:t>
             </a:fld>
             <a:endParaRPr lang="en-US"/>
           </a:p>
@@ -2172,7 +2173,7 @@
           <a:p>
             <a:fld id="{BCCA07F9-06C3-4C90-A7AE-61AB97B15816}" type="datetimeFigureOut">
               <a:rPr lang="en-US" smtClean="0"/>
-              <a:t>9/10/2022</a:t>
+              <a:t>9/11/2022</a:t>
             </a:fld>
             <a:endParaRPr lang="en-US"/>
           </a:p>
@@ -2313,7 +2314,7 @@
           <a:p>
             <a:fld id="{BCCA07F9-06C3-4C90-A7AE-61AB97B15816}" type="datetimeFigureOut">
               <a:rPr lang="en-US" smtClean="0"/>
-              <a:t>9/10/2022</a:t>
+              <a:t>9/11/2022</a:t>
             </a:fld>
             <a:endParaRPr lang="en-US"/>
           </a:p>
@@ -2426,7 +2427,7 @@
           <a:p>
             <a:fld id="{BCCA07F9-06C3-4C90-A7AE-61AB97B15816}" type="datetimeFigureOut">
               <a:rPr lang="en-US" smtClean="0"/>
-              <a:t>9/10/2022</a:t>
+              <a:t>9/11/2022</a:t>
             </a:fld>
             <a:endParaRPr lang="en-US"/>
           </a:p>
@@ -2737,7 +2738,7 @@
           <a:p>
             <a:fld id="{BCCA07F9-06C3-4C90-A7AE-61AB97B15816}" type="datetimeFigureOut">
               <a:rPr lang="en-US" smtClean="0"/>
-              <a:t>9/10/2022</a:t>
+              <a:t>9/11/2022</a:t>
             </a:fld>
             <a:endParaRPr lang="en-US"/>
           </a:p>
@@ -3025,7 +3026,7 @@
           <a:p>
             <a:fld id="{BCCA07F9-06C3-4C90-A7AE-61AB97B15816}" type="datetimeFigureOut">
               <a:rPr lang="en-US" smtClean="0"/>
-              <a:t>9/10/2022</a:t>
+              <a:t>9/11/2022</a:t>
             </a:fld>
             <a:endParaRPr lang="en-US"/>
           </a:p>
@@ -3332,7 +3333,7 @@
           <a:p>
             <a:fld id="{BCCA07F9-06C3-4C90-A7AE-61AB97B15816}" type="datetimeFigureOut">
               <a:rPr lang="en-US" smtClean="0"/>
-              <a:t>9/10/2022</a:t>
+              <a:t>9/11/2022</a:t>
             </a:fld>
             <a:endParaRPr lang="en-US"/>
           </a:p>
@@ -3829,6 +3830,1119 @@
           <a:chExt cx="0" cy="0"/>
         </a:xfrm>
       </p:grpSpPr>
+      <p:sp>
+        <p:nvSpPr>
+          <p:cNvPr id="27" name="Rectangle 26">
+            <a:extLst>
+              <a:ext uri="{FF2B5EF4-FFF2-40B4-BE49-F238E27FC236}">
+                <a16:creationId xmlns:a16="http://schemas.microsoft.com/office/drawing/2014/main" id="{EF47E0B4-DE6B-4494-3A72-7C3BF2D10D0F}"/>
+              </a:ext>
+            </a:extLst>
+          </p:cNvPr>
+          <p:cNvSpPr/>
+          <p:nvPr/>
+        </p:nvSpPr>
+        <p:spPr>
+          <a:xfrm>
+            <a:off x="1526650" y="1463236"/>
+            <a:ext cx="9477955" cy="2639635"/>
+          </a:xfrm>
+          <a:prstGeom prst="rect">
+            <a:avLst/>
+          </a:prstGeom>
+          <a:solidFill>
+            <a:schemeClr val="accent5">
+              <a:lumMod val="60000"/>
+              <a:lumOff val="40000"/>
+            </a:schemeClr>
+          </a:solidFill>
+          <a:ln>
+            <a:noFill/>
+          </a:ln>
+        </p:spPr>
+        <p:style>
+          <a:lnRef idx="2">
+            <a:schemeClr val="accent1">
+              <a:shade val="50000"/>
+            </a:schemeClr>
+          </a:lnRef>
+          <a:fillRef idx="1">
+            <a:schemeClr val="accent1"/>
+          </a:fillRef>
+          <a:effectRef idx="0">
+            <a:schemeClr val="accent1"/>
+          </a:effectRef>
+          <a:fontRef idx="minor">
+            <a:schemeClr val="lt1"/>
+          </a:fontRef>
+        </p:style>
+        <p:txBody>
+          <a:bodyPr rtlCol="0" anchor="ctr"/>
+          <a:lstStyle/>
+          <a:p>
+            <a:pPr algn="ctr"/>
+            <a:endParaRPr lang="en-DE" dirty="0">
+              <a:solidFill>
+                <a:schemeClr val="tx1"/>
+              </a:solidFill>
+            </a:endParaRPr>
+          </a:p>
+        </p:txBody>
+      </p:sp>
+      <p:sp>
+        <p:nvSpPr>
+          <p:cNvPr id="4" name="Rectangle 3">
+            <a:extLst>
+              <a:ext uri="{FF2B5EF4-FFF2-40B4-BE49-F238E27FC236}">
+                <a16:creationId xmlns:a16="http://schemas.microsoft.com/office/drawing/2014/main" id="{A3746AAF-3CB1-A691-A030-2702A5A416D3}"/>
+              </a:ext>
+            </a:extLst>
+          </p:cNvPr>
+          <p:cNvSpPr/>
+          <p:nvPr/>
+        </p:nvSpPr>
+        <p:spPr>
+          <a:xfrm>
+            <a:off x="2296953" y="1971921"/>
+            <a:ext cx="1089331" cy="1844703"/>
+          </a:xfrm>
+          <a:prstGeom prst="rect">
+            <a:avLst/>
+          </a:prstGeom>
+          <a:solidFill>
+            <a:schemeClr val="bg1"/>
+          </a:solidFill>
+          <a:ln>
+            <a:solidFill>
+              <a:schemeClr val="tx1"/>
+            </a:solidFill>
+          </a:ln>
+        </p:spPr>
+        <p:style>
+          <a:lnRef idx="2">
+            <a:schemeClr val="accent1">
+              <a:shade val="50000"/>
+            </a:schemeClr>
+          </a:lnRef>
+          <a:fillRef idx="1">
+            <a:schemeClr val="accent1"/>
+          </a:fillRef>
+          <a:effectRef idx="0">
+            <a:schemeClr val="accent1"/>
+          </a:effectRef>
+          <a:fontRef idx="minor">
+            <a:schemeClr val="lt1"/>
+          </a:fontRef>
+        </p:style>
+        <p:txBody>
+          <a:bodyPr rtlCol="0" anchor="ctr"/>
+          <a:lstStyle/>
+          <a:p>
+            <a:pPr algn="ctr"/>
+            <a:r>
+              <a:rPr lang="en-US" dirty="0">
+                <a:solidFill>
+                  <a:schemeClr val="tx1"/>
+                </a:solidFill>
+              </a:rPr>
+              <a:t>Flow</a:t>
+            </a:r>
+          </a:p>
+          <a:p>
+            <a:pPr algn="ctr"/>
+            <a:r>
+              <a:rPr lang="en-US" dirty="0">
+                <a:solidFill>
+                  <a:schemeClr val="tx1"/>
+                </a:solidFill>
+              </a:rPr>
+              <a:t>Table</a:t>
+            </a:r>
+          </a:p>
+          <a:p>
+            <a:pPr algn="ctr"/>
+            <a:r>
+              <a:rPr lang="en-US" dirty="0">
+                <a:solidFill>
+                  <a:schemeClr val="tx1"/>
+                </a:solidFill>
+              </a:rPr>
+              <a:t>0</a:t>
+            </a:r>
+            <a:endParaRPr lang="en-DE" dirty="0">
+              <a:solidFill>
+                <a:schemeClr val="tx1"/>
+              </a:solidFill>
+            </a:endParaRPr>
+          </a:p>
+        </p:txBody>
+      </p:sp>
+      <p:cxnSp>
+        <p:nvCxnSpPr>
+          <p:cNvPr id="6" name="Straight Arrow Connector 5">
+            <a:extLst>
+              <a:ext uri="{FF2B5EF4-FFF2-40B4-BE49-F238E27FC236}">
+                <a16:creationId xmlns:a16="http://schemas.microsoft.com/office/drawing/2014/main" id="{5140983C-E2C9-B9C7-740F-0F10FD074455}"/>
+              </a:ext>
+            </a:extLst>
+          </p:cNvPr>
+          <p:cNvCxnSpPr>
+            <a:cxnSpLocks/>
+          </p:cNvCxnSpPr>
+          <p:nvPr/>
+        </p:nvCxnSpPr>
+        <p:spPr>
+          <a:xfrm>
+            <a:off x="787179" y="3562281"/>
+            <a:ext cx="1509774" cy="0"/>
+          </a:xfrm>
+          <a:prstGeom prst="straightConnector1">
+            <a:avLst/>
+          </a:prstGeom>
+          <a:ln w="38100">
+            <a:solidFill>
+              <a:schemeClr val="tx1"/>
+            </a:solidFill>
+            <a:tailEnd type="triangle"/>
+          </a:ln>
+        </p:spPr>
+        <p:style>
+          <a:lnRef idx="1">
+            <a:schemeClr val="accent1"/>
+          </a:lnRef>
+          <a:fillRef idx="0">
+            <a:schemeClr val="accent1"/>
+          </a:fillRef>
+          <a:effectRef idx="0">
+            <a:schemeClr val="accent1"/>
+          </a:effectRef>
+          <a:fontRef idx="minor">
+            <a:schemeClr val="tx1"/>
+          </a:fontRef>
+        </p:style>
+      </p:cxnSp>
+      <p:cxnSp>
+        <p:nvCxnSpPr>
+          <p:cNvPr id="8" name="Straight Arrow Connector 7">
+            <a:extLst>
+              <a:ext uri="{FF2B5EF4-FFF2-40B4-BE49-F238E27FC236}">
+                <a16:creationId xmlns:a16="http://schemas.microsoft.com/office/drawing/2014/main" id="{D55E054C-8927-544B-282C-35635B5711DB}"/>
+              </a:ext>
+            </a:extLst>
+          </p:cNvPr>
+          <p:cNvCxnSpPr>
+            <a:cxnSpLocks/>
+          </p:cNvCxnSpPr>
+          <p:nvPr/>
+        </p:nvCxnSpPr>
+        <p:spPr>
+          <a:xfrm>
+            <a:off x="3386284" y="3562281"/>
+            <a:ext cx="1509774" cy="0"/>
+          </a:xfrm>
+          <a:prstGeom prst="straightConnector1">
+            <a:avLst/>
+          </a:prstGeom>
+          <a:ln w="38100">
+            <a:solidFill>
+              <a:schemeClr val="tx1"/>
+            </a:solidFill>
+            <a:tailEnd type="triangle"/>
+          </a:ln>
+        </p:spPr>
+        <p:style>
+          <a:lnRef idx="1">
+            <a:schemeClr val="accent1"/>
+          </a:lnRef>
+          <a:fillRef idx="0">
+            <a:schemeClr val="accent1"/>
+          </a:fillRef>
+          <a:effectRef idx="0">
+            <a:schemeClr val="accent1"/>
+          </a:effectRef>
+          <a:fontRef idx="minor">
+            <a:schemeClr val="tx1"/>
+          </a:fontRef>
+        </p:style>
+      </p:cxnSp>
+      <p:sp>
+        <p:nvSpPr>
+          <p:cNvPr id="9" name="TextBox 8">
+            <a:extLst>
+              <a:ext uri="{FF2B5EF4-FFF2-40B4-BE49-F238E27FC236}">
+                <a16:creationId xmlns:a16="http://schemas.microsoft.com/office/drawing/2014/main" id="{7AB97C71-D52C-A3A8-BFF1-25AB9A5F2C09}"/>
+              </a:ext>
+            </a:extLst>
+          </p:cNvPr>
+          <p:cNvSpPr txBox="1"/>
+          <p:nvPr/>
+        </p:nvSpPr>
+        <p:spPr>
+          <a:xfrm>
+            <a:off x="888250" y="3598207"/>
+            <a:ext cx="1290407" cy="369332"/>
+          </a:xfrm>
+          <a:prstGeom prst="rect">
+            <a:avLst/>
+          </a:prstGeom>
+          <a:noFill/>
+        </p:spPr>
+        <p:txBody>
+          <a:bodyPr wrap="square" rtlCol="0">
+            <a:spAutoFit/>
+          </a:bodyPr>
+          <a:lstStyle/>
+          <a:p>
+            <a:r>
+              <a:rPr lang="en-US" dirty="0"/>
+              <a:t>Ingress Port</a:t>
+            </a:r>
+          </a:p>
+        </p:txBody>
+      </p:sp>
+      <p:sp>
+        <p:nvSpPr>
+          <p:cNvPr id="11" name="TextBox 10">
+            <a:extLst>
+              <a:ext uri="{FF2B5EF4-FFF2-40B4-BE49-F238E27FC236}">
+                <a16:creationId xmlns:a16="http://schemas.microsoft.com/office/drawing/2014/main" id="{DA0742E4-C0A1-DF7C-F534-414580889B23}"/>
+              </a:ext>
+            </a:extLst>
+          </p:cNvPr>
+          <p:cNvSpPr txBox="1"/>
+          <p:nvPr/>
+        </p:nvSpPr>
+        <p:spPr>
+          <a:xfrm>
+            <a:off x="10531149" y="3570329"/>
+            <a:ext cx="1223797" cy="369332"/>
+          </a:xfrm>
+          <a:prstGeom prst="rect">
+            <a:avLst/>
+          </a:prstGeom>
+          <a:noFill/>
+        </p:spPr>
+        <p:txBody>
+          <a:bodyPr wrap="none" rtlCol="0">
+            <a:spAutoFit/>
+          </a:bodyPr>
+          <a:lstStyle/>
+          <a:p>
+            <a:r>
+              <a:rPr lang="en-US" dirty="0"/>
+              <a:t>Egress Port</a:t>
+            </a:r>
+          </a:p>
+        </p:txBody>
+      </p:sp>
+      <p:sp>
+        <p:nvSpPr>
+          <p:cNvPr id="12" name="Rectangle 11">
+            <a:extLst>
+              <a:ext uri="{FF2B5EF4-FFF2-40B4-BE49-F238E27FC236}">
+                <a16:creationId xmlns:a16="http://schemas.microsoft.com/office/drawing/2014/main" id="{EB220551-762C-DFA4-DA97-0CC266E4CA7F}"/>
+              </a:ext>
+            </a:extLst>
+          </p:cNvPr>
+          <p:cNvSpPr/>
+          <p:nvPr/>
+        </p:nvSpPr>
+        <p:spPr>
+          <a:xfrm>
+            <a:off x="4896058" y="1971921"/>
+            <a:ext cx="1089331" cy="1844703"/>
+          </a:xfrm>
+          <a:prstGeom prst="rect">
+            <a:avLst/>
+          </a:prstGeom>
+          <a:solidFill>
+            <a:schemeClr val="bg1"/>
+          </a:solidFill>
+          <a:ln>
+            <a:solidFill>
+              <a:schemeClr val="tx1"/>
+            </a:solidFill>
+          </a:ln>
+        </p:spPr>
+        <p:style>
+          <a:lnRef idx="2">
+            <a:schemeClr val="accent1">
+              <a:shade val="50000"/>
+            </a:schemeClr>
+          </a:lnRef>
+          <a:fillRef idx="1">
+            <a:schemeClr val="accent1"/>
+          </a:fillRef>
+          <a:effectRef idx="0">
+            <a:schemeClr val="accent1"/>
+          </a:effectRef>
+          <a:fontRef idx="minor">
+            <a:schemeClr val="lt1"/>
+          </a:fontRef>
+        </p:style>
+        <p:txBody>
+          <a:bodyPr rtlCol="0" anchor="ctr"/>
+          <a:lstStyle/>
+          <a:p>
+            <a:pPr algn="ctr"/>
+            <a:r>
+              <a:rPr lang="en-US" dirty="0">
+                <a:solidFill>
+                  <a:schemeClr val="tx1"/>
+                </a:solidFill>
+              </a:rPr>
+              <a:t>Flow</a:t>
+            </a:r>
+          </a:p>
+          <a:p>
+            <a:pPr algn="ctr"/>
+            <a:r>
+              <a:rPr lang="en-US" dirty="0">
+                <a:solidFill>
+                  <a:schemeClr val="tx1"/>
+                </a:solidFill>
+              </a:rPr>
+              <a:t>Table</a:t>
+            </a:r>
+          </a:p>
+          <a:p>
+            <a:pPr algn="ctr"/>
+            <a:r>
+              <a:rPr lang="en-US" dirty="0">
+                <a:solidFill>
+                  <a:schemeClr val="tx1"/>
+                </a:solidFill>
+              </a:rPr>
+              <a:t>1</a:t>
+            </a:r>
+            <a:endParaRPr lang="en-DE" dirty="0">
+              <a:solidFill>
+                <a:schemeClr val="tx1"/>
+              </a:solidFill>
+            </a:endParaRPr>
+          </a:p>
+        </p:txBody>
+      </p:sp>
+      <p:cxnSp>
+        <p:nvCxnSpPr>
+          <p:cNvPr id="13" name="Straight Arrow Connector 12">
+            <a:extLst>
+              <a:ext uri="{FF2B5EF4-FFF2-40B4-BE49-F238E27FC236}">
+                <a16:creationId xmlns:a16="http://schemas.microsoft.com/office/drawing/2014/main" id="{3E20A015-6B53-776E-32B6-FFF9FD1E6890}"/>
+              </a:ext>
+            </a:extLst>
+          </p:cNvPr>
+          <p:cNvCxnSpPr>
+            <a:cxnSpLocks/>
+          </p:cNvCxnSpPr>
+          <p:nvPr/>
+        </p:nvCxnSpPr>
+        <p:spPr>
+          <a:xfrm>
+            <a:off x="5985389" y="3570329"/>
+            <a:ext cx="431314" cy="0"/>
+          </a:xfrm>
+          <a:prstGeom prst="straightConnector1">
+            <a:avLst/>
+          </a:prstGeom>
+          <a:ln w="38100">
+            <a:solidFill>
+              <a:schemeClr val="tx1"/>
+            </a:solidFill>
+            <a:tailEnd type="triangle"/>
+          </a:ln>
+        </p:spPr>
+        <p:style>
+          <a:lnRef idx="1">
+            <a:schemeClr val="accent1"/>
+          </a:lnRef>
+          <a:fillRef idx="0">
+            <a:schemeClr val="accent1"/>
+          </a:fillRef>
+          <a:effectRef idx="0">
+            <a:schemeClr val="accent1"/>
+          </a:effectRef>
+          <a:fontRef idx="minor">
+            <a:schemeClr val="tx1"/>
+          </a:fontRef>
+        </p:style>
+      </p:cxnSp>
+      <p:sp>
+        <p:nvSpPr>
+          <p:cNvPr id="19" name="Rectangle 18">
+            <a:extLst>
+              <a:ext uri="{FF2B5EF4-FFF2-40B4-BE49-F238E27FC236}">
+                <a16:creationId xmlns:a16="http://schemas.microsoft.com/office/drawing/2014/main" id="{82635BE0-E1A2-9170-543A-D96535D68FC2}"/>
+              </a:ext>
+            </a:extLst>
+          </p:cNvPr>
+          <p:cNvSpPr/>
+          <p:nvPr/>
+        </p:nvSpPr>
+        <p:spPr>
+          <a:xfrm>
+            <a:off x="7394092" y="1971920"/>
+            <a:ext cx="1089331" cy="1844703"/>
+          </a:xfrm>
+          <a:prstGeom prst="rect">
+            <a:avLst/>
+          </a:prstGeom>
+          <a:solidFill>
+            <a:schemeClr val="bg1"/>
+          </a:solidFill>
+          <a:ln>
+            <a:solidFill>
+              <a:schemeClr val="tx1"/>
+            </a:solidFill>
+          </a:ln>
+        </p:spPr>
+        <p:style>
+          <a:lnRef idx="2">
+            <a:schemeClr val="accent1">
+              <a:shade val="50000"/>
+            </a:schemeClr>
+          </a:lnRef>
+          <a:fillRef idx="1">
+            <a:schemeClr val="accent1"/>
+          </a:fillRef>
+          <a:effectRef idx="0">
+            <a:schemeClr val="accent1"/>
+          </a:effectRef>
+          <a:fontRef idx="minor">
+            <a:schemeClr val="lt1"/>
+          </a:fontRef>
+        </p:style>
+        <p:txBody>
+          <a:bodyPr rtlCol="0" anchor="ctr"/>
+          <a:lstStyle/>
+          <a:p>
+            <a:pPr algn="ctr"/>
+            <a:r>
+              <a:rPr lang="en-US" dirty="0">
+                <a:solidFill>
+                  <a:schemeClr val="tx1"/>
+                </a:solidFill>
+              </a:rPr>
+              <a:t>Flow</a:t>
+            </a:r>
+          </a:p>
+          <a:p>
+            <a:pPr algn="ctr"/>
+            <a:r>
+              <a:rPr lang="en-US" dirty="0">
+                <a:solidFill>
+                  <a:schemeClr val="tx1"/>
+                </a:solidFill>
+              </a:rPr>
+              <a:t>Table</a:t>
+            </a:r>
+          </a:p>
+          <a:p>
+            <a:pPr algn="ctr"/>
+            <a:r>
+              <a:rPr lang="en-US" dirty="0">
+                <a:solidFill>
+                  <a:schemeClr val="tx1"/>
+                </a:solidFill>
+              </a:rPr>
+              <a:t>n</a:t>
+            </a:r>
+            <a:endParaRPr lang="en-DE" dirty="0">
+              <a:solidFill>
+                <a:schemeClr val="tx1"/>
+              </a:solidFill>
+            </a:endParaRPr>
+          </a:p>
+        </p:txBody>
+      </p:sp>
+      <p:cxnSp>
+        <p:nvCxnSpPr>
+          <p:cNvPr id="20" name="Straight Arrow Connector 19">
+            <a:extLst>
+              <a:ext uri="{FF2B5EF4-FFF2-40B4-BE49-F238E27FC236}">
+                <a16:creationId xmlns:a16="http://schemas.microsoft.com/office/drawing/2014/main" id="{D2FF6C0D-44CD-F53A-4EA1-0C80F8C0FBFB}"/>
+              </a:ext>
+            </a:extLst>
+          </p:cNvPr>
+          <p:cNvCxnSpPr>
+            <a:cxnSpLocks/>
+          </p:cNvCxnSpPr>
+          <p:nvPr/>
+        </p:nvCxnSpPr>
+        <p:spPr>
+          <a:xfrm>
+            <a:off x="6962778" y="3562281"/>
+            <a:ext cx="431314" cy="0"/>
+          </a:xfrm>
+          <a:prstGeom prst="straightConnector1">
+            <a:avLst/>
+          </a:prstGeom>
+          <a:ln w="38100">
+            <a:solidFill>
+              <a:schemeClr val="tx1"/>
+            </a:solidFill>
+            <a:tailEnd type="triangle"/>
+          </a:ln>
+        </p:spPr>
+        <p:style>
+          <a:lnRef idx="1">
+            <a:schemeClr val="accent1"/>
+          </a:lnRef>
+          <a:fillRef idx="0">
+            <a:schemeClr val="accent1"/>
+          </a:fillRef>
+          <a:effectRef idx="0">
+            <a:schemeClr val="accent1"/>
+          </a:effectRef>
+          <a:fontRef idx="minor">
+            <a:schemeClr val="tx1"/>
+          </a:fontRef>
+        </p:style>
+      </p:cxnSp>
+      <p:cxnSp>
+        <p:nvCxnSpPr>
+          <p:cNvPr id="21" name="Straight Arrow Connector 20">
+            <a:extLst>
+              <a:ext uri="{FF2B5EF4-FFF2-40B4-BE49-F238E27FC236}">
+                <a16:creationId xmlns:a16="http://schemas.microsoft.com/office/drawing/2014/main" id="{B06FDE2D-FEF2-1C74-F43F-EAEB5BC7CCD3}"/>
+              </a:ext>
+            </a:extLst>
+          </p:cNvPr>
+          <p:cNvCxnSpPr>
+            <a:cxnSpLocks/>
+          </p:cNvCxnSpPr>
+          <p:nvPr/>
+        </p:nvCxnSpPr>
+        <p:spPr>
+          <a:xfrm>
+            <a:off x="10357901" y="3555752"/>
+            <a:ext cx="1509774" cy="0"/>
+          </a:xfrm>
+          <a:prstGeom prst="straightConnector1">
+            <a:avLst/>
+          </a:prstGeom>
+          <a:ln w="38100">
+            <a:solidFill>
+              <a:schemeClr val="tx1"/>
+            </a:solidFill>
+            <a:tailEnd type="triangle"/>
+          </a:ln>
+        </p:spPr>
+        <p:style>
+          <a:lnRef idx="1">
+            <a:schemeClr val="accent1"/>
+          </a:lnRef>
+          <a:fillRef idx="0">
+            <a:schemeClr val="accent1"/>
+          </a:fillRef>
+          <a:effectRef idx="0">
+            <a:schemeClr val="accent1"/>
+          </a:effectRef>
+          <a:fontRef idx="minor">
+            <a:schemeClr val="tx1"/>
+          </a:fontRef>
+        </p:style>
+      </p:cxnSp>
+      <p:sp>
+        <p:nvSpPr>
+          <p:cNvPr id="23" name="Rectangle 22">
+            <a:extLst>
+              <a:ext uri="{FF2B5EF4-FFF2-40B4-BE49-F238E27FC236}">
+                <a16:creationId xmlns:a16="http://schemas.microsoft.com/office/drawing/2014/main" id="{59F21169-46A5-2CDB-AA21-99F3C0ED2BBF}"/>
+              </a:ext>
+            </a:extLst>
+          </p:cNvPr>
+          <p:cNvSpPr/>
+          <p:nvPr/>
+        </p:nvSpPr>
+        <p:spPr>
+          <a:xfrm>
+            <a:off x="9268570" y="2665471"/>
+            <a:ext cx="1089331" cy="1149204"/>
+          </a:xfrm>
+          <a:prstGeom prst="rect">
+            <a:avLst/>
+          </a:prstGeom>
+          <a:solidFill>
+            <a:schemeClr val="bg1"/>
+          </a:solidFill>
+          <a:ln>
+            <a:solidFill>
+              <a:schemeClr val="tx1"/>
+            </a:solidFill>
+            <a:prstDash val="sysDash"/>
+          </a:ln>
+        </p:spPr>
+        <p:style>
+          <a:lnRef idx="2">
+            <a:schemeClr val="accent1">
+              <a:shade val="50000"/>
+            </a:schemeClr>
+          </a:lnRef>
+          <a:fillRef idx="1">
+            <a:schemeClr val="accent1"/>
+          </a:fillRef>
+          <a:effectRef idx="0">
+            <a:schemeClr val="accent1"/>
+          </a:effectRef>
+          <a:fontRef idx="minor">
+            <a:schemeClr val="lt1"/>
+          </a:fontRef>
+        </p:style>
+        <p:txBody>
+          <a:bodyPr rtlCol="0" anchor="ctr"/>
+          <a:lstStyle/>
+          <a:p>
+            <a:pPr algn="ctr"/>
+            <a:r>
+              <a:rPr lang="en-US" dirty="0">
+                <a:solidFill>
+                  <a:schemeClr val="tx1"/>
+                </a:solidFill>
+              </a:rPr>
+              <a:t>Execute Action Set</a:t>
+            </a:r>
+            <a:endParaRPr lang="en-DE" dirty="0">
+              <a:solidFill>
+                <a:schemeClr val="tx1"/>
+              </a:solidFill>
+            </a:endParaRPr>
+          </a:p>
+        </p:txBody>
+      </p:sp>
+      <p:cxnSp>
+        <p:nvCxnSpPr>
+          <p:cNvPr id="24" name="Straight Arrow Connector 23">
+            <a:extLst>
+              <a:ext uri="{FF2B5EF4-FFF2-40B4-BE49-F238E27FC236}">
+                <a16:creationId xmlns:a16="http://schemas.microsoft.com/office/drawing/2014/main" id="{DB158599-ABCD-FB4A-D9E1-CA46A4D59B7A}"/>
+              </a:ext>
+            </a:extLst>
+          </p:cNvPr>
+          <p:cNvCxnSpPr>
+            <a:cxnSpLocks/>
+          </p:cNvCxnSpPr>
+          <p:nvPr/>
+        </p:nvCxnSpPr>
+        <p:spPr>
+          <a:xfrm>
+            <a:off x="8483423" y="3555752"/>
+            <a:ext cx="785147" cy="0"/>
+          </a:xfrm>
+          <a:prstGeom prst="straightConnector1">
+            <a:avLst/>
+          </a:prstGeom>
+          <a:ln w="38100">
+            <a:solidFill>
+              <a:schemeClr val="tx1"/>
+            </a:solidFill>
+            <a:tailEnd type="triangle"/>
+          </a:ln>
+        </p:spPr>
+        <p:style>
+          <a:lnRef idx="1">
+            <a:schemeClr val="accent1"/>
+          </a:lnRef>
+          <a:fillRef idx="0">
+            <a:schemeClr val="accent1"/>
+          </a:fillRef>
+          <a:effectRef idx="0">
+            <a:schemeClr val="accent1"/>
+          </a:effectRef>
+          <a:fontRef idx="minor">
+            <a:schemeClr val="tx1"/>
+          </a:fontRef>
+        </p:style>
+      </p:cxnSp>
+      <p:sp>
+        <p:nvSpPr>
+          <p:cNvPr id="29" name="TextBox 28">
+            <a:extLst>
+              <a:ext uri="{FF2B5EF4-FFF2-40B4-BE49-F238E27FC236}">
+                <a16:creationId xmlns:a16="http://schemas.microsoft.com/office/drawing/2014/main" id="{4FEEADE4-895C-F671-5FB6-D02CBD5924A8}"/>
+              </a:ext>
+            </a:extLst>
+          </p:cNvPr>
+          <p:cNvSpPr txBox="1"/>
+          <p:nvPr/>
+        </p:nvSpPr>
+        <p:spPr>
+          <a:xfrm>
+            <a:off x="766904" y="2837584"/>
+            <a:ext cx="825698" cy="646331"/>
+          </a:xfrm>
+          <a:prstGeom prst="rect">
+            <a:avLst/>
+          </a:prstGeom>
+          <a:noFill/>
+        </p:spPr>
+        <p:txBody>
+          <a:bodyPr wrap="square" rtlCol="0">
+            <a:spAutoFit/>
+          </a:bodyPr>
+          <a:lstStyle/>
+          <a:p>
+            <a:pPr algn="ctr"/>
+            <a:r>
+              <a:rPr lang="en-US" dirty="0"/>
+              <a:t>Packet</a:t>
+            </a:r>
+          </a:p>
+          <a:p>
+            <a:pPr algn="ctr"/>
+            <a:r>
+              <a:rPr lang="en-US" dirty="0"/>
+              <a:t>In</a:t>
+            </a:r>
+          </a:p>
+        </p:txBody>
+      </p:sp>
+      <p:sp>
+        <p:nvSpPr>
+          <p:cNvPr id="31" name="TextBox 30">
+            <a:extLst>
+              <a:ext uri="{FF2B5EF4-FFF2-40B4-BE49-F238E27FC236}">
+                <a16:creationId xmlns:a16="http://schemas.microsoft.com/office/drawing/2014/main" id="{562F3545-4C0F-731F-0917-1B31FE514FB3}"/>
+              </a:ext>
+            </a:extLst>
+          </p:cNvPr>
+          <p:cNvSpPr txBox="1"/>
+          <p:nvPr/>
+        </p:nvSpPr>
+        <p:spPr>
+          <a:xfrm>
+            <a:off x="10949253" y="2783149"/>
+            <a:ext cx="825698" cy="646331"/>
+          </a:xfrm>
+          <a:prstGeom prst="rect">
+            <a:avLst/>
+          </a:prstGeom>
+          <a:noFill/>
+        </p:spPr>
+        <p:txBody>
+          <a:bodyPr wrap="square" rtlCol="0">
+            <a:spAutoFit/>
+          </a:bodyPr>
+          <a:lstStyle/>
+          <a:p>
+            <a:pPr algn="ctr"/>
+            <a:r>
+              <a:rPr lang="en-US" dirty="0"/>
+              <a:t>Packet</a:t>
+            </a:r>
+          </a:p>
+          <a:p>
+            <a:pPr algn="ctr"/>
+            <a:r>
+              <a:rPr lang="en-US" dirty="0"/>
+              <a:t>Out</a:t>
+            </a:r>
+          </a:p>
+        </p:txBody>
+      </p:sp>
+      <p:sp>
+        <p:nvSpPr>
+          <p:cNvPr id="33" name="TextBox 32">
+            <a:extLst>
+              <a:ext uri="{FF2B5EF4-FFF2-40B4-BE49-F238E27FC236}">
+                <a16:creationId xmlns:a16="http://schemas.microsoft.com/office/drawing/2014/main" id="{C7DEE9C3-6230-1C6A-3E44-61A07E63B756}"/>
+              </a:ext>
+            </a:extLst>
+          </p:cNvPr>
+          <p:cNvSpPr txBox="1"/>
+          <p:nvPr/>
+        </p:nvSpPr>
+        <p:spPr>
+          <a:xfrm>
+            <a:off x="9198066" y="1550390"/>
+            <a:ext cx="1663416" cy="369332"/>
+          </a:xfrm>
+          <a:prstGeom prst="rect">
+            <a:avLst/>
+          </a:prstGeom>
+          <a:noFill/>
+        </p:spPr>
+        <p:txBody>
+          <a:bodyPr wrap="square" rtlCol="0">
+            <a:spAutoFit/>
+          </a:bodyPr>
+          <a:lstStyle/>
+          <a:p>
+            <a:pPr algn="ctr"/>
+            <a:r>
+              <a:rPr lang="en-US" b="1" dirty="0"/>
+              <a:t>Open vSwitch</a:t>
+            </a:r>
+          </a:p>
+        </p:txBody>
+      </p:sp>
+      <p:sp>
+        <p:nvSpPr>
+          <p:cNvPr id="37" name="TextBox 36">
+            <a:extLst>
+              <a:ext uri="{FF2B5EF4-FFF2-40B4-BE49-F238E27FC236}">
+                <a16:creationId xmlns:a16="http://schemas.microsoft.com/office/drawing/2014/main" id="{49C41834-1838-28EF-4EAB-195D0FC7CA2F}"/>
+              </a:ext>
+            </a:extLst>
+          </p:cNvPr>
+          <p:cNvSpPr txBox="1"/>
+          <p:nvPr/>
+        </p:nvSpPr>
+        <p:spPr>
+          <a:xfrm>
+            <a:off x="6272718" y="3222305"/>
+            <a:ext cx="825698" cy="523220"/>
+          </a:xfrm>
+          <a:prstGeom prst="rect">
+            <a:avLst/>
+          </a:prstGeom>
+          <a:noFill/>
+        </p:spPr>
+        <p:txBody>
+          <a:bodyPr wrap="square" rtlCol="0">
+            <a:spAutoFit/>
+          </a:bodyPr>
+          <a:lstStyle/>
+          <a:p>
+            <a:pPr algn="ctr"/>
+            <a:r>
+              <a:rPr lang="en-US" sz="2800" b="1" dirty="0"/>
+              <a:t>. . .</a:t>
+            </a:r>
+          </a:p>
+        </p:txBody>
+      </p:sp>
+      <p:sp>
+        <p:nvSpPr>
+          <p:cNvPr id="39" name="TextBox 38">
+            <a:extLst>
+              <a:ext uri="{FF2B5EF4-FFF2-40B4-BE49-F238E27FC236}">
+                <a16:creationId xmlns:a16="http://schemas.microsoft.com/office/drawing/2014/main" id="{9FC0F109-1300-44EF-31BA-383F6B49AD15}"/>
+              </a:ext>
+            </a:extLst>
+          </p:cNvPr>
+          <p:cNvSpPr txBox="1"/>
+          <p:nvPr/>
+        </p:nvSpPr>
+        <p:spPr>
+          <a:xfrm>
+            <a:off x="3977636" y="2885090"/>
+            <a:ext cx="825698" cy="646331"/>
+          </a:xfrm>
+          <a:prstGeom prst="rect">
+            <a:avLst/>
+          </a:prstGeom>
+          <a:noFill/>
+        </p:spPr>
+        <p:txBody>
+          <a:bodyPr wrap="square" rtlCol="0">
+            <a:spAutoFit/>
+          </a:bodyPr>
+          <a:lstStyle/>
+          <a:p>
+            <a:pPr algn="r"/>
+            <a:r>
+              <a:rPr lang="en-US" dirty="0"/>
+              <a:t>Action Set</a:t>
+            </a:r>
+          </a:p>
+        </p:txBody>
+      </p:sp>
+      <p:sp>
+        <p:nvSpPr>
+          <p:cNvPr id="41" name="TextBox 40">
+            <a:extLst>
+              <a:ext uri="{FF2B5EF4-FFF2-40B4-BE49-F238E27FC236}">
+                <a16:creationId xmlns:a16="http://schemas.microsoft.com/office/drawing/2014/main" id="{DEFA3716-7D0B-8B8E-67D7-F60120C5D760}"/>
+              </a:ext>
+            </a:extLst>
+          </p:cNvPr>
+          <p:cNvSpPr txBox="1"/>
+          <p:nvPr/>
+        </p:nvSpPr>
+        <p:spPr>
+          <a:xfrm>
+            <a:off x="6530757" y="2894271"/>
+            <a:ext cx="825698" cy="646331"/>
+          </a:xfrm>
+          <a:prstGeom prst="rect">
+            <a:avLst/>
+          </a:prstGeom>
+          <a:noFill/>
+        </p:spPr>
+        <p:txBody>
+          <a:bodyPr wrap="square" rtlCol="0">
+            <a:spAutoFit/>
+          </a:bodyPr>
+          <a:lstStyle/>
+          <a:p>
+            <a:pPr algn="r"/>
+            <a:r>
+              <a:rPr lang="en-US" dirty="0"/>
+              <a:t>Action Set</a:t>
+            </a:r>
+          </a:p>
+        </p:txBody>
+      </p:sp>
+      <p:sp>
+        <p:nvSpPr>
+          <p:cNvPr id="43" name="TextBox 42">
+            <a:extLst>
+              <a:ext uri="{FF2B5EF4-FFF2-40B4-BE49-F238E27FC236}">
+                <a16:creationId xmlns:a16="http://schemas.microsoft.com/office/drawing/2014/main" id="{9FFA44E6-E247-642B-874B-2B103E0E6FFD}"/>
+              </a:ext>
+            </a:extLst>
+          </p:cNvPr>
+          <p:cNvSpPr txBox="1"/>
+          <p:nvPr/>
+        </p:nvSpPr>
+        <p:spPr>
+          <a:xfrm>
+            <a:off x="8442872" y="2885090"/>
+            <a:ext cx="825698" cy="646331"/>
+          </a:xfrm>
+          <a:prstGeom prst="rect">
+            <a:avLst/>
+          </a:prstGeom>
+          <a:noFill/>
+        </p:spPr>
+        <p:txBody>
+          <a:bodyPr wrap="square" rtlCol="0">
+            <a:spAutoFit/>
+          </a:bodyPr>
+          <a:lstStyle/>
+          <a:p>
+            <a:pPr algn="r"/>
+            <a:r>
+              <a:rPr lang="en-US" dirty="0"/>
+              <a:t>Action Set</a:t>
+            </a:r>
+          </a:p>
+        </p:txBody>
+      </p:sp>
+      <p:sp>
+        <p:nvSpPr>
+          <p:cNvPr id="45" name="TextBox 44">
+            <a:extLst>
+              <a:ext uri="{FF2B5EF4-FFF2-40B4-BE49-F238E27FC236}">
+                <a16:creationId xmlns:a16="http://schemas.microsoft.com/office/drawing/2014/main" id="{F5F9ABFD-07A2-D8FF-4C21-815A0A5846A9}"/>
+              </a:ext>
+            </a:extLst>
+          </p:cNvPr>
+          <p:cNvSpPr txBox="1"/>
+          <p:nvPr/>
+        </p:nvSpPr>
+        <p:spPr>
+          <a:xfrm>
+            <a:off x="1437792" y="2885090"/>
+            <a:ext cx="825698" cy="646331"/>
+          </a:xfrm>
+          <a:prstGeom prst="rect">
+            <a:avLst/>
+          </a:prstGeom>
+          <a:noFill/>
+        </p:spPr>
+        <p:txBody>
+          <a:bodyPr wrap="square" rtlCol="0">
+            <a:spAutoFit/>
+          </a:bodyPr>
+          <a:lstStyle/>
+          <a:p>
+            <a:pPr algn="r"/>
+            <a:r>
+              <a:rPr lang="en-US" dirty="0"/>
+              <a:t>Action Set</a:t>
+            </a:r>
+          </a:p>
+        </p:txBody>
+      </p:sp>
+      <p:sp>
+        <p:nvSpPr>
+          <p:cNvPr id="47" name="TextBox 46">
+            <a:extLst>
+              <a:ext uri="{FF2B5EF4-FFF2-40B4-BE49-F238E27FC236}">
+                <a16:creationId xmlns:a16="http://schemas.microsoft.com/office/drawing/2014/main" id="{903ED567-3C9E-C235-5A67-30AFEAD7B475}"/>
+              </a:ext>
+            </a:extLst>
+          </p:cNvPr>
+          <p:cNvSpPr txBox="1"/>
+          <p:nvPr/>
+        </p:nvSpPr>
+        <p:spPr>
+          <a:xfrm>
+            <a:off x="3208875" y="1692112"/>
+            <a:ext cx="1734445" cy="1077218"/>
+          </a:xfrm>
+          <a:prstGeom prst="rect">
+            <a:avLst/>
+          </a:prstGeom>
+          <a:noFill/>
+        </p:spPr>
+        <p:txBody>
+          <a:bodyPr wrap="square" rtlCol="0">
+            <a:spAutoFit/>
+          </a:bodyPr>
+          <a:lstStyle/>
+          <a:p>
+            <a:pPr algn="r"/>
+            <a:r>
+              <a:rPr lang="en-US" sz="1600" b="1" dirty="0"/>
+              <a:t>Match Fields:</a:t>
+            </a:r>
+          </a:p>
+          <a:p>
+            <a:pPr algn="r"/>
+            <a:r>
+              <a:rPr lang="en-US" sz="1600" dirty="0"/>
+              <a:t>Ingress port +</a:t>
+            </a:r>
+          </a:p>
+          <a:p>
+            <a:pPr algn="r"/>
+            <a:r>
+              <a:rPr lang="en-US" sz="1600" dirty="0"/>
+              <a:t>Packet header +</a:t>
+            </a:r>
+          </a:p>
+          <a:p>
+            <a:pPr algn="r"/>
+            <a:r>
+              <a:rPr lang="en-US" sz="1600" dirty="0"/>
+              <a:t>metadata</a:t>
+            </a:r>
+          </a:p>
+        </p:txBody>
+      </p:sp>
+    </p:spTree>
+    <p:extLst>
+      <p:ext uri="{BB962C8B-B14F-4D97-AF65-F5344CB8AC3E}">
+        <p14:creationId xmlns:p14="http://schemas.microsoft.com/office/powerpoint/2010/main" val="3322915202"/>
+      </p:ext>
+    </p:extLst>
+  </p:cSld>
+  <p:clrMapOvr>
+    <a:masterClrMapping/>
+  </p:clrMapOvr>
+</p:sld>
+</file>
+
+<file path=ppt/slides/slide3.xml><?xml version="1.0" encoding="utf-8"?>
+<p:sld xmlns:a="http://schemas.openxmlformats.org/drawingml/2006/main" xmlns:r="http://schemas.openxmlformats.org/officeDocument/2006/relationships" xmlns:p="http://schemas.openxmlformats.org/presentationml/2006/main">
+  <p:cSld>
+    <p:spTree>
+      <p:nvGrpSpPr>
+        <p:cNvPr id="1" name=""/>
+        <p:cNvGrpSpPr/>
+        <p:nvPr/>
+      </p:nvGrpSpPr>
+      <p:grpSpPr>
+        <a:xfrm>
+          <a:off x="0" y="0"/>
+          <a:ext cx="0" cy="0"/>
+          <a:chOff x="0" y="0"/>
+          <a:chExt cx="0" cy="0"/>
+        </a:xfrm>
+      </p:grpSpPr>
       <p:pic>
         <p:nvPicPr>
           <p:cNvPr id="7" name="Picture 6">
@@ -4179,7 +5293,7 @@
         <p:spPr>
           <a:xfrm>
             <a:off x="3524426" y="2264796"/>
-            <a:ext cx="2606547" cy="369332"/>
+            <a:ext cx="2622577" cy="369332"/>
           </a:xfrm>
           <a:prstGeom prst="rect">
             <a:avLst/>
@@ -4198,7 +5312,7 @@
                   <a:srgbClr val="FF0000"/>
                 </a:solidFill>
               </a:rPr>
-              <a:t>ONOS Cluster Head Panel</a:t>
+              <a:t>ONOS Cluster Node Panel</a:t>
             </a:r>
             <a:endParaRPr lang="en-DE" b="1" dirty="0">
               <a:solidFill>
@@ -4407,7 +5521,7 @@
 </p:sld>
 </file>
 
-<file path=ppt/slides/slide3.xml><?xml version="1.0" encoding="utf-8"?>
+<file path=ppt/slides/slide4.xml><?xml version="1.0" encoding="utf-8"?>
 <p:sld xmlns:a="http://schemas.openxmlformats.org/drawingml/2006/main" xmlns:r="http://schemas.openxmlformats.org/officeDocument/2006/relationships" xmlns:p="http://schemas.openxmlformats.org/presentationml/2006/main">
   <p:cSld>
     <p:spTree>

--- a/Content/Diagrams.pptx
+++ b/Content/Diagrams.pptx
@@ -5,18 +5,19 @@
     <p:sldMasterId id="2147483648" r:id="rId1"/>
   </p:sldMasterIdLst>
   <p:notesMasterIdLst>
-    <p:notesMasterId r:id="rId6"/>
+    <p:notesMasterId r:id="rId7"/>
   </p:notesMasterIdLst>
   <p:sldIdLst>
     <p:sldId id="256" r:id="rId2"/>
-    <p:sldId id="259" r:id="rId3"/>
-    <p:sldId id="258" r:id="rId4"/>
-    <p:sldId id="257" r:id="rId5"/>
+    <p:sldId id="260" r:id="rId3"/>
+    <p:sldId id="259" r:id="rId4"/>
+    <p:sldId id="258" r:id="rId5"/>
+    <p:sldId id="257" r:id="rId6"/>
   </p:sldIdLst>
   <p:sldSz cx="12192000" cy="6858000"/>
   <p:notesSz cx="6858000" cy="9144000"/>
   <p:custDataLst>
-    <p:tags r:id="rId7"/>
+    <p:tags r:id="rId8"/>
   </p:custDataLst>
   <p:defaultTextStyle>
     <a:defPPr>
@@ -3830,6 +3831,204 @@
           <a:chExt cx="0" cy="0"/>
         </a:xfrm>
       </p:grpSpPr>
+      <p:pic>
+        <p:nvPicPr>
+          <p:cNvPr id="7" name="Picture 6">
+            <a:extLst>
+              <a:ext uri="{FF2B5EF4-FFF2-40B4-BE49-F238E27FC236}">
+                <a16:creationId xmlns:a16="http://schemas.microsoft.com/office/drawing/2014/main" id="{C44DC955-AA62-C845-716D-637C5FE0F1DA}"/>
+              </a:ext>
+            </a:extLst>
+          </p:cNvPr>
+          <p:cNvPicPr>
+            <a:picLocks noChangeAspect="1"/>
+          </p:cNvPicPr>
+          <p:nvPr/>
+        </p:nvPicPr>
+        <p:blipFill>
+          <a:blip r:embed="rId2"/>
+          <a:stretch>
+            <a:fillRect/>
+          </a:stretch>
+        </p:blipFill>
+        <p:spPr>
+          <a:xfrm>
+            <a:off x="1760911" y="475838"/>
+            <a:ext cx="7906853" cy="5906324"/>
+          </a:xfrm>
+          <a:prstGeom prst="rect">
+            <a:avLst/>
+          </a:prstGeom>
+        </p:spPr>
+      </p:pic>
+      <p:sp>
+        <p:nvSpPr>
+          <p:cNvPr id="5" name="TextBox 4">
+            <a:extLst>
+              <a:ext uri="{FF2B5EF4-FFF2-40B4-BE49-F238E27FC236}">
+                <a16:creationId xmlns:a16="http://schemas.microsoft.com/office/drawing/2014/main" id="{60C9B9EC-F653-0CE0-5F0E-DC89D5F1DB2D}"/>
+              </a:ext>
+            </a:extLst>
+          </p:cNvPr>
+          <p:cNvSpPr txBox="1"/>
+          <p:nvPr/>
+        </p:nvSpPr>
+        <p:spPr>
+          <a:xfrm>
+            <a:off x="1847328" y="558542"/>
+            <a:ext cx="2031197" cy="461665"/>
+          </a:xfrm>
+          <a:prstGeom prst="rect">
+            <a:avLst/>
+          </a:prstGeom>
+          <a:solidFill>
+            <a:schemeClr val="bg1"/>
+          </a:solidFill>
+        </p:spPr>
+        <p:txBody>
+          <a:bodyPr wrap="none" rtlCol="0">
+            <a:spAutoFit/>
+          </a:bodyPr>
+          <a:lstStyle/>
+          <a:p>
+            <a:r>
+              <a:rPr lang="en-US" sz="2400" b="1" dirty="0">
+                <a:solidFill>
+                  <a:srgbClr val="1A294B"/>
+                </a:solidFill>
+              </a:rPr>
+              <a:t>add-test-flows</a:t>
+            </a:r>
+            <a:endParaRPr lang="en-DE" sz="2400" b="1" dirty="0">
+              <a:solidFill>
+                <a:srgbClr val="1A294B"/>
+              </a:solidFill>
+            </a:endParaRPr>
+          </a:p>
+        </p:txBody>
+      </p:sp>
+      <p:sp>
+        <p:nvSpPr>
+          <p:cNvPr id="9" name="TextBox 8">
+            <a:extLst>
+              <a:ext uri="{FF2B5EF4-FFF2-40B4-BE49-F238E27FC236}">
+                <a16:creationId xmlns:a16="http://schemas.microsoft.com/office/drawing/2014/main" id="{864F1984-C45F-A300-0445-02B61F0B0218}"/>
+              </a:ext>
+            </a:extLst>
+          </p:cNvPr>
+          <p:cNvSpPr txBox="1"/>
+          <p:nvPr/>
+        </p:nvSpPr>
+        <p:spPr>
+          <a:xfrm>
+            <a:off x="2637841" y="1419103"/>
+            <a:ext cx="2258054" cy="400110"/>
+          </a:xfrm>
+          <a:prstGeom prst="rect">
+            <a:avLst/>
+          </a:prstGeom>
+          <a:solidFill>
+            <a:schemeClr val="bg1"/>
+          </a:solidFill>
+        </p:spPr>
+        <p:txBody>
+          <a:bodyPr wrap="none" rtlCol="0">
+            <a:spAutoFit/>
+          </a:bodyPr>
+          <a:lstStyle/>
+          <a:p>
+            <a:r>
+              <a:rPr lang="en-US" sz="2000" dirty="0">
+                <a:solidFill>
+                  <a:srgbClr val="1A294B"/>
+                </a:solidFill>
+              </a:rPr>
+              <a:t>onos:add-test-flows</a:t>
+            </a:r>
+            <a:endParaRPr lang="en-DE" sz="2000" dirty="0">
+              <a:solidFill>
+                <a:srgbClr val="1A294B"/>
+              </a:solidFill>
+            </a:endParaRPr>
+          </a:p>
+        </p:txBody>
+      </p:sp>
+      <p:sp>
+        <p:nvSpPr>
+          <p:cNvPr id="11" name="TextBox 10">
+            <a:extLst>
+              <a:ext uri="{FF2B5EF4-FFF2-40B4-BE49-F238E27FC236}">
+                <a16:creationId xmlns:a16="http://schemas.microsoft.com/office/drawing/2014/main" id="{C96064BE-98CA-88F2-9797-F6DA1858E230}"/>
+              </a:ext>
+            </a:extLst>
+          </p:cNvPr>
+          <p:cNvSpPr txBox="1"/>
+          <p:nvPr/>
+        </p:nvSpPr>
+        <p:spPr>
+          <a:xfrm>
+            <a:off x="2637841" y="2425041"/>
+            <a:ext cx="6101478" cy="400110"/>
+          </a:xfrm>
+          <a:prstGeom prst="rect">
+            <a:avLst/>
+          </a:prstGeom>
+          <a:solidFill>
+            <a:schemeClr val="bg1"/>
+          </a:solidFill>
+        </p:spPr>
+        <p:txBody>
+          <a:bodyPr wrap="none" rtlCol="0">
+            <a:spAutoFit/>
+          </a:bodyPr>
+          <a:lstStyle/>
+          <a:p>
+            <a:r>
+              <a:rPr lang="en-US" sz="2000" dirty="0">
+                <a:solidFill>
+                  <a:srgbClr val="1A294B"/>
+                </a:solidFill>
+              </a:rPr>
+              <a:t>onos:add-test-flows [options] flowPerDevice numOfRuns</a:t>
+            </a:r>
+            <a:endParaRPr lang="en-DE" sz="2000" dirty="0">
+              <a:solidFill>
+                <a:srgbClr val="1A294B"/>
+              </a:solidFill>
+            </a:endParaRPr>
+          </a:p>
+        </p:txBody>
+      </p:sp>
+    </p:spTree>
+    <p:extLst>
+      <p:ext uri="{BB962C8B-B14F-4D97-AF65-F5344CB8AC3E}">
+        <p14:creationId xmlns:p14="http://schemas.microsoft.com/office/powerpoint/2010/main" val="3163657227"/>
+      </p:ext>
+    </p:extLst>
+  </p:cSld>
+  <p:clrMapOvr>
+    <a:masterClrMapping/>
+  </p:clrMapOvr>
+</p:sld>
+</file>
+
+<file path=ppt/slides/slide3.xml><?xml version="1.0" encoding="utf-8"?>
+<p:sld xmlns:a="http://schemas.openxmlformats.org/drawingml/2006/main" xmlns:r="http://schemas.openxmlformats.org/officeDocument/2006/relationships" xmlns:p="http://schemas.openxmlformats.org/presentationml/2006/main">
+  <p:cSld>
+    <p:spTree>
+      <p:nvGrpSpPr>
+        <p:cNvPr id="1" name=""/>
+        <p:cNvGrpSpPr/>
+        <p:nvPr/>
+      </p:nvGrpSpPr>
+      <p:grpSpPr>
+        <a:xfrm>
+          <a:off x="0" y="0"/>
+          <a:ext cx="0" cy="0"/>
+          <a:chOff x="0" y="0"/>
+          <a:chExt cx="0" cy="0"/>
+        </a:xfrm>
+      </p:grpSpPr>
       <p:sp>
         <p:nvSpPr>
           <p:cNvPr id="27" name="Rectangle 26">
@@ -4926,7 +5125,7 @@
 </p:sld>
 </file>
 
-<file path=ppt/slides/slide3.xml><?xml version="1.0" encoding="utf-8"?>
+<file path=ppt/slides/slide4.xml><?xml version="1.0" encoding="utf-8"?>
 <p:sld xmlns:a="http://schemas.openxmlformats.org/drawingml/2006/main" xmlns:r="http://schemas.openxmlformats.org/officeDocument/2006/relationships" xmlns:p="http://schemas.openxmlformats.org/presentationml/2006/main">
   <p:cSld>
     <p:spTree>
@@ -5521,7 +5720,7 @@
 </p:sld>
 </file>
 
-<file path=ppt/slides/slide4.xml><?xml version="1.0" encoding="utf-8"?>
+<file path=ppt/slides/slide5.xml><?xml version="1.0" encoding="utf-8"?>
 <p:sld xmlns:a="http://schemas.openxmlformats.org/drawingml/2006/main" xmlns:r="http://schemas.openxmlformats.org/officeDocument/2006/relationships" xmlns:p="http://schemas.openxmlformats.org/presentationml/2006/main">
   <p:cSld>
     <p:spTree>

--- a/Content/Diagrams.pptx
+++ b/Content/Diagrams.pptx
@@ -5,19 +5,20 @@
     <p:sldMasterId id="2147483648" r:id="rId1"/>
   </p:sldMasterIdLst>
   <p:notesMasterIdLst>
-    <p:notesMasterId r:id="rId7"/>
+    <p:notesMasterId r:id="rId8"/>
   </p:notesMasterIdLst>
   <p:sldIdLst>
     <p:sldId id="256" r:id="rId2"/>
-    <p:sldId id="260" r:id="rId3"/>
-    <p:sldId id="259" r:id="rId4"/>
-    <p:sldId id="258" r:id="rId5"/>
-    <p:sldId id="257" r:id="rId6"/>
+    <p:sldId id="261" r:id="rId3"/>
+    <p:sldId id="260" r:id="rId4"/>
+    <p:sldId id="259" r:id="rId5"/>
+    <p:sldId id="258" r:id="rId6"/>
+    <p:sldId id="257" r:id="rId7"/>
   </p:sldIdLst>
   <p:sldSz cx="12192000" cy="6858000"/>
   <p:notesSz cx="6858000" cy="9144000"/>
   <p:custDataLst>
-    <p:tags r:id="rId8"/>
+    <p:tags r:id="rId9"/>
   </p:custDataLst>
   <p:defaultTextStyle>
     <a:defPPr>
@@ -204,7 +205,7 @@
           <a:p>
             <a:fld id="{F2DD37F5-048F-4840-9C6A-E88D052B6663}" type="datetimeFigureOut">
               <a:rPr lang="en-US" smtClean="0"/>
-              <a:t>9/11/2022</a:t>
+              <a:t>9/15/2022</a:t>
             </a:fld>
             <a:endParaRPr lang="en-US"/>
           </a:p>
@@ -618,7 +619,7 @@
           <a:p>
             <a:fld id="{BCCA07F9-06C3-4C90-A7AE-61AB97B15816}" type="datetimeFigureOut">
               <a:rPr lang="en-US" smtClean="0"/>
-              <a:t>9/11/2022</a:t>
+              <a:t>9/15/2022</a:t>
             </a:fld>
             <a:endParaRPr lang="en-US"/>
           </a:p>
@@ -816,7 +817,7 @@
           <a:p>
             <a:fld id="{BCCA07F9-06C3-4C90-A7AE-61AB97B15816}" type="datetimeFigureOut">
               <a:rPr lang="en-US" smtClean="0"/>
-              <a:t>9/11/2022</a:t>
+              <a:t>9/15/2022</a:t>
             </a:fld>
             <a:endParaRPr lang="en-US"/>
           </a:p>
@@ -1024,7 +1025,7 @@
           <a:p>
             <a:fld id="{BCCA07F9-06C3-4C90-A7AE-61AB97B15816}" type="datetimeFigureOut">
               <a:rPr lang="en-US" smtClean="0"/>
-              <a:t>9/11/2022</a:t>
+              <a:t>9/15/2022</a:t>
             </a:fld>
             <a:endParaRPr lang="en-US"/>
           </a:p>
@@ -1222,7 +1223,7 @@
           <a:p>
             <a:fld id="{BCCA07F9-06C3-4C90-A7AE-61AB97B15816}" type="datetimeFigureOut">
               <a:rPr lang="en-US" smtClean="0"/>
-              <a:t>9/11/2022</a:t>
+              <a:t>9/15/2022</a:t>
             </a:fld>
             <a:endParaRPr lang="en-US"/>
           </a:p>
@@ -1497,7 +1498,7 @@
           <a:p>
             <a:fld id="{BCCA07F9-06C3-4C90-A7AE-61AB97B15816}" type="datetimeFigureOut">
               <a:rPr lang="en-US" smtClean="0"/>
-              <a:t>9/11/2022</a:t>
+              <a:t>9/15/2022</a:t>
             </a:fld>
             <a:endParaRPr lang="en-US"/>
           </a:p>
@@ -1762,7 +1763,7 @@
           <a:p>
             <a:fld id="{BCCA07F9-06C3-4C90-A7AE-61AB97B15816}" type="datetimeFigureOut">
               <a:rPr lang="en-US" smtClean="0"/>
-              <a:t>9/11/2022</a:t>
+              <a:t>9/15/2022</a:t>
             </a:fld>
             <a:endParaRPr lang="en-US"/>
           </a:p>
@@ -2174,7 +2175,7 @@
           <a:p>
             <a:fld id="{BCCA07F9-06C3-4C90-A7AE-61AB97B15816}" type="datetimeFigureOut">
               <a:rPr lang="en-US" smtClean="0"/>
-              <a:t>9/11/2022</a:t>
+              <a:t>9/15/2022</a:t>
             </a:fld>
             <a:endParaRPr lang="en-US"/>
           </a:p>
@@ -2315,7 +2316,7 @@
           <a:p>
             <a:fld id="{BCCA07F9-06C3-4C90-A7AE-61AB97B15816}" type="datetimeFigureOut">
               <a:rPr lang="en-US" smtClean="0"/>
-              <a:t>9/11/2022</a:t>
+              <a:t>9/15/2022</a:t>
             </a:fld>
             <a:endParaRPr lang="en-US"/>
           </a:p>
@@ -2428,7 +2429,7 @@
           <a:p>
             <a:fld id="{BCCA07F9-06C3-4C90-A7AE-61AB97B15816}" type="datetimeFigureOut">
               <a:rPr lang="en-US" smtClean="0"/>
-              <a:t>9/11/2022</a:t>
+              <a:t>9/15/2022</a:t>
             </a:fld>
             <a:endParaRPr lang="en-US"/>
           </a:p>
@@ -2739,7 +2740,7 @@
           <a:p>
             <a:fld id="{BCCA07F9-06C3-4C90-A7AE-61AB97B15816}" type="datetimeFigureOut">
               <a:rPr lang="en-US" smtClean="0"/>
-              <a:t>9/11/2022</a:t>
+              <a:t>9/15/2022</a:t>
             </a:fld>
             <a:endParaRPr lang="en-US"/>
           </a:p>
@@ -3027,7 +3028,7 @@
           <a:p>
             <a:fld id="{BCCA07F9-06C3-4C90-A7AE-61AB97B15816}" type="datetimeFigureOut">
               <a:rPr lang="en-US" smtClean="0"/>
-              <a:t>9/11/2022</a:t>
+              <a:t>9/15/2022</a:t>
             </a:fld>
             <a:endParaRPr lang="en-US"/>
           </a:p>
@@ -3334,7 +3335,7 @@
           <a:p>
             <a:fld id="{BCCA07F9-06C3-4C90-A7AE-61AB97B15816}" type="datetimeFigureOut">
               <a:rPr lang="en-US" smtClean="0"/>
-              <a:t>9/11/2022</a:t>
+              <a:t>9/15/2022</a:t>
             </a:fld>
             <a:endParaRPr lang="en-US"/>
           </a:p>
@@ -3833,6 +3834,66 @@
       </p:grpSpPr>
       <p:pic>
         <p:nvPicPr>
+          <p:cNvPr id="5" name="Picture 4">
+            <a:extLst>
+              <a:ext uri="{FF2B5EF4-FFF2-40B4-BE49-F238E27FC236}">
+                <a16:creationId xmlns:a16="http://schemas.microsoft.com/office/drawing/2014/main" id="{3DEB038E-F903-90E5-ED1B-12C3A680E0DE}"/>
+              </a:ext>
+            </a:extLst>
+          </p:cNvPr>
+          <p:cNvPicPr>
+            <a:picLocks noChangeAspect="1"/>
+          </p:cNvPicPr>
+          <p:nvPr/>
+        </p:nvPicPr>
+        <p:blipFill>
+          <a:blip r:embed="rId2"/>
+          <a:stretch>
+            <a:fillRect/>
+          </a:stretch>
+        </p:blipFill>
+        <p:spPr>
+          <a:xfrm>
+            <a:off x="2123520" y="561575"/>
+            <a:ext cx="7944959" cy="5734850"/>
+          </a:xfrm>
+          <a:prstGeom prst="rect">
+            <a:avLst/>
+          </a:prstGeom>
+        </p:spPr>
+      </p:pic>
+    </p:spTree>
+    <p:extLst>
+      <p:ext uri="{BB962C8B-B14F-4D97-AF65-F5344CB8AC3E}">
+        <p14:creationId xmlns:p14="http://schemas.microsoft.com/office/powerpoint/2010/main" val="3014601644"/>
+      </p:ext>
+    </p:extLst>
+  </p:cSld>
+  <p:clrMapOvr>
+    <a:masterClrMapping/>
+  </p:clrMapOvr>
+</p:sld>
+</file>
+
+<file path=ppt/slides/slide3.xml><?xml version="1.0" encoding="utf-8"?>
+<p:sld xmlns:a="http://schemas.openxmlformats.org/drawingml/2006/main" xmlns:r="http://schemas.openxmlformats.org/officeDocument/2006/relationships" xmlns:p="http://schemas.openxmlformats.org/presentationml/2006/main">
+  <p:cSld>
+    <p:spTree>
+      <p:nvGrpSpPr>
+        <p:cNvPr id="1" name=""/>
+        <p:cNvGrpSpPr/>
+        <p:nvPr/>
+      </p:nvGrpSpPr>
+      <p:grpSpPr>
+        <a:xfrm>
+          <a:off x="0" y="0"/>
+          <a:ext cx="0" cy="0"/>
+          <a:chOff x="0" y="0"/>
+          <a:chExt cx="0" cy="0"/>
+        </a:xfrm>
+      </p:grpSpPr>
+      <p:pic>
+        <p:nvPicPr>
           <p:cNvPr id="7" name="Picture 6">
             <a:extLst>
               <a:ext uri="{FF2B5EF4-FFF2-40B4-BE49-F238E27FC236}">
@@ -4012,7 +4073,7 @@
 </p:sld>
 </file>
 
-<file path=ppt/slides/slide3.xml><?xml version="1.0" encoding="utf-8"?>
+<file path=ppt/slides/slide4.xml><?xml version="1.0" encoding="utf-8"?>
 <p:sld xmlns:a="http://schemas.openxmlformats.org/drawingml/2006/main" xmlns:r="http://schemas.openxmlformats.org/officeDocument/2006/relationships" xmlns:p="http://schemas.openxmlformats.org/presentationml/2006/main">
   <p:cSld>
     <p:spTree>
@@ -5125,7 +5186,7 @@
 </p:sld>
 </file>
 
-<file path=ppt/slides/slide4.xml><?xml version="1.0" encoding="utf-8"?>
+<file path=ppt/slides/slide5.xml><?xml version="1.0" encoding="utf-8"?>
 <p:sld xmlns:a="http://schemas.openxmlformats.org/drawingml/2006/main" xmlns:r="http://schemas.openxmlformats.org/officeDocument/2006/relationships" xmlns:p="http://schemas.openxmlformats.org/presentationml/2006/main">
   <p:cSld>
     <p:spTree>
@@ -5720,7 +5781,7 @@
 </p:sld>
 </file>
 
-<file path=ppt/slides/slide5.xml><?xml version="1.0" encoding="utf-8"?>
+<file path=ppt/slides/slide6.xml><?xml version="1.0" encoding="utf-8"?>
 <p:sld xmlns:a="http://schemas.openxmlformats.org/drawingml/2006/main" xmlns:r="http://schemas.openxmlformats.org/officeDocument/2006/relationships" xmlns:p="http://schemas.openxmlformats.org/presentationml/2006/main">
   <p:cSld>
     <p:spTree>

--- a/Content/Diagrams.pptx
+++ b/Content/Diagrams.pptx
@@ -5,24 +5,25 @@
     <p:sldMasterId id="2147483648" r:id="rId1"/>
   </p:sldMasterIdLst>
   <p:notesMasterIdLst>
-    <p:notesMasterId r:id="rId12"/>
+    <p:notesMasterId r:id="rId13"/>
   </p:notesMasterIdLst>
   <p:sldIdLst>
     <p:sldId id="256" r:id="rId2"/>
-    <p:sldId id="265" r:id="rId3"/>
-    <p:sldId id="264" r:id="rId4"/>
-    <p:sldId id="262" r:id="rId5"/>
-    <p:sldId id="263" r:id="rId6"/>
-    <p:sldId id="261" r:id="rId7"/>
-    <p:sldId id="260" r:id="rId8"/>
-    <p:sldId id="259" r:id="rId9"/>
-    <p:sldId id="258" r:id="rId10"/>
-    <p:sldId id="257" r:id="rId11"/>
+    <p:sldId id="267" r:id="rId3"/>
+    <p:sldId id="265" r:id="rId4"/>
+    <p:sldId id="264" r:id="rId5"/>
+    <p:sldId id="266" r:id="rId6"/>
+    <p:sldId id="263" r:id="rId7"/>
+    <p:sldId id="261" r:id="rId8"/>
+    <p:sldId id="260" r:id="rId9"/>
+    <p:sldId id="259" r:id="rId10"/>
+    <p:sldId id="258" r:id="rId11"/>
+    <p:sldId id="257" r:id="rId12"/>
   </p:sldIdLst>
   <p:sldSz cx="12192000" cy="6858000"/>
   <p:notesSz cx="6858000" cy="9144000"/>
   <p:custDataLst>
-    <p:tags r:id="rId13"/>
+    <p:tags r:id="rId14"/>
   </p:custDataLst>
   <p:defaultTextStyle>
     <a:defPPr>
@@ -3831,6 +3832,601 @@
 </file>
 
 <file path=ppt/slides/slide10.xml><?xml version="1.0" encoding="utf-8"?>
+<p:sld xmlns:a="http://schemas.openxmlformats.org/drawingml/2006/main" xmlns:r="http://schemas.openxmlformats.org/officeDocument/2006/relationships" xmlns:p="http://schemas.openxmlformats.org/presentationml/2006/main">
+  <p:cSld>
+    <p:spTree>
+      <p:nvGrpSpPr>
+        <p:cNvPr id="1" name=""/>
+        <p:cNvGrpSpPr/>
+        <p:nvPr/>
+      </p:nvGrpSpPr>
+      <p:grpSpPr>
+        <a:xfrm>
+          <a:off x="0" y="0"/>
+          <a:ext cx="0" cy="0"/>
+          <a:chOff x="0" y="0"/>
+          <a:chExt cx="0" cy="0"/>
+        </a:xfrm>
+      </p:grpSpPr>
+      <p:pic>
+        <p:nvPicPr>
+          <p:cNvPr id="7" name="Picture 6">
+            <a:extLst>
+              <a:ext uri="{FF2B5EF4-FFF2-40B4-BE49-F238E27FC236}">
+                <a16:creationId xmlns:a16="http://schemas.microsoft.com/office/drawing/2014/main" id="{5F906E03-438E-DE7C-59A4-F3E307AB45C0}"/>
+              </a:ext>
+            </a:extLst>
+          </p:cNvPr>
+          <p:cNvPicPr>
+            <a:picLocks noChangeAspect="1"/>
+          </p:cNvPicPr>
+          <p:nvPr/>
+        </p:nvPicPr>
+        <p:blipFill rotWithShape="1">
+          <a:blip r:embed="rId2"/>
+          <a:srcRect l="455" t="10843" r="531"/>
+          <a:stretch/>
+        </p:blipFill>
+        <p:spPr>
+          <a:xfrm>
+            <a:off x="1902467" y="395577"/>
+            <a:ext cx="8457014" cy="6066845"/>
+          </a:xfrm>
+          <a:prstGeom prst="rect">
+            <a:avLst/>
+          </a:prstGeom>
+        </p:spPr>
+      </p:pic>
+      <p:cxnSp>
+        <p:nvCxnSpPr>
+          <p:cNvPr id="11" name="Straight Arrow Connector 10">
+            <a:extLst>
+              <a:ext uri="{FF2B5EF4-FFF2-40B4-BE49-F238E27FC236}">
+                <a16:creationId xmlns:a16="http://schemas.microsoft.com/office/drawing/2014/main" id="{A4E70A34-6008-5F14-6413-20EDA39DF933}"/>
+              </a:ext>
+            </a:extLst>
+          </p:cNvPr>
+          <p:cNvCxnSpPr/>
+          <p:nvPr/>
+        </p:nvCxnSpPr>
+        <p:spPr>
+          <a:xfrm flipH="1" flipV="1">
+            <a:off x="3220278" y="1630017"/>
+            <a:ext cx="604299" cy="644056"/>
+          </a:xfrm>
+          <a:prstGeom prst="straightConnector1">
+            <a:avLst/>
+          </a:prstGeom>
+          <a:ln w="12700">
+            <a:solidFill>
+              <a:srgbClr val="FF0000"/>
+            </a:solidFill>
+            <a:tailEnd type="triangle"/>
+          </a:ln>
+        </p:spPr>
+        <p:style>
+          <a:lnRef idx="1">
+            <a:schemeClr val="accent1"/>
+          </a:lnRef>
+          <a:fillRef idx="0">
+            <a:schemeClr val="accent1"/>
+          </a:fillRef>
+          <a:effectRef idx="0">
+            <a:schemeClr val="accent1"/>
+          </a:effectRef>
+          <a:fontRef idx="minor">
+            <a:schemeClr val="tx1"/>
+          </a:fontRef>
+        </p:style>
+      </p:cxnSp>
+      <p:cxnSp>
+        <p:nvCxnSpPr>
+          <p:cNvPr id="17" name="Straight Arrow Connector 16">
+            <a:extLst>
+              <a:ext uri="{FF2B5EF4-FFF2-40B4-BE49-F238E27FC236}">
+                <a16:creationId xmlns:a16="http://schemas.microsoft.com/office/drawing/2014/main" id="{933EB422-D3E8-0F71-7717-416CBD626E53}"/>
+              </a:ext>
+            </a:extLst>
+          </p:cNvPr>
+          <p:cNvCxnSpPr>
+            <a:cxnSpLocks/>
+          </p:cNvCxnSpPr>
+          <p:nvPr/>
+        </p:nvCxnSpPr>
+        <p:spPr>
+          <a:xfrm flipV="1">
+            <a:off x="5793850" y="629478"/>
+            <a:ext cx="0" cy="817659"/>
+          </a:xfrm>
+          <a:prstGeom prst="straightConnector1">
+            <a:avLst/>
+          </a:prstGeom>
+          <a:ln w="12700">
+            <a:solidFill>
+              <a:srgbClr val="FF0000"/>
+            </a:solidFill>
+            <a:tailEnd type="triangle"/>
+          </a:ln>
+        </p:spPr>
+        <p:style>
+          <a:lnRef idx="1">
+            <a:schemeClr val="accent1"/>
+          </a:lnRef>
+          <a:fillRef idx="0">
+            <a:schemeClr val="accent1"/>
+          </a:fillRef>
+          <a:effectRef idx="0">
+            <a:schemeClr val="accent1"/>
+          </a:effectRef>
+          <a:fontRef idx="minor">
+            <a:schemeClr val="tx1"/>
+          </a:fontRef>
+        </p:style>
+      </p:cxnSp>
+      <p:cxnSp>
+        <p:nvCxnSpPr>
+          <p:cNvPr id="19" name="Straight Arrow Connector 18">
+            <a:extLst>
+              <a:ext uri="{FF2B5EF4-FFF2-40B4-BE49-F238E27FC236}">
+                <a16:creationId xmlns:a16="http://schemas.microsoft.com/office/drawing/2014/main" id="{EA0D4BCD-881D-3051-7A5C-1CCFE88FDD92}"/>
+              </a:ext>
+            </a:extLst>
+          </p:cNvPr>
+          <p:cNvCxnSpPr>
+            <a:cxnSpLocks/>
+          </p:cNvCxnSpPr>
+          <p:nvPr/>
+        </p:nvCxnSpPr>
+        <p:spPr>
+          <a:xfrm flipV="1">
+            <a:off x="7404782" y="2369489"/>
+            <a:ext cx="824818" cy="640078"/>
+          </a:xfrm>
+          <a:prstGeom prst="straightConnector1">
+            <a:avLst/>
+          </a:prstGeom>
+          <a:ln w="12700">
+            <a:solidFill>
+              <a:srgbClr val="FF0000"/>
+            </a:solidFill>
+            <a:tailEnd type="triangle"/>
+          </a:ln>
+        </p:spPr>
+        <p:style>
+          <a:lnRef idx="1">
+            <a:schemeClr val="accent1"/>
+          </a:lnRef>
+          <a:fillRef idx="0">
+            <a:schemeClr val="accent1"/>
+          </a:fillRef>
+          <a:effectRef idx="0">
+            <a:schemeClr val="accent1"/>
+          </a:effectRef>
+          <a:fontRef idx="minor">
+            <a:schemeClr val="tx1"/>
+          </a:fontRef>
+        </p:style>
+      </p:cxnSp>
+      <p:cxnSp>
+        <p:nvCxnSpPr>
+          <p:cNvPr id="21" name="Straight Arrow Connector 20">
+            <a:extLst>
+              <a:ext uri="{FF2B5EF4-FFF2-40B4-BE49-F238E27FC236}">
+                <a16:creationId xmlns:a16="http://schemas.microsoft.com/office/drawing/2014/main" id="{EA81539F-4BBF-1663-6FAE-FAC0EA926A78}"/>
+              </a:ext>
+            </a:extLst>
+          </p:cNvPr>
+          <p:cNvCxnSpPr>
+            <a:cxnSpLocks/>
+          </p:cNvCxnSpPr>
+          <p:nvPr/>
+        </p:nvCxnSpPr>
+        <p:spPr>
+          <a:xfrm flipH="1">
+            <a:off x="3929270" y="5255812"/>
+            <a:ext cx="690438" cy="430696"/>
+          </a:xfrm>
+          <a:prstGeom prst="straightConnector1">
+            <a:avLst/>
+          </a:prstGeom>
+          <a:ln w="12700">
+            <a:solidFill>
+              <a:srgbClr val="FF0000"/>
+            </a:solidFill>
+            <a:tailEnd type="triangle"/>
+          </a:ln>
+        </p:spPr>
+        <p:style>
+          <a:lnRef idx="1">
+            <a:schemeClr val="accent1"/>
+          </a:lnRef>
+          <a:fillRef idx="0">
+            <a:schemeClr val="accent1"/>
+          </a:fillRef>
+          <a:effectRef idx="0">
+            <a:schemeClr val="accent1"/>
+          </a:effectRef>
+          <a:fontRef idx="minor">
+            <a:schemeClr val="tx1"/>
+          </a:fontRef>
+        </p:style>
+      </p:cxnSp>
+      <p:cxnSp>
+        <p:nvCxnSpPr>
+          <p:cNvPr id="23" name="Straight Arrow Connector 22">
+            <a:extLst>
+              <a:ext uri="{FF2B5EF4-FFF2-40B4-BE49-F238E27FC236}">
+                <a16:creationId xmlns:a16="http://schemas.microsoft.com/office/drawing/2014/main" id="{D934C1F0-0599-9588-BF1F-75FBF59D6462}"/>
+              </a:ext>
+            </a:extLst>
+          </p:cNvPr>
+          <p:cNvCxnSpPr>
+            <a:cxnSpLocks/>
+          </p:cNvCxnSpPr>
+          <p:nvPr/>
+        </p:nvCxnSpPr>
+        <p:spPr>
+          <a:xfrm flipH="1" flipV="1">
+            <a:off x="2044810" y="716279"/>
+            <a:ext cx="690972" cy="2192573"/>
+          </a:xfrm>
+          <a:prstGeom prst="straightConnector1">
+            <a:avLst/>
+          </a:prstGeom>
+          <a:ln w="12700">
+            <a:solidFill>
+              <a:srgbClr val="FF0000"/>
+            </a:solidFill>
+            <a:tailEnd type="triangle"/>
+          </a:ln>
+        </p:spPr>
+        <p:style>
+          <a:lnRef idx="1">
+            <a:schemeClr val="accent1"/>
+          </a:lnRef>
+          <a:fillRef idx="0">
+            <a:schemeClr val="accent1"/>
+          </a:fillRef>
+          <a:effectRef idx="0">
+            <a:schemeClr val="accent1"/>
+          </a:effectRef>
+          <a:fontRef idx="minor">
+            <a:schemeClr val="tx1"/>
+          </a:fontRef>
+        </p:style>
+      </p:cxnSp>
+      <p:cxnSp>
+        <p:nvCxnSpPr>
+          <p:cNvPr id="25" name="Straight Arrow Connector 24">
+            <a:extLst>
+              <a:ext uri="{FF2B5EF4-FFF2-40B4-BE49-F238E27FC236}">
+                <a16:creationId xmlns:a16="http://schemas.microsoft.com/office/drawing/2014/main" id="{EB0F5594-6AEA-6052-A82D-9DD0A6DC2EBA}"/>
+              </a:ext>
+            </a:extLst>
+          </p:cNvPr>
+          <p:cNvCxnSpPr>
+            <a:cxnSpLocks/>
+          </p:cNvCxnSpPr>
+          <p:nvPr/>
+        </p:nvCxnSpPr>
+        <p:spPr>
+          <a:xfrm flipV="1">
+            <a:off x="9485906" y="629478"/>
+            <a:ext cx="571970" cy="3338223"/>
+          </a:xfrm>
+          <a:prstGeom prst="straightConnector1">
+            <a:avLst/>
+          </a:prstGeom>
+          <a:ln w="12700">
+            <a:solidFill>
+              <a:srgbClr val="FF0000"/>
+            </a:solidFill>
+            <a:tailEnd type="triangle"/>
+          </a:ln>
+        </p:spPr>
+        <p:style>
+          <a:lnRef idx="1">
+            <a:schemeClr val="accent1"/>
+          </a:lnRef>
+          <a:fillRef idx="0">
+            <a:schemeClr val="accent1"/>
+          </a:fillRef>
+          <a:effectRef idx="0">
+            <a:schemeClr val="accent1"/>
+          </a:effectRef>
+          <a:fontRef idx="minor">
+            <a:schemeClr val="tx1"/>
+          </a:fontRef>
+        </p:style>
+      </p:cxnSp>
+      <p:sp>
+        <p:nvSpPr>
+          <p:cNvPr id="27" name="TextBox 26">
+            <a:extLst>
+              <a:ext uri="{FF2B5EF4-FFF2-40B4-BE49-F238E27FC236}">
+                <a16:creationId xmlns:a16="http://schemas.microsoft.com/office/drawing/2014/main" id="{07519777-3303-DA67-0FBA-0ED5ABFD15DE}"/>
+              </a:ext>
+            </a:extLst>
+          </p:cNvPr>
+          <p:cNvSpPr txBox="1"/>
+          <p:nvPr/>
+        </p:nvSpPr>
+        <p:spPr>
+          <a:xfrm>
+            <a:off x="5221097" y="1447137"/>
+            <a:ext cx="1145506" cy="369332"/>
+          </a:xfrm>
+          <a:prstGeom prst="rect">
+            <a:avLst/>
+          </a:prstGeom>
+          <a:noFill/>
+        </p:spPr>
+        <p:txBody>
+          <a:bodyPr wrap="none" rtlCol="0">
+            <a:spAutoFit/>
+          </a:bodyPr>
+          <a:lstStyle/>
+          <a:p>
+            <a:r>
+              <a:rPr lang="en-US" b="1" dirty="0">
+                <a:solidFill>
+                  <a:srgbClr val="FF0000"/>
+                </a:solidFill>
+              </a:rPr>
+              <a:t>Masthead</a:t>
+            </a:r>
+            <a:endParaRPr lang="en-DE" b="1" dirty="0">
+              <a:solidFill>
+                <a:srgbClr val="FF0000"/>
+              </a:solidFill>
+            </a:endParaRPr>
+          </a:p>
+        </p:txBody>
+      </p:sp>
+      <p:sp>
+        <p:nvSpPr>
+          <p:cNvPr id="29" name="TextBox 28">
+            <a:extLst>
+              <a:ext uri="{FF2B5EF4-FFF2-40B4-BE49-F238E27FC236}">
+                <a16:creationId xmlns:a16="http://schemas.microsoft.com/office/drawing/2014/main" id="{B9E2F8A7-B2B4-9F96-20B2-024896EE3069}"/>
+              </a:ext>
+            </a:extLst>
+          </p:cNvPr>
+          <p:cNvSpPr txBox="1"/>
+          <p:nvPr/>
+        </p:nvSpPr>
+        <p:spPr>
+          <a:xfrm>
+            <a:off x="3524426" y="2264796"/>
+            <a:ext cx="2622577" cy="369332"/>
+          </a:xfrm>
+          <a:prstGeom prst="rect">
+            <a:avLst/>
+          </a:prstGeom>
+          <a:noFill/>
+        </p:spPr>
+        <p:txBody>
+          <a:bodyPr wrap="none" rtlCol="0">
+            <a:spAutoFit/>
+          </a:bodyPr>
+          <a:lstStyle/>
+          <a:p>
+            <a:r>
+              <a:rPr lang="en-US" b="1" dirty="0">
+                <a:solidFill>
+                  <a:srgbClr val="FF0000"/>
+                </a:solidFill>
+              </a:rPr>
+              <a:t>ONOS Cluster Node Panel</a:t>
+            </a:r>
+            <a:endParaRPr lang="en-DE" b="1" dirty="0">
+              <a:solidFill>
+                <a:srgbClr val="FF0000"/>
+              </a:solidFill>
+            </a:endParaRPr>
+          </a:p>
+        </p:txBody>
+      </p:sp>
+      <p:sp>
+        <p:nvSpPr>
+          <p:cNvPr id="31" name="TextBox 30">
+            <a:extLst>
+              <a:ext uri="{FF2B5EF4-FFF2-40B4-BE49-F238E27FC236}">
+                <a16:creationId xmlns:a16="http://schemas.microsoft.com/office/drawing/2014/main" id="{9C278016-A8C3-7585-2CC9-6B059AEF3BF4}"/>
+              </a:ext>
+            </a:extLst>
+          </p:cNvPr>
+          <p:cNvSpPr txBox="1"/>
+          <p:nvPr/>
+        </p:nvSpPr>
+        <p:spPr>
+          <a:xfrm>
+            <a:off x="3920144" y="4886480"/>
+            <a:ext cx="1815112" cy="369332"/>
+          </a:xfrm>
+          <a:prstGeom prst="rect">
+            <a:avLst/>
+          </a:prstGeom>
+          <a:noFill/>
+        </p:spPr>
+        <p:txBody>
+          <a:bodyPr wrap="none" rtlCol="0">
+            <a:spAutoFit/>
+          </a:bodyPr>
+          <a:lstStyle/>
+          <a:p>
+            <a:r>
+              <a:rPr lang="en-US" b="1" dirty="0">
+                <a:solidFill>
+                  <a:srgbClr val="FF0000"/>
+                </a:solidFill>
+              </a:rPr>
+              <a:t>Topology Toolbar</a:t>
+            </a:r>
+            <a:endParaRPr lang="en-DE" b="1" dirty="0">
+              <a:solidFill>
+                <a:srgbClr val="FF0000"/>
+              </a:solidFill>
+            </a:endParaRPr>
+          </a:p>
+        </p:txBody>
+      </p:sp>
+      <p:sp>
+        <p:nvSpPr>
+          <p:cNvPr id="33" name="TextBox 32">
+            <a:extLst>
+              <a:ext uri="{FF2B5EF4-FFF2-40B4-BE49-F238E27FC236}">
+                <a16:creationId xmlns:a16="http://schemas.microsoft.com/office/drawing/2014/main" id="{AC56668E-5FF0-07B0-CEE6-2E3E1AC47790}"/>
+              </a:ext>
+            </a:extLst>
+          </p:cNvPr>
+          <p:cNvSpPr txBox="1"/>
+          <p:nvPr/>
+        </p:nvSpPr>
+        <p:spPr>
+          <a:xfrm>
+            <a:off x="6247847" y="3009567"/>
+            <a:ext cx="1678408" cy="369332"/>
+          </a:xfrm>
+          <a:prstGeom prst="rect">
+            <a:avLst/>
+          </a:prstGeom>
+          <a:noFill/>
+        </p:spPr>
+        <p:txBody>
+          <a:bodyPr wrap="none" rtlCol="0">
+            <a:spAutoFit/>
+          </a:bodyPr>
+          <a:lstStyle/>
+          <a:p>
+            <a:r>
+              <a:rPr lang="en-US" b="1" dirty="0">
+                <a:solidFill>
+                  <a:srgbClr val="FF0000"/>
+                </a:solidFill>
+              </a:rPr>
+              <a:t>Summary Panel</a:t>
+            </a:r>
+            <a:endParaRPr lang="en-DE" b="1" dirty="0">
+              <a:solidFill>
+                <a:srgbClr val="FF0000"/>
+              </a:solidFill>
+            </a:endParaRPr>
+          </a:p>
+        </p:txBody>
+      </p:sp>
+      <p:sp>
+        <p:nvSpPr>
+          <p:cNvPr id="37" name="TextBox 36">
+            <a:extLst>
+              <a:ext uri="{FF2B5EF4-FFF2-40B4-BE49-F238E27FC236}">
+                <a16:creationId xmlns:a16="http://schemas.microsoft.com/office/drawing/2014/main" id="{BFED3F50-12AD-084B-E03D-B7433198DDAE}"/>
+              </a:ext>
+            </a:extLst>
+          </p:cNvPr>
+          <p:cNvSpPr txBox="1"/>
+          <p:nvPr/>
+        </p:nvSpPr>
+        <p:spPr>
+          <a:xfrm>
+            <a:off x="2006457" y="2908852"/>
+            <a:ext cx="2538002" cy="369332"/>
+          </a:xfrm>
+          <a:prstGeom prst="rect">
+            <a:avLst/>
+          </a:prstGeom>
+          <a:noFill/>
+        </p:spPr>
+        <p:txBody>
+          <a:bodyPr wrap="none" rtlCol="0">
+            <a:spAutoFit/>
+          </a:bodyPr>
+          <a:lstStyle/>
+          <a:p>
+            <a:r>
+              <a:rPr lang="en-US" b="1" dirty="0">
+                <a:solidFill>
+                  <a:srgbClr val="FF0000"/>
+                </a:solidFill>
+              </a:rPr>
+              <a:t>Navigation Menu Button</a:t>
+            </a:r>
+            <a:endParaRPr lang="en-DE" b="1" dirty="0">
+              <a:solidFill>
+                <a:srgbClr val="FF0000"/>
+              </a:solidFill>
+            </a:endParaRPr>
+          </a:p>
+        </p:txBody>
+      </p:sp>
+      <p:sp>
+        <p:nvSpPr>
+          <p:cNvPr id="40" name="TextBox 39">
+            <a:extLst>
+              <a:ext uri="{FF2B5EF4-FFF2-40B4-BE49-F238E27FC236}">
+                <a16:creationId xmlns:a16="http://schemas.microsoft.com/office/drawing/2014/main" id="{0C8239DD-036D-1FD0-9D99-04D47331E3B1}"/>
+              </a:ext>
+            </a:extLst>
+          </p:cNvPr>
+          <p:cNvSpPr txBox="1"/>
+          <p:nvPr/>
+        </p:nvSpPr>
+        <p:spPr>
+          <a:xfrm>
+            <a:off x="8615053" y="3967701"/>
+            <a:ext cx="1263487" cy="646331"/>
+          </a:xfrm>
+          <a:prstGeom prst="rect">
+            <a:avLst/>
+          </a:prstGeom>
+          <a:noFill/>
+        </p:spPr>
+        <p:txBody>
+          <a:bodyPr wrap="none" rtlCol="0">
+            <a:spAutoFit/>
+          </a:bodyPr>
+          <a:lstStyle/>
+          <a:p>
+            <a:r>
+              <a:rPr lang="en-US" b="1" dirty="0">
+                <a:solidFill>
+                  <a:srgbClr val="FF0000"/>
+                </a:solidFill>
+              </a:rPr>
+              <a:t>Username/</a:t>
+            </a:r>
+          </a:p>
+          <a:p>
+            <a:r>
+              <a:rPr lang="en-US" b="1" dirty="0">
+                <a:solidFill>
+                  <a:srgbClr val="FF0000"/>
+                </a:solidFill>
+              </a:rPr>
+              <a:t>Logout link</a:t>
+            </a:r>
+            <a:endParaRPr lang="en-DE" b="1" dirty="0">
+              <a:solidFill>
+                <a:srgbClr val="FF0000"/>
+              </a:solidFill>
+            </a:endParaRPr>
+          </a:p>
+        </p:txBody>
+      </p:sp>
+    </p:spTree>
+    <p:extLst>
+      <p:ext uri="{BB962C8B-B14F-4D97-AF65-F5344CB8AC3E}">
+        <p14:creationId xmlns:p14="http://schemas.microsoft.com/office/powerpoint/2010/main" val="1952688431"/>
+      </p:ext>
+    </p:extLst>
+  </p:cSld>
+  <p:clrMapOvr>
+    <a:masterClrMapping/>
+  </p:clrMapOvr>
+</p:sld>
+</file>
+
+<file path=ppt/slides/slide11.xml><?xml version="1.0" encoding="utf-8"?>
 <p:sld xmlns:a="http://schemas.openxmlformats.org/drawingml/2006/main" xmlns:r="http://schemas.openxmlformats.org/officeDocument/2006/relationships" xmlns:p="http://schemas.openxmlformats.org/presentationml/2006/main">
   <p:cSld>
     <p:spTree>
@@ -22123,6 +22719,66 @@
       </p:grpSpPr>
       <p:pic>
         <p:nvPicPr>
+          <p:cNvPr id="5" name="Picture 4">
+            <a:extLst>
+              <a:ext uri="{FF2B5EF4-FFF2-40B4-BE49-F238E27FC236}">
+                <a16:creationId xmlns:a16="http://schemas.microsoft.com/office/drawing/2014/main" id="{6F93735E-F6FA-8725-7B0D-DE95E725F9A7}"/>
+              </a:ext>
+            </a:extLst>
+          </p:cNvPr>
+          <p:cNvPicPr>
+            <a:picLocks noChangeAspect="1"/>
+          </p:cNvPicPr>
+          <p:nvPr/>
+        </p:nvPicPr>
+        <p:blipFill>
+          <a:blip r:embed="rId2"/>
+          <a:stretch>
+            <a:fillRect/>
+          </a:stretch>
+        </p:blipFill>
+        <p:spPr>
+          <a:xfrm>
+            <a:off x="1956110" y="0"/>
+            <a:ext cx="8279780" cy="6858000"/>
+          </a:xfrm>
+          <a:prstGeom prst="rect">
+            <a:avLst/>
+          </a:prstGeom>
+        </p:spPr>
+      </p:pic>
+    </p:spTree>
+    <p:extLst>
+      <p:ext uri="{BB962C8B-B14F-4D97-AF65-F5344CB8AC3E}">
+        <p14:creationId xmlns:p14="http://schemas.microsoft.com/office/powerpoint/2010/main" val="1007778994"/>
+      </p:ext>
+    </p:extLst>
+  </p:cSld>
+  <p:clrMapOvr>
+    <a:masterClrMapping/>
+  </p:clrMapOvr>
+</p:sld>
+</file>
+
+<file path=ppt/slides/slide3.xml><?xml version="1.0" encoding="utf-8"?>
+<p:sld xmlns:a="http://schemas.openxmlformats.org/drawingml/2006/main" xmlns:r="http://schemas.openxmlformats.org/officeDocument/2006/relationships" xmlns:p="http://schemas.openxmlformats.org/presentationml/2006/main">
+  <p:cSld>
+    <p:spTree>
+      <p:nvGrpSpPr>
+        <p:cNvPr id="1" name=""/>
+        <p:cNvGrpSpPr/>
+        <p:nvPr/>
+      </p:nvGrpSpPr>
+      <p:grpSpPr>
+        <a:xfrm>
+          <a:off x="0" y="0"/>
+          <a:ext cx="0" cy="0"/>
+          <a:chOff x="0" y="0"/>
+          <a:chExt cx="0" cy="0"/>
+        </a:xfrm>
+      </p:grpSpPr>
+      <p:pic>
+        <p:nvPicPr>
           <p:cNvPr id="4" name="Picture 3" descr="Table&#10;&#10;Description automatically generated">
             <a:extLst>
               <a:ext uri="{FF2B5EF4-FFF2-40B4-BE49-F238E27FC236}">
@@ -22151,45 +22807,6 @@
           </a:prstGeom>
         </p:spPr>
       </p:pic>
-      <p:sp>
-        <p:nvSpPr>
-          <p:cNvPr id="5" name="TextBox 4">
-            <a:extLst>
-              <a:ext uri="{FF2B5EF4-FFF2-40B4-BE49-F238E27FC236}">
-                <a16:creationId xmlns:a16="http://schemas.microsoft.com/office/drawing/2014/main" id="{930C6D26-655B-81B8-CB25-209CD490EF8F}"/>
-              </a:ext>
-            </a:extLst>
-          </p:cNvPr>
-          <p:cNvSpPr txBox="1"/>
-          <p:nvPr/>
-        </p:nvSpPr>
-        <p:spPr>
-          <a:xfrm>
-            <a:off x="10117394" y="957128"/>
-            <a:ext cx="206477" cy="276999"/>
-          </a:xfrm>
-          <a:prstGeom prst="rect">
-            <a:avLst/>
-          </a:prstGeom>
-          <a:noFill/>
-        </p:spPr>
-        <p:txBody>
-          <a:bodyPr wrap="square" rtlCol="0">
-            <a:spAutoFit/>
-          </a:bodyPr>
-          <a:lstStyle/>
-          <a:p>
-            <a:r>
-              <a:rPr lang="en-US" sz="1200" b="1" dirty="0">
-                <a:solidFill>
-                  <a:srgbClr val="C00000"/>
-                </a:solidFill>
-              </a:rPr>
-              <a:t>1</a:t>
-            </a:r>
-          </a:p>
-        </p:txBody>
-      </p:sp>
       <p:sp>
         <p:nvSpPr>
           <p:cNvPr id="6" name="TextBox 5">
@@ -22551,6 +23168,162 @@
           </a:p>
         </p:txBody>
       </p:sp>
+      <p:sp>
+        <p:nvSpPr>
+          <p:cNvPr id="7" name="TextBox 6">
+            <a:extLst>
+              <a:ext uri="{FF2B5EF4-FFF2-40B4-BE49-F238E27FC236}">
+                <a16:creationId xmlns:a16="http://schemas.microsoft.com/office/drawing/2014/main" id="{8807E76E-52DA-3EEF-47B5-140274764AE9}"/>
+              </a:ext>
+            </a:extLst>
+          </p:cNvPr>
+          <p:cNvSpPr txBox="1"/>
+          <p:nvPr/>
+        </p:nvSpPr>
+        <p:spPr>
+          <a:xfrm>
+            <a:off x="4878212" y="4640380"/>
+            <a:ext cx="372173" cy="276999"/>
+          </a:xfrm>
+          <a:prstGeom prst="rect">
+            <a:avLst/>
+          </a:prstGeom>
+          <a:noFill/>
+        </p:spPr>
+        <p:txBody>
+          <a:bodyPr wrap="square" rtlCol="0">
+            <a:spAutoFit/>
+          </a:bodyPr>
+          <a:lstStyle/>
+          <a:p>
+            <a:r>
+              <a:rPr lang="en-US" sz="1200" b="1" dirty="0">
+                <a:solidFill>
+                  <a:srgbClr val="C00000"/>
+                </a:solidFill>
+              </a:rPr>
+              <a:t>13</a:t>
+            </a:r>
+          </a:p>
+        </p:txBody>
+      </p:sp>
+      <p:sp>
+        <p:nvSpPr>
+          <p:cNvPr id="14" name="TextBox 13">
+            <a:extLst>
+              <a:ext uri="{FF2B5EF4-FFF2-40B4-BE49-F238E27FC236}">
+                <a16:creationId xmlns:a16="http://schemas.microsoft.com/office/drawing/2014/main" id="{08D07F80-A89F-81A0-A628-0A1BA47A00F8}"/>
+              </a:ext>
+            </a:extLst>
+          </p:cNvPr>
+          <p:cNvSpPr txBox="1"/>
+          <p:nvPr/>
+        </p:nvSpPr>
+        <p:spPr>
+          <a:xfrm>
+            <a:off x="4878211" y="5343990"/>
+            <a:ext cx="372173" cy="276999"/>
+          </a:xfrm>
+          <a:prstGeom prst="rect">
+            <a:avLst/>
+          </a:prstGeom>
+          <a:noFill/>
+        </p:spPr>
+        <p:txBody>
+          <a:bodyPr wrap="square" rtlCol="0">
+            <a:spAutoFit/>
+          </a:bodyPr>
+          <a:lstStyle/>
+          <a:p>
+            <a:r>
+              <a:rPr lang="en-US" sz="1200" b="1" dirty="0">
+                <a:solidFill>
+                  <a:srgbClr val="C00000"/>
+                </a:solidFill>
+              </a:rPr>
+              <a:t>14</a:t>
+            </a:r>
+          </a:p>
+        </p:txBody>
+      </p:sp>
+      <p:sp>
+        <p:nvSpPr>
+          <p:cNvPr id="17" name="TextBox 16">
+            <a:extLst>
+              <a:ext uri="{FF2B5EF4-FFF2-40B4-BE49-F238E27FC236}">
+                <a16:creationId xmlns:a16="http://schemas.microsoft.com/office/drawing/2014/main" id="{3FA68EB1-C08A-3014-86A3-D7C249CCD132}"/>
+              </a:ext>
+            </a:extLst>
+          </p:cNvPr>
+          <p:cNvSpPr txBox="1"/>
+          <p:nvPr/>
+        </p:nvSpPr>
+        <p:spPr>
+          <a:xfrm>
+            <a:off x="4892628" y="5623873"/>
+            <a:ext cx="372173" cy="276999"/>
+          </a:xfrm>
+          <a:prstGeom prst="rect">
+            <a:avLst/>
+          </a:prstGeom>
+          <a:noFill/>
+        </p:spPr>
+        <p:txBody>
+          <a:bodyPr wrap="square" rtlCol="0">
+            <a:spAutoFit/>
+          </a:bodyPr>
+          <a:lstStyle/>
+          <a:p>
+            <a:r>
+              <a:rPr lang="en-US" sz="1200" b="1" dirty="0">
+                <a:solidFill>
+                  <a:srgbClr val="C00000"/>
+                </a:solidFill>
+              </a:rPr>
+              <a:t>16</a:t>
+            </a:r>
+          </a:p>
+        </p:txBody>
+      </p:sp>
+      <p:sp>
+        <p:nvSpPr>
+          <p:cNvPr id="18" name="TextBox 17">
+            <a:extLst>
+              <a:ext uri="{FF2B5EF4-FFF2-40B4-BE49-F238E27FC236}">
+                <a16:creationId xmlns:a16="http://schemas.microsoft.com/office/drawing/2014/main" id="{D76660A7-D5D5-1A43-1C93-C1796DDE1A1B}"/>
+              </a:ext>
+            </a:extLst>
+          </p:cNvPr>
+          <p:cNvSpPr txBox="1"/>
+          <p:nvPr/>
+        </p:nvSpPr>
+        <p:spPr>
+          <a:xfrm>
+            <a:off x="4892628" y="5915432"/>
+            <a:ext cx="372173" cy="276999"/>
+          </a:xfrm>
+          <a:prstGeom prst="rect">
+            <a:avLst/>
+          </a:prstGeom>
+          <a:noFill/>
+        </p:spPr>
+        <p:txBody>
+          <a:bodyPr wrap="square" rtlCol="0">
+            <a:spAutoFit/>
+          </a:bodyPr>
+          <a:lstStyle/>
+          <a:p>
+            <a:r>
+              <a:rPr lang="en-US" sz="1200" b="1" dirty="0">
+                <a:solidFill>
+                  <a:srgbClr val="C00000"/>
+                </a:solidFill>
+              </a:rPr>
+              <a:t>17</a:t>
+            </a:r>
+          </a:p>
+        </p:txBody>
+      </p:sp>
     </p:spTree>
     <p:extLst>
       <p:ext uri="{BB962C8B-B14F-4D97-AF65-F5344CB8AC3E}">
@@ -22564,7 +23337,7 @@
 </p:sld>
 </file>
 
-<file path=ppt/slides/slide3.xml><?xml version="1.0" encoding="utf-8"?>
+<file path=ppt/slides/slide4.xml><?xml version="1.0" encoding="utf-8"?>
 <p:sld xmlns:a="http://schemas.openxmlformats.org/drawingml/2006/main" xmlns:r="http://schemas.openxmlformats.org/officeDocument/2006/relationships" xmlns:p="http://schemas.openxmlformats.org/presentationml/2006/main">
   <p:cSld>
     <p:spTree>
@@ -26126,7 +26899,7 @@
         <p:spPr>
           <a:xfrm>
             <a:off x="5340245" y="1116732"/>
-            <a:ext cx="34236" cy="4254420"/>
+            <a:ext cx="12957" cy="5515721"/>
           </a:xfrm>
           <a:prstGeom prst="line">
             <a:avLst/>
@@ -29292,7 +30065,7 @@
 </p:sld>
 </file>
 
-<file path=ppt/slides/slide4.xml><?xml version="1.0" encoding="utf-8"?>
+<file path=ppt/slides/slide5.xml><?xml version="1.0" encoding="utf-8"?>
 <p:sld xmlns:a="http://schemas.openxmlformats.org/drawingml/2006/main" xmlns:r="http://schemas.openxmlformats.org/officeDocument/2006/relationships" xmlns:p="http://schemas.openxmlformats.org/presentationml/2006/main">
   <p:cSld>
     <p:spTree>
@@ -29311,10 +30084,10 @@
       </p:grpSpPr>
       <p:sp>
         <p:nvSpPr>
-          <p:cNvPr id="27" name="Text Box 149">
+          <p:cNvPr id="25" name="Text Box 149">
             <a:extLst>
               <a:ext uri="{FF2B5EF4-FFF2-40B4-BE49-F238E27FC236}">
-                <a16:creationId xmlns:a16="http://schemas.microsoft.com/office/drawing/2014/main" id="{16F2C2F9-7F01-DC7D-06C0-12924385D731}"/>
+                <a16:creationId xmlns:a16="http://schemas.microsoft.com/office/drawing/2014/main" id="{178E0C05-B1BA-DF40-59C2-15EEBDE141F4}"/>
               </a:ext>
             </a:extLst>
           </p:cNvPr>
@@ -29325,8 +30098,8 @@
         </p:nvSpPr>
         <p:spPr bwMode="auto">
           <a:xfrm>
-            <a:off x="1289650" y="1222523"/>
-            <a:ext cx="2391482" cy="251537"/>
+            <a:off x="5334572" y="2170368"/>
+            <a:ext cx="3658584" cy="221780"/>
           </a:xfrm>
           <a:prstGeom prst="rect">
             <a:avLst/>
@@ -29522,21 +30295,21 @@
                   <a:noFill/>
                 </a:ln>
                 <a:solidFill>
-                  <a:srgbClr val="00B050"/>
+                  <a:srgbClr val="0070C0"/>
                 </a:solidFill>
                 <a:effectLst/>
                 <a:latin typeface="Arial" panose="020B0604020202020204" pitchFamily="34" charset="0"/>
                 <a:ea typeface="Calibri" panose="020F0502020204030204" pitchFamily="34" charset="0"/>
                 <a:cs typeface="Times New Roman" panose="02020603050405020304" pitchFamily="18" charset="0"/>
               </a:rPr>
-              <a:t>ICMPv6 request Dest: 2001::1004</a:t>
+              <a:t>ICMPv6 reply Dest: 2001::1001</a:t>
             </a:r>
             <a:endParaRPr kumimoji="0" lang="en-US" altLang="en-DE" sz="1600" b="0" i="0" u="none" strike="noStrike" cap="none" normalizeH="0" baseline="0" dirty="0">
               <a:ln>
                 <a:noFill/>
               </a:ln>
               <a:solidFill>
-                <a:srgbClr val="00B050"/>
+                <a:srgbClr val="0070C0"/>
               </a:solidFill>
               <a:effectLst/>
               <a:latin typeface="Arial" panose="020B0604020202020204" pitchFamily="34" charset="0"/>
@@ -29546,10 +30319,10 @@
       </p:sp>
       <p:sp>
         <p:nvSpPr>
-          <p:cNvPr id="93" name="Text Box 149">
+          <p:cNvPr id="37" name="Text Box 149">
             <a:extLst>
               <a:ext uri="{FF2B5EF4-FFF2-40B4-BE49-F238E27FC236}">
-                <a16:creationId xmlns:a16="http://schemas.microsoft.com/office/drawing/2014/main" id="{3DD7E440-84FD-DE3B-5C3C-A26AC9CA9EF5}"/>
+                <a16:creationId xmlns:a16="http://schemas.microsoft.com/office/drawing/2014/main" id="{955532A8-C3D2-79FD-6595-544EBD38B19E}"/>
               </a:ext>
             </a:extLst>
           </p:cNvPr>
@@ -29560,8 +30333,8 @@
         </p:nvSpPr>
         <p:spPr bwMode="auto">
           <a:xfrm>
-            <a:off x="3559316" y="1257023"/>
-            <a:ext cx="2275927" cy="411553"/>
+            <a:off x="5322768" y="2465028"/>
+            <a:ext cx="3658584" cy="221780"/>
           </a:xfrm>
           <a:prstGeom prst="rect">
             <a:avLst/>
@@ -29764,312 +30537,7 @@
                 <a:ea typeface="Calibri" panose="020F0502020204030204" pitchFamily="34" charset="0"/>
                 <a:cs typeface="Times New Roman" panose="02020603050405020304" pitchFamily="18" charset="0"/>
               </a:rPr>
-              <a:t>Neighbor Solicitation</a:t>
-            </a:r>
-          </a:p>
-          <a:p>
-            <a:pPr marL="0" marR="0" lvl="0" indent="0" algn="ctr" defTabSz="914400" rtl="0" eaLnBrk="0" fontAlgn="base" latinLnBrk="0" hangingPunct="0">
-              <a:lnSpc>
-                <a:spcPct val="100000"/>
-              </a:lnSpc>
-              <a:spcBef>
-                <a:spcPct val="0"/>
-              </a:spcBef>
-              <a:spcAft>
-                <a:spcPct val="0"/>
-              </a:spcAft>
-              <a:buClrTx/>
-              <a:buSzTx/>
-              <a:buFontTx/>
-              <a:buNone/>
-              <a:tabLst>
-                <a:tab pos="1277938" algn="l"/>
-              </a:tabLst>
-            </a:pPr>
-            <a:r>
-              <a:rPr kumimoji="0" lang="en-US" altLang="en-DE" sz="1100" b="0" i="0" u="none" strike="noStrike" cap="none" normalizeH="0" baseline="0" dirty="0">
-                <a:ln>
-                  <a:noFill/>
-                </a:ln>
-                <a:solidFill>
-                  <a:srgbClr val="0070C0"/>
-                </a:solidFill>
-                <a:effectLst/>
-                <a:latin typeface="Arial" panose="020B0604020202020204" pitchFamily="34" charset="0"/>
-                <a:ea typeface="Calibri" panose="020F0502020204030204" pitchFamily="34" charset="0"/>
-                <a:cs typeface="Times New Roman" panose="02020603050405020304" pitchFamily="18" charset="0"/>
-              </a:rPr>
-              <a:t>TA: 2001::1004</a:t>
-            </a:r>
-            <a:endParaRPr kumimoji="0" lang="en-US" altLang="en-DE" sz="1600" b="0" i="0" u="none" strike="noStrike" cap="none" normalizeH="0" baseline="0" dirty="0">
-              <a:ln>
-                <a:noFill/>
-              </a:ln>
-              <a:solidFill>
-                <a:srgbClr val="0070C0"/>
-              </a:solidFill>
-              <a:effectLst/>
-              <a:latin typeface="Arial" panose="020B0604020202020204" pitchFamily="34" charset="0"/>
-            </a:endParaRPr>
-          </a:p>
-        </p:txBody>
-      </p:sp>
-      <p:sp>
-        <p:nvSpPr>
-          <p:cNvPr id="94" name="Text Box 149">
-            <a:extLst>
-              <a:ext uri="{FF2B5EF4-FFF2-40B4-BE49-F238E27FC236}">
-                <a16:creationId xmlns:a16="http://schemas.microsoft.com/office/drawing/2014/main" id="{4B49054F-5624-3B72-1E62-F209B1E08159}"/>
-              </a:ext>
-            </a:extLst>
-          </p:cNvPr>
-          <p:cNvSpPr txBox="1">
-            <a:spLocks noChangeArrowheads="1"/>
-          </p:cNvSpPr>
-          <p:nvPr/>
-        </p:nvSpPr>
-        <p:spPr bwMode="auto">
-          <a:xfrm>
-            <a:off x="3572272" y="1755160"/>
-            <a:ext cx="2275927" cy="411553"/>
-          </a:xfrm>
-          <a:prstGeom prst="rect">
-            <a:avLst/>
-          </a:prstGeom>
-          <a:noFill/>
-          <a:ln>
-            <a:noFill/>
-          </a:ln>
-        </p:spPr>
-        <p:txBody>
-          <a:bodyPr vert="horz" wrap="square" lIns="91440" tIns="45720" rIns="91440" bIns="45720" numCol="1" anchor="t" anchorCtr="0" compatLnSpc="1">
-            <a:prstTxWarp prst="textNoShape">
-              <a:avLst/>
-            </a:prstTxWarp>
-          </a:bodyPr>
-          <a:lstStyle>
-            <a:lvl1pPr eaLnBrk="0" fontAlgn="base" hangingPunct="0">
-              <a:spcBef>
-                <a:spcPct val="0"/>
-              </a:spcBef>
-              <a:spcAft>
-                <a:spcPct val="0"/>
-              </a:spcAft>
-              <a:tabLst>
-                <a:tab pos="1277938" algn="l"/>
-              </a:tabLst>
-              <a:defRPr>
-                <a:solidFill>
-                  <a:schemeClr val="tx1"/>
-                </a:solidFill>
-                <a:latin typeface="Arial" panose="020B0604020202020204" pitchFamily="34" charset="0"/>
-              </a:defRPr>
-            </a:lvl1pPr>
-            <a:lvl2pPr eaLnBrk="0" fontAlgn="base" hangingPunct="0">
-              <a:spcBef>
-                <a:spcPct val="0"/>
-              </a:spcBef>
-              <a:spcAft>
-                <a:spcPct val="0"/>
-              </a:spcAft>
-              <a:tabLst>
-                <a:tab pos="1277938" algn="l"/>
-              </a:tabLst>
-              <a:defRPr>
-                <a:solidFill>
-                  <a:schemeClr val="tx1"/>
-                </a:solidFill>
-                <a:latin typeface="Arial" panose="020B0604020202020204" pitchFamily="34" charset="0"/>
-              </a:defRPr>
-            </a:lvl2pPr>
-            <a:lvl3pPr eaLnBrk="0" fontAlgn="base" hangingPunct="0">
-              <a:spcBef>
-                <a:spcPct val="0"/>
-              </a:spcBef>
-              <a:spcAft>
-                <a:spcPct val="0"/>
-              </a:spcAft>
-              <a:tabLst>
-                <a:tab pos="1277938" algn="l"/>
-              </a:tabLst>
-              <a:defRPr>
-                <a:solidFill>
-                  <a:schemeClr val="tx1"/>
-                </a:solidFill>
-                <a:latin typeface="Arial" panose="020B0604020202020204" pitchFamily="34" charset="0"/>
-              </a:defRPr>
-            </a:lvl3pPr>
-            <a:lvl4pPr eaLnBrk="0" fontAlgn="base" hangingPunct="0">
-              <a:spcBef>
-                <a:spcPct val="0"/>
-              </a:spcBef>
-              <a:spcAft>
-                <a:spcPct val="0"/>
-              </a:spcAft>
-              <a:tabLst>
-                <a:tab pos="1277938" algn="l"/>
-              </a:tabLst>
-              <a:defRPr>
-                <a:solidFill>
-                  <a:schemeClr val="tx1"/>
-                </a:solidFill>
-                <a:latin typeface="Arial" panose="020B0604020202020204" pitchFamily="34" charset="0"/>
-              </a:defRPr>
-            </a:lvl4pPr>
-            <a:lvl5pPr eaLnBrk="0" fontAlgn="base" hangingPunct="0">
-              <a:spcBef>
-                <a:spcPct val="0"/>
-              </a:spcBef>
-              <a:spcAft>
-                <a:spcPct val="0"/>
-              </a:spcAft>
-              <a:tabLst>
-                <a:tab pos="1277938" algn="l"/>
-              </a:tabLst>
-              <a:defRPr>
-                <a:solidFill>
-                  <a:schemeClr val="tx1"/>
-                </a:solidFill>
-                <a:latin typeface="Arial" panose="020B0604020202020204" pitchFamily="34" charset="0"/>
-              </a:defRPr>
-            </a:lvl5pPr>
-            <a:lvl6pPr eaLnBrk="0" fontAlgn="base" hangingPunct="0">
-              <a:spcBef>
-                <a:spcPct val="0"/>
-              </a:spcBef>
-              <a:spcAft>
-                <a:spcPct val="0"/>
-              </a:spcAft>
-              <a:tabLst>
-                <a:tab pos="1277938" algn="l"/>
-              </a:tabLst>
-              <a:defRPr>
-                <a:solidFill>
-                  <a:schemeClr val="tx1"/>
-                </a:solidFill>
-                <a:latin typeface="Arial" panose="020B0604020202020204" pitchFamily="34" charset="0"/>
-              </a:defRPr>
-            </a:lvl6pPr>
-            <a:lvl7pPr eaLnBrk="0" fontAlgn="base" hangingPunct="0">
-              <a:spcBef>
-                <a:spcPct val="0"/>
-              </a:spcBef>
-              <a:spcAft>
-                <a:spcPct val="0"/>
-              </a:spcAft>
-              <a:tabLst>
-                <a:tab pos="1277938" algn="l"/>
-              </a:tabLst>
-              <a:defRPr>
-                <a:solidFill>
-                  <a:schemeClr val="tx1"/>
-                </a:solidFill>
-                <a:latin typeface="Arial" panose="020B0604020202020204" pitchFamily="34" charset="0"/>
-              </a:defRPr>
-            </a:lvl7pPr>
-            <a:lvl8pPr eaLnBrk="0" fontAlgn="base" hangingPunct="0">
-              <a:spcBef>
-                <a:spcPct val="0"/>
-              </a:spcBef>
-              <a:spcAft>
-                <a:spcPct val="0"/>
-              </a:spcAft>
-              <a:tabLst>
-                <a:tab pos="1277938" algn="l"/>
-              </a:tabLst>
-              <a:defRPr>
-                <a:solidFill>
-                  <a:schemeClr val="tx1"/>
-                </a:solidFill>
-                <a:latin typeface="Arial" panose="020B0604020202020204" pitchFamily="34" charset="0"/>
-              </a:defRPr>
-            </a:lvl8pPr>
-            <a:lvl9pPr eaLnBrk="0" fontAlgn="base" hangingPunct="0">
-              <a:spcBef>
-                <a:spcPct val="0"/>
-              </a:spcBef>
-              <a:spcAft>
-                <a:spcPct val="0"/>
-              </a:spcAft>
-              <a:tabLst>
-                <a:tab pos="1277938" algn="l"/>
-              </a:tabLst>
-              <a:defRPr>
-                <a:solidFill>
-                  <a:schemeClr val="tx1"/>
-                </a:solidFill>
-                <a:latin typeface="Arial" panose="020B0604020202020204" pitchFamily="34" charset="0"/>
-              </a:defRPr>
-            </a:lvl9pPr>
-          </a:lstStyle>
-          <a:p>
-            <a:pPr marL="0" marR="0" lvl="0" indent="0" algn="ctr" defTabSz="914400" rtl="0" eaLnBrk="0" fontAlgn="base" latinLnBrk="0" hangingPunct="0">
-              <a:lnSpc>
-                <a:spcPct val="100000"/>
-              </a:lnSpc>
-              <a:spcBef>
-                <a:spcPct val="0"/>
-              </a:spcBef>
-              <a:spcAft>
-                <a:spcPct val="0"/>
-              </a:spcAft>
-              <a:buClrTx/>
-              <a:buSzTx/>
-              <a:buFontTx/>
-              <a:buNone/>
-              <a:tabLst>
-                <a:tab pos="1277938" algn="l"/>
-              </a:tabLst>
-            </a:pPr>
-            <a:r>
-              <a:rPr kumimoji="0" lang="en-US" altLang="en-DE" sz="1100" b="0" i="0" u="none" strike="noStrike" cap="none" normalizeH="0" baseline="0" dirty="0">
-                <a:ln>
-                  <a:noFill/>
-                </a:ln>
-                <a:solidFill>
-                  <a:srgbClr val="0070C0"/>
-                </a:solidFill>
-                <a:effectLst/>
-                <a:latin typeface="Arial" panose="020B0604020202020204" pitchFamily="34" charset="0"/>
-                <a:ea typeface="Calibri" panose="020F0502020204030204" pitchFamily="34" charset="0"/>
-                <a:cs typeface="Times New Roman" panose="02020603050405020304" pitchFamily="18" charset="0"/>
-              </a:rPr>
-              <a:t>Neighbor Advertisement</a:t>
-            </a:r>
-          </a:p>
-          <a:p>
-            <a:pPr marL="0" marR="0" lvl="0" indent="0" algn="ctr" defTabSz="914400" rtl="0" eaLnBrk="0" fontAlgn="base" latinLnBrk="0" hangingPunct="0">
-              <a:lnSpc>
-                <a:spcPct val="100000"/>
-              </a:lnSpc>
-              <a:spcBef>
-                <a:spcPct val="0"/>
-              </a:spcBef>
-              <a:spcAft>
-                <a:spcPct val="0"/>
-              </a:spcAft>
-              <a:buClrTx/>
-              <a:buSzTx/>
-              <a:buFontTx/>
-              <a:buNone/>
-              <a:tabLst>
-                <a:tab pos="1277938" algn="l"/>
-              </a:tabLst>
-            </a:pPr>
-            <a:r>
-              <a:rPr kumimoji="0" lang="en-US" altLang="en-DE" sz="1100" b="0" i="0" u="none" strike="noStrike" cap="none" normalizeH="0" baseline="0" dirty="0">
-                <a:ln>
-                  <a:noFill/>
-                </a:ln>
-                <a:solidFill>
-                  <a:srgbClr val="0070C0"/>
-                </a:solidFill>
-                <a:effectLst/>
-                <a:latin typeface="Arial" panose="020B0604020202020204" pitchFamily="34" charset="0"/>
-                <a:ea typeface="Calibri" panose="020F0502020204030204" pitchFamily="34" charset="0"/>
-                <a:cs typeface="Times New Roman" panose="02020603050405020304" pitchFamily="18" charset="0"/>
-              </a:rPr>
-              <a:t>TA: 2001::1004</a:t>
+              <a:t>ICMPv6 reply Dest: 2001::1001</a:t>
             </a:r>
             <a:endParaRPr kumimoji="0" lang="en-US" altLang="en-DE" sz="1600" b="0" i="0" u="none" strike="noStrike" cap="none" normalizeH="0" baseline="0" dirty="0">
               <a:ln>
@@ -30100,7 +30568,7 @@
         </p:nvSpPr>
         <p:spPr bwMode="auto">
           <a:xfrm>
-            <a:off x="8090197" y="3528584"/>
+            <a:off x="8947815" y="1623865"/>
             <a:ext cx="2418632" cy="285431"/>
           </a:xfrm>
           <a:prstGeom prst="rect">
@@ -30335,7 +30803,7 @@
         </p:nvSpPr>
         <p:spPr bwMode="auto">
           <a:xfrm>
-            <a:off x="8225265" y="3850509"/>
+            <a:off x="9103330" y="1929841"/>
             <a:ext cx="2131537" cy="268704"/>
           </a:xfrm>
           <a:prstGeom prst="rect">
@@ -30532,7 +31000,7 @@
                   <a:noFill/>
                 </a:ln>
                 <a:solidFill>
-                  <a:srgbClr val="00B050"/>
+                  <a:srgbClr val="FF0000"/>
                 </a:solidFill>
                 <a:effectLst/>
                 <a:latin typeface="Arial" panose="020B0604020202020204" pitchFamily="34" charset="0"/>
@@ -30546,7 +31014,7 @@
                 <a:noFill/>
               </a:ln>
               <a:solidFill>
-                <a:srgbClr val="00B050"/>
+                <a:srgbClr val="FF0000"/>
               </a:solidFill>
               <a:effectLst/>
               <a:latin typeface="Arial" panose="020B0604020202020204" pitchFamily="34" charset="0"/>
@@ -30570,7 +31038,7 @@
         </p:nvSpPr>
         <p:spPr bwMode="auto">
           <a:xfrm>
-            <a:off x="1466321" y="5986712"/>
+            <a:off x="965716" y="3876903"/>
             <a:ext cx="2157789" cy="299865"/>
           </a:xfrm>
           <a:prstGeom prst="rect">
@@ -30782,816 +31250,6 @@
               </a:ln>
               <a:solidFill>
                 <a:srgbClr val="FF0000"/>
-              </a:solidFill>
-              <a:effectLst/>
-              <a:latin typeface="Arial" panose="020B0604020202020204" pitchFamily="34" charset="0"/>
-            </a:endParaRPr>
-          </a:p>
-        </p:txBody>
-      </p:sp>
-      <p:sp>
-        <p:nvSpPr>
-          <p:cNvPr id="101" name="Text Box 149">
-            <a:extLst>
-              <a:ext uri="{FF2B5EF4-FFF2-40B4-BE49-F238E27FC236}">
-                <a16:creationId xmlns:a16="http://schemas.microsoft.com/office/drawing/2014/main" id="{C7F4EF07-13DA-2411-7A48-50DBA826AAEB}"/>
-              </a:ext>
-            </a:extLst>
-          </p:cNvPr>
-          <p:cNvSpPr txBox="1">
-            <a:spLocks noChangeArrowheads="1"/>
-          </p:cNvSpPr>
-          <p:nvPr/>
-        </p:nvSpPr>
-        <p:spPr bwMode="auto">
-          <a:xfrm>
-            <a:off x="5903029" y="2693576"/>
-            <a:ext cx="2275927" cy="411553"/>
-          </a:xfrm>
-          <a:prstGeom prst="rect">
-            <a:avLst/>
-          </a:prstGeom>
-          <a:noFill/>
-          <a:ln>
-            <a:noFill/>
-          </a:ln>
-        </p:spPr>
-        <p:txBody>
-          <a:bodyPr vert="horz" wrap="square" lIns="91440" tIns="45720" rIns="91440" bIns="45720" numCol="1" anchor="t" anchorCtr="0" compatLnSpc="1">
-            <a:prstTxWarp prst="textNoShape">
-              <a:avLst/>
-            </a:prstTxWarp>
-          </a:bodyPr>
-          <a:lstStyle>
-            <a:lvl1pPr eaLnBrk="0" fontAlgn="base" hangingPunct="0">
-              <a:spcBef>
-                <a:spcPct val="0"/>
-              </a:spcBef>
-              <a:spcAft>
-                <a:spcPct val="0"/>
-              </a:spcAft>
-              <a:tabLst>
-                <a:tab pos="1277938" algn="l"/>
-              </a:tabLst>
-              <a:defRPr>
-                <a:solidFill>
-                  <a:schemeClr val="tx1"/>
-                </a:solidFill>
-                <a:latin typeface="Arial" panose="020B0604020202020204" pitchFamily="34" charset="0"/>
-              </a:defRPr>
-            </a:lvl1pPr>
-            <a:lvl2pPr eaLnBrk="0" fontAlgn="base" hangingPunct="0">
-              <a:spcBef>
-                <a:spcPct val="0"/>
-              </a:spcBef>
-              <a:spcAft>
-                <a:spcPct val="0"/>
-              </a:spcAft>
-              <a:tabLst>
-                <a:tab pos="1277938" algn="l"/>
-              </a:tabLst>
-              <a:defRPr>
-                <a:solidFill>
-                  <a:schemeClr val="tx1"/>
-                </a:solidFill>
-                <a:latin typeface="Arial" panose="020B0604020202020204" pitchFamily="34" charset="0"/>
-              </a:defRPr>
-            </a:lvl2pPr>
-            <a:lvl3pPr eaLnBrk="0" fontAlgn="base" hangingPunct="0">
-              <a:spcBef>
-                <a:spcPct val="0"/>
-              </a:spcBef>
-              <a:spcAft>
-                <a:spcPct val="0"/>
-              </a:spcAft>
-              <a:tabLst>
-                <a:tab pos="1277938" algn="l"/>
-              </a:tabLst>
-              <a:defRPr>
-                <a:solidFill>
-                  <a:schemeClr val="tx1"/>
-                </a:solidFill>
-                <a:latin typeface="Arial" panose="020B0604020202020204" pitchFamily="34" charset="0"/>
-              </a:defRPr>
-            </a:lvl3pPr>
-            <a:lvl4pPr eaLnBrk="0" fontAlgn="base" hangingPunct="0">
-              <a:spcBef>
-                <a:spcPct val="0"/>
-              </a:spcBef>
-              <a:spcAft>
-                <a:spcPct val="0"/>
-              </a:spcAft>
-              <a:tabLst>
-                <a:tab pos="1277938" algn="l"/>
-              </a:tabLst>
-              <a:defRPr>
-                <a:solidFill>
-                  <a:schemeClr val="tx1"/>
-                </a:solidFill>
-                <a:latin typeface="Arial" panose="020B0604020202020204" pitchFamily="34" charset="0"/>
-              </a:defRPr>
-            </a:lvl4pPr>
-            <a:lvl5pPr eaLnBrk="0" fontAlgn="base" hangingPunct="0">
-              <a:spcBef>
-                <a:spcPct val="0"/>
-              </a:spcBef>
-              <a:spcAft>
-                <a:spcPct val="0"/>
-              </a:spcAft>
-              <a:tabLst>
-                <a:tab pos="1277938" algn="l"/>
-              </a:tabLst>
-              <a:defRPr>
-                <a:solidFill>
-                  <a:schemeClr val="tx1"/>
-                </a:solidFill>
-                <a:latin typeface="Arial" panose="020B0604020202020204" pitchFamily="34" charset="0"/>
-              </a:defRPr>
-            </a:lvl5pPr>
-            <a:lvl6pPr eaLnBrk="0" fontAlgn="base" hangingPunct="0">
-              <a:spcBef>
-                <a:spcPct val="0"/>
-              </a:spcBef>
-              <a:spcAft>
-                <a:spcPct val="0"/>
-              </a:spcAft>
-              <a:tabLst>
-                <a:tab pos="1277938" algn="l"/>
-              </a:tabLst>
-              <a:defRPr>
-                <a:solidFill>
-                  <a:schemeClr val="tx1"/>
-                </a:solidFill>
-                <a:latin typeface="Arial" panose="020B0604020202020204" pitchFamily="34" charset="0"/>
-              </a:defRPr>
-            </a:lvl6pPr>
-            <a:lvl7pPr eaLnBrk="0" fontAlgn="base" hangingPunct="0">
-              <a:spcBef>
-                <a:spcPct val="0"/>
-              </a:spcBef>
-              <a:spcAft>
-                <a:spcPct val="0"/>
-              </a:spcAft>
-              <a:tabLst>
-                <a:tab pos="1277938" algn="l"/>
-              </a:tabLst>
-              <a:defRPr>
-                <a:solidFill>
-                  <a:schemeClr val="tx1"/>
-                </a:solidFill>
-                <a:latin typeface="Arial" panose="020B0604020202020204" pitchFamily="34" charset="0"/>
-              </a:defRPr>
-            </a:lvl7pPr>
-            <a:lvl8pPr eaLnBrk="0" fontAlgn="base" hangingPunct="0">
-              <a:spcBef>
-                <a:spcPct val="0"/>
-              </a:spcBef>
-              <a:spcAft>
-                <a:spcPct val="0"/>
-              </a:spcAft>
-              <a:tabLst>
-                <a:tab pos="1277938" algn="l"/>
-              </a:tabLst>
-              <a:defRPr>
-                <a:solidFill>
-                  <a:schemeClr val="tx1"/>
-                </a:solidFill>
-                <a:latin typeface="Arial" panose="020B0604020202020204" pitchFamily="34" charset="0"/>
-              </a:defRPr>
-            </a:lvl8pPr>
-            <a:lvl9pPr eaLnBrk="0" fontAlgn="base" hangingPunct="0">
-              <a:spcBef>
-                <a:spcPct val="0"/>
-              </a:spcBef>
-              <a:spcAft>
-                <a:spcPct val="0"/>
-              </a:spcAft>
-              <a:tabLst>
-                <a:tab pos="1277938" algn="l"/>
-              </a:tabLst>
-              <a:defRPr>
-                <a:solidFill>
-                  <a:schemeClr val="tx1"/>
-                </a:solidFill>
-                <a:latin typeface="Arial" panose="020B0604020202020204" pitchFamily="34" charset="0"/>
-              </a:defRPr>
-            </a:lvl9pPr>
-          </a:lstStyle>
-          <a:p>
-            <a:pPr marL="0" marR="0" lvl="0" indent="0" algn="ctr" defTabSz="914400" rtl="0" eaLnBrk="0" fontAlgn="base" latinLnBrk="0" hangingPunct="0">
-              <a:lnSpc>
-                <a:spcPct val="100000"/>
-              </a:lnSpc>
-              <a:spcBef>
-                <a:spcPct val="0"/>
-              </a:spcBef>
-              <a:spcAft>
-                <a:spcPct val="0"/>
-              </a:spcAft>
-              <a:buClrTx/>
-              <a:buSzTx/>
-              <a:buFontTx/>
-              <a:buNone/>
-              <a:tabLst>
-                <a:tab pos="1277938" algn="l"/>
-              </a:tabLst>
-            </a:pPr>
-            <a:r>
-              <a:rPr kumimoji="0" lang="en-US" altLang="en-DE" sz="1100" b="0" i="0" u="none" strike="noStrike" cap="none" normalizeH="0" baseline="0" dirty="0">
-                <a:ln>
-                  <a:noFill/>
-                </a:ln>
-                <a:solidFill>
-                  <a:srgbClr val="0070C0"/>
-                </a:solidFill>
-                <a:effectLst/>
-                <a:latin typeface="Arial" panose="020B0604020202020204" pitchFamily="34" charset="0"/>
-                <a:ea typeface="Calibri" panose="020F0502020204030204" pitchFamily="34" charset="0"/>
-                <a:cs typeface="Times New Roman" panose="02020603050405020304" pitchFamily="18" charset="0"/>
-              </a:rPr>
-              <a:t>Neighbor Solicitation</a:t>
-            </a:r>
-          </a:p>
-          <a:p>
-            <a:pPr marL="0" marR="0" lvl="0" indent="0" algn="ctr" defTabSz="914400" rtl="0" eaLnBrk="0" fontAlgn="base" latinLnBrk="0" hangingPunct="0">
-              <a:lnSpc>
-                <a:spcPct val="100000"/>
-              </a:lnSpc>
-              <a:spcBef>
-                <a:spcPct val="0"/>
-              </a:spcBef>
-              <a:spcAft>
-                <a:spcPct val="0"/>
-              </a:spcAft>
-              <a:buClrTx/>
-              <a:buSzTx/>
-              <a:buFontTx/>
-              <a:buNone/>
-              <a:tabLst>
-                <a:tab pos="1277938" algn="l"/>
-              </a:tabLst>
-            </a:pPr>
-            <a:r>
-              <a:rPr kumimoji="0" lang="en-US" altLang="en-DE" sz="1100" b="0" i="0" u="none" strike="noStrike" cap="none" normalizeH="0" baseline="0" dirty="0">
-                <a:ln>
-                  <a:noFill/>
-                </a:ln>
-                <a:solidFill>
-                  <a:srgbClr val="0070C0"/>
-                </a:solidFill>
-                <a:effectLst/>
-                <a:latin typeface="Arial" panose="020B0604020202020204" pitchFamily="34" charset="0"/>
-                <a:ea typeface="Calibri" panose="020F0502020204030204" pitchFamily="34" charset="0"/>
-                <a:cs typeface="Times New Roman" panose="02020603050405020304" pitchFamily="18" charset="0"/>
-              </a:rPr>
-              <a:t>TA: 2001::1004</a:t>
-            </a:r>
-            <a:endParaRPr kumimoji="0" lang="en-US" altLang="en-DE" sz="1600" b="0" i="0" u="none" strike="noStrike" cap="none" normalizeH="0" baseline="0" dirty="0">
-              <a:ln>
-                <a:noFill/>
-              </a:ln>
-              <a:solidFill>
-                <a:srgbClr val="0070C0"/>
-              </a:solidFill>
-              <a:effectLst/>
-              <a:latin typeface="Arial" panose="020B0604020202020204" pitchFamily="34" charset="0"/>
-            </a:endParaRPr>
-          </a:p>
-        </p:txBody>
-      </p:sp>
-      <p:sp>
-        <p:nvSpPr>
-          <p:cNvPr id="102" name="Text Box 149">
-            <a:extLst>
-              <a:ext uri="{FF2B5EF4-FFF2-40B4-BE49-F238E27FC236}">
-                <a16:creationId xmlns:a16="http://schemas.microsoft.com/office/drawing/2014/main" id="{6A3FD2B9-6037-1565-6E76-462C1E1486EA}"/>
-              </a:ext>
-            </a:extLst>
-          </p:cNvPr>
-          <p:cNvSpPr txBox="1">
-            <a:spLocks noChangeArrowheads="1"/>
-          </p:cNvSpPr>
-          <p:nvPr/>
-        </p:nvSpPr>
-        <p:spPr bwMode="auto">
-          <a:xfrm>
-            <a:off x="5881183" y="3141285"/>
-            <a:ext cx="2275927" cy="411553"/>
-          </a:xfrm>
-          <a:prstGeom prst="rect">
-            <a:avLst/>
-          </a:prstGeom>
-          <a:noFill/>
-          <a:ln>
-            <a:noFill/>
-          </a:ln>
-        </p:spPr>
-        <p:txBody>
-          <a:bodyPr vert="horz" wrap="square" lIns="91440" tIns="45720" rIns="91440" bIns="45720" numCol="1" anchor="t" anchorCtr="0" compatLnSpc="1">
-            <a:prstTxWarp prst="textNoShape">
-              <a:avLst/>
-            </a:prstTxWarp>
-          </a:bodyPr>
-          <a:lstStyle>
-            <a:lvl1pPr eaLnBrk="0" fontAlgn="base" hangingPunct="0">
-              <a:spcBef>
-                <a:spcPct val="0"/>
-              </a:spcBef>
-              <a:spcAft>
-                <a:spcPct val="0"/>
-              </a:spcAft>
-              <a:tabLst>
-                <a:tab pos="1277938" algn="l"/>
-              </a:tabLst>
-              <a:defRPr>
-                <a:solidFill>
-                  <a:schemeClr val="tx1"/>
-                </a:solidFill>
-                <a:latin typeface="Arial" panose="020B0604020202020204" pitchFamily="34" charset="0"/>
-              </a:defRPr>
-            </a:lvl1pPr>
-            <a:lvl2pPr eaLnBrk="0" fontAlgn="base" hangingPunct="0">
-              <a:spcBef>
-                <a:spcPct val="0"/>
-              </a:spcBef>
-              <a:spcAft>
-                <a:spcPct val="0"/>
-              </a:spcAft>
-              <a:tabLst>
-                <a:tab pos="1277938" algn="l"/>
-              </a:tabLst>
-              <a:defRPr>
-                <a:solidFill>
-                  <a:schemeClr val="tx1"/>
-                </a:solidFill>
-                <a:latin typeface="Arial" panose="020B0604020202020204" pitchFamily="34" charset="0"/>
-              </a:defRPr>
-            </a:lvl2pPr>
-            <a:lvl3pPr eaLnBrk="0" fontAlgn="base" hangingPunct="0">
-              <a:spcBef>
-                <a:spcPct val="0"/>
-              </a:spcBef>
-              <a:spcAft>
-                <a:spcPct val="0"/>
-              </a:spcAft>
-              <a:tabLst>
-                <a:tab pos="1277938" algn="l"/>
-              </a:tabLst>
-              <a:defRPr>
-                <a:solidFill>
-                  <a:schemeClr val="tx1"/>
-                </a:solidFill>
-                <a:latin typeface="Arial" panose="020B0604020202020204" pitchFamily="34" charset="0"/>
-              </a:defRPr>
-            </a:lvl3pPr>
-            <a:lvl4pPr eaLnBrk="0" fontAlgn="base" hangingPunct="0">
-              <a:spcBef>
-                <a:spcPct val="0"/>
-              </a:spcBef>
-              <a:spcAft>
-                <a:spcPct val="0"/>
-              </a:spcAft>
-              <a:tabLst>
-                <a:tab pos="1277938" algn="l"/>
-              </a:tabLst>
-              <a:defRPr>
-                <a:solidFill>
-                  <a:schemeClr val="tx1"/>
-                </a:solidFill>
-                <a:latin typeface="Arial" panose="020B0604020202020204" pitchFamily="34" charset="0"/>
-              </a:defRPr>
-            </a:lvl4pPr>
-            <a:lvl5pPr eaLnBrk="0" fontAlgn="base" hangingPunct="0">
-              <a:spcBef>
-                <a:spcPct val="0"/>
-              </a:spcBef>
-              <a:spcAft>
-                <a:spcPct val="0"/>
-              </a:spcAft>
-              <a:tabLst>
-                <a:tab pos="1277938" algn="l"/>
-              </a:tabLst>
-              <a:defRPr>
-                <a:solidFill>
-                  <a:schemeClr val="tx1"/>
-                </a:solidFill>
-                <a:latin typeface="Arial" panose="020B0604020202020204" pitchFamily="34" charset="0"/>
-              </a:defRPr>
-            </a:lvl5pPr>
-            <a:lvl6pPr eaLnBrk="0" fontAlgn="base" hangingPunct="0">
-              <a:spcBef>
-                <a:spcPct val="0"/>
-              </a:spcBef>
-              <a:spcAft>
-                <a:spcPct val="0"/>
-              </a:spcAft>
-              <a:tabLst>
-                <a:tab pos="1277938" algn="l"/>
-              </a:tabLst>
-              <a:defRPr>
-                <a:solidFill>
-                  <a:schemeClr val="tx1"/>
-                </a:solidFill>
-                <a:latin typeface="Arial" panose="020B0604020202020204" pitchFamily="34" charset="0"/>
-              </a:defRPr>
-            </a:lvl6pPr>
-            <a:lvl7pPr eaLnBrk="0" fontAlgn="base" hangingPunct="0">
-              <a:spcBef>
-                <a:spcPct val="0"/>
-              </a:spcBef>
-              <a:spcAft>
-                <a:spcPct val="0"/>
-              </a:spcAft>
-              <a:tabLst>
-                <a:tab pos="1277938" algn="l"/>
-              </a:tabLst>
-              <a:defRPr>
-                <a:solidFill>
-                  <a:schemeClr val="tx1"/>
-                </a:solidFill>
-                <a:latin typeface="Arial" panose="020B0604020202020204" pitchFamily="34" charset="0"/>
-              </a:defRPr>
-            </a:lvl7pPr>
-            <a:lvl8pPr eaLnBrk="0" fontAlgn="base" hangingPunct="0">
-              <a:spcBef>
-                <a:spcPct val="0"/>
-              </a:spcBef>
-              <a:spcAft>
-                <a:spcPct val="0"/>
-              </a:spcAft>
-              <a:tabLst>
-                <a:tab pos="1277938" algn="l"/>
-              </a:tabLst>
-              <a:defRPr>
-                <a:solidFill>
-                  <a:schemeClr val="tx1"/>
-                </a:solidFill>
-                <a:latin typeface="Arial" panose="020B0604020202020204" pitchFamily="34" charset="0"/>
-              </a:defRPr>
-            </a:lvl8pPr>
-            <a:lvl9pPr eaLnBrk="0" fontAlgn="base" hangingPunct="0">
-              <a:spcBef>
-                <a:spcPct val="0"/>
-              </a:spcBef>
-              <a:spcAft>
-                <a:spcPct val="0"/>
-              </a:spcAft>
-              <a:tabLst>
-                <a:tab pos="1277938" algn="l"/>
-              </a:tabLst>
-              <a:defRPr>
-                <a:solidFill>
-                  <a:schemeClr val="tx1"/>
-                </a:solidFill>
-                <a:latin typeface="Arial" panose="020B0604020202020204" pitchFamily="34" charset="0"/>
-              </a:defRPr>
-            </a:lvl9pPr>
-          </a:lstStyle>
-          <a:p>
-            <a:pPr marL="0" marR="0" lvl="0" indent="0" algn="ctr" defTabSz="914400" rtl="0" eaLnBrk="0" fontAlgn="base" latinLnBrk="0" hangingPunct="0">
-              <a:lnSpc>
-                <a:spcPct val="100000"/>
-              </a:lnSpc>
-              <a:spcBef>
-                <a:spcPct val="0"/>
-              </a:spcBef>
-              <a:spcAft>
-                <a:spcPct val="0"/>
-              </a:spcAft>
-              <a:buClrTx/>
-              <a:buSzTx/>
-              <a:buFontTx/>
-              <a:buNone/>
-              <a:tabLst>
-                <a:tab pos="1277938" algn="l"/>
-              </a:tabLst>
-            </a:pPr>
-            <a:r>
-              <a:rPr kumimoji="0" lang="en-US" altLang="en-DE" sz="1100" b="0" i="0" u="none" strike="noStrike" cap="none" normalizeH="0" baseline="0" dirty="0">
-                <a:ln>
-                  <a:noFill/>
-                </a:ln>
-                <a:solidFill>
-                  <a:srgbClr val="0070C0"/>
-                </a:solidFill>
-                <a:effectLst/>
-                <a:latin typeface="Arial" panose="020B0604020202020204" pitchFamily="34" charset="0"/>
-                <a:ea typeface="Calibri" panose="020F0502020204030204" pitchFamily="34" charset="0"/>
-                <a:cs typeface="Times New Roman" panose="02020603050405020304" pitchFamily="18" charset="0"/>
-              </a:rPr>
-              <a:t>Neighbor Advertisement</a:t>
-            </a:r>
-          </a:p>
-          <a:p>
-            <a:pPr marL="0" marR="0" lvl="0" indent="0" algn="ctr" defTabSz="914400" rtl="0" eaLnBrk="0" fontAlgn="base" latinLnBrk="0" hangingPunct="0">
-              <a:lnSpc>
-                <a:spcPct val="100000"/>
-              </a:lnSpc>
-              <a:spcBef>
-                <a:spcPct val="0"/>
-              </a:spcBef>
-              <a:spcAft>
-                <a:spcPct val="0"/>
-              </a:spcAft>
-              <a:buClrTx/>
-              <a:buSzTx/>
-              <a:buFontTx/>
-              <a:buNone/>
-              <a:tabLst>
-                <a:tab pos="1277938" algn="l"/>
-              </a:tabLst>
-            </a:pPr>
-            <a:r>
-              <a:rPr kumimoji="0" lang="en-US" altLang="en-DE" sz="1100" b="0" i="0" u="none" strike="noStrike" cap="none" normalizeH="0" baseline="0" dirty="0">
-                <a:ln>
-                  <a:noFill/>
-                </a:ln>
-                <a:solidFill>
-                  <a:srgbClr val="0070C0"/>
-                </a:solidFill>
-                <a:effectLst/>
-                <a:latin typeface="Arial" panose="020B0604020202020204" pitchFamily="34" charset="0"/>
-                <a:ea typeface="Calibri" panose="020F0502020204030204" pitchFamily="34" charset="0"/>
-                <a:cs typeface="Times New Roman" panose="02020603050405020304" pitchFamily="18" charset="0"/>
-              </a:rPr>
-              <a:t>TA: 2001::1004</a:t>
-            </a:r>
-            <a:endParaRPr kumimoji="0" lang="en-US" altLang="en-DE" sz="1600" b="0" i="0" u="none" strike="noStrike" cap="none" normalizeH="0" baseline="0" dirty="0">
-              <a:ln>
-                <a:noFill/>
-              </a:ln>
-              <a:solidFill>
-                <a:srgbClr val="0070C0"/>
-              </a:solidFill>
-              <a:effectLst/>
-              <a:latin typeface="Arial" panose="020B0604020202020204" pitchFamily="34" charset="0"/>
-            </a:endParaRPr>
-          </a:p>
-        </p:txBody>
-      </p:sp>
-      <p:sp>
-        <p:nvSpPr>
-          <p:cNvPr id="103" name="Text Box 149">
-            <a:extLst>
-              <a:ext uri="{FF2B5EF4-FFF2-40B4-BE49-F238E27FC236}">
-                <a16:creationId xmlns:a16="http://schemas.microsoft.com/office/drawing/2014/main" id="{95B26F3D-0546-BCBD-E491-2FF3F9DEAFB3}"/>
-              </a:ext>
-            </a:extLst>
-          </p:cNvPr>
-          <p:cNvSpPr txBox="1">
-            <a:spLocks noChangeArrowheads="1"/>
-          </p:cNvSpPr>
-          <p:nvPr/>
-        </p:nvSpPr>
-        <p:spPr bwMode="auto">
-          <a:xfrm>
-            <a:off x="3715044" y="5601657"/>
-            <a:ext cx="2275927" cy="411553"/>
-          </a:xfrm>
-          <a:prstGeom prst="rect">
-            <a:avLst/>
-          </a:prstGeom>
-          <a:noFill/>
-          <a:ln>
-            <a:noFill/>
-          </a:ln>
-        </p:spPr>
-        <p:txBody>
-          <a:bodyPr vert="horz" wrap="square" lIns="91440" tIns="45720" rIns="91440" bIns="45720" numCol="1" anchor="t" anchorCtr="0" compatLnSpc="1">
-            <a:prstTxWarp prst="textNoShape">
-              <a:avLst/>
-            </a:prstTxWarp>
-          </a:bodyPr>
-          <a:lstStyle>
-            <a:lvl1pPr eaLnBrk="0" fontAlgn="base" hangingPunct="0">
-              <a:spcBef>
-                <a:spcPct val="0"/>
-              </a:spcBef>
-              <a:spcAft>
-                <a:spcPct val="0"/>
-              </a:spcAft>
-              <a:tabLst>
-                <a:tab pos="1277938" algn="l"/>
-              </a:tabLst>
-              <a:defRPr>
-                <a:solidFill>
-                  <a:schemeClr val="tx1"/>
-                </a:solidFill>
-                <a:latin typeface="Arial" panose="020B0604020202020204" pitchFamily="34" charset="0"/>
-              </a:defRPr>
-            </a:lvl1pPr>
-            <a:lvl2pPr eaLnBrk="0" fontAlgn="base" hangingPunct="0">
-              <a:spcBef>
-                <a:spcPct val="0"/>
-              </a:spcBef>
-              <a:spcAft>
-                <a:spcPct val="0"/>
-              </a:spcAft>
-              <a:tabLst>
-                <a:tab pos="1277938" algn="l"/>
-              </a:tabLst>
-              <a:defRPr>
-                <a:solidFill>
-                  <a:schemeClr val="tx1"/>
-                </a:solidFill>
-                <a:latin typeface="Arial" panose="020B0604020202020204" pitchFamily="34" charset="0"/>
-              </a:defRPr>
-            </a:lvl2pPr>
-            <a:lvl3pPr eaLnBrk="0" fontAlgn="base" hangingPunct="0">
-              <a:spcBef>
-                <a:spcPct val="0"/>
-              </a:spcBef>
-              <a:spcAft>
-                <a:spcPct val="0"/>
-              </a:spcAft>
-              <a:tabLst>
-                <a:tab pos="1277938" algn="l"/>
-              </a:tabLst>
-              <a:defRPr>
-                <a:solidFill>
-                  <a:schemeClr val="tx1"/>
-                </a:solidFill>
-                <a:latin typeface="Arial" panose="020B0604020202020204" pitchFamily="34" charset="0"/>
-              </a:defRPr>
-            </a:lvl3pPr>
-            <a:lvl4pPr eaLnBrk="0" fontAlgn="base" hangingPunct="0">
-              <a:spcBef>
-                <a:spcPct val="0"/>
-              </a:spcBef>
-              <a:spcAft>
-                <a:spcPct val="0"/>
-              </a:spcAft>
-              <a:tabLst>
-                <a:tab pos="1277938" algn="l"/>
-              </a:tabLst>
-              <a:defRPr>
-                <a:solidFill>
-                  <a:schemeClr val="tx1"/>
-                </a:solidFill>
-                <a:latin typeface="Arial" panose="020B0604020202020204" pitchFamily="34" charset="0"/>
-              </a:defRPr>
-            </a:lvl4pPr>
-            <a:lvl5pPr eaLnBrk="0" fontAlgn="base" hangingPunct="0">
-              <a:spcBef>
-                <a:spcPct val="0"/>
-              </a:spcBef>
-              <a:spcAft>
-                <a:spcPct val="0"/>
-              </a:spcAft>
-              <a:tabLst>
-                <a:tab pos="1277938" algn="l"/>
-              </a:tabLst>
-              <a:defRPr>
-                <a:solidFill>
-                  <a:schemeClr val="tx1"/>
-                </a:solidFill>
-                <a:latin typeface="Arial" panose="020B0604020202020204" pitchFamily="34" charset="0"/>
-              </a:defRPr>
-            </a:lvl5pPr>
-            <a:lvl6pPr eaLnBrk="0" fontAlgn="base" hangingPunct="0">
-              <a:spcBef>
-                <a:spcPct val="0"/>
-              </a:spcBef>
-              <a:spcAft>
-                <a:spcPct val="0"/>
-              </a:spcAft>
-              <a:tabLst>
-                <a:tab pos="1277938" algn="l"/>
-              </a:tabLst>
-              <a:defRPr>
-                <a:solidFill>
-                  <a:schemeClr val="tx1"/>
-                </a:solidFill>
-                <a:latin typeface="Arial" panose="020B0604020202020204" pitchFamily="34" charset="0"/>
-              </a:defRPr>
-            </a:lvl6pPr>
-            <a:lvl7pPr eaLnBrk="0" fontAlgn="base" hangingPunct="0">
-              <a:spcBef>
-                <a:spcPct val="0"/>
-              </a:spcBef>
-              <a:spcAft>
-                <a:spcPct val="0"/>
-              </a:spcAft>
-              <a:tabLst>
-                <a:tab pos="1277938" algn="l"/>
-              </a:tabLst>
-              <a:defRPr>
-                <a:solidFill>
-                  <a:schemeClr val="tx1"/>
-                </a:solidFill>
-                <a:latin typeface="Arial" panose="020B0604020202020204" pitchFamily="34" charset="0"/>
-              </a:defRPr>
-            </a:lvl7pPr>
-            <a:lvl8pPr eaLnBrk="0" fontAlgn="base" hangingPunct="0">
-              <a:spcBef>
-                <a:spcPct val="0"/>
-              </a:spcBef>
-              <a:spcAft>
-                <a:spcPct val="0"/>
-              </a:spcAft>
-              <a:tabLst>
-                <a:tab pos="1277938" algn="l"/>
-              </a:tabLst>
-              <a:defRPr>
-                <a:solidFill>
-                  <a:schemeClr val="tx1"/>
-                </a:solidFill>
-                <a:latin typeface="Arial" panose="020B0604020202020204" pitchFamily="34" charset="0"/>
-              </a:defRPr>
-            </a:lvl8pPr>
-            <a:lvl9pPr eaLnBrk="0" fontAlgn="base" hangingPunct="0">
-              <a:spcBef>
-                <a:spcPct val="0"/>
-              </a:spcBef>
-              <a:spcAft>
-                <a:spcPct val="0"/>
-              </a:spcAft>
-              <a:tabLst>
-                <a:tab pos="1277938" algn="l"/>
-              </a:tabLst>
-              <a:defRPr>
-                <a:solidFill>
-                  <a:schemeClr val="tx1"/>
-                </a:solidFill>
-                <a:latin typeface="Arial" panose="020B0604020202020204" pitchFamily="34" charset="0"/>
-              </a:defRPr>
-            </a:lvl9pPr>
-          </a:lstStyle>
-          <a:p>
-            <a:pPr marL="0" marR="0" lvl="0" indent="0" algn="ctr" defTabSz="914400" rtl="0" eaLnBrk="0" fontAlgn="base" latinLnBrk="0" hangingPunct="0">
-              <a:lnSpc>
-                <a:spcPct val="100000"/>
-              </a:lnSpc>
-              <a:spcBef>
-                <a:spcPct val="0"/>
-              </a:spcBef>
-              <a:spcAft>
-                <a:spcPct val="0"/>
-              </a:spcAft>
-              <a:buClrTx/>
-              <a:buSzTx/>
-              <a:buFontTx/>
-              <a:buNone/>
-              <a:tabLst>
-                <a:tab pos="1277938" algn="l"/>
-              </a:tabLst>
-            </a:pPr>
-            <a:r>
-              <a:rPr kumimoji="0" lang="en-US" altLang="en-DE" sz="1100" b="0" i="0" u="none" strike="noStrike" cap="none" normalizeH="0" baseline="0" dirty="0">
-                <a:ln>
-                  <a:noFill/>
-                </a:ln>
-                <a:solidFill>
-                  <a:srgbClr val="0070C0"/>
-                </a:solidFill>
-                <a:effectLst/>
-                <a:latin typeface="Arial" panose="020B0604020202020204" pitchFamily="34" charset="0"/>
-                <a:ea typeface="Calibri" panose="020F0502020204030204" pitchFamily="34" charset="0"/>
-                <a:cs typeface="Times New Roman" panose="02020603050405020304" pitchFamily="18" charset="0"/>
-              </a:rPr>
-              <a:t>Neighbor Advertisement</a:t>
-            </a:r>
-          </a:p>
-          <a:p>
-            <a:pPr marL="0" marR="0" lvl="0" indent="0" algn="ctr" defTabSz="914400" rtl="0" eaLnBrk="0" fontAlgn="base" latinLnBrk="0" hangingPunct="0">
-              <a:lnSpc>
-                <a:spcPct val="100000"/>
-              </a:lnSpc>
-              <a:spcBef>
-                <a:spcPct val="0"/>
-              </a:spcBef>
-              <a:spcAft>
-                <a:spcPct val="0"/>
-              </a:spcAft>
-              <a:buClrTx/>
-              <a:buSzTx/>
-              <a:buFontTx/>
-              <a:buNone/>
-              <a:tabLst>
-                <a:tab pos="1277938" algn="l"/>
-              </a:tabLst>
-            </a:pPr>
-            <a:r>
-              <a:rPr kumimoji="0" lang="en-US" altLang="en-DE" sz="1100" b="0" i="0" u="none" strike="noStrike" cap="none" normalizeH="0" baseline="0" dirty="0">
-                <a:ln>
-                  <a:noFill/>
-                </a:ln>
-                <a:solidFill>
-                  <a:srgbClr val="0070C0"/>
-                </a:solidFill>
-                <a:effectLst/>
-                <a:latin typeface="Arial" panose="020B0604020202020204" pitchFamily="34" charset="0"/>
-                <a:ea typeface="Calibri" panose="020F0502020204030204" pitchFamily="34" charset="0"/>
-                <a:cs typeface="Times New Roman" panose="02020603050405020304" pitchFamily="18" charset="0"/>
-              </a:rPr>
-              <a:t>TA: 2001::1001</a:t>
-            </a:r>
-            <a:endParaRPr kumimoji="0" lang="en-US" altLang="en-DE" sz="1600" b="0" i="0" u="none" strike="noStrike" cap="none" normalizeH="0" baseline="0" dirty="0">
-              <a:ln>
-                <a:noFill/>
-              </a:ln>
-              <a:solidFill>
-                <a:srgbClr val="0070C0"/>
               </a:solidFill>
               <a:effectLst/>
               <a:latin typeface="Arial" panose="020B0604020202020204" pitchFamily="34" charset="0"/>
@@ -31615,8 +31273,8 @@
         </p:nvSpPr>
         <p:spPr bwMode="auto">
           <a:xfrm>
-            <a:off x="5878394" y="4423016"/>
-            <a:ext cx="2275927" cy="411553"/>
+            <a:off x="3035884" y="3589040"/>
+            <a:ext cx="2380178" cy="411553"/>
           </a:xfrm>
           <a:prstGeom prst="rect">
             <a:avLst/>
@@ -31819,42 +31477,7 @@
                 <a:ea typeface="Calibri" panose="020F0502020204030204" pitchFamily="34" charset="0"/>
                 <a:cs typeface="Times New Roman" panose="02020603050405020304" pitchFamily="18" charset="0"/>
               </a:rPr>
-              <a:t>Neighbor Advertisement</a:t>
-            </a:r>
-          </a:p>
-          <a:p>
-            <a:pPr marL="0" marR="0" lvl="0" indent="0" algn="ctr" defTabSz="914400" rtl="0" eaLnBrk="0" fontAlgn="base" latinLnBrk="0" hangingPunct="0">
-              <a:lnSpc>
-                <a:spcPct val="100000"/>
-              </a:lnSpc>
-              <a:spcBef>
-                <a:spcPct val="0"/>
-              </a:spcBef>
-              <a:spcAft>
-                <a:spcPct val="0"/>
-              </a:spcAft>
-              <a:buClrTx/>
-              <a:buSzTx/>
-              <a:buFontTx/>
-              <a:buNone/>
-              <a:tabLst>
-                <a:tab pos="1277938" algn="l"/>
-              </a:tabLst>
-            </a:pPr>
-            <a:r>
-              <a:rPr kumimoji="0" lang="en-US" altLang="en-DE" sz="1100" b="0" i="0" u="none" strike="noStrike" cap="none" normalizeH="0" baseline="0" dirty="0">
-                <a:ln>
-                  <a:noFill/>
-                </a:ln>
-                <a:solidFill>
-                  <a:srgbClr val="0070C0"/>
-                </a:solidFill>
-                <a:effectLst/>
-                <a:latin typeface="Arial" panose="020B0604020202020204" pitchFamily="34" charset="0"/>
-                <a:ea typeface="Calibri" panose="020F0502020204030204" pitchFamily="34" charset="0"/>
-                <a:cs typeface="Times New Roman" panose="02020603050405020304" pitchFamily="18" charset="0"/>
-              </a:rPr>
-              <a:t>TA: 2001::1001</a:t>
+              <a:t>ICMPv6 reply Dest: 2001::1001</a:t>
             </a:r>
             <a:endParaRPr kumimoji="0" lang="en-US" altLang="en-DE" sz="1600" b="0" i="0" u="none" strike="noStrike" cap="none" normalizeH="0" baseline="0" dirty="0">
               <a:ln>
@@ -31885,8 +31508,8 @@
         </p:nvSpPr>
         <p:spPr bwMode="auto">
           <a:xfrm>
-            <a:off x="5893898" y="3976556"/>
-            <a:ext cx="2275927" cy="411553"/>
+            <a:off x="3024216" y="3188987"/>
+            <a:ext cx="2391482" cy="411553"/>
           </a:xfrm>
           <a:prstGeom prst="rect">
             <a:avLst/>
@@ -32089,312 +31712,7 @@
                 <a:ea typeface="Calibri" panose="020F0502020204030204" pitchFamily="34" charset="0"/>
                 <a:cs typeface="Times New Roman" panose="02020603050405020304" pitchFamily="18" charset="0"/>
               </a:rPr>
-              <a:t>Neighbor Solicitation</a:t>
-            </a:r>
-          </a:p>
-          <a:p>
-            <a:pPr marL="0" marR="0" lvl="0" indent="0" algn="ctr" defTabSz="914400" rtl="0" eaLnBrk="0" fontAlgn="base" latinLnBrk="0" hangingPunct="0">
-              <a:lnSpc>
-                <a:spcPct val="100000"/>
-              </a:lnSpc>
-              <a:spcBef>
-                <a:spcPct val="0"/>
-              </a:spcBef>
-              <a:spcAft>
-                <a:spcPct val="0"/>
-              </a:spcAft>
-              <a:buClrTx/>
-              <a:buSzTx/>
-              <a:buFontTx/>
-              <a:buNone/>
-              <a:tabLst>
-                <a:tab pos="1277938" algn="l"/>
-              </a:tabLst>
-            </a:pPr>
-            <a:r>
-              <a:rPr kumimoji="0" lang="en-US" altLang="en-DE" sz="1100" b="0" i="0" u="none" strike="noStrike" cap="none" normalizeH="0" baseline="0" dirty="0">
-                <a:ln>
-                  <a:noFill/>
-                </a:ln>
-                <a:solidFill>
-                  <a:srgbClr val="0070C0"/>
-                </a:solidFill>
-                <a:effectLst/>
-                <a:latin typeface="Arial" panose="020B0604020202020204" pitchFamily="34" charset="0"/>
-                <a:ea typeface="Calibri" panose="020F0502020204030204" pitchFamily="34" charset="0"/>
-                <a:cs typeface="Times New Roman" panose="02020603050405020304" pitchFamily="18" charset="0"/>
-              </a:rPr>
-              <a:t>TA: 2001::1001</a:t>
-            </a:r>
-            <a:endParaRPr kumimoji="0" lang="en-US" altLang="en-DE" sz="1600" b="0" i="0" u="none" strike="noStrike" cap="none" normalizeH="0" baseline="0" dirty="0">
-              <a:ln>
-                <a:noFill/>
-              </a:ln>
-              <a:solidFill>
-                <a:srgbClr val="0070C0"/>
-              </a:solidFill>
-              <a:effectLst/>
-              <a:latin typeface="Arial" panose="020B0604020202020204" pitchFamily="34" charset="0"/>
-            </a:endParaRPr>
-          </a:p>
-        </p:txBody>
-      </p:sp>
-      <p:sp>
-        <p:nvSpPr>
-          <p:cNvPr id="106" name="Text Box 149">
-            <a:extLst>
-              <a:ext uri="{FF2B5EF4-FFF2-40B4-BE49-F238E27FC236}">
-                <a16:creationId xmlns:a16="http://schemas.microsoft.com/office/drawing/2014/main" id="{7EFB4713-1F77-2376-D3D3-409DDC7A5F82}"/>
-              </a:ext>
-            </a:extLst>
-          </p:cNvPr>
-          <p:cNvSpPr txBox="1">
-            <a:spLocks noChangeArrowheads="1"/>
-          </p:cNvSpPr>
-          <p:nvPr/>
-        </p:nvSpPr>
-        <p:spPr bwMode="auto">
-          <a:xfrm>
-            <a:off x="3699335" y="5189167"/>
-            <a:ext cx="2275927" cy="411553"/>
-          </a:xfrm>
-          <a:prstGeom prst="rect">
-            <a:avLst/>
-          </a:prstGeom>
-          <a:noFill/>
-          <a:ln>
-            <a:noFill/>
-          </a:ln>
-        </p:spPr>
-        <p:txBody>
-          <a:bodyPr vert="horz" wrap="square" lIns="91440" tIns="45720" rIns="91440" bIns="45720" numCol="1" anchor="t" anchorCtr="0" compatLnSpc="1">
-            <a:prstTxWarp prst="textNoShape">
-              <a:avLst/>
-            </a:prstTxWarp>
-          </a:bodyPr>
-          <a:lstStyle>
-            <a:lvl1pPr eaLnBrk="0" fontAlgn="base" hangingPunct="0">
-              <a:spcBef>
-                <a:spcPct val="0"/>
-              </a:spcBef>
-              <a:spcAft>
-                <a:spcPct val="0"/>
-              </a:spcAft>
-              <a:tabLst>
-                <a:tab pos="1277938" algn="l"/>
-              </a:tabLst>
-              <a:defRPr>
-                <a:solidFill>
-                  <a:schemeClr val="tx1"/>
-                </a:solidFill>
-                <a:latin typeface="Arial" panose="020B0604020202020204" pitchFamily="34" charset="0"/>
-              </a:defRPr>
-            </a:lvl1pPr>
-            <a:lvl2pPr eaLnBrk="0" fontAlgn="base" hangingPunct="0">
-              <a:spcBef>
-                <a:spcPct val="0"/>
-              </a:spcBef>
-              <a:spcAft>
-                <a:spcPct val="0"/>
-              </a:spcAft>
-              <a:tabLst>
-                <a:tab pos="1277938" algn="l"/>
-              </a:tabLst>
-              <a:defRPr>
-                <a:solidFill>
-                  <a:schemeClr val="tx1"/>
-                </a:solidFill>
-                <a:latin typeface="Arial" panose="020B0604020202020204" pitchFamily="34" charset="0"/>
-              </a:defRPr>
-            </a:lvl2pPr>
-            <a:lvl3pPr eaLnBrk="0" fontAlgn="base" hangingPunct="0">
-              <a:spcBef>
-                <a:spcPct val="0"/>
-              </a:spcBef>
-              <a:spcAft>
-                <a:spcPct val="0"/>
-              </a:spcAft>
-              <a:tabLst>
-                <a:tab pos="1277938" algn="l"/>
-              </a:tabLst>
-              <a:defRPr>
-                <a:solidFill>
-                  <a:schemeClr val="tx1"/>
-                </a:solidFill>
-                <a:latin typeface="Arial" panose="020B0604020202020204" pitchFamily="34" charset="0"/>
-              </a:defRPr>
-            </a:lvl3pPr>
-            <a:lvl4pPr eaLnBrk="0" fontAlgn="base" hangingPunct="0">
-              <a:spcBef>
-                <a:spcPct val="0"/>
-              </a:spcBef>
-              <a:spcAft>
-                <a:spcPct val="0"/>
-              </a:spcAft>
-              <a:tabLst>
-                <a:tab pos="1277938" algn="l"/>
-              </a:tabLst>
-              <a:defRPr>
-                <a:solidFill>
-                  <a:schemeClr val="tx1"/>
-                </a:solidFill>
-                <a:latin typeface="Arial" panose="020B0604020202020204" pitchFamily="34" charset="0"/>
-              </a:defRPr>
-            </a:lvl4pPr>
-            <a:lvl5pPr eaLnBrk="0" fontAlgn="base" hangingPunct="0">
-              <a:spcBef>
-                <a:spcPct val="0"/>
-              </a:spcBef>
-              <a:spcAft>
-                <a:spcPct val="0"/>
-              </a:spcAft>
-              <a:tabLst>
-                <a:tab pos="1277938" algn="l"/>
-              </a:tabLst>
-              <a:defRPr>
-                <a:solidFill>
-                  <a:schemeClr val="tx1"/>
-                </a:solidFill>
-                <a:latin typeface="Arial" panose="020B0604020202020204" pitchFamily="34" charset="0"/>
-              </a:defRPr>
-            </a:lvl5pPr>
-            <a:lvl6pPr eaLnBrk="0" fontAlgn="base" hangingPunct="0">
-              <a:spcBef>
-                <a:spcPct val="0"/>
-              </a:spcBef>
-              <a:spcAft>
-                <a:spcPct val="0"/>
-              </a:spcAft>
-              <a:tabLst>
-                <a:tab pos="1277938" algn="l"/>
-              </a:tabLst>
-              <a:defRPr>
-                <a:solidFill>
-                  <a:schemeClr val="tx1"/>
-                </a:solidFill>
-                <a:latin typeface="Arial" panose="020B0604020202020204" pitchFamily="34" charset="0"/>
-              </a:defRPr>
-            </a:lvl6pPr>
-            <a:lvl7pPr eaLnBrk="0" fontAlgn="base" hangingPunct="0">
-              <a:spcBef>
-                <a:spcPct val="0"/>
-              </a:spcBef>
-              <a:spcAft>
-                <a:spcPct val="0"/>
-              </a:spcAft>
-              <a:tabLst>
-                <a:tab pos="1277938" algn="l"/>
-              </a:tabLst>
-              <a:defRPr>
-                <a:solidFill>
-                  <a:schemeClr val="tx1"/>
-                </a:solidFill>
-                <a:latin typeface="Arial" panose="020B0604020202020204" pitchFamily="34" charset="0"/>
-              </a:defRPr>
-            </a:lvl7pPr>
-            <a:lvl8pPr eaLnBrk="0" fontAlgn="base" hangingPunct="0">
-              <a:spcBef>
-                <a:spcPct val="0"/>
-              </a:spcBef>
-              <a:spcAft>
-                <a:spcPct val="0"/>
-              </a:spcAft>
-              <a:tabLst>
-                <a:tab pos="1277938" algn="l"/>
-              </a:tabLst>
-              <a:defRPr>
-                <a:solidFill>
-                  <a:schemeClr val="tx1"/>
-                </a:solidFill>
-                <a:latin typeface="Arial" panose="020B0604020202020204" pitchFamily="34" charset="0"/>
-              </a:defRPr>
-            </a:lvl8pPr>
-            <a:lvl9pPr eaLnBrk="0" fontAlgn="base" hangingPunct="0">
-              <a:spcBef>
-                <a:spcPct val="0"/>
-              </a:spcBef>
-              <a:spcAft>
-                <a:spcPct val="0"/>
-              </a:spcAft>
-              <a:tabLst>
-                <a:tab pos="1277938" algn="l"/>
-              </a:tabLst>
-              <a:defRPr>
-                <a:solidFill>
-                  <a:schemeClr val="tx1"/>
-                </a:solidFill>
-                <a:latin typeface="Arial" panose="020B0604020202020204" pitchFamily="34" charset="0"/>
-              </a:defRPr>
-            </a:lvl9pPr>
-          </a:lstStyle>
-          <a:p>
-            <a:pPr marL="0" marR="0" lvl="0" indent="0" algn="ctr" defTabSz="914400" rtl="0" eaLnBrk="0" fontAlgn="base" latinLnBrk="0" hangingPunct="0">
-              <a:lnSpc>
-                <a:spcPct val="100000"/>
-              </a:lnSpc>
-              <a:spcBef>
-                <a:spcPct val="0"/>
-              </a:spcBef>
-              <a:spcAft>
-                <a:spcPct val="0"/>
-              </a:spcAft>
-              <a:buClrTx/>
-              <a:buSzTx/>
-              <a:buFontTx/>
-              <a:buNone/>
-              <a:tabLst>
-                <a:tab pos="1277938" algn="l"/>
-              </a:tabLst>
-            </a:pPr>
-            <a:r>
-              <a:rPr kumimoji="0" lang="en-US" altLang="en-DE" sz="1100" b="0" i="0" u="none" strike="noStrike" cap="none" normalizeH="0" baseline="0" dirty="0">
-                <a:ln>
-                  <a:noFill/>
-                </a:ln>
-                <a:solidFill>
-                  <a:srgbClr val="0070C0"/>
-                </a:solidFill>
-                <a:effectLst/>
-                <a:latin typeface="Arial" panose="020B0604020202020204" pitchFamily="34" charset="0"/>
-                <a:ea typeface="Calibri" panose="020F0502020204030204" pitchFamily="34" charset="0"/>
-                <a:cs typeface="Times New Roman" panose="02020603050405020304" pitchFamily="18" charset="0"/>
-              </a:rPr>
-              <a:t>Neighbor Solicitation</a:t>
-            </a:r>
-          </a:p>
-          <a:p>
-            <a:pPr marL="0" marR="0" lvl="0" indent="0" algn="ctr" defTabSz="914400" rtl="0" eaLnBrk="0" fontAlgn="base" latinLnBrk="0" hangingPunct="0">
-              <a:lnSpc>
-                <a:spcPct val="100000"/>
-              </a:lnSpc>
-              <a:spcBef>
-                <a:spcPct val="0"/>
-              </a:spcBef>
-              <a:spcAft>
-                <a:spcPct val="0"/>
-              </a:spcAft>
-              <a:buClrTx/>
-              <a:buSzTx/>
-              <a:buFontTx/>
-              <a:buNone/>
-              <a:tabLst>
-                <a:tab pos="1277938" algn="l"/>
-              </a:tabLst>
-            </a:pPr>
-            <a:r>
-              <a:rPr kumimoji="0" lang="en-US" altLang="en-DE" sz="1100" b="0" i="0" u="none" strike="noStrike" cap="none" normalizeH="0" baseline="0" dirty="0">
-                <a:ln>
-                  <a:noFill/>
-                </a:ln>
-                <a:solidFill>
-                  <a:srgbClr val="0070C0"/>
-                </a:solidFill>
-                <a:effectLst/>
-                <a:latin typeface="Arial" panose="020B0604020202020204" pitchFamily="34" charset="0"/>
-                <a:ea typeface="Calibri" panose="020F0502020204030204" pitchFamily="34" charset="0"/>
-                <a:cs typeface="Times New Roman" panose="02020603050405020304" pitchFamily="18" charset="0"/>
-              </a:rPr>
-              <a:t>TA: 2001::1001</a:t>
+              <a:t>ICMPv6 reply Dest: 2001::1001</a:t>
             </a:r>
             <a:endParaRPr kumimoji="0" lang="en-US" altLang="en-DE" sz="1600" b="0" i="0" u="none" strike="noStrike" cap="none" normalizeH="0" baseline="0" dirty="0">
               <a:ln>
@@ -32423,7 +31741,7 @@
         </p:nvSpPr>
         <p:spPr>
           <a:xfrm>
-            <a:off x="1079956" y="445698"/>
+            <a:off x="582629" y="480951"/>
             <a:ext cx="649857" cy="551814"/>
           </a:xfrm>
           <a:prstGeom prst="ellipse">
@@ -32499,7 +31817,7 @@
         </p:nvCxnSpPr>
         <p:spPr>
           <a:xfrm>
-            <a:off x="1391104" y="997512"/>
+            <a:off x="893777" y="1032765"/>
             <a:ext cx="0" cy="5636200"/>
           </a:xfrm>
           <a:prstGeom prst="line">
@@ -32540,7 +31858,7 @@
         </p:nvSpPr>
         <p:spPr>
           <a:xfrm>
-            <a:off x="3018257" y="442931"/>
+            <a:off x="2516781" y="446173"/>
             <a:ext cx="1074420" cy="670560"/>
           </a:xfrm>
           <a:prstGeom prst="rect">
@@ -32616,7 +31934,7 @@
         </p:nvCxnSpPr>
         <p:spPr>
           <a:xfrm>
-            <a:off x="3563931" y="1113490"/>
+            <a:off x="3062455" y="1116732"/>
             <a:ext cx="21531" cy="5520223"/>
           </a:xfrm>
           <a:prstGeom prst="line">
@@ -32657,7 +31975,7 @@
         </p:nvSpPr>
         <p:spPr>
           <a:xfrm>
-            <a:off x="7597769" y="445471"/>
+            <a:off x="8454081" y="444212"/>
             <a:ext cx="1074420" cy="670560"/>
           </a:xfrm>
           <a:prstGeom prst="rect">
@@ -32733,7 +32051,7 @@
         </p:nvCxnSpPr>
         <p:spPr>
           <a:xfrm>
-            <a:off x="8145140" y="1113490"/>
+            <a:off x="9001452" y="1112231"/>
             <a:ext cx="24884" cy="5520222"/>
           </a:xfrm>
           <a:prstGeom prst="line">
@@ -32776,7 +32094,7 @@
         </p:nvSpPr>
         <p:spPr bwMode="auto">
           <a:xfrm>
-            <a:off x="891458" y="164461"/>
+            <a:off x="394131" y="199714"/>
             <a:ext cx="1009595" cy="301625"/>
           </a:xfrm>
           <a:prstGeom prst="rect">
@@ -32860,130 +32178,6 @@
       </p:sp>
       <p:cxnSp>
         <p:nvCxnSpPr>
-          <p:cNvPr id="38" name="Straight Arrow Connector 37">
-            <a:extLst>
-              <a:ext uri="{FF2B5EF4-FFF2-40B4-BE49-F238E27FC236}">
-                <a16:creationId xmlns:a16="http://schemas.microsoft.com/office/drawing/2014/main" id="{65999C34-FAD3-1E60-AD57-1EA1D3E8CD83}"/>
-              </a:ext>
-            </a:extLst>
-          </p:cNvPr>
-          <p:cNvCxnSpPr>
-            <a:cxnSpLocks/>
-            <a:endCxn id="93" idx="1"/>
-          </p:cNvCxnSpPr>
-          <p:nvPr/>
-        </p:nvCxnSpPr>
-        <p:spPr>
-          <a:xfrm>
-            <a:off x="1397583" y="1462800"/>
-            <a:ext cx="2161733" cy="0"/>
-          </a:xfrm>
-          <a:prstGeom prst="straightConnector1">
-            <a:avLst/>
-          </a:prstGeom>
-          <a:ln>
-            <a:tailEnd type="triangle"/>
-          </a:ln>
-        </p:spPr>
-        <p:style>
-          <a:lnRef idx="1">
-            <a:schemeClr val="dk1"/>
-          </a:lnRef>
-          <a:fillRef idx="0">
-            <a:schemeClr val="dk1"/>
-          </a:fillRef>
-          <a:effectRef idx="0">
-            <a:schemeClr val="dk1"/>
-          </a:effectRef>
-          <a:fontRef idx="minor">
-            <a:schemeClr val="tx1"/>
-          </a:fontRef>
-        </p:style>
-      </p:cxnSp>
-      <p:cxnSp>
-        <p:nvCxnSpPr>
-          <p:cNvPr id="39" name="Straight Arrow Connector 38">
-            <a:extLst>
-              <a:ext uri="{FF2B5EF4-FFF2-40B4-BE49-F238E27FC236}">
-                <a16:creationId xmlns:a16="http://schemas.microsoft.com/office/drawing/2014/main" id="{A5A9E30F-311D-98BC-57C0-BE9A9DFAF7E7}"/>
-              </a:ext>
-            </a:extLst>
-          </p:cNvPr>
-          <p:cNvCxnSpPr>
-            <a:cxnSpLocks/>
-          </p:cNvCxnSpPr>
-          <p:nvPr/>
-        </p:nvCxnSpPr>
-        <p:spPr>
-          <a:xfrm flipH="1">
-            <a:off x="3563931" y="2143098"/>
-            <a:ext cx="2277790" cy="420"/>
-          </a:xfrm>
-          <a:prstGeom prst="straightConnector1">
-            <a:avLst/>
-          </a:prstGeom>
-          <a:ln>
-            <a:tailEnd type="triangle"/>
-          </a:ln>
-        </p:spPr>
-        <p:style>
-          <a:lnRef idx="1">
-            <a:schemeClr val="dk1"/>
-          </a:lnRef>
-          <a:fillRef idx="0">
-            <a:schemeClr val="dk1"/>
-          </a:fillRef>
-          <a:effectRef idx="0">
-            <a:schemeClr val="dk1"/>
-          </a:effectRef>
-          <a:fontRef idx="minor">
-            <a:schemeClr val="tx1"/>
-          </a:fontRef>
-        </p:style>
-      </p:cxnSp>
-      <p:cxnSp>
-        <p:nvCxnSpPr>
-          <p:cNvPr id="41" name="Straight Arrow Connector 40">
-            <a:extLst>
-              <a:ext uri="{FF2B5EF4-FFF2-40B4-BE49-F238E27FC236}">
-                <a16:creationId xmlns:a16="http://schemas.microsoft.com/office/drawing/2014/main" id="{BA2BF0B1-D3A4-0D3C-C824-A102923105A5}"/>
-              </a:ext>
-            </a:extLst>
-          </p:cNvPr>
-          <p:cNvCxnSpPr>
-            <a:cxnSpLocks/>
-          </p:cNvCxnSpPr>
-          <p:nvPr/>
-        </p:nvCxnSpPr>
-        <p:spPr>
-          <a:xfrm>
-            <a:off x="3572272" y="2601461"/>
-            <a:ext cx="4572868" cy="0"/>
-          </a:xfrm>
-          <a:prstGeom prst="straightConnector1">
-            <a:avLst/>
-          </a:prstGeom>
-          <a:ln>
-            <a:tailEnd type="triangle"/>
-          </a:ln>
-        </p:spPr>
-        <p:style>
-          <a:lnRef idx="1">
-            <a:schemeClr val="dk1"/>
-          </a:lnRef>
-          <a:fillRef idx="0">
-            <a:schemeClr val="dk1"/>
-          </a:fillRef>
-          <a:effectRef idx="0">
-            <a:schemeClr val="dk1"/>
-          </a:effectRef>
-          <a:fontRef idx="minor">
-            <a:schemeClr val="tx1"/>
-          </a:fontRef>
-        </p:style>
-      </p:cxnSp>
-      <p:cxnSp>
-        <p:nvCxnSpPr>
           <p:cNvPr id="42" name="Straight Arrow Connector 41">
             <a:extLst>
               <a:ext uri="{FF2B5EF4-FFF2-40B4-BE49-F238E27FC236}">
@@ -32998,7 +32192,7 @@
         </p:nvCxnSpPr>
         <p:spPr>
           <a:xfrm flipH="1">
-            <a:off x="5851018" y="4376429"/>
+            <a:off x="3062294" y="3843615"/>
             <a:ext cx="2294359" cy="0"/>
           </a:xfrm>
           <a:prstGeom prst="straightConnector1">
@@ -33094,75 +32288,6 @@
       </p:sp>
       <p:sp>
         <p:nvSpPr>
-          <p:cNvPr id="46" name="Rectangle 52">
-            <a:extLst>
-              <a:ext uri="{FF2B5EF4-FFF2-40B4-BE49-F238E27FC236}">
-                <a16:creationId xmlns:a16="http://schemas.microsoft.com/office/drawing/2014/main" id="{2FD39592-C8E3-B185-25E8-047793ABF658}"/>
-              </a:ext>
-            </a:extLst>
-          </p:cNvPr>
-          <p:cNvSpPr>
-            <a:spLocks noChangeArrowheads="1"/>
-          </p:cNvSpPr>
-          <p:nvPr/>
-        </p:nvSpPr>
-        <p:spPr bwMode="auto">
-          <a:xfrm>
-            <a:off x="152400" y="609600"/>
-            <a:ext cx="12192000" cy="0"/>
-          </a:xfrm>
-          <a:prstGeom prst="rect">
-            <a:avLst/>
-          </a:prstGeom>
-          <a:noFill/>
-          <a:ln>
-            <a:noFill/>
-          </a:ln>
-          <a:effectLst/>
-          <a:extLst>
-            <a:ext uri="{909E8E84-426E-40DD-AFC4-6F175D3DCCD1}">
-              <a14:hiddenFill xmlns:a14="http://schemas.microsoft.com/office/drawing/2010/main">
-                <a:solidFill>
-                  <a:schemeClr val="accent1"/>
-                </a:solidFill>
-              </a14:hiddenFill>
-            </a:ext>
-            <a:ext uri="{91240B29-F687-4F45-9708-019B960494DF}">
-              <a14:hiddenLine xmlns:a14="http://schemas.microsoft.com/office/drawing/2010/main" w="9525">
-                <a:solidFill>
-                  <a:schemeClr val="tx1"/>
-                </a:solidFill>
-                <a:miter lim="800000"/>
-                <a:headEnd/>
-                <a:tailEnd/>
-              </a14:hiddenLine>
-            </a:ext>
-            <a:ext uri="{AF507438-7753-43E0-B8FC-AC1667EBCBE1}">
-              <a14:hiddenEffects xmlns:a14="http://schemas.microsoft.com/office/drawing/2010/main">
-                <a:effectLst>
-                  <a:outerShdw dist="35921" dir="2700000" algn="ctr" rotWithShape="0">
-                    <a:schemeClr val="bg2"/>
-                  </a:outerShdw>
-                </a:effectLst>
-              </a14:hiddenEffects>
-            </a:ext>
-          </a:extLst>
-        </p:spPr>
-        <p:txBody>
-          <a:bodyPr vert="horz" wrap="none" lIns="91440" tIns="45720" rIns="91440" bIns="45720" numCol="1" anchor="ctr" anchorCtr="0" compatLnSpc="1">
-            <a:prstTxWarp prst="textNoShape">
-              <a:avLst/>
-            </a:prstTxWarp>
-            <a:spAutoFit/>
-          </a:bodyPr>
-          <a:lstStyle/>
-          <a:p>
-            <a:endParaRPr lang="en-DE"/>
-          </a:p>
-        </p:txBody>
-      </p:sp>
-      <p:sp>
-        <p:nvSpPr>
           <p:cNvPr id="49" name="Oval 48">
             <a:extLst>
               <a:ext uri="{FF2B5EF4-FFF2-40B4-BE49-F238E27FC236}">
@@ -33175,7 +32300,7 @@
         </p:nvSpPr>
         <p:spPr>
           <a:xfrm>
-            <a:off x="10100813" y="409614"/>
+            <a:off x="10957125" y="408355"/>
             <a:ext cx="649857" cy="551814"/>
           </a:xfrm>
           <a:prstGeom prst="ellipse">
@@ -33251,7 +32376,7 @@
         </p:nvCxnSpPr>
         <p:spPr>
           <a:xfrm>
-            <a:off x="10411961" y="961428"/>
+            <a:off x="11268273" y="960169"/>
             <a:ext cx="24610" cy="5672284"/>
           </a:xfrm>
           <a:prstGeom prst="line">
@@ -33292,7 +32417,7 @@
         </p:nvSpPr>
         <p:spPr>
           <a:xfrm>
-            <a:off x="5308013" y="442931"/>
+            <a:off x="4797544" y="450746"/>
             <a:ext cx="1074420" cy="670560"/>
           </a:xfrm>
           <a:prstGeom prst="flowChartTerminator">
@@ -33368,8 +32493,8 @@
         </p:nvCxnSpPr>
         <p:spPr>
           <a:xfrm>
-            <a:off x="5841721" y="1113490"/>
-            <a:ext cx="11044" cy="5520222"/>
+            <a:off x="5340245" y="1116732"/>
+            <a:ext cx="16408" cy="2981279"/>
           </a:xfrm>
           <a:prstGeom prst="line">
             <a:avLst/>
@@ -33397,129 +32522,6 @@
       </p:cxnSp>
       <p:cxnSp>
         <p:nvCxnSpPr>
-          <p:cNvPr id="55" name="Straight Arrow Connector 54">
-            <a:extLst>
-              <a:ext uri="{FF2B5EF4-FFF2-40B4-BE49-F238E27FC236}">
-                <a16:creationId xmlns:a16="http://schemas.microsoft.com/office/drawing/2014/main" id="{C3213CED-26EF-68BD-9F9F-9BE8C8B03EAD}"/>
-              </a:ext>
-            </a:extLst>
-          </p:cNvPr>
-          <p:cNvCxnSpPr>
-            <a:cxnSpLocks/>
-          </p:cNvCxnSpPr>
-          <p:nvPr/>
-        </p:nvCxnSpPr>
-        <p:spPr>
-          <a:xfrm>
-            <a:off x="3563931" y="1628504"/>
-            <a:ext cx="2277790" cy="0"/>
-          </a:xfrm>
-          <a:prstGeom prst="straightConnector1">
-            <a:avLst/>
-          </a:prstGeom>
-          <a:ln>
-            <a:tailEnd type="triangle"/>
-          </a:ln>
-        </p:spPr>
-        <p:style>
-          <a:lnRef idx="1">
-            <a:schemeClr val="dk1"/>
-          </a:lnRef>
-          <a:fillRef idx="0">
-            <a:schemeClr val="dk1"/>
-          </a:fillRef>
-          <a:effectRef idx="0">
-            <a:schemeClr val="dk1"/>
-          </a:effectRef>
-          <a:fontRef idx="minor">
-            <a:schemeClr val="tx1"/>
-          </a:fontRef>
-        </p:style>
-      </p:cxnSp>
-      <p:cxnSp>
-        <p:nvCxnSpPr>
-          <p:cNvPr id="59" name="Straight Arrow Connector 58">
-            <a:extLst>
-              <a:ext uri="{FF2B5EF4-FFF2-40B4-BE49-F238E27FC236}">
-                <a16:creationId xmlns:a16="http://schemas.microsoft.com/office/drawing/2014/main" id="{5CD0F3AD-8182-DA30-76EB-FB4C402E3682}"/>
-              </a:ext>
-            </a:extLst>
-          </p:cNvPr>
-          <p:cNvCxnSpPr>
-            <a:cxnSpLocks/>
-          </p:cNvCxnSpPr>
-          <p:nvPr/>
-        </p:nvCxnSpPr>
-        <p:spPr>
-          <a:xfrm flipH="1" flipV="1">
-            <a:off x="5841721" y="3075962"/>
-            <a:ext cx="2312600" cy="354"/>
-          </a:xfrm>
-          <a:prstGeom prst="straightConnector1">
-            <a:avLst/>
-          </a:prstGeom>
-          <a:ln>
-            <a:tailEnd type="triangle"/>
-          </a:ln>
-        </p:spPr>
-        <p:style>
-          <a:lnRef idx="1">
-            <a:schemeClr val="dk1"/>
-          </a:lnRef>
-          <a:fillRef idx="0">
-            <a:schemeClr val="dk1"/>
-          </a:fillRef>
-          <a:effectRef idx="0">
-            <a:schemeClr val="dk1"/>
-          </a:effectRef>
-          <a:fontRef idx="minor">
-            <a:schemeClr val="tx1"/>
-          </a:fontRef>
-        </p:style>
-      </p:cxnSp>
-      <p:cxnSp>
-        <p:nvCxnSpPr>
-          <p:cNvPr id="60" name="Straight Arrow Connector 59">
-            <a:extLst>
-              <a:ext uri="{FF2B5EF4-FFF2-40B4-BE49-F238E27FC236}">
-                <a16:creationId xmlns:a16="http://schemas.microsoft.com/office/drawing/2014/main" id="{3A4BED29-B25D-CC31-0E8C-A3CF41140673}"/>
-              </a:ext>
-            </a:extLst>
-          </p:cNvPr>
-          <p:cNvCxnSpPr>
-            <a:cxnSpLocks/>
-          </p:cNvCxnSpPr>
-          <p:nvPr/>
-        </p:nvCxnSpPr>
-        <p:spPr>
-          <a:xfrm>
-            <a:off x="5848199" y="3568261"/>
-            <a:ext cx="2307985" cy="0"/>
-          </a:xfrm>
-          <a:prstGeom prst="straightConnector1">
-            <a:avLst/>
-          </a:prstGeom>
-          <a:ln>
-            <a:tailEnd type="triangle"/>
-          </a:ln>
-        </p:spPr>
-        <p:style>
-          <a:lnRef idx="1">
-            <a:schemeClr val="dk1"/>
-          </a:lnRef>
-          <a:fillRef idx="0">
-            <a:schemeClr val="dk1"/>
-          </a:fillRef>
-          <a:effectRef idx="0">
-            <a:schemeClr val="dk1"/>
-          </a:effectRef>
-          <a:fontRef idx="minor">
-            <a:schemeClr val="tx1"/>
-          </a:fontRef>
-        </p:style>
-      </p:cxnSp>
-      <p:cxnSp>
-        <p:nvCxnSpPr>
           <p:cNvPr id="61" name="Straight Arrow Connector 60">
             <a:extLst>
               <a:ext uri="{FF2B5EF4-FFF2-40B4-BE49-F238E27FC236}">
@@ -33534,7 +32536,7 @@
         </p:nvCxnSpPr>
         <p:spPr>
           <a:xfrm flipH="1">
-            <a:off x="8156067" y="4084068"/>
+            <a:off x="8990624" y="2174216"/>
             <a:ext cx="2264074" cy="0"/>
           </a:xfrm>
           <a:prstGeom prst="straightConnector1">
@@ -33575,8 +32577,8 @@
         </p:nvCxnSpPr>
         <p:spPr>
           <a:xfrm>
-            <a:off x="8116042" y="3768849"/>
-            <a:ext cx="2304099" cy="1"/>
+            <a:off x="9001417" y="1861498"/>
+            <a:ext cx="2253281" cy="709"/>
           </a:xfrm>
           <a:prstGeom prst="straightConnector1">
             <a:avLst/>
@@ -33616,7 +32618,7 @@
         </p:nvCxnSpPr>
         <p:spPr>
           <a:xfrm flipH="1">
-            <a:off x="1414483" y="6196500"/>
+            <a:off x="913878" y="4086691"/>
             <a:ext cx="2157789" cy="0"/>
           </a:xfrm>
           <a:prstGeom prst="straightConnector1">
@@ -33657,7 +32659,7 @@
         </p:nvCxnSpPr>
         <p:spPr>
           <a:xfrm>
-            <a:off x="5881183" y="4791387"/>
+            <a:off x="3081994" y="3434063"/>
             <a:ext cx="2277790" cy="0"/>
           </a:xfrm>
           <a:prstGeom prst="straightConnector1">
@@ -33698,90 +32700,8 @@
         </p:nvCxnSpPr>
         <p:spPr>
           <a:xfrm flipH="1">
-            <a:off x="3577606" y="5184890"/>
-            <a:ext cx="4588717" cy="0"/>
-          </a:xfrm>
-          <a:prstGeom prst="straightConnector1">
-            <a:avLst/>
-          </a:prstGeom>
-          <a:ln>
-            <a:tailEnd type="triangle"/>
-          </a:ln>
-        </p:spPr>
-        <p:style>
-          <a:lnRef idx="1">
-            <a:schemeClr val="dk1"/>
-          </a:lnRef>
-          <a:fillRef idx="0">
-            <a:schemeClr val="dk1"/>
-          </a:fillRef>
-          <a:effectRef idx="0">
-            <a:schemeClr val="dk1"/>
-          </a:effectRef>
-          <a:fontRef idx="minor">
-            <a:schemeClr val="tx1"/>
-          </a:fontRef>
-        </p:style>
-      </p:cxnSp>
-      <p:cxnSp>
-        <p:nvCxnSpPr>
-          <p:cNvPr id="85" name="Straight Arrow Connector 84">
-            <a:extLst>
-              <a:ext uri="{FF2B5EF4-FFF2-40B4-BE49-F238E27FC236}">
-                <a16:creationId xmlns:a16="http://schemas.microsoft.com/office/drawing/2014/main" id="{8ACEE3E9-7D60-CD57-E753-EF4567FD0FB5}"/>
-              </a:ext>
-            </a:extLst>
-          </p:cNvPr>
-          <p:cNvCxnSpPr>
-            <a:cxnSpLocks/>
-          </p:cNvCxnSpPr>
-          <p:nvPr/>
-        </p:nvCxnSpPr>
-        <p:spPr>
-          <a:xfrm flipH="1">
-            <a:off x="3578481" y="6000403"/>
-            <a:ext cx="2277790" cy="420"/>
-          </a:xfrm>
-          <a:prstGeom prst="straightConnector1">
-            <a:avLst/>
-          </a:prstGeom>
-          <a:ln>
-            <a:tailEnd type="triangle"/>
-          </a:ln>
-        </p:spPr>
-        <p:style>
-          <a:lnRef idx="1">
-            <a:schemeClr val="dk1"/>
-          </a:lnRef>
-          <a:fillRef idx="0">
-            <a:schemeClr val="dk1"/>
-          </a:fillRef>
-          <a:effectRef idx="0">
-            <a:schemeClr val="dk1"/>
-          </a:effectRef>
-          <a:fontRef idx="minor">
-            <a:schemeClr val="tx1"/>
-          </a:fontRef>
-        </p:style>
-      </p:cxnSp>
-      <p:cxnSp>
-        <p:nvCxnSpPr>
-          <p:cNvPr id="86" name="Straight Arrow Connector 85">
-            <a:extLst>
-              <a:ext uri="{FF2B5EF4-FFF2-40B4-BE49-F238E27FC236}">
-                <a16:creationId xmlns:a16="http://schemas.microsoft.com/office/drawing/2014/main" id="{D73CB25F-D5EC-ADEA-3BBE-C28F4299CFDA}"/>
-              </a:ext>
-            </a:extLst>
-          </p:cNvPr>
-          <p:cNvCxnSpPr>
-            <a:cxnSpLocks/>
-          </p:cNvCxnSpPr>
-          <p:nvPr/>
-        </p:nvCxnSpPr>
-        <p:spPr>
-          <a:xfrm>
-            <a:off x="3578481" y="5549675"/>
-            <a:ext cx="2277790" cy="0"/>
+            <a:off x="3076360" y="3077458"/>
+            <a:ext cx="5949976" cy="24533"/>
           </a:xfrm>
           <a:prstGeom prst="straightConnector1">
             <a:avLst/>
@@ -33821,7 +32741,7 @@
         </p:nvSpPr>
         <p:spPr bwMode="auto">
           <a:xfrm>
-            <a:off x="9897002" y="164461"/>
+            <a:off x="10753314" y="163202"/>
             <a:ext cx="1009595" cy="301625"/>
           </a:xfrm>
           <a:prstGeom prst="rect">
@@ -33896,243 +32816,6 @@
               </a:ln>
               <a:solidFill>
                 <a:schemeClr val="tx1"/>
-              </a:solidFill>
-              <a:effectLst/>
-              <a:latin typeface="Arial" panose="020B0604020202020204" pitchFamily="34" charset="0"/>
-            </a:endParaRPr>
-          </a:p>
-        </p:txBody>
-      </p:sp>
-      <p:sp>
-        <p:nvSpPr>
-          <p:cNvPr id="95" name="Text Box 149">
-            <a:extLst>
-              <a:ext uri="{FF2B5EF4-FFF2-40B4-BE49-F238E27FC236}">
-                <a16:creationId xmlns:a16="http://schemas.microsoft.com/office/drawing/2014/main" id="{C1201ABF-A30F-5073-216D-58EC583FF8A7}"/>
-              </a:ext>
-            </a:extLst>
-          </p:cNvPr>
-          <p:cNvSpPr txBox="1">
-            <a:spLocks noChangeArrowheads="1"/>
-          </p:cNvSpPr>
-          <p:nvPr/>
-        </p:nvSpPr>
-        <p:spPr bwMode="auto">
-          <a:xfrm>
-            <a:off x="4696081" y="2358182"/>
-            <a:ext cx="2335781" cy="228479"/>
-          </a:xfrm>
-          <a:prstGeom prst="rect">
-            <a:avLst/>
-          </a:prstGeom>
-          <a:solidFill>
-            <a:schemeClr val="bg1"/>
-          </a:solidFill>
-          <a:ln>
-            <a:noFill/>
-          </a:ln>
-        </p:spPr>
-        <p:txBody>
-          <a:bodyPr vert="horz" wrap="square" lIns="91440" tIns="45720" rIns="91440" bIns="45720" numCol="1" anchor="t" anchorCtr="0" compatLnSpc="1">
-            <a:prstTxWarp prst="textNoShape">
-              <a:avLst/>
-            </a:prstTxWarp>
-          </a:bodyPr>
-          <a:lstStyle>
-            <a:lvl1pPr eaLnBrk="0" fontAlgn="base" hangingPunct="0">
-              <a:spcBef>
-                <a:spcPct val="0"/>
-              </a:spcBef>
-              <a:spcAft>
-                <a:spcPct val="0"/>
-              </a:spcAft>
-              <a:tabLst>
-                <a:tab pos="1277938" algn="l"/>
-              </a:tabLst>
-              <a:defRPr>
-                <a:solidFill>
-                  <a:schemeClr val="tx1"/>
-                </a:solidFill>
-                <a:latin typeface="Arial" panose="020B0604020202020204" pitchFamily="34" charset="0"/>
-              </a:defRPr>
-            </a:lvl1pPr>
-            <a:lvl2pPr eaLnBrk="0" fontAlgn="base" hangingPunct="0">
-              <a:spcBef>
-                <a:spcPct val="0"/>
-              </a:spcBef>
-              <a:spcAft>
-                <a:spcPct val="0"/>
-              </a:spcAft>
-              <a:tabLst>
-                <a:tab pos="1277938" algn="l"/>
-              </a:tabLst>
-              <a:defRPr>
-                <a:solidFill>
-                  <a:schemeClr val="tx1"/>
-                </a:solidFill>
-                <a:latin typeface="Arial" panose="020B0604020202020204" pitchFamily="34" charset="0"/>
-              </a:defRPr>
-            </a:lvl2pPr>
-            <a:lvl3pPr eaLnBrk="0" fontAlgn="base" hangingPunct="0">
-              <a:spcBef>
-                <a:spcPct val="0"/>
-              </a:spcBef>
-              <a:spcAft>
-                <a:spcPct val="0"/>
-              </a:spcAft>
-              <a:tabLst>
-                <a:tab pos="1277938" algn="l"/>
-              </a:tabLst>
-              <a:defRPr>
-                <a:solidFill>
-                  <a:schemeClr val="tx1"/>
-                </a:solidFill>
-                <a:latin typeface="Arial" panose="020B0604020202020204" pitchFamily="34" charset="0"/>
-              </a:defRPr>
-            </a:lvl3pPr>
-            <a:lvl4pPr eaLnBrk="0" fontAlgn="base" hangingPunct="0">
-              <a:spcBef>
-                <a:spcPct val="0"/>
-              </a:spcBef>
-              <a:spcAft>
-                <a:spcPct val="0"/>
-              </a:spcAft>
-              <a:tabLst>
-                <a:tab pos="1277938" algn="l"/>
-              </a:tabLst>
-              <a:defRPr>
-                <a:solidFill>
-                  <a:schemeClr val="tx1"/>
-                </a:solidFill>
-                <a:latin typeface="Arial" panose="020B0604020202020204" pitchFamily="34" charset="0"/>
-              </a:defRPr>
-            </a:lvl4pPr>
-            <a:lvl5pPr eaLnBrk="0" fontAlgn="base" hangingPunct="0">
-              <a:spcBef>
-                <a:spcPct val="0"/>
-              </a:spcBef>
-              <a:spcAft>
-                <a:spcPct val="0"/>
-              </a:spcAft>
-              <a:tabLst>
-                <a:tab pos="1277938" algn="l"/>
-              </a:tabLst>
-              <a:defRPr>
-                <a:solidFill>
-                  <a:schemeClr val="tx1"/>
-                </a:solidFill>
-                <a:latin typeface="Arial" panose="020B0604020202020204" pitchFamily="34" charset="0"/>
-              </a:defRPr>
-            </a:lvl5pPr>
-            <a:lvl6pPr eaLnBrk="0" fontAlgn="base" hangingPunct="0">
-              <a:spcBef>
-                <a:spcPct val="0"/>
-              </a:spcBef>
-              <a:spcAft>
-                <a:spcPct val="0"/>
-              </a:spcAft>
-              <a:tabLst>
-                <a:tab pos="1277938" algn="l"/>
-              </a:tabLst>
-              <a:defRPr>
-                <a:solidFill>
-                  <a:schemeClr val="tx1"/>
-                </a:solidFill>
-                <a:latin typeface="Arial" panose="020B0604020202020204" pitchFamily="34" charset="0"/>
-              </a:defRPr>
-            </a:lvl6pPr>
-            <a:lvl7pPr eaLnBrk="0" fontAlgn="base" hangingPunct="0">
-              <a:spcBef>
-                <a:spcPct val="0"/>
-              </a:spcBef>
-              <a:spcAft>
-                <a:spcPct val="0"/>
-              </a:spcAft>
-              <a:tabLst>
-                <a:tab pos="1277938" algn="l"/>
-              </a:tabLst>
-              <a:defRPr>
-                <a:solidFill>
-                  <a:schemeClr val="tx1"/>
-                </a:solidFill>
-                <a:latin typeface="Arial" panose="020B0604020202020204" pitchFamily="34" charset="0"/>
-              </a:defRPr>
-            </a:lvl7pPr>
-            <a:lvl8pPr eaLnBrk="0" fontAlgn="base" hangingPunct="0">
-              <a:spcBef>
-                <a:spcPct val="0"/>
-              </a:spcBef>
-              <a:spcAft>
-                <a:spcPct val="0"/>
-              </a:spcAft>
-              <a:tabLst>
-                <a:tab pos="1277938" algn="l"/>
-              </a:tabLst>
-              <a:defRPr>
-                <a:solidFill>
-                  <a:schemeClr val="tx1"/>
-                </a:solidFill>
-                <a:latin typeface="Arial" panose="020B0604020202020204" pitchFamily="34" charset="0"/>
-              </a:defRPr>
-            </a:lvl8pPr>
-            <a:lvl9pPr eaLnBrk="0" fontAlgn="base" hangingPunct="0">
-              <a:spcBef>
-                <a:spcPct val="0"/>
-              </a:spcBef>
-              <a:spcAft>
-                <a:spcPct val="0"/>
-              </a:spcAft>
-              <a:tabLst>
-                <a:tab pos="1277938" algn="l"/>
-              </a:tabLst>
-              <a:defRPr>
-                <a:solidFill>
-                  <a:schemeClr val="tx1"/>
-                </a:solidFill>
-                <a:latin typeface="Arial" panose="020B0604020202020204" pitchFamily="34" charset="0"/>
-              </a:defRPr>
-            </a:lvl9pPr>
-          </a:lstStyle>
-          <a:p>
-            <a:pPr marL="0" marR="0" lvl="0" indent="0" algn="ctr" defTabSz="914400" rtl="0" eaLnBrk="0" fontAlgn="base" latinLnBrk="0" hangingPunct="0">
-              <a:lnSpc>
-                <a:spcPct val="100000"/>
-              </a:lnSpc>
-              <a:spcBef>
-                <a:spcPct val="0"/>
-              </a:spcBef>
-              <a:spcAft>
-                <a:spcPct val="0"/>
-              </a:spcAft>
-              <a:buClrTx/>
-              <a:buSzTx/>
-              <a:buFontTx/>
-              <a:buNone/>
-              <a:tabLst>
-                <a:tab pos="1277938" algn="l"/>
-              </a:tabLst>
-            </a:pPr>
-            <a:r>
-              <a:rPr kumimoji="0" lang="en-US" altLang="en-DE" sz="1100" b="0" i="0" u="none" strike="noStrike" cap="none" normalizeH="0" baseline="0" dirty="0">
-                <a:ln>
-                  <a:noFill/>
-                </a:ln>
-                <a:solidFill>
-                  <a:srgbClr val="00B050"/>
-                </a:solidFill>
-                <a:effectLst/>
-                <a:latin typeface="Arial" panose="020B0604020202020204" pitchFamily="34" charset="0"/>
-                <a:ea typeface="Calibri" panose="020F0502020204030204" pitchFamily="34" charset="0"/>
-                <a:cs typeface="Times New Roman" panose="02020603050405020304" pitchFamily="18" charset="0"/>
-              </a:rPr>
-              <a:t>ICMPv6 request Dest: 2001::1004</a:t>
-            </a:r>
-            <a:endParaRPr kumimoji="0" lang="en-US" altLang="en-DE" sz="1600" b="0" i="0" u="none" strike="noStrike" cap="none" normalizeH="0" baseline="0" dirty="0">
-              <a:ln>
-                <a:noFill/>
-              </a:ln>
-              <a:solidFill>
-                <a:srgbClr val="00B050"/>
               </a:solidFill>
               <a:effectLst/>
               <a:latin typeface="Arial" panose="020B0604020202020204" pitchFamily="34" charset="0"/>
@@ -34156,8 +32839,8 @@
         </p:nvSpPr>
         <p:spPr bwMode="auto">
           <a:xfrm>
-            <a:off x="4894181" y="4931878"/>
-            <a:ext cx="2248504" cy="228479"/>
+            <a:off x="5340444" y="2846641"/>
+            <a:ext cx="2507517" cy="228479"/>
           </a:xfrm>
           <a:prstGeom prst="rect">
             <a:avLst/>
@@ -34379,10 +33062,10 @@
       </p:sp>
       <p:sp>
         <p:nvSpPr>
-          <p:cNvPr id="112" name="Octagon 111">
+          <p:cNvPr id="2" name="Rectangle 1">
             <a:extLst>
               <a:ext uri="{FF2B5EF4-FFF2-40B4-BE49-F238E27FC236}">
-                <a16:creationId xmlns:a16="http://schemas.microsoft.com/office/drawing/2014/main" id="{F520ED12-A188-9654-5FFE-734EC377B997}"/>
+                <a16:creationId xmlns:a16="http://schemas.microsoft.com/office/drawing/2014/main" id="{7038455B-2C03-9CBF-F52E-E7F37C1987D2}"/>
               </a:ext>
             </a:extLst>
           </p:cNvPr>
@@ -34391,16 +33074,21 @@
         </p:nvSpPr>
         <p:spPr>
           <a:xfrm>
-            <a:off x="1414483" y="1501080"/>
-            <a:ext cx="283773" cy="282998"/>
+            <a:off x="6143476" y="448889"/>
+            <a:ext cx="1074420" cy="670560"/>
           </a:xfrm>
-          <a:prstGeom prst="octagon">
+          <a:prstGeom prst="rect">
             <a:avLst/>
           </a:prstGeom>
-          <a:noFill/>
+          <a:solidFill>
+            <a:schemeClr val="accent6">
+              <a:lumMod val="20000"/>
+              <a:lumOff val="80000"/>
+            </a:schemeClr>
+          </a:solidFill>
           <a:ln>
             <a:solidFill>
-              <a:srgbClr val="FF0000"/>
+              <a:schemeClr val="tx1"/>
             </a:solidFill>
           </a:ln>
         </p:spPr>
@@ -34421,21 +33109,26 @@
           </a:fontRef>
         </p:style>
         <p:txBody>
-          <a:bodyPr rtlCol="0" anchor="ctr"/>
+          <a:bodyPr rot="0" spcFirstLastPara="0" vert="horz" wrap="square" lIns="91440" tIns="45720" rIns="91440" bIns="45720" numCol="1" spcCol="0" rtlCol="0" fromWordArt="0" anchor="ctr" anchorCtr="0" forceAA="0" compatLnSpc="1">
+            <a:prstTxWarp prst="textNoShape">
+              <a:avLst/>
+            </a:prstTxWarp>
+            <a:noAutofit/>
+          </a:bodyPr>
           <a:lstStyle/>
           <a:p>
             <a:pPr algn="ctr"/>
             <a:r>
-              <a:rPr lang="en-US" sz="1200" dirty="0">
-                <a:solidFill>
-                  <a:srgbClr val="FF0000"/>
+              <a:rPr lang="en-US" sz="1600" dirty="0">
+                <a:solidFill>
+                  <a:sysClr val="windowText" lastClr="000000"/>
                 </a:solidFill>
               </a:rPr>
-              <a:t>1</a:t>
+              <a:t>Open vSwitch-2</a:t>
             </a:r>
-            <a:endParaRPr lang="en-DE" sz="1200" dirty="0">
+            <a:endParaRPr lang="en-DE" sz="1600" dirty="0">
               <a:solidFill>
-                <a:srgbClr val="FF0000"/>
+                <a:sysClr val="windowText" lastClr="000000"/>
               </a:solidFill>
             </a:endParaRPr>
           </a:p>
@@ -34443,10 +33136,10 @@
       </p:sp>
       <p:sp>
         <p:nvSpPr>
-          <p:cNvPr id="113" name="Octagon 112">
+          <p:cNvPr id="4" name="Rectangle 3">
             <a:extLst>
               <a:ext uri="{FF2B5EF4-FFF2-40B4-BE49-F238E27FC236}">
-                <a16:creationId xmlns:a16="http://schemas.microsoft.com/office/drawing/2014/main" id="{1184D251-9213-9A92-3105-38214F612EE4}"/>
+                <a16:creationId xmlns:a16="http://schemas.microsoft.com/office/drawing/2014/main" id="{FFF32704-E2B9-BC30-5490-EEFE5E506BC0}"/>
               </a:ext>
             </a:extLst>
           </p:cNvPr>
@@ -34455,16 +33148,21 @@
         </p:nvSpPr>
         <p:spPr>
           <a:xfrm>
-            <a:off x="3591305" y="1329720"/>
-            <a:ext cx="283773" cy="282998"/>
+            <a:off x="7293213" y="450746"/>
+            <a:ext cx="1074420" cy="670560"/>
           </a:xfrm>
-          <a:prstGeom prst="octagon">
+          <a:prstGeom prst="rect">
             <a:avLst/>
           </a:prstGeom>
-          <a:noFill/>
+          <a:solidFill>
+            <a:schemeClr val="accent6">
+              <a:lumMod val="20000"/>
+              <a:lumOff val="80000"/>
+            </a:schemeClr>
+          </a:solidFill>
           <a:ln>
             <a:solidFill>
-              <a:srgbClr val="FF0000"/>
+              <a:schemeClr val="tx1"/>
             </a:solidFill>
           </a:ln>
         </p:spPr>
@@ -34485,798 +33183,2813 @@
           </a:fontRef>
         </p:style>
         <p:txBody>
-          <a:bodyPr rtlCol="0" anchor="ctr"/>
+          <a:bodyPr rot="0" spcFirstLastPara="0" vert="horz" wrap="square" lIns="91440" tIns="45720" rIns="91440" bIns="45720" numCol="1" spcCol="0" rtlCol="0" fromWordArt="0" anchor="ctr" anchorCtr="0" forceAA="0" compatLnSpc="1">
+            <a:prstTxWarp prst="textNoShape">
+              <a:avLst/>
+            </a:prstTxWarp>
+            <a:noAutofit/>
+          </a:bodyPr>
           <a:lstStyle/>
           <a:p>
             <a:pPr algn="ctr"/>
             <a:r>
-              <a:rPr lang="en-US" sz="1200" dirty="0">
-                <a:solidFill>
-                  <a:srgbClr val="FF0000"/>
+              <a:rPr lang="en-US" sz="1600" dirty="0">
+                <a:solidFill>
+                  <a:sysClr val="windowText" lastClr="000000"/>
                 </a:solidFill>
               </a:rPr>
-              <a:t>2</a:t>
+              <a:t>Open vSwitch-3</a:t>
             </a:r>
-            <a:endParaRPr lang="en-DE" sz="1200" dirty="0">
+            <a:endParaRPr lang="en-DE" sz="1600" dirty="0">
               <a:solidFill>
-                <a:srgbClr val="FF0000"/>
+                <a:sysClr val="windowText" lastClr="000000"/>
               </a:solidFill>
+            </a:endParaRPr>
+          </a:p>
+        </p:txBody>
+      </p:sp>
+      <p:cxnSp>
+        <p:nvCxnSpPr>
+          <p:cNvPr id="24" name="Straight Arrow Connector 23">
+            <a:extLst>
+              <a:ext uri="{FF2B5EF4-FFF2-40B4-BE49-F238E27FC236}">
+                <a16:creationId xmlns:a16="http://schemas.microsoft.com/office/drawing/2014/main" id="{9BB2A62B-DC6B-CD60-1ED8-184E74DE1DC2}"/>
+              </a:ext>
+            </a:extLst>
+          </p:cNvPr>
+          <p:cNvCxnSpPr>
+            <a:cxnSpLocks/>
+          </p:cNvCxnSpPr>
+          <p:nvPr/>
+        </p:nvCxnSpPr>
+        <p:spPr>
+          <a:xfrm flipH="1">
+            <a:off x="5329247" y="2378248"/>
+            <a:ext cx="3672935" cy="7265"/>
+          </a:xfrm>
+          <a:prstGeom prst="straightConnector1">
+            <a:avLst/>
+          </a:prstGeom>
+          <a:ln>
+            <a:tailEnd type="triangle"/>
+          </a:ln>
+        </p:spPr>
+        <p:style>
+          <a:lnRef idx="1">
+            <a:schemeClr val="dk1"/>
+          </a:lnRef>
+          <a:fillRef idx="0">
+            <a:schemeClr val="dk1"/>
+          </a:fillRef>
+          <a:effectRef idx="0">
+            <a:schemeClr val="dk1"/>
+          </a:effectRef>
+          <a:fontRef idx="minor">
+            <a:schemeClr val="tx1"/>
+          </a:fontRef>
+        </p:style>
+      </p:cxnSp>
+      <p:cxnSp>
+        <p:nvCxnSpPr>
+          <p:cNvPr id="26" name="Straight Arrow Connector 25">
+            <a:extLst>
+              <a:ext uri="{FF2B5EF4-FFF2-40B4-BE49-F238E27FC236}">
+                <a16:creationId xmlns:a16="http://schemas.microsoft.com/office/drawing/2014/main" id="{28A6E172-10CE-97D6-1790-A3891FEB630E}"/>
+              </a:ext>
+            </a:extLst>
+          </p:cNvPr>
+          <p:cNvCxnSpPr>
+            <a:cxnSpLocks/>
+          </p:cNvCxnSpPr>
+          <p:nvPr/>
+        </p:nvCxnSpPr>
+        <p:spPr>
+          <a:xfrm>
+            <a:off x="5336778" y="2759989"/>
+            <a:ext cx="3649900" cy="0"/>
+          </a:xfrm>
+          <a:prstGeom prst="straightConnector1">
+            <a:avLst/>
+          </a:prstGeom>
+          <a:ln>
+            <a:tailEnd type="triangle"/>
+          </a:ln>
+        </p:spPr>
+        <p:style>
+          <a:lnRef idx="1">
+            <a:schemeClr val="dk1"/>
+          </a:lnRef>
+          <a:fillRef idx="0">
+            <a:schemeClr val="dk1"/>
+          </a:fillRef>
+          <a:effectRef idx="0">
+            <a:schemeClr val="dk1"/>
+          </a:effectRef>
+          <a:fontRef idx="minor">
+            <a:schemeClr val="tx1"/>
+          </a:fontRef>
+        </p:style>
+      </p:cxnSp>
+      <p:sp>
+        <p:nvSpPr>
+          <p:cNvPr id="40" name="Text Box 21">
+            <a:extLst>
+              <a:ext uri="{FF2B5EF4-FFF2-40B4-BE49-F238E27FC236}">
+                <a16:creationId xmlns:a16="http://schemas.microsoft.com/office/drawing/2014/main" id="{526C1A3C-6AB0-2B13-09F0-D6A1F49766BD}"/>
+              </a:ext>
+            </a:extLst>
+          </p:cNvPr>
+          <p:cNvSpPr txBox="1">
+            <a:spLocks noChangeArrowheads="1"/>
+          </p:cNvSpPr>
+          <p:nvPr/>
+        </p:nvSpPr>
+        <p:spPr bwMode="auto">
+          <a:xfrm>
+            <a:off x="8377856" y="215355"/>
+            <a:ext cx="1191677" cy="285431"/>
+          </a:xfrm>
+          <a:prstGeom prst="rect">
+            <a:avLst/>
+          </a:prstGeom>
+          <a:noFill/>
+          <a:ln>
+            <a:noFill/>
+          </a:ln>
+          <a:extLst>
+            <a:ext uri="{909E8E84-426E-40DD-AFC4-6F175D3DCCD1}">
+              <a14:hiddenFill xmlns:a14="http://schemas.microsoft.com/office/drawing/2010/main">
+                <a:solidFill>
+                  <a:srgbClr val="FFFFFF"/>
+                </a:solidFill>
+              </a14:hiddenFill>
+            </a:ext>
+            <a:ext uri="{91240B29-F687-4F45-9708-019B960494DF}">
+              <a14:hiddenLine xmlns:a14="http://schemas.microsoft.com/office/drawing/2010/main" w="6350">
+                <a:solidFill>
+                  <a:srgbClr val="000000"/>
+                </a:solidFill>
+                <a:miter lim="800000"/>
+                <a:headEnd/>
+                <a:tailEnd/>
+              </a14:hiddenLine>
+            </a:ext>
+          </a:extLst>
+        </p:spPr>
+        <p:txBody>
+          <a:bodyPr vert="horz" wrap="square" lIns="91440" tIns="45720" rIns="91440" bIns="45720" numCol="1" anchor="t" anchorCtr="0" compatLnSpc="1">
+            <a:prstTxWarp prst="textNoShape">
+              <a:avLst/>
+            </a:prstTxWarp>
+          </a:bodyPr>
+          <a:lstStyle/>
+          <a:p>
+            <a:pPr marL="0" marR="0" lvl="0" indent="0" algn="ctr" defTabSz="914400" rtl="0" eaLnBrk="0" fontAlgn="base" latinLnBrk="0" hangingPunct="0">
+              <a:lnSpc>
+                <a:spcPct val="100000"/>
+              </a:lnSpc>
+              <a:spcBef>
+                <a:spcPct val="0"/>
+              </a:spcBef>
+              <a:spcAft>
+                <a:spcPct val="0"/>
+              </a:spcAft>
+              <a:buClrTx/>
+              <a:buSzTx/>
+              <a:buFontTx/>
+              <a:buNone/>
+              <a:tabLst/>
+            </a:pPr>
+            <a:r>
+              <a:rPr kumimoji="0" lang="en-US" altLang="en-DE" sz="1050" b="0" i="0" u="none" strike="noStrike" cap="none" normalizeH="0" baseline="0" dirty="0">
+                <a:ln>
+                  <a:noFill/>
+                </a:ln>
+                <a:solidFill>
+                  <a:schemeClr val="tx1"/>
+                </a:solidFill>
+                <a:effectLst/>
+                <a:latin typeface="Arial" panose="020B0604020202020204" pitchFamily="34" charset="0"/>
+                <a:ea typeface="Calibri" panose="020F0502020204030204" pitchFamily="34" charset="0"/>
+                <a:cs typeface="Times New Roman" panose="02020603050405020304" pitchFamily="18" charset="0"/>
+              </a:rPr>
+              <a:t>192.168.122.159</a:t>
+            </a:r>
+            <a:endParaRPr kumimoji="0" lang="en-US" altLang="en-DE" sz="1400" b="0" i="0" u="none" strike="noStrike" cap="none" normalizeH="0" baseline="0" dirty="0">
+              <a:ln>
+                <a:noFill/>
+              </a:ln>
+              <a:solidFill>
+                <a:schemeClr val="tx1"/>
+              </a:solidFill>
+              <a:effectLst/>
+              <a:latin typeface="Arial" panose="020B0604020202020204" pitchFamily="34" charset="0"/>
             </a:endParaRPr>
           </a:p>
         </p:txBody>
       </p:sp>
       <p:sp>
         <p:nvSpPr>
-          <p:cNvPr id="114" name="Octagon 113">
+          <p:cNvPr id="43" name="Text Box 21">
             <a:extLst>
               <a:ext uri="{FF2B5EF4-FFF2-40B4-BE49-F238E27FC236}">
-                <a16:creationId xmlns:a16="http://schemas.microsoft.com/office/drawing/2014/main" id="{3EB8FC62-A6AE-121C-D3E2-AD2BA6A665DC}"/>
+                <a16:creationId xmlns:a16="http://schemas.microsoft.com/office/drawing/2014/main" id="{933AE5EF-E56F-FCB6-F8D8-81BE54E6C84B}"/>
               </a:ext>
             </a:extLst>
           </p:cNvPr>
-          <p:cNvSpPr/>
+          <p:cNvSpPr txBox="1">
+            <a:spLocks noChangeArrowheads="1"/>
+          </p:cNvSpPr>
           <p:nvPr/>
         </p:nvSpPr>
-        <p:spPr>
+        <p:spPr bwMode="auto">
           <a:xfrm>
-            <a:off x="3613080" y="1818859"/>
-            <a:ext cx="283773" cy="282998"/>
+            <a:off x="7227120" y="212095"/>
+            <a:ext cx="1191677" cy="285431"/>
           </a:xfrm>
-          <a:prstGeom prst="octagon">
+          <a:prstGeom prst="rect">
             <a:avLst/>
           </a:prstGeom>
           <a:noFill/>
           <a:ln>
-            <a:solidFill>
-              <a:srgbClr val="FF0000"/>
-            </a:solidFill>
+            <a:noFill/>
           </a:ln>
+          <a:extLst>
+            <a:ext uri="{909E8E84-426E-40DD-AFC4-6F175D3DCCD1}">
+              <a14:hiddenFill xmlns:a14="http://schemas.microsoft.com/office/drawing/2010/main">
+                <a:solidFill>
+                  <a:srgbClr val="FFFFFF"/>
+                </a:solidFill>
+              </a14:hiddenFill>
+            </a:ext>
+            <a:ext uri="{91240B29-F687-4F45-9708-019B960494DF}">
+              <a14:hiddenLine xmlns:a14="http://schemas.microsoft.com/office/drawing/2010/main" w="6350">
+                <a:solidFill>
+                  <a:srgbClr val="000000"/>
+                </a:solidFill>
+                <a:miter lim="800000"/>
+                <a:headEnd/>
+                <a:tailEnd/>
+              </a14:hiddenLine>
+            </a:ext>
+          </a:extLst>
         </p:spPr>
-        <p:style>
-          <a:lnRef idx="2">
-            <a:schemeClr val="accent1">
-              <a:shade val="50000"/>
-            </a:schemeClr>
-          </a:lnRef>
-          <a:fillRef idx="1">
-            <a:schemeClr val="accent1"/>
-          </a:fillRef>
-          <a:effectRef idx="0">
-            <a:schemeClr val="accent1"/>
-          </a:effectRef>
-          <a:fontRef idx="minor">
-            <a:schemeClr val="lt1"/>
-          </a:fontRef>
-        </p:style>
         <p:txBody>
-          <a:bodyPr rtlCol="0" anchor="ctr"/>
+          <a:bodyPr vert="horz" wrap="square" lIns="91440" tIns="45720" rIns="91440" bIns="45720" numCol="1" anchor="t" anchorCtr="0" compatLnSpc="1">
+            <a:prstTxWarp prst="textNoShape">
+              <a:avLst/>
+            </a:prstTxWarp>
+          </a:bodyPr>
           <a:lstStyle/>
           <a:p>
-            <a:pPr algn="ctr"/>
+            <a:pPr marL="0" marR="0" lvl="0" indent="0" algn="ctr" defTabSz="914400" rtl="0" eaLnBrk="0" fontAlgn="base" latinLnBrk="0" hangingPunct="0">
+              <a:lnSpc>
+                <a:spcPct val="100000"/>
+              </a:lnSpc>
+              <a:spcBef>
+                <a:spcPct val="0"/>
+              </a:spcBef>
+              <a:spcAft>
+                <a:spcPct val="0"/>
+              </a:spcAft>
+              <a:buClrTx/>
+              <a:buSzTx/>
+              <a:buFontTx/>
+              <a:buNone/>
+              <a:tabLst/>
+            </a:pPr>
             <a:r>
-              <a:rPr lang="en-US" sz="1200" dirty="0">
-                <a:solidFill>
-                  <a:srgbClr val="FF0000"/>
-                </a:solidFill>
+              <a:rPr kumimoji="0" lang="en-US" altLang="en-DE" sz="1050" b="0" i="0" u="none" strike="noStrike" cap="none" normalizeH="0" baseline="0" dirty="0">
+                <a:ln>
+                  <a:noFill/>
+                </a:ln>
+                <a:solidFill>
+                  <a:schemeClr val="tx1"/>
+                </a:solidFill>
+                <a:effectLst/>
+                <a:latin typeface="Arial" panose="020B0604020202020204" pitchFamily="34" charset="0"/>
+                <a:ea typeface="Calibri" panose="020F0502020204030204" pitchFamily="34" charset="0"/>
+                <a:cs typeface="Times New Roman" panose="02020603050405020304" pitchFamily="18" charset="0"/>
               </a:rPr>
-              <a:t>3</a:t>
+              <a:t>192.168.122.164</a:t>
             </a:r>
-            <a:endParaRPr lang="en-DE" sz="1200" dirty="0">
+            <a:endParaRPr kumimoji="0" lang="en-US" altLang="en-DE" sz="1400" b="0" i="0" u="none" strike="noStrike" cap="none" normalizeH="0" baseline="0" dirty="0">
+              <a:ln>
+                <a:noFill/>
+              </a:ln>
               <a:solidFill>
-                <a:srgbClr val="FF0000"/>
+                <a:schemeClr val="tx1"/>
               </a:solidFill>
+              <a:effectLst/>
+              <a:latin typeface="Arial" panose="020B0604020202020204" pitchFamily="34" charset="0"/>
             </a:endParaRPr>
           </a:p>
         </p:txBody>
       </p:sp>
       <p:sp>
         <p:nvSpPr>
-          <p:cNvPr id="115" name="Octagon 114">
+          <p:cNvPr id="44" name="Text Box 21">
             <a:extLst>
               <a:ext uri="{FF2B5EF4-FFF2-40B4-BE49-F238E27FC236}">
-                <a16:creationId xmlns:a16="http://schemas.microsoft.com/office/drawing/2014/main" id="{85E9C32C-2111-CF5A-E1F9-D1494C8F86B4}"/>
+                <a16:creationId xmlns:a16="http://schemas.microsoft.com/office/drawing/2014/main" id="{894B659F-A57D-FEBA-6931-13D3C58D9CCC}"/>
               </a:ext>
             </a:extLst>
           </p:cNvPr>
-          <p:cNvSpPr/>
+          <p:cNvSpPr txBox="1">
+            <a:spLocks noChangeArrowheads="1"/>
+          </p:cNvSpPr>
           <p:nvPr/>
         </p:nvSpPr>
-        <p:spPr>
+        <p:spPr bwMode="auto">
           <a:xfrm>
-            <a:off x="3604702" y="2294469"/>
-            <a:ext cx="283773" cy="282998"/>
+            <a:off x="6083894" y="215355"/>
+            <a:ext cx="1191677" cy="285431"/>
           </a:xfrm>
-          <a:prstGeom prst="octagon">
+          <a:prstGeom prst="rect">
             <a:avLst/>
           </a:prstGeom>
           <a:noFill/>
           <a:ln>
-            <a:solidFill>
-              <a:srgbClr val="FF0000"/>
-            </a:solidFill>
+            <a:noFill/>
           </a:ln>
+          <a:extLst>
+            <a:ext uri="{909E8E84-426E-40DD-AFC4-6F175D3DCCD1}">
+              <a14:hiddenFill xmlns:a14="http://schemas.microsoft.com/office/drawing/2010/main">
+                <a:solidFill>
+                  <a:srgbClr val="FFFFFF"/>
+                </a:solidFill>
+              </a14:hiddenFill>
+            </a:ext>
+            <a:ext uri="{91240B29-F687-4F45-9708-019B960494DF}">
+              <a14:hiddenLine xmlns:a14="http://schemas.microsoft.com/office/drawing/2010/main" w="6350">
+                <a:solidFill>
+                  <a:srgbClr val="000000"/>
+                </a:solidFill>
+                <a:miter lim="800000"/>
+                <a:headEnd/>
+                <a:tailEnd/>
+              </a14:hiddenLine>
+            </a:ext>
+          </a:extLst>
         </p:spPr>
-        <p:style>
-          <a:lnRef idx="2">
-            <a:schemeClr val="accent1">
-              <a:shade val="50000"/>
-            </a:schemeClr>
-          </a:lnRef>
-          <a:fillRef idx="1">
-            <a:schemeClr val="accent1"/>
-          </a:fillRef>
-          <a:effectRef idx="0">
-            <a:schemeClr val="accent1"/>
-          </a:effectRef>
-          <a:fontRef idx="minor">
-            <a:schemeClr val="lt1"/>
-          </a:fontRef>
-        </p:style>
         <p:txBody>
-          <a:bodyPr rtlCol="0" anchor="ctr"/>
+          <a:bodyPr vert="horz" wrap="square" lIns="91440" tIns="45720" rIns="91440" bIns="45720" numCol="1" anchor="t" anchorCtr="0" compatLnSpc="1">
+            <a:prstTxWarp prst="textNoShape">
+              <a:avLst/>
+            </a:prstTxWarp>
+          </a:bodyPr>
           <a:lstStyle/>
           <a:p>
-            <a:pPr algn="ctr"/>
+            <a:pPr marL="0" marR="0" lvl="0" indent="0" algn="ctr" defTabSz="914400" rtl="0" eaLnBrk="0" fontAlgn="base" latinLnBrk="0" hangingPunct="0">
+              <a:lnSpc>
+                <a:spcPct val="100000"/>
+              </a:lnSpc>
+              <a:spcBef>
+                <a:spcPct val="0"/>
+              </a:spcBef>
+              <a:spcAft>
+                <a:spcPct val="0"/>
+              </a:spcAft>
+              <a:buClrTx/>
+              <a:buSzTx/>
+              <a:buFontTx/>
+              <a:buNone/>
+              <a:tabLst/>
+            </a:pPr>
             <a:r>
-              <a:rPr lang="en-US" sz="1200" dirty="0">
-                <a:solidFill>
-                  <a:srgbClr val="FF0000"/>
-                </a:solidFill>
+              <a:rPr kumimoji="0" lang="en-US" altLang="en-DE" sz="1050" b="0" i="0" u="none" strike="noStrike" cap="none" normalizeH="0" baseline="0" dirty="0">
+                <a:ln>
+                  <a:noFill/>
+                </a:ln>
+                <a:solidFill>
+                  <a:schemeClr val="tx1"/>
+                </a:solidFill>
+                <a:effectLst/>
+                <a:latin typeface="Arial" panose="020B0604020202020204" pitchFamily="34" charset="0"/>
+                <a:ea typeface="Calibri" panose="020F0502020204030204" pitchFamily="34" charset="0"/>
+                <a:cs typeface="Times New Roman" panose="02020603050405020304" pitchFamily="18" charset="0"/>
               </a:rPr>
-              <a:t>4</a:t>
+              <a:t>192.168.122.175</a:t>
             </a:r>
-            <a:endParaRPr lang="en-DE" sz="1200" dirty="0">
+            <a:endParaRPr kumimoji="0" lang="en-US" altLang="en-DE" sz="1400" b="0" i="0" u="none" strike="noStrike" cap="none" normalizeH="0" baseline="0" dirty="0">
+              <a:ln>
+                <a:noFill/>
+              </a:ln>
               <a:solidFill>
-                <a:srgbClr val="FF0000"/>
+                <a:schemeClr val="tx1"/>
               </a:solidFill>
+              <a:effectLst/>
+              <a:latin typeface="Arial" panose="020B0604020202020204" pitchFamily="34" charset="0"/>
             </a:endParaRPr>
           </a:p>
         </p:txBody>
       </p:sp>
       <p:sp>
         <p:nvSpPr>
-          <p:cNvPr id="116" name="Octagon 115">
+          <p:cNvPr id="47" name="Text Box 21">
             <a:extLst>
               <a:ext uri="{FF2B5EF4-FFF2-40B4-BE49-F238E27FC236}">
-                <a16:creationId xmlns:a16="http://schemas.microsoft.com/office/drawing/2014/main" id="{57EFD9A2-7B0C-8BB6-9A80-FCF9198A92A0}"/>
+                <a16:creationId xmlns:a16="http://schemas.microsoft.com/office/drawing/2014/main" id="{D7AC877F-C8FC-A6D1-DEB2-D63176255D60}"/>
               </a:ext>
             </a:extLst>
           </p:cNvPr>
-          <p:cNvSpPr/>
+          <p:cNvSpPr txBox="1">
+            <a:spLocks noChangeArrowheads="1"/>
+          </p:cNvSpPr>
           <p:nvPr/>
         </p:nvSpPr>
-        <p:spPr>
+        <p:spPr bwMode="auto">
           <a:xfrm>
-            <a:off x="7833749" y="2768479"/>
-            <a:ext cx="283773" cy="282998"/>
+            <a:off x="2468903" y="215355"/>
+            <a:ext cx="1191677" cy="285431"/>
           </a:xfrm>
-          <a:prstGeom prst="octagon">
+          <a:prstGeom prst="rect">
             <a:avLst/>
           </a:prstGeom>
           <a:noFill/>
           <a:ln>
-            <a:solidFill>
-              <a:srgbClr val="FF0000"/>
-            </a:solidFill>
+            <a:noFill/>
           </a:ln>
+          <a:extLst>
+            <a:ext uri="{909E8E84-426E-40DD-AFC4-6F175D3DCCD1}">
+              <a14:hiddenFill xmlns:a14="http://schemas.microsoft.com/office/drawing/2010/main">
+                <a:solidFill>
+                  <a:srgbClr val="FFFFFF"/>
+                </a:solidFill>
+              </a14:hiddenFill>
+            </a:ext>
+            <a:ext uri="{91240B29-F687-4F45-9708-019B960494DF}">
+              <a14:hiddenLine xmlns:a14="http://schemas.microsoft.com/office/drawing/2010/main" w="6350">
+                <a:solidFill>
+                  <a:srgbClr val="000000"/>
+                </a:solidFill>
+                <a:miter lim="800000"/>
+                <a:headEnd/>
+                <a:tailEnd/>
+              </a14:hiddenLine>
+            </a:ext>
+          </a:extLst>
         </p:spPr>
-        <p:style>
-          <a:lnRef idx="2">
-            <a:schemeClr val="accent1">
-              <a:shade val="50000"/>
-            </a:schemeClr>
-          </a:lnRef>
-          <a:fillRef idx="1">
-            <a:schemeClr val="accent1"/>
-          </a:fillRef>
-          <a:effectRef idx="0">
-            <a:schemeClr val="accent1"/>
-          </a:effectRef>
-          <a:fontRef idx="minor">
-            <a:schemeClr val="lt1"/>
-          </a:fontRef>
-        </p:style>
         <p:txBody>
-          <a:bodyPr rtlCol="0" anchor="ctr"/>
+          <a:bodyPr vert="horz" wrap="square" lIns="91440" tIns="45720" rIns="91440" bIns="45720" numCol="1" anchor="t" anchorCtr="0" compatLnSpc="1">
+            <a:prstTxWarp prst="textNoShape">
+              <a:avLst/>
+            </a:prstTxWarp>
+          </a:bodyPr>
           <a:lstStyle/>
           <a:p>
-            <a:pPr algn="ctr"/>
+            <a:pPr marL="0" marR="0" lvl="0" indent="0" algn="ctr" defTabSz="914400" rtl="0" eaLnBrk="0" fontAlgn="base" latinLnBrk="0" hangingPunct="0">
+              <a:lnSpc>
+                <a:spcPct val="100000"/>
+              </a:lnSpc>
+              <a:spcBef>
+                <a:spcPct val="0"/>
+              </a:spcBef>
+              <a:spcAft>
+                <a:spcPct val="0"/>
+              </a:spcAft>
+              <a:buClrTx/>
+              <a:buSzTx/>
+              <a:buFontTx/>
+              <a:buNone/>
+              <a:tabLst/>
+            </a:pPr>
             <a:r>
-              <a:rPr lang="en-US" sz="1200" dirty="0">
-                <a:solidFill>
-                  <a:srgbClr val="FF0000"/>
-                </a:solidFill>
+              <a:rPr kumimoji="0" lang="en-US" altLang="en-DE" sz="1050" b="0" i="0" u="none" strike="noStrike" cap="none" normalizeH="0" baseline="0" dirty="0">
+                <a:ln>
+                  <a:noFill/>
+                </a:ln>
+                <a:solidFill>
+                  <a:schemeClr val="tx1"/>
+                </a:solidFill>
+                <a:effectLst/>
+                <a:latin typeface="Arial" panose="020B0604020202020204" pitchFamily="34" charset="0"/>
+                <a:ea typeface="Calibri" panose="020F0502020204030204" pitchFamily="34" charset="0"/>
+                <a:cs typeface="Times New Roman" panose="02020603050405020304" pitchFamily="18" charset="0"/>
               </a:rPr>
-              <a:t>5</a:t>
+              <a:t>192.168.122.135</a:t>
             </a:r>
-            <a:endParaRPr lang="en-DE" sz="1200" dirty="0">
+            <a:endParaRPr kumimoji="0" lang="en-US" altLang="en-DE" sz="1400" b="0" i="0" u="none" strike="noStrike" cap="none" normalizeH="0" baseline="0" dirty="0">
+              <a:ln>
+                <a:noFill/>
+              </a:ln>
               <a:solidFill>
-                <a:srgbClr val="FF0000"/>
+                <a:schemeClr val="tx1"/>
               </a:solidFill>
+              <a:effectLst/>
+              <a:latin typeface="Arial" panose="020B0604020202020204" pitchFamily="34" charset="0"/>
             </a:endParaRPr>
           </a:p>
         </p:txBody>
       </p:sp>
       <p:sp>
         <p:nvSpPr>
-          <p:cNvPr id="117" name="Octagon 116">
+          <p:cNvPr id="48" name="Text Box 21">
             <a:extLst>
               <a:ext uri="{FF2B5EF4-FFF2-40B4-BE49-F238E27FC236}">
-                <a16:creationId xmlns:a16="http://schemas.microsoft.com/office/drawing/2014/main" id="{87033433-FC10-4C29-FB45-29361056D79B}"/>
+                <a16:creationId xmlns:a16="http://schemas.microsoft.com/office/drawing/2014/main" id="{45A0BAE6-B6C2-E713-AAB2-0F6149B799BD}"/>
               </a:ext>
             </a:extLst>
           </p:cNvPr>
-          <p:cNvSpPr/>
+          <p:cNvSpPr txBox="1">
+            <a:spLocks noChangeArrowheads="1"/>
+          </p:cNvSpPr>
           <p:nvPr/>
         </p:nvSpPr>
-        <p:spPr>
+        <p:spPr bwMode="auto">
           <a:xfrm>
-            <a:off x="7833749" y="3254611"/>
-            <a:ext cx="283773" cy="282998"/>
+            <a:off x="4725293" y="209320"/>
+            <a:ext cx="1191677" cy="285431"/>
           </a:xfrm>
-          <a:prstGeom prst="octagon">
+          <a:prstGeom prst="rect">
             <a:avLst/>
           </a:prstGeom>
           <a:noFill/>
           <a:ln>
-            <a:solidFill>
-              <a:srgbClr val="FF0000"/>
-            </a:solidFill>
+            <a:noFill/>
           </a:ln>
+          <a:extLst>
+            <a:ext uri="{909E8E84-426E-40DD-AFC4-6F175D3DCCD1}">
+              <a14:hiddenFill xmlns:a14="http://schemas.microsoft.com/office/drawing/2010/main">
+                <a:solidFill>
+                  <a:srgbClr val="FFFFFF"/>
+                </a:solidFill>
+              </a14:hiddenFill>
+            </a:ext>
+            <a:ext uri="{91240B29-F687-4F45-9708-019B960494DF}">
+              <a14:hiddenLine xmlns:a14="http://schemas.microsoft.com/office/drawing/2010/main" w="6350">
+                <a:solidFill>
+                  <a:srgbClr val="000000"/>
+                </a:solidFill>
+                <a:miter lim="800000"/>
+                <a:headEnd/>
+                <a:tailEnd/>
+              </a14:hiddenLine>
+            </a:ext>
+          </a:extLst>
         </p:spPr>
-        <p:style>
-          <a:lnRef idx="2">
-            <a:schemeClr val="accent1">
-              <a:shade val="50000"/>
-            </a:schemeClr>
-          </a:lnRef>
-          <a:fillRef idx="1">
-            <a:schemeClr val="accent1"/>
-          </a:fillRef>
-          <a:effectRef idx="0">
-            <a:schemeClr val="accent1"/>
-          </a:effectRef>
-          <a:fontRef idx="minor">
-            <a:schemeClr val="lt1"/>
-          </a:fontRef>
-        </p:style>
         <p:txBody>
-          <a:bodyPr rtlCol="0" anchor="ctr"/>
+          <a:bodyPr vert="horz" wrap="square" lIns="91440" tIns="45720" rIns="91440" bIns="45720" numCol="1" anchor="t" anchorCtr="0" compatLnSpc="1">
+            <a:prstTxWarp prst="textNoShape">
+              <a:avLst/>
+            </a:prstTxWarp>
+          </a:bodyPr>
           <a:lstStyle/>
           <a:p>
-            <a:pPr algn="ctr"/>
+            <a:pPr marL="0" marR="0" lvl="0" indent="0" algn="ctr" defTabSz="914400" rtl="0" eaLnBrk="0" fontAlgn="base" latinLnBrk="0" hangingPunct="0">
+              <a:lnSpc>
+                <a:spcPct val="100000"/>
+              </a:lnSpc>
+              <a:spcBef>
+                <a:spcPct val="0"/>
+              </a:spcBef>
+              <a:spcAft>
+                <a:spcPct val="0"/>
+              </a:spcAft>
+              <a:buClrTx/>
+              <a:buSzTx/>
+              <a:buFontTx/>
+              <a:buNone/>
+              <a:tabLst/>
+            </a:pPr>
             <a:r>
-              <a:rPr lang="en-US" sz="1200" dirty="0">
-                <a:solidFill>
-                  <a:srgbClr val="FF0000"/>
-                </a:solidFill>
+              <a:rPr kumimoji="0" lang="en-US" altLang="en-DE" sz="1050" b="0" i="0" u="none" strike="noStrike" cap="none" normalizeH="0" baseline="0" dirty="0">
+                <a:ln>
+                  <a:noFill/>
+                </a:ln>
+                <a:solidFill>
+                  <a:schemeClr val="tx1"/>
+                </a:solidFill>
+                <a:effectLst/>
+                <a:latin typeface="Arial" panose="020B0604020202020204" pitchFamily="34" charset="0"/>
+                <a:ea typeface="Calibri" panose="020F0502020204030204" pitchFamily="34" charset="0"/>
+                <a:cs typeface="Times New Roman" panose="02020603050405020304" pitchFamily="18" charset="0"/>
               </a:rPr>
-              <a:t>6</a:t>
+              <a:t>192.168.0.114</a:t>
             </a:r>
-            <a:endParaRPr lang="en-DE" sz="1200" dirty="0">
+            <a:endParaRPr kumimoji="0" lang="en-US" altLang="en-DE" sz="1400" b="0" i="0" u="none" strike="noStrike" cap="none" normalizeH="0" baseline="0" dirty="0">
+              <a:ln>
+                <a:noFill/>
+              </a:ln>
               <a:solidFill>
-                <a:srgbClr val="FF0000"/>
+                <a:schemeClr val="tx1"/>
               </a:solidFill>
+              <a:effectLst/>
+              <a:latin typeface="Arial" panose="020B0604020202020204" pitchFamily="34" charset="0"/>
             </a:endParaRPr>
           </a:p>
         </p:txBody>
       </p:sp>
       <p:sp>
         <p:nvSpPr>
-          <p:cNvPr id="118" name="Octagon 117">
+          <p:cNvPr id="67" name="TextBox 66">
             <a:extLst>
               <a:ext uri="{FF2B5EF4-FFF2-40B4-BE49-F238E27FC236}">
-                <a16:creationId xmlns:a16="http://schemas.microsoft.com/office/drawing/2014/main" id="{F3C99455-7A68-2872-2120-0C1208283E21}"/>
+                <a16:creationId xmlns:a16="http://schemas.microsoft.com/office/drawing/2014/main" id="{2376CF76-D6BC-E941-DD19-91C516709971}"/>
               </a:ext>
             </a:extLst>
           </p:cNvPr>
-          <p:cNvSpPr/>
+          <p:cNvSpPr txBox="1"/>
           <p:nvPr/>
         </p:nvSpPr>
         <p:spPr>
           <a:xfrm>
-            <a:off x="9890533" y="3263935"/>
-            <a:ext cx="283773" cy="282998"/>
+            <a:off x="5302426" y="2729990"/>
+            <a:ext cx="366288" cy="276999"/>
           </a:xfrm>
-          <a:prstGeom prst="octagon">
+          <a:prstGeom prst="rect">
+            <a:avLst/>
+          </a:prstGeom>
+          <a:noFill/>
+        </p:spPr>
+        <p:txBody>
+          <a:bodyPr wrap="square" rtlCol="0">
+            <a:spAutoFit/>
+          </a:bodyPr>
+          <a:lstStyle/>
+          <a:p>
+            <a:r>
+              <a:rPr lang="en-US" sz="1200" b="1" dirty="0">
+                <a:solidFill>
+                  <a:srgbClr val="C00000"/>
+                </a:solidFill>
+              </a:rPr>
+              <a:t>14</a:t>
+            </a:r>
+          </a:p>
+        </p:txBody>
+      </p:sp>
+      <p:sp>
+        <p:nvSpPr>
+          <p:cNvPr id="68" name="TextBox 67">
+            <a:extLst>
+              <a:ext uri="{FF2B5EF4-FFF2-40B4-BE49-F238E27FC236}">
+                <a16:creationId xmlns:a16="http://schemas.microsoft.com/office/drawing/2014/main" id="{155DE0F6-79E8-7BFF-5900-53C05D37EC4D}"/>
+              </a:ext>
+            </a:extLst>
+          </p:cNvPr>
+          <p:cNvSpPr txBox="1"/>
+          <p:nvPr/>
+        </p:nvSpPr>
+        <p:spPr>
+          <a:xfrm>
+            <a:off x="8947814" y="1817777"/>
+            <a:ext cx="366288" cy="276999"/>
+          </a:xfrm>
+          <a:prstGeom prst="rect">
+            <a:avLst/>
+          </a:prstGeom>
+          <a:noFill/>
+        </p:spPr>
+        <p:txBody>
+          <a:bodyPr wrap="square" rtlCol="0">
+            <a:spAutoFit/>
+          </a:bodyPr>
+          <a:lstStyle/>
+          <a:p>
+            <a:r>
+              <a:rPr lang="en-US" sz="1200" b="1" dirty="0">
+                <a:solidFill>
+                  <a:srgbClr val="C00000"/>
+                </a:solidFill>
+              </a:rPr>
+              <a:t>11</a:t>
+            </a:r>
+          </a:p>
+        </p:txBody>
+      </p:sp>
+      <p:sp>
+        <p:nvSpPr>
+          <p:cNvPr id="69" name="TextBox 68">
+            <a:extLst>
+              <a:ext uri="{FF2B5EF4-FFF2-40B4-BE49-F238E27FC236}">
+                <a16:creationId xmlns:a16="http://schemas.microsoft.com/office/drawing/2014/main" id="{F651CE3A-A8BA-AA54-5F59-629386621F51}"/>
+              </a:ext>
+            </a:extLst>
+          </p:cNvPr>
+          <p:cNvSpPr txBox="1"/>
+          <p:nvPr/>
+        </p:nvSpPr>
+        <p:spPr>
+          <a:xfrm>
+            <a:off x="10960947" y="2141099"/>
+            <a:ext cx="366288" cy="276999"/>
+          </a:xfrm>
+          <a:prstGeom prst="rect">
+            <a:avLst/>
+          </a:prstGeom>
+          <a:noFill/>
+        </p:spPr>
+        <p:txBody>
+          <a:bodyPr wrap="square" rtlCol="0">
+            <a:spAutoFit/>
+          </a:bodyPr>
+          <a:lstStyle/>
+          <a:p>
+            <a:r>
+              <a:rPr lang="en-US" sz="1200" b="1" dirty="0">
+                <a:solidFill>
+                  <a:srgbClr val="C00000"/>
+                </a:solidFill>
+              </a:rPr>
+              <a:t>12</a:t>
+            </a:r>
+          </a:p>
+        </p:txBody>
+      </p:sp>
+      <p:sp>
+        <p:nvSpPr>
+          <p:cNvPr id="70" name="TextBox 69">
+            <a:extLst>
+              <a:ext uri="{FF2B5EF4-FFF2-40B4-BE49-F238E27FC236}">
+                <a16:creationId xmlns:a16="http://schemas.microsoft.com/office/drawing/2014/main" id="{EBFD0891-D560-B37A-DD4C-3942E5BBCD79}"/>
+              </a:ext>
+            </a:extLst>
+          </p:cNvPr>
+          <p:cNvSpPr txBox="1"/>
+          <p:nvPr/>
+        </p:nvSpPr>
+        <p:spPr>
+          <a:xfrm>
+            <a:off x="8712131" y="2324117"/>
+            <a:ext cx="366288" cy="276999"/>
+          </a:xfrm>
+          <a:prstGeom prst="rect">
+            <a:avLst/>
+          </a:prstGeom>
+          <a:noFill/>
+        </p:spPr>
+        <p:txBody>
+          <a:bodyPr wrap="square" rtlCol="0">
+            <a:spAutoFit/>
+          </a:bodyPr>
+          <a:lstStyle/>
+          <a:p>
+            <a:r>
+              <a:rPr lang="en-US" sz="1200" b="1" dirty="0">
+                <a:solidFill>
+                  <a:srgbClr val="C00000"/>
+                </a:solidFill>
+              </a:rPr>
+              <a:t>13</a:t>
+            </a:r>
+          </a:p>
+        </p:txBody>
+      </p:sp>
+      <p:sp>
+        <p:nvSpPr>
+          <p:cNvPr id="8" name="TextBox 7">
+            <a:extLst>
+              <a:ext uri="{FF2B5EF4-FFF2-40B4-BE49-F238E27FC236}">
+                <a16:creationId xmlns:a16="http://schemas.microsoft.com/office/drawing/2014/main" id="{55C490E4-C976-EF09-CB12-936860845BF4}"/>
+              </a:ext>
+            </a:extLst>
+          </p:cNvPr>
+          <p:cNvSpPr txBox="1"/>
+          <p:nvPr/>
+        </p:nvSpPr>
+        <p:spPr>
+          <a:xfrm>
+            <a:off x="8736285" y="3048056"/>
+            <a:ext cx="366288" cy="276999"/>
+          </a:xfrm>
+          <a:prstGeom prst="rect">
+            <a:avLst/>
+          </a:prstGeom>
+          <a:noFill/>
+        </p:spPr>
+        <p:txBody>
+          <a:bodyPr wrap="square" rtlCol="0">
+            <a:spAutoFit/>
+          </a:bodyPr>
+          <a:lstStyle/>
+          <a:p>
+            <a:r>
+              <a:rPr lang="en-US" sz="1200" b="1" dirty="0">
+                <a:solidFill>
+                  <a:srgbClr val="C00000"/>
+                </a:solidFill>
+              </a:rPr>
+              <a:t>15</a:t>
+            </a:r>
+          </a:p>
+        </p:txBody>
+      </p:sp>
+      <p:sp>
+        <p:nvSpPr>
+          <p:cNvPr id="11" name="TextBox 10">
+            <a:extLst>
+              <a:ext uri="{FF2B5EF4-FFF2-40B4-BE49-F238E27FC236}">
+                <a16:creationId xmlns:a16="http://schemas.microsoft.com/office/drawing/2014/main" id="{6E66D91F-91D4-D9B2-3B7F-14C6020007FF}"/>
+              </a:ext>
+            </a:extLst>
+          </p:cNvPr>
+          <p:cNvSpPr txBox="1"/>
+          <p:nvPr/>
+        </p:nvSpPr>
+        <p:spPr>
+          <a:xfrm>
+            <a:off x="3029844" y="3393636"/>
+            <a:ext cx="366288" cy="276999"/>
+          </a:xfrm>
+          <a:prstGeom prst="rect">
+            <a:avLst/>
+          </a:prstGeom>
+          <a:noFill/>
+        </p:spPr>
+        <p:txBody>
+          <a:bodyPr wrap="square" rtlCol="0">
+            <a:spAutoFit/>
+          </a:bodyPr>
+          <a:lstStyle/>
+          <a:p>
+            <a:r>
+              <a:rPr lang="en-US" sz="1200" b="1" dirty="0">
+                <a:solidFill>
+                  <a:srgbClr val="C00000"/>
+                </a:solidFill>
+              </a:rPr>
+              <a:t>16</a:t>
+            </a:r>
+          </a:p>
+        </p:txBody>
+      </p:sp>
+      <p:sp>
+        <p:nvSpPr>
+          <p:cNvPr id="12" name="TextBox 11">
+            <a:extLst>
+              <a:ext uri="{FF2B5EF4-FFF2-40B4-BE49-F238E27FC236}">
+                <a16:creationId xmlns:a16="http://schemas.microsoft.com/office/drawing/2014/main" id="{C6D83412-2B8F-6D13-D95D-90BEC9CF726B}"/>
+              </a:ext>
+            </a:extLst>
+          </p:cNvPr>
+          <p:cNvSpPr txBox="1"/>
+          <p:nvPr/>
+        </p:nvSpPr>
+        <p:spPr>
+          <a:xfrm>
+            <a:off x="5075597" y="3802696"/>
+            <a:ext cx="366288" cy="276999"/>
+          </a:xfrm>
+          <a:prstGeom prst="rect">
+            <a:avLst/>
+          </a:prstGeom>
+          <a:noFill/>
+        </p:spPr>
+        <p:txBody>
+          <a:bodyPr wrap="square" rtlCol="0">
+            <a:spAutoFit/>
+          </a:bodyPr>
+          <a:lstStyle/>
+          <a:p>
+            <a:r>
+              <a:rPr lang="en-US" sz="1200" b="1" dirty="0">
+                <a:solidFill>
+                  <a:srgbClr val="C00000"/>
+                </a:solidFill>
+              </a:rPr>
+              <a:t>17</a:t>
+            </a:r>
+          </a:p>
+        </p:txBody>
+      </p:sp>
+      <p:sp>
+        <p:nvSpPr>
+          <p:cNvPr id="15" name="TextBox 14">
+            <a:extLst>
+              <a:ext uri="{FF2B5EF4-FFF2-40B4-BE49-F238E27FC236}">
+                <a16:creationId xmlns:a16="http://schemas.microsoft.com/office/drawing/2014/main" id="{B3D543DC-D2EE-DBD7-5E23-D5FEC758EA8F}"/>
+              </a:ext>
+            </a:extLst>
+          </p:cNvPr>
+          <p:cNvSpPr txBox="1"/>
+          <p:nvPr/>
+        </p:nvSpPr>
+        <p:spPr>
+          <a:xfrm>
+            <a:off x="2777317" y="4068361"/>
+            <a:ext cx="366288" cy="276999"/>
+          </a:xfrm>
+          <a:prstGeom prst="rect">
+            <a:avLst/>
+          </a:prstGeom>
+          <a:noFill/>
+        </p:spPr>
+        <p:txBody>
+          <a:bodyPr wrap="square" rtlCol="0">
+            <a:spAutoFit/>
+          </a:bodyPr>
+          <a:lstStyle/>
+          <a:p>
+            <a:r>
+              <a:rPr lang="en-US" sz="1200" b="1" dirty="0">
+                <a:solidFill>
+                  <a:srgbClr val="C00000"/>
+                </a:solidFill>
+              </a:rPr>
+              <a:t>18</a:t>
+            </a:r>
+          </a:p>
+        </p:txBody>
+      </p:sp>
+      <p:sp>
+        <p:nvSpPr>
+          <p:cNvPr id="16" name="Text Box 149">
+            <a:extLst>
+              <a:ext uri="{FF2B5EF4-FFF2-40B4-BE49-F238E27FC236}">
+                <a16:creationId xmlns:a16="http://schemas.microsoft.com/office/drawing/2014/main" id="{E0BECDDA-DE39-A411-2E3F-89AFF1A785E8}"/>
+              </a:ext>
+            </a:extLst>
+          </p:cNvPr>
+          <p:cNvSpPr txBox="1">
+            <a:spLocks noChangeArrowheads="1"/>
+          </p:cNvSpPr>
+          <p:nvPr/>
+        </p:nvSpPr>
+        <p:spPr bwMode="auto">
+          <a:xfrm>
+            <a:off x="798684" y="4316297"/>
+            <a:ext cx="2391482" cy="251537"/>
+          </a:xfrm>
+          <a:prstGeom prst="rect">
             <a:avLst/>
           </a:prstGeom>
           <a:noFill/>
           <a:ln>
-            <a:solidFill>
-              <a:srgbClr val="FF0000"/>
-            </a:solidFill>
+            <a:noFill/>
           </a:ln>
         </p:spPr>
-        <p:style>
-          <a:lnRef idx="2">
-            <a:schemeClr val="accent1">
-              <a:shade val="50000"/>
-            </a:schemeClr>
-          </a:lnRef>
-          <a:fillRef idx="1">
-            <a:schemeClr val="accent1"/>
-          </a:fillRef>
-          <a:effectRef idx="0">
-            <a:schemeClr val="accent1"/>
-          </a:effectRef>
-          <a:fontRef idx="minor">
-            <a:schemeClr val="lt1"/>
-          </a:fontRef>
-        </p:style>
         <p:txBody>
-          <a:bodyPr rtlCol="0" anchor="ctr"/>
-          <a:lstStyle/>
+          <a:bodyPr vert="horz" wrap="square" lIns="91440" tIns="45720" rIns="91440" bIns="45720" numCol="1" anchor="t" anchorCtr="0" compatLnSpc="1">
+            <a:prstTxWarp prst="textNoShape">
+              <a:avLst/>
+            </a:prstTxWarp>
+          </a:bodyPr>
+          <a:lstStyle>
+            <a:lvl1pPr eaLnBrk="0" fontAlgn="base" hangingPunct="0">
+              <a:spcBef>
+                <a:spcPct val="0"/>
+              </a:spcBef>
+              <a:spcAft>
+                <a:spcPct val="0"/>
+              </a:spcAft>
+              <a:tabLst>
+                <a:tab pos="1277938" algn="l"/>
+              </a:tabLst>
+              <a:defRPr>
+                <a:solidFill>
+                  <a:schemeClr val="tx1"/>
+                </a:solidFill>
+                <a:latin typeface="Arial" panose="020B0604020202020204" pitchFamily="34" charset="0"/>
+              </a:defRPr>
+            </a:lvl1pPr>
+            <a:lvl2pPr eaLnBrk="0" fontAlgn="base" hangingPunct="0">
+              <a:spcBef>
+                <a:spcPct val="0"/>
+              </a:spcBef>
+              <a:spcAft>
+                <a:spcPct val="0"/>
+              </a:spcAft>
+              <a:tabLst>
+                <a:tab pos="1277938" algn="l"/>
+              </a:tabLst>
+              <a:defRPr>
+                <a:solidFill>
+                  <a:schemeClr val="tx1"/>
+                </a:solidFill>
+                <a:latin typeface="Arial" panose="020B0604020202020204" pitchFamily="34" charset="0"/>
+              </a:defRPr>
+            </a:lvl2pPr>
+            <a:lvl3pPr eaLnBrk="0" fontAlgn="base" hangingPunct="0">
+              <a:spcBef>
+                <a:spcPct val="0"/>
+              </a:spcBef>
+              <a:spcAft>
+                <a:spcPct val="0"/>
+              </a:spcAft>
+              <a:tabLst>
+                <a:tab pos="1277938" algn="l"/>
+              </a:tabLst>
+              <a:defRPr>
+                <a:solidFill>
+                  <a:schemeClr val="tx1"/>
+                </a:solidFill>
+                <a:latin typeface="Arial" panose="020B0604020202020204" pitchFamily="34" charset="0"/>
+              </a:defRPr>
+            </a:lvl3pPr>
+            <a:lvl4pPr eaLnBrk="0" fontAlgn="base" hangingPunct="0">
+              <a:spcBef>
+                <a:spcPct val="0"/>
+              </a:spcBef>
+              <a:spcAft>
+                <a:spcPct val="0"/>
+              </a:spcAft>
+              <a:tabLst>
+                <a:tab pos="1277938" algn="l"/>
+              </a:tabLst>
+              <a:defRPr>
+                <a:solidFill>
+                  <a:schemeClr val="tx1"/>
+                </a:solidFill>
+                <a:latin typeface="Arial" panose="020B0604020202020204" pitchFamily="34" charset="0"/>
+              </a:defRPr>
+            </a:lvl4pPr>
+            <a:lvl5pPr eaLnBrk="0" fontAlgn="base" hangingPunct="0">
+              <a:spcBef>
+                <a:spcPct val="0"/>
+              </a:spcBef>
+              <a:spcAft>
+                <a:spcPct val="0"/>
+              </a:spcAft>
+              <a:tabLst>
+                <a:tab pos="1277938" algn="l"/>
+              </a:tabLst>
+              <a:defRPr>
+                <a:solidFill>
+                  <a:schemeClr val="tx1"/>
+                </a:solidFill>
+                <a:latin typeface="Arial" panose="020B0604020202020204" pitchFamily="34" charset="0"/>
+              </a:defRPr>
+            </a:lvl5pPr>
+            <a:lvl6pPr eaLnBrk="0" fontAlgn="base" hangingPunct="0">
+              <a:spcBef>
+                <a:spcPct val="0"/>
+              </a:spcBef>
+              <a:spcAft>
+                <a:spcPct val="0"/>
+              </a:spcAft>
+              <a:tabLst>
+                <a:tab pos="1277938" algn="l"/>
+              </a:tabLst>
+              <a:defRPr>
+                <a:solidFill>
+                  <a:schemeClr val="tx1"/>
+                </a:solidFill>
+                <a:latin typeface="Arial" panose="020B0604020202020204" pitchFamily="34" charset="0"/>
+              </a:defRPr>
+            </a:lvl6pPr>
+            <a:lvl7pPr eaLnBrk="0" fontAlgn="base" hangingPunct="0">
+              <a:spcBef>
+                <a:spcPct val="0"/>
+              </a:spcBef>
+              <a:spcAft>
+                <a:spcPct val="0"/>
+              </a:spcAft>
+              <a:tabLst>
+                <a:tab pos="1277938" algn="l"/>
+              </a:tabLst>
+              <a:defRPr>
+                <a:solidFill>
+                  <a:schemeClr val="tx1"/>
+                </a:solidFill>
+                <a:latin typeface="Arial" panose="020B0604020202020204" pitchFamily="34" charset="0"/>
+              </a:defRPr>
+            </a:lvl7pPr>
+            <a:lvl8pPr eaLnBrk="0" fontAlgn="base" hangingPunct="0">
+              <a:spcBef>
+                <a:spcPct val="0"/>
+              </a:spcBef>
+              <a:spcAft>
+                <a:spcPct val="0"/>
+              </a:spcAft>
+              <a:tabLst>
+                <a:tab pos="1277938" algn="l"/>
+              </a:tabLst>
+              <a:defRPr>
+                <a:solidFill>
+                  <a:schemeClr val="tx1"/>
+                </a:solidFill>
+                <a:latin typeface="Arial" panose="020B0604020202020204" pitchFamily="34" charset="0"/>
+              </a:defRPr>
+            </a:lvl8pPr>
+            <a:lvl9pPr eaLnBrk="0" fontAlgn="base" hangingPunct="0">
+              <a:spcBef>
+                <a:spcPct val="0"/>
+              </a:spcBef>
+              <a:spcAft>
+                <a:spcPct val="0"/>
+              </a:spcAft>
+              <a:tabLst>
+                <a:tab pos="1277938" algn="l"/>
+              </a:tabLst>
+              <a:defRPr>
+                <a:solidFill>
+                  <a:schemeClr val="tx1"/>
+                </a:solidFill>
+                <a:latin typeface="Arial" panose="020B0604020202020204" pitchFamily="34" charset="0"/>
+              </a:defRPr>
+            </a:lvl9pPr>
+          </a:lstStyle>
           <a:p>
-            <a:pPr algn="ctr"/>
+            <a:pPr marL="0" marR="0" lvl="0" indent="0" algn="ctr" defTabSz="914400" rtl="0" eaLnBrk="0" fontAlgn="base" latinLnBrk="0" hangingPunct="0">
+              <a:lnSpc>
+                <a:spcPct val="100000"/>
+              </a:lnSpc>
+              <a:spcBef>
+                <a:spcPct val="0"/>
+              </a:spcBef>
+              <a:spcAft>
+                <a:spcPct val="0"/>
+              </a:spcAft>
+              <a:buClrTx/>
+              <a:buSzTx/>
+              <a:buFontTx/>
+              <a:buNone/>
+              <a:tabLst>
+                <a:tab pos="1277938" algn="l"/>
+              </a:tabLst>
+            </a:pPr>
             <a:r>
-              <a:rPr lang="en-US" sz="1200" dirty="0">
+              <a:rPr kumimoji="0" lang="en-US" altLang="en-DE" sz="1100" b="0" i="0" u="none" strike="noStrike" cap="none" normalizeH="0" baseline="0" dirty="0">
+                <a:ln>
+                  <a:noFill/>
+                </a:ln>
                 <a:solidFill>
                   <a:srgbClr val="FF0000"/>
                 </a:solidFill>
+                <a:effectLst/>
+                <a:latin typeface="Arial" panose="020B0604020202020204" pitchFamily="34" charset="0"/>
+                <a:ea typeface="Calibri" panose="020F0502020204030204" pitchFamily="34" charset="0"/>
+                <a:cs typeface="Times New Roman" panose="02020603050405020304" pitchFamily="18" charset="0"/>
               </a:rPr>
-              <a:t>7</a:t>
+              <a:t>ICMPv6 request Dest: 2001::1004</a:t>
             </a:r>
-            <a:endParaRPr lang="en-DE" sz="1200" dirty="0">
+            <a:endParaRPr kumimoji="0" lang="en-US" altLang="en-DE" sz="1600" b="0" i="0" u="none" strike="noStrike" cap="none" normalizeH="0" baseline="0" dirty="0">
+              <a:ln>
+                <a:noFill/>
+              </a:ln>
               <a:solidFill>
                 <a:srgbClr val="FF0000"/>
               </a:solidFill>
+              <a:effectLst/>
+              <a:latin typeface="Arial" panose="020B0604020202020204" pitchFamily="34" charset="0"/>
             </a:endParaRPr>
           </a:p>
         </p:txBody>
       </p:sp>
       <p:sp>
         <p:nvSpPr>
-          <p:cNvPr id="119" name="Octagon 118">
+          <p:cNvPr id="17" name="Text Box 149">
             <a:extLst>
               <a:ext uri="{FF2B5EF4-FFF2-40B4-BE49-F238E27FC236}">
-                <a16:creationId xmlns:a16="http://schemas.microsoft.com/office/drawing/2014/main" id="{A5FFDEF6-391E-44E2-0EB1-4CD3B1D2B03D}"/>
+                <a16:creationId xmlns:a16="http://schemas.microsoft.com/office/drawing/2014/main" id="{BBE050F0-E8C1-698B-D536-33D350CD265F}"/>
               </a:ext>
             </a:extLst>
           </p:cNvPr>
-          <p:cNvSpPr/>
+          <p:cNvSpPr txBox="1">
+            <a:spLocks noChangeArrowheads="1"/>
+          </p:cNvSpPr>
           <p:nvPr/>
         </p:nvSpPr>
-        <p:spPr>
+        <p:spPr bwMode="auto">
           <a:xfrm>
-            <a:off x="9890534" y="4112326"/>
-            <a:ext cx="283773" cy="282998"/>
+            <a:off x="8967646" y="4787520"/>
+            <a:ext cx="2418632" cy="285431"/>
           </a:xfrm>
-          <a:prstGeom prst="octagon">
+          <a:prstGeom prst="rect">
             <a:avLst/>
           </a:prstGeom>
           <a:noFill/>
           <a:ln>
-            <a:solidFill>
-              <a:srgbClr val="FF0000"/>
-            </a:solidFill>
+            <a:noFill/>
           </a:ln>
         </p:spPr>
-        <p:style>
-          <a:lnRef idx="2">
-            <a:schemeClr val="accent1">
-              <a:shade val="50000"/>
-            </a:schemeClr>
-          </a:lnRef>
-          <a:fillRef idx="1">
-            <a:schemeClr val="accent1"/>
-          </a:fillRef>
-          <a:effectRef idx="0">
-            <a:schemeClr val="accent1"/>
-          </a:effectRef>
-          <a:fontRef idx="minor">
-            <a:schemeClr val="lt1"/>
-          </a:fontRef>
-        </p:style>
         <p:txBody>
-          <a:bodyPr rtlCol="0" anchor="ctr"/>
-          <a:lstStyle/>
+          <a:bodyPr vert="horz" wrap="square" lIns="91440" tIns="45720" rIns="91440" bIns="45720" numCol="1" anchor="t" anchorCtr="0" compatLnSpc="1">
+            <a:prstTxWarp prst="textNoShape">
+              <a:avLst/>
+            </a:prstTxWarp>
+          </a:bodyPr>
+          <a:lstStyle>
+            <a:lvl1pPr eaLnBrk="0" fontAlgn="base" hangingPunct="0">
+              <a:spcBef>
+                <a:spcPct val="0"/>
+              </a:spcBef>
+              <a:spcAft>
+                <a:spcPct val="0"/>
+              </a:spcAft>
+              <a:tabLst>
+                <a:tab pos="1277938" algn="l"/>
+              </a:tabLst>
+              <a:defRPr>
+                <a:solidFill>
+                  <a:schemeClr val="tx1"/>
+                </a:solidFill>
+                <a:latin typeface="Arial" panose="020B0604020202020204" pitchFamily="34" charset="0"/>
+              </a:defRPr>
+            </a:lvl1pPr>
+            <a:lvl2pPr eaLnBrk="0" fontAlgn="base" hangingPunct="0">
+              <a:spcBef>
+                <a:spcPct val="0"/>
+              </a:spcBef>
+              <a:spcAft>
+                <a:spcPct val="0"/>
+              </a:spcAft>
+              <a:tabLst>
+                <a:tab pos="1277938" algn="l"/>
+              </a:tabLst>
+              <a:defRPr>
+                <a:solidFill>
+                  <a:schemeClr val="tx1"/>
+                </a:solidFill>
+                <a:latin typeface="Arial" panose="020B0604020202020204" pitchFamily="34" charset="0"/>
+              </a:defRPr>
+            </a:lvl2pPr>
+            <a:lvl3pPr eaLnBrk="0" fontAlgn="base" hangingPunct="0">
+              <a:spcBef>
+                <a:spcPct val="0"/>
+              </a:spcBef>
+              <a:spcAft>
+                <a:spcPct val="0"/>
+              </a:spcAft>
+              <a:tabLst>
+                <a:tab pos="1277938" algn="l"/>
+              </a:tabLst>
+              <a:defRPr>
+                <a:solidFill>
+                  <a:schemeClr val="tx1"/>
+                </a:solidFill>
+                <a:latin typeface="Arial" panose="020B0604020202020204" pitchFamily="34" charset="0"/>
+              </a:defRPr>
+            </a:lvl3pPr>
+            <a:lvl4pPr eaLnBrk="0" fontAlgn="base" hangingPunct="0">
+              <a:spcBef>
+                <a:spcPct val="0"/>
+              </a:spcBef>
+              <a:spcAft>
+                <a:spcPct val="0"/>
+              </a:spcAft>
+              <a:tabLst>
+                <a:tab pos="1277938" algn="l"/>
+              </a:tabLst>
+              <a:defRPr>
+                <a:solidFill>
+                  <a:schemeClr val="tx1"/>
+                </a:solidFill>
+                <a:latin typeface="Arial" panose="020B0604020202020204" pitchFamily="34" charset="0"/>
+              </a:defRPr>
+            </a:lvl4pPr>
+            <a:lvl5pPr eaLnBrk="0" fontAlgn="base" hangingPunct="0">
+              <a:spcBef>
+                <a:spcPct val="0"/>
+              </a:spcBef>
+              <a:spcAft>
+                <a:spcPct val="0"/>
+              </a:spcAft>
+              <a:tabLst>
+                <a:tab pos="1277938" algn="l"/>
+              </a:tabLst>
+              <a:defRPr>
+                <a:solidFill>
+                  <a:schemeClr val="tx1"/>
+                </a:solidFill>
+                <a:latin typeface="Arial" panose="020B0604020202020204" pitchFamily="34" charset="0"/>
+              </a:defRPr>
+            </a:lvl5pPr>
+            <a:lvl6pPr eaLnBrk="0" fontAlgn="base" hangingPunct="0">
+              <a:spcBef>
+                <a:spcPct val="0"/>
+              </a:spcBef>
+              <a:spcAft>
+                <a:spcPct val="0"/>
+              </a:spcAft>
+              <a:tabLst>
+                <a:tab pos="1277938" algn="l"/>
+              </a:tabLst>
+              <a:defRPr>
+                <a:solidFill>
+                  <a:schemeClr val="tx1"/>
+                </a:solidFill>
+                <a:latin typeface="Arial" panose="020B0604020202020204" pitchFamily="34" charset="0"/>
+              </a:defRPr>
+            </a:lvl6pPr>
+            <a:lvl7pPr eaLnBrk="0" fontAlgn="base" hangingPunct="0">
+              <a:spcBef>
+                <a:spcPct val="0"/>
+              </a:spcBef>
+              <a:spcAft>
+                <a:spcPct val="0"/>
+              </a:spcAft>
+              <a:tabLst>
+                <a:tab pos="1277938" algn="l"/>
+              </a:tabLst>
+              <a:defRPr>
+                <a:solidFill>
+                  <a:schemeClr val="tx1"/>
+                </a:solidFill>
+                <a:latin typeface="Arial" panose="020B0604020202020204" pitchFamily="34" charset="0"/>
+              </a:defRPr>
+            </a:lvl7pPr>
+            <a:lvl8pPr eaLnBrk="0" fontAlgn="base" hangingPunct="0">
+              <a:spcBef>
+                <a:spcPct val="0"/>
+              </a:spcBef>
+              <a:spcAft>
+                <a:spcPct val="0"/>
+              </a:spcAft>
+              <a:tabLst>
+                <a:tab pos="1277938" algn="l"/>
+              </a:tabLst>
+              <a:defRPr>
+                <a:solidFill>
+                  <a:schemeClr val="tx1"/>
+                </a:solidFill>
+                <a:latin typeface="Arial" panose="020B0604020202020204" pitchFamily="34" charset="0"/>
+              </a:defRPr>
+            </a:lvl8pPr>
+            <a:lvl9pPr eaLnBrk="0" fontAlgn="base" hangingPunct="0">
+              <a:spcBef>
+                <a:spcPct val="0"/>
+              </a:spcBef>
+              <a:spcAft>
+                <a:spcPct val="0"/>
+              </a:spcAft>
+              <a:tabLst>
+                <a:tab pos="1277938" algn="l"/>
+              </a:tabLst>
+              <a:defRPr>
+                <a:solidFill>
+                  <a:schemeClr val="tx1"/>
+                </a:solidFill>
+                <a:latin typeface="Arial" panose="020B0604020202020204" pitchFamily="34" charset="0"/>
+              </a:defRPr>
+            </a:lvl9pPr>
+          </a:lstStyle>
           <a:p>
-            <a:pPr algn="ctr"/>
+            <a:pPr marL="0" marR="0" lvl="0" indent="0" algn="ctr" defTabSz="914400" rtl="0" eaLnBrk="0" fontAlgn="base" latinLnBrk="0" hangingPunct="0">
+              <a:lnSpc>
+                <a:spcPct val="100000"/>
+              </a:lnSpc>
+              <a:spcBef>
+                <a:spcPct val="0"/>
+              </a:spcBef>
+              <a:spcAft>
+                <a:spcPct val="0"/>
+              </a:spcAft>
+              <a:buClrTx/>
+              <a:buSzTx/>
+              <a:buFontTx/>
+              <a:buNone/>
+              <a:tabLst>
+                <a:tab pos="1277938" algn="l"/>
+              </a:tabLst>
+            </a:pPr>
             <a:r>
-              <a:rPr lang="en-US" sz="1200" dirty="0">
+              <a:rPr kumimoji="0" lang="en-US" altLang="en-DE" sz="1100" b="0" i="0" u="none" strike="noStrike" cap="none" normalizeH="0" baseline="0" dirty="0">
+                <a:ln>
+                  <a:noFill/>
+                </a:ln>
                 <a:solidFill>
                   <a:srgbClr val="FF0000"/>
                 </a:solidFill>
+                <a:effectLst/>
+                <a:latin typeface="Arial" panose="020B0604020202020204" pitchFamily="34" charset="0"/>
+                <a:ea typeface="Calibri" panose="020F0502020204030204" pitchFamily="34" charset="0"/>
+                <a:cs typeface="Times New Roman" panose="02020603050405020304" pitchFamily="18" charset="0"/>
               </a:rPr>
-              <a:t>8</a:t>
+              <a:t>ICMPv6 request Dest: 2001::1004</a:t>
             </a:r>
-            <a:endParaRPr lang="en-DE" sz="1200" dirty="0">
+            <a:endParaRPr kumimoji="0" lang="en-US" altLang="en-DE" sz="1600" b="0" i="0" u="none" strike="noStrike" cap="none" normalizeH="0" baseline="0" dirty="0">
+              <a:ln>
+                <a:noFill/>
+              </a:ln>
               <a:solidFill>
                 <a:srgbClr val="FF0000"/>
               </a:solidFill>
+              <a:effectLst/>
+              <a:latin typeface="Arial" panose="020B0604020202020204" pitchFamily="34" charset="0"/>
             </a:endParaRPr>
           </a:p>
         </p:txBody>
       </p:sp>
       <p:sp>
         <p:nvSpPr>
-          <p:cNvPr id="120" name="Octagon 119">
+          <p:cNvPr id="18" name="Text Box 149">
             <a:extLst>
               <a:ext uri="{FF2B5EF4-FFF2-40B4-BE49-F238E27FC236}">
-                <a16:creationId xmlns:a16="http://schemas.microsoft.com/office/drawing/2014/main" id="{4322771B-C5F9-0E33-9C34-AFB7C26B88A6}"/>
+                <a16:creationId xmlns:a16="http://schemas.microsoft.com/office/drawing/2014/main" id="{362AC69A-4BC5-1F67-6547-49AEA5236800}"/>
               </a:ext>
             </a:extLst>
           </p:cNvPr>
-          <p:cNvSpPr/>
+          <p:cNvSpPr txBox="1">
+            <a:spLocks noChangeArrowheads="1"/>
+          </p:cNvSpPr>
           <p:nvPr/>
         </p:nvSpPr>
-        <p:spPr>
+        <p:spPr bwMode="auto">
           <a:xfrm>
-            <a:off x="7831092" y="4060650"/>
-            <a:ext cx="283773" cy="282998"/>
+            <a:off x="9123161" y="5093496"/>
+            <a:ext cx="2131537" cy="268704"/>
           </a:xfrm>
-          <a:prstGeom prst="octagon">
+          <a:prstGeom prst="rect">
             <a:avLst/>
           </a:prstGeom>
           <a:noFill/>
           <a:ln>
-            <a:solidFill>
-              <a:srgbClr val="FF0000"/>
-            </a:solidFill>
+            <a:noFill/>
           </a:ln>
         </p:spPr>
-        <p:style>
-          <a:lnRef idx="2">
-            <a:schemeClr val="accent1">
-              <a:shade val="50000"/>
-            </a:schemeClr>
-          </a:lnRef>
-          <a:fillRef idx="1">
-            <a:schemeClr val="accent1"/>
-          </a:fillRef>
-          <a:effectRef idx="0">
-            <a:schemeClr val="accent1"/>
-          </a:effectRef>
-          <a:fontRef idx="minor">
-            <a:schemeClr val="lt1"/>
-          </a:fontRef>
-        </p:style>
         <p:txBody>
-          <a:bodyPr rtlCol="0" anchor="ctr"/>
-          <a:lstStyle/>
+          <a:bodyPr vert="horz" wrap="square" lIns="91440" tIns="45720" rIns="91440" bIns="45720" numCol="1" anchor="t" anchorCtr="0" compatLnSpc="1">
+            <a:prstTxWarp prst="textNoShape">
+              <a:avLst/>
+            </a:prstTxWarp>
+          </a:bodyPr>
+          <a:lstStyle>
+            <a:lvl1pPr eaLnBrk="0" fontAlgn="base" hangingPunct="0">
+              <a:spcBef>
+                <a:spcPct val="0"/>
+              </a:spcBef>
+              <a:spcAft>
+                <a:spcPct val="0"/>
+              </a:spcAft>
+              <a:tabLst>
+                <a:tab pos="1277938" algn="l"/>
+              </a:tabLst>
+              <a:defRPr>
+                <a:solidFill>
+                  <a:schemeClr val="tx1"/>
+                </a:solidFill>
+                <a:latin typeface="Arial" panose="020B0604020202020204" pitchFamily="34" charset="0"/>
+              </a:defRPr>
+            </a:lvl1pPr>
+            <a:lvl2pPr eaLnBrk="0" fontAlgn="base" hangingPunct="0">
+              <a:spcBef>
+                <a:spcPct val="0"/>
+              </a:spcBef>
+              <a:spcAft>
+                <a:spcPct val="0"/>
+              </a:spcAft>
+              <a:tabLst>
+                <a:tab pos="1277938" algn="l"/>
+              </a:tabLst>
+              <a:defRPr>
+                <a:solidFill>
+                  <a:schemeClr val="tx1"/>
+                </a:solidFill>
+                <a:latin typeface="Arial" panose="020B0604020202020204" pitchFamily="34" charset="0"/>
+              </a:defRPr>
+            </a:lvl2pPr>
+            <a:lvl3pPr eaLnBrk="0" fontAlgn="base" hangingPunct="0">
+              <a:spcBef>
+                <a:spcPct val="0"/>
+              </a:spcBef>
+              <a:spcAft>
+                <a:spcPct val="0"/>
+              </a:spcAft>
+              <a:tabLst>
+                <a:tab pos="1277938" algn="l"/>
+              </a:tabLst>
+              <a:defRPr>
+                <a:solidFill>
+                  <a:schemeClr val="tx1"/>
+                </a:solidFill>
+                <a:latin typeface="Arial" panose="020B0604020202020204" pitchFamily="34" charset="0"/>
+              </a:defRPr>
+            </a:lvl3pPr>
+            <a:lvl4pPr eaLnBrk="0" fontAlgn="base" hangingPunct="0">
+              <a:spcBef>
+                <a:spcPct val="0"/>
+              </a:spcBef>
+              <a:spcAft>
+                <a:spcPct val="0"/>
+              </a:spcAft>
+              <a:tabLst>
+                <a:tab pos="1277938" algn="l"/>
+              </a:tabLst>
+              <a:defRPr>
+                <a:solidFill>
+                  <a:schemeClr val="tx1"/>
+                </a:solidFill>
+                <a:latin typeface="Arial" panose="020B0604020202020204" pitchFamily="34" charset="0"/>
+              </a:defRPr>
+            </a:lvl4pPr>
+            <a:lvl5pPr eaLnBrk="0" fontAlgn="base" hangingPunct="0">
+              <a:spcBef>
+                <a:spcPct val="0"/>
+              </a:spcBef>
+              <a:spcAft>
+                <a:spcPct val="0"/>
+              </a:spcAft>
+              <a:tabLst>
+                <a:tab pos="1277938" algn="l"/>
+              </a:tabLst>
+              <a:defRPr>
+                <a:solidFill>
+                  <a:schemeClr val="tx1"/>
+                </a:solidFill>
+                <a:latin typeface="Arial" panose="020B0604020202020204" pitchFamily="34" charset="0"/>
+              </a:defRPr>
+            </a:lvl5pPr>
+            <a:lvl6pPr eaLnBrk="0" fontAlgn="base" hangingPunct="0">
+              <a:spcBef>
+                <a:spcPct val="0"/>
+              </a:spcBef>
+              <a:spcAft>
+                <a:spcPct val="0"/>
+              </a:spcAft>
+              <a:tabLst>
+                <a:tab pos="1277938" algn="l"/>
+              </a:tabLst>
+              <a:defRPr>
+                <a:solidFill>
+                  <a:schemeClr val="tx1"/>
+                </a:solidFill>
+                <a:latin typeface="Arial" panose="020B0604020202020204" pitchFamily="34" charset="0"/>
+              </a:defRPr>
+            </a:lvl6pPr>
+            <a:lvl7pPr eaLnBrk="0" fontAlgn="base" hangingPunct="0">
+              <a:spcBef>
+                <a:spcPct val="0"/>
+              </a:spcBef>
+              <a:spcAft>
+                <a:spcPct val="0"/>
+              </a:spcAft>
+              <a:tabLst>
+                <a:tab pos="1277938" algn="l"/>
+              </a:tabLst>
+              <a:defRPr>
+                <a:solidFill>
+                  <a:schemeClr val="tx1"/>
+                </a:solidFill>
+                <a:latin typeface="Arial" panose="020B0604020202020204" pitchFamily="34" charset="0"/>
+              </a:defRPr>
+            </a:lvl7pPr>
+            <a:lvl8pPr eaLnBrk="0" fontAlgn="base" hangingPunct="0">
+              <a:spcBef>
+                <a:spcPct val="0"/>
+              </a:spcBef>
+              <a:spcAft>
+                <a:spcPct val="0"/>
+              </a:spcAft>
+              <a:tabLst>
+                <a:tab pos="1277938" algn="l"/>
+              </a:tabLst>
+              <a:defRPr>
+                <a:solidFill>
+                  <a:schemeClr val="tx1"/>
+                </a:solidFill>
+                <a:latin typeface="Arial" panose="020B0604020202020204" pitchFamily="34" charset="0"/>
+              </a:defRPr>
+            </a:lvl8pPr>
+            <a:lvl9pPr eaLnBrk="0" fontAlgn="base" hangingPunct="0">
+              <a:spcBef>
+                <a:spcPct val="0"/>
+              </a:spcBef>
+              <a:spcAft>
+                <a:spcPct val="0"/>
+              </a:spcAft>
+              <a:tabLst>
+                <a:tab pos="1277938" algn="l"/>
+              </a:tabLst>
+              <a:defRPr>
+                <a:solidFill>
+                  <a:schemeClr val="tx1"/>
+                </a:solidFill>
+                <a:latin typeface="Arial" panose="020B0604020202020204" pitchFamily="34" charset="0"/>
+              </a:defRPr>
+            </a:lvl9pPr>
+          </a:lstStyle>
           <a:p>
-            <a:pPr algn="ctr"/>
+            <a:pPr marL="0" marR="0" lvl="0" indent="0" algn="ctr" defTabSz="914400" rtl="0" eaLnBrk="0" fontAlgn="base" latinLnBrk="0" hangingPunct="0">
+              <a:lnSpc>
+                <a:spcPct val="100000"/>
+              </a:lnSpc>
+              <a:spcBef>
+                <a:spcPct val="0"/>
+              </a:spcBef>
+              <a:spcAft>
+                <a:spcPct val="0"/>
+              </a:spcAft>
+              <a:buClrTx/>
+              <a:buSzTx/>
+              <a:buFontTx/>
+              <a:buNone/>
+              <a:tabLst>
+                <a:tab pos="1277938" algn="l"/>
+              </a:tabLst>
+            </a:pPr>
             <a:r>
-              <a:rPr lang="en-US" sz="1200" dirty="0">
+              <a:rPr kumimoji="0" lang="en-US" altLang="en-DE" sz="1100" b="0" i="0" u="none" strike="noStrike" cap="none" normalizeH="0" baseline="0" dirty="0">
+                <a:ln>
+                  <a:noFill/>
+                </a:ln>
                 <a:solidFill>
                   <a:srgbClr val="FF0000"/>
                 </a:solidFill>
+                <a:effectLst/>
+                <a:latin typeface="Arial" panose="020B0604020202020204" pitchFamily="34" charset="0"/>
+                <a:ea typeface="Calibri" panose="020F0502020204030204" pitchFamily="34" charset="0"/>
+                <a:cs typeface="Times New Roman" panose="02020603050405020304" pitchFamily="18" charset="0"/>
               </a:rPr>
-              <a:t>9</a:t>
+              <a:t>ICMPv6 reply Dest: 2001::1001</a:t>
             </a:r>
-            <a:endParaRPr lang="en-DE" sz="1200" dirty="0">
+            <a:endParaRPr kumimoji="0" lang="en-US" altLang="en-DE" sz="1600" b="0" i="0" u="none" strike="noStrike" cap="none" normalizeH="0" baseline="0" dirty="0">
+              <a:ln>
+                <a:noFill/>
+              </a:ln>
               <a:solidFill>
                 <a:srgbClr val="FF0000"/>
               </a:solidFill>
+              <a:effectLst/>
+              <a:latin typeface="Arial" panose="020B0604020202020204" pitchFamily="34" charset="0"/>
             </a:endParaRPr>
           </a:p>
         </p:txBody>
       </p:sp>
       <p:sp>
         <p:nvSpPr>
-          <p:cNvPr id="121" name="Octagon 120">
+          <p:cNvPr id="19" name="Text Box 149">
             <a:extLst>
               <a:ext uri="{FF2B5EF4-FFF2-40B4-BE49-F238E27FC236}">
-                <a16:creationId xmlns:a16="http://schemas.microsoft.com/office/drawing/2014/main" id="{42781144-D307-F193-2D5B-B205C44E59BC}"/>
+                <a16:creationId xmlns:a16="http://schemas.microsoft.com/office/drawing/2014/main" id="{10A54F3F-918D-0F6E-47DA-5045E7F785F1}"/>
               </a:ext>
             </a:extLst>
           </p:cNvPr>
-          <p:cNvSpPr/>
+          <p:cNvSpPr txBox="1">
+            <a:spLocks noChangeArrowheads="1"/>
+          </p:cNvSpPr>
           <p:nvPr/>
         </p:nvSpPr>
-        <p:spPr>
+        <p:spPr bwMode="auto">
           <a:xfrm>
-            <a:off x="7666748" y="4463724"/>
-            <a:ext cx="447173" cy="300285"/>
+            <a:off x="974109" y="5515530"/>
+            <a:ext cx="2157789" cy="299865"/>
           </a:xfrm>
-          <a:prstGeom prst="octagon">
+          <a:prstGeom prst="rect">
             <a:avLst/>
           </a:prstGeom>
           <a:noFill/>
           <a:ln>
-            <a:solidFill>
-              <a:srgbClr val="FF0000"/>
-            </a:solidFill>
+            <a:noFill/>
+          </a:ln>
+        </p:spPr>
+        <p:txBody>
+          <a:bodyPr vert="horz" wrap="square" lIns="91440" tIns="45720" rIns="91440" bIns="45720" numCol="1" anchor="t" anchorCtr="0" compatLnSpc="1">
+            <a:prstTxWarp prst="textNoShape">
+              <a:avLst/>
+            </a:prstTxWarp>
+          </a:bodyPr>
+          <a:lstStyle>
+            <a:lvl1pPr eaLnBrk="0" fontAlgn="base" hangingPunct="0">
+              <a:spcBef>
+                <a:spcPct val="0"/>
+              </a:spcBef>
+              <a:spcAft>
+                <a:spcPct val="0"/>
+              </a:spcAft>
+              <a:tabLst>
+                <a:tab pos="1277938" algn="l"/>
+              </a:tabLst>
+              <a:defRPr>
+                <a:solidFill>
+                  <a:schemeClr val="tx1"/>
+                </a:solidFill>
+                <a:latin typeface="Arial" panose="020B0604020202020204" pitchFamily="34" charset="0"/>
+              </a:defRPr>
+            </a:lvl1pPr>
+            <a:lvl2pPr eaLnBrk="0" fontAlgn="base" hangingPunct="0">
+              <a:spcBef>
+                <a:spcPct val="0"/>
+              </a:spcBef>
+              <a:spcAft>
+                <a:spcPct val="0"/>
+              </a:spcAft>
+              <a:tabLst>
+                <a:tab pos="1277938" algn="l"/>
+              </a:tabLst>
+              <a:defRPr>
+                <a:solidFill>
+                  <a:schemeClr val="tx1"/>
+                </a:solidFill>
+                <a:latin typeface="Arial" panose="020B0604020202020204" pitchFamily="34" charset="0"/>
+              </a:defRPr>
+            </a:lvl2pPr>
+            <a:lvl3pPr eaLnBrk="0" fontAlgn="base" hangingPunct="0">
+              <a:spcBef>
+                <a:spcPct val="0"/>
+              </a:spcBef>
+              <a:spcAft>
+                <a:spcPct val="0"/>
+              </a:spcAft>
+              <a:tabLst>
+                <a:tab pos="1277938" algn="l"/>
+              </a:tabLst>
+              <a:defRPr>
+                <a:solidFill>
+                  <a:schemeClr val="tx1"/>
+                </a:solidFill>
+                <a:latin typeface="Arial" panose="020B0604020202020204" pitchFamily="34" charset="0"/>
+              </a:defRPr>
+            </a:lvl3pPr>
+            <a:lvl4pPr eaLnBrk="0" fontAlgn="base" hangingPunct="0">
+              <a:spcBef>
+                <a:spcPct val="0"/>
+              </a:spcBef>
+              <a:spcAft>
+                <a:spcPct val="0"/>
+              </a:spcAft>
+              <a:tabLst>
+                <a:tab pos="1277938" algn="l"/>
+              </a:tabLst>
+              <a:defRPr>
+                <a:solidFill>
+                  <a:schemeClr val="tx1"/>
+                </a:solidFill>
+                <a:latin typeface="Arial" panose="020B0604020202020204" pitchFamily="34" charset="0"/>
+              </a:defRPr>
+            </a:lvl4pPr>
+            <a:lvl5pPr eaLnBrk="0" fontAlgn="base" hangingPunct="0">
+              <a:spcBef>
+                <a:spcPct val="0"/>
+              </a:spcBef>
+              <a:spcAft>
+                <a:spcPct val="0"/>
+              </a:spcAft>
+              <a:tabLst>
+                <a:tab pos="1277938" algn="l"/>
+              </a:tabLst>
+              <a:defRPr>
+                <a:solidFill>
+                  <a:schemeClr val="tx1"/>
+                </a:solidFill>
+                <a:latin typeface="Arial" panose="020B0604020202020204" pitchFamily="34" charset="0"/>
+              </a:defRPr>
+            </a:lvl5pPr>
+            <a:lvl6pPr eaLnBrk="0" fontAlgn="base" hangingPunct="0">
+              <a:spcBef>
+                <a:spcPct val="0"/>
+              </a:spcBef>
+              <a:spcAft>
+                <a:spcPct val="0"/>
+              </a:spcAft>
+              <a:tabLst>
+                <a:tab pos="1277938" algn="l"/>
+              </a:tabLst>
+              <a:defRPr>
+                <a:solidFill>
+                  <a:schemeClr val="tx1"/>
+                </a:solidFill>
+                <a:latin typeface="Arial" panose="020B0604020202020204" pitchFamily="34" charset="0"/>
+              </a:defRPr>
+            </a:lvl6pPr>
+            <a:lvl7pPr eaLnBrk="0" fontAlgn="base" hangingPunct="0">
+              <a:spcBef>
+                <a:spcPct val="0"/>
+              </a:spcBef>
+              <a:spcAft>
+                <a:spcPct val="0"/>
+              </a:spcAft>
+              <a:tabLst>
+                <a:tab pos="1277938" algn="l"/>
+              </a:tabLst>
+              <a:defRPr>
+                <a:solidFill>
+                  <a:schemeClr val="tx1"/>
+                </a:solidFill>
+                <a:latin typeface="Arial" panose="020B0604020202020204" pitchFamily="34" charset="0"/>
+              </a:defRPr>
+            </a:lvl7pPr>
+            <a:lvl8pPr eaLnBrk="0" fontAlgn="base" hangingPunct="0">
+              <a:spcBef>
+                <a:spcPct val="0"/>
+              </a:spcBef>
+              <a:spcAft>
+                <a:spcPct val="0"/>
+              </a:spcAft>
+              <a:tabLst>
+                <a:tab pos="1277938" algn="l"/>
+              </a:tabLst>
+              <a:defRPr>
+                <a:solidFill>
+                  <a:schemeClr val="tx1"/>
+                </a:solidFill>
+                <a:latin typeface="Arial" panose="020B0604020202020204" pitchFamily="34" charset="0"/>
+              </a:defRPr>
+            </a:lvl8pPr>
+            <a:lvl9pPr eaLnBrk="0" fontAlgn="base" hangingPunct="0">
+              <a:spcBef>
+                <a:spcPct val="0"/>
+              </a:spcBef>
+              <a:spcAft>
+                <a:spcPct val="0"/>
+              </a:spcAft>
+              <a:tabLst>
+                <a:tab pos="1277938" algn="l"/>
+              </a:tabLst>
+              <a:defRPr>
+                <a:solidFill>
+                  <a:schemeClr val="tx1"/>
+                </a:solidFill>
+                <a:latin typeface="Arial" panose="020B0604020202020204" pitchFamily="34" charset="0"/>
+              </a:defRPr>
+            </a:lvl9pPr>
+          </a:lstStyle>
+          <a:p>
+            <a:pPr marL="0" marR="0" lvl="0" indent="0" algn="ctr" defTabSz="914400" rtl="0" eaLnBrk="0" fontAlgn="base" latinLnBrk="0" hangingPunct="0">
+              <a:lnSpc>
+                <a:spcPct val="100000"/>
+              </a:lnSpc>
+              <a:spcBef>
+                <a:spcPct val="0"/>
+              </a:spcBef>
+              <a:spcAft>
+                <a:spcPct val="0"/>
+              </a:spcAft>
+              <a:buClrTx/>
+              <a:buSzTx/>
+              <a:buFontTx/>
+              <a:buNone/>
+              <a:tabLst>
+                <a:tab pos="1277938" algn="l"/>
+              </a:tabLst>
+            </a:pPr>
+            <a:r>
+              <a:rPr kumimoji="0" lang="en-US" altLang="en-DE" sz="1100" b="0" i="0" u="none" strike="noStrike" cap="none" normalizeH="0" baseline="0" dirty="0">
+                <a:ln>
+                  <a:noFill/>
+                </a:ln>
+                <a:solidFill>
+                  <a:srgbClr val="FF0000"/>
+                </a:solidFill>
+                <a:effectLst/>
+                <a:latin typeface="Arial" panose="020B0604020202020204" pitchFamily="34" charset="0"/>
+                <a:ea typeface="Calibri" panose="020F0502020204030204" pitchFamily="34" charset="0"/>
+                <a:cs typeface="Times New Roman" panose="02020603050405020304" pitchFamily="18" charset="0"/>
+              </a:rPr>
+              <a:t>ICMPv6 reply Dest: 2001::1001</a:t>
+            </a:r>
+            <a:endParaRPr kumimoji="0" lang="en-US" altLang="en-DE" sz="1600" b="0" i="0" u="none" strike="noStrike" cap="none" normalizeH="0" baseline="0" dirty="0">
+              <a:ln>
+                <a:noFill/>
+              </a:ln>
+              <a:solidFill>
+                <a:srgbClr val="FF0000"/>
+              </a:solidFill>
+              <a:effectLst/>
+              <a:latin typeface="Arial" panose="020B0604020202020204" pitchFamily="34" charset="0"/>
+            </a:endParaRPr>
+          </a:p>
+        </p:txBody>
+      </p:sp>
+      <p:cxnSp>
+        <p:nvCxnSpPr>
+          <p:cNvPr id="20" name="Straight Arrow Connector 19">
+            <a:extLst>
+              <a:ext uri="{FF2B5EF4-FFF2-40B4-BE49-F238E27FC236}">
+                <a16:creationId xmlns:a16="http://schemas.microsoft.com/office/drawing/2014/main" id="{AB7D208E-2247-CA81-2551-361789944D11}"/>
+              </a:ext>
+            </a:extLst>
+          </p:cNvPr>
+          <p:cNvCxnSpPr>
+            <a:cxnSpLocks/>
+          </p:cNvCxnSpPr>
+          <p:nvPr/>
+        </p:nvCxnSpPr>
+        <p:spPr>
+          <a:xfrm>
+            <a:off x="906617" y="4556574"/>
+            <a:ext cx="2161733" cy="0"/>
+          </a:xfrm>
+          <a:prstGeom prst="straightConnector1">
+            <a:avLst/>
+          </a:prstGeom>
+          <a:ln>
+            <a:tailEnd type="triangle"/>
           </a:ln>
         </p:spPr>
         <p:style>
-          <a:lnRef idx="2">
-            <a:schemeClr val="accent1">
-              <a:shade val="50000"/>
-            </a:schemeClr>
+          <a:lnRef idx="1">
+            <a:schemeClr val="dk1"/>
           </a:lnRef>
-          <a:fillRef idx="1">
-            <a:schemeClr val="accent1"/>
+          <a:fillRef idx="0">
+            <a:schemeClr val="dk1"/>
           </a:fillRef>
           <a:effectRef idx="0">
-            <a:schemeClr val="accent1"/>
+            <a:schemeClr val="dk1"/>
           </a:effectRef>
           <a:fontRef idx="minor">
-            <a:schemeClr val="lt1"/>
+            <a:schemeClr val="tx1"/>
           </a:fontRef>
         </p:style>
+      </p:cxnSp>
+      <p:cxnSp>
+        <p:nvCxnSpPr>
+          <p:cNvPr id="21" name="Straight Arrow Connector 20">
+            <a:extLst>
+              <a:ext uri="{FF2B5EF4-FFF2-40B4-BE49-F238E27FC236}">
+                <a16:creationId xmlns:a16="http://schemas.microsoft.com/office/drawing/2014/main" id="{E781EFA3-6189-0F68-A514-57808D957663}"/>
+              </a:ext>
+            </a:extLst>
+          </p:cNvPr>
+          <p:cNvCxnSpPr>
+            <a:cxnSpLocks/>
+          </p:cNvCxnSpPr>
+          <p:nvPr/>
+        </p:nvCxnSpPr>
+        <p:spPr>
+          <a:xfrm>
+            <a:off x="3076161" y="4877876"/>
+            <a:ext cx="5933358" cy="0"/>
+          </a:xfrm>
+          <a:prstGeom prst="straightConnector1">
+            <a:avLst/>
+          </a:prstGeom>
+          <a:ln>
+            <a:tailEnd type="triangle"/>
+          </a:ln>
+        </p:spPr>
+        <p:style>
+          <a:lnRef idx="1">
+            <a:schemeClr val="dk1"/>
+          </a:lnRef>
+          <a:fillRef idx="0">
+            <a:schemeClr val="dk1"/>
+          </a:fillRef>
+          <a:effectRef idx="0">
+            <a:schemeClr val="dk1"/>
+          </a:effectRef>
+          <a:fontRef idx="minor">
+            <a:schemeClr val="tx1"/>
+          </a:fontRef>
+        </p:style>
+      </p:cxnSp>
+      <p:cxnSp>
+        <p:nvCxnSpPr>
+          <p:cNvPr id="22" name="Straight Arrow Connector 21">
+            <a:extLst>
+              <a:ext uri="{FF2B5EF4-FFF2-40B4-BE49-F238E27FC236}">
+                <a16:creationId xmlns:a16="http://schemas.microsoft.com/office/drawing/2014/main" id="{BFEAA543-1723-8C7B-35E8-DBA48C32052F}"/>
+              </a:ext>
+            </a:extLst>
+          </p:cNvPr>
+          <p:cNvCxnSpPr>
+            <a:cxnSpLocks/>
+          </p:cNvCxnSpPr>
+          <p:nvPr/>
+        </p:nvCxnSpPr>
+        <p:spPr>
+          <a:xfrm flipH="1">
+            <a:off x="9010455" y="5337871"/>
+            <a:ext cx="2264074" cy="0"/>
+          </a:xfrm>
+          <a:prstGeom prst="straightConnector1">
+            <a:avLst/>
+          </a:prstGeom>
+          <a:ln>
+            <a:tailEnd type="triangle"/>
+          </a:ln>
+        </p:spPr>
+        <p:style>
+          <a:lnRef idx="1">
+            <a:schemeClr val="dk1"/>
+          </a:lnRef>
+          <a:fillRef idx="0">
+            <a:schemeClr val="dk1"/>
+          </a:fillRef>
+          <a:effectRef idx="0">
+            <a:schemeClr val="dk1"/>
+          </a:effectRef>
+          <a:fontRef idx="minor">
+            <a:schemeClr val="tx1"/>
+          </a:fontRef>
+        </p:style>
+      </p:cxnSp>
+      <p:cxnSp>
+        <p:nvCxnSpPr>
+          <p:cNvPr id="23" name="Straight Arrow Connector 22">
+            <a:extLst>
+              <a:ext uri="{FF2B5EF4-FFF2-40B4-BE49-F238E27FC236}">
+                <a16:creationId xmlns:a16="http://schemas.microsoft.com/office/drawing/2014/main" id="{1788317A-79C9-3BE0-4C4C-3D85D9144B79}"/>
+              </a:ext>
+            </a:extLst>
+          </p:cNvPr>
+          <p:cNvCxnSpPr>
+            <a:cxnSpLocks/>
+          </p:cNvCxnSpPr>
+          <p:nvPr/>
+        </p:nvCxnSpPr>
+        <p:spPr>
+          <a:xfrm>
+            <a:off x="9021248" y="5025153"/>
+            <a:ext cx="2253281" cy="709"/>
+          </a:xfrm>
+          <a:prstGeom prst="straightConnector1">
+            <a:avLst/>
+          </a:prstGeom>
+          <a:ln>
+            <a:tailEnd type="triangle"/>
+          </a:ln>
+        </p:spPr>
+        <p:style>
+          <a:lnRef idx="1">
+            <a:schemeClr val="dk1"/>
+          </a:lnRef>
+          <a:fillRef idx="0">
+            <a:schemeClr val="dk1"/>
+          </a:fillRef>
+          <a:effectRef idx="0">
+            <a:schemeClr val="dk1"/>
+          </a:effectRef>
+          <a:fontRef idx="minor">
+            <a:schemeClr val="tx1"/>
+          </a:fontRef>
+        </p:style>
+      </p:cxnSp>
+      <p:cxnSp>
+        <p:nvCxnSpPr>
+          <p:cNvPr id="34" name="Straight Arrow Connector 33">
+            <a:extLst>
+              <a:ext uri="{FF2B5EF4-FFF2-40B4-BE49-F238E27FC236}">
+                <a16:creationId xmlns:a16="http://schemas.microsoft.com/office/drawing/2014/main" id="{F1D67FFA-F513-97AB-729F-8C2693CD4D97}"/>
+              </a:ext>
+            </a:extLst>
+          </p:cNvPr>
+          <p:cNvCxnSpPr>
+            <a:cxnSpLocks/>
+          </p:cNvCxnSpPr>
+          <p:nvPr/>
+        </p:nvCxnSpPr>
+        <p:spPr>
+          <a:xfrm flipH="1">
+            <a:off x="922271" y="5725318"/>
+            <a:ext cx="2157789" cy="0"/>
+          </a:xfrm>
+          <a:prstGeom prst="straightConnector1">
+            <a:avLst/>
+          </a:prstGeom>
+          <a:ln>
+            <a:tailEnd type="triangle"/>
+          </a:ln>
+        </p:spPr>
+        <p:style>
+          <a:lnRef idx="1">
+            <a:schemeClr val="dk1"/>
+          </a:lnRef>
+          <a:fillRef idx="0">
+            <a:schemeClr val="dk1"/>
+          </a:fillRef>
+          <a:effectRef idx="0">
+            <a:schemeClr val="dk1"/>
+          </a:effectRef>
+          <a:fontRef idx="minor">
+            <a:schemeClr val="tx1"/>
+          </a:fontRef>
+        </p:style>
+      </p:cxnSp>
+      <p:cxnSp>
+        <p:nvCxnSpPr>
+          <p:cNvPr id="35" name="Straight Arrow Connector 34">
+            <a:extLst>
+              <a:ext uri="{FF2B5EF4-FFF2-40B4-BE49-F238E27FC236}">
+                <a16:creationId xmlns:a16="http://schemas.microsoft.com/office/drawing/2014/main" id="{1C3E957B-4978-45CA-3A55-0EF7E4836127}"/>
+              </a:ext>
+            </a:extLst>
+          </p:cNvPr>
+          <p:cNvCxnSpPr>
+            <a:cxnSpLocks/>
+          </p:cNvCxnSpPr>
+          <p:nvPr/>
+        </p:nvCxnSpPr>
+        <p:spPr>
+          <a:xfrm flipH="1">
+            <a:off x="3083632" y="5575389"/>
+            <a:ext cx="5949976" cy="24533"/>
+          </a:xfrm>
+          <a:prstGeom prst="straightConnector1">
+            <a:avLst/>
+          </a:prstGeom>
+          <a:ln>
+            <a:tailEnd type="triangle"/>
+          </a:ln>
+        </p:spPr>
+        <p:style>
+          <a:lnRef idx="1">
+            <a:schemeClr val="dk1"/>
+          </a:lnRef>
+          <a:fillRef idx="0">
+            <a:schemeClr val="dk1"/>
+          </a:fillRef>
+          <a:effectRef idx="0">
+            <a:schemeClr val="dk1"/>
+          </a:effectRef>
+          <a:fontRef idx="minor">
+            <a:schemeClr val="tx1"/>
+          </a:fontRef>
+        </p:style>
+      </p:cxnSp>
+      <p:sp>
+        <p:nvSpPr>
+          <p:cNvPr id="46" name="Text Box 149">
+            <a:extLst>
+              <a:ext uri="{FF2B5EF4-FFF2-40B4-BE49-F238E27FC236}">
+                <a16:creationId xmlns:a16="http://schemas.microsoft.com/office/drawing/2014/main" id="{0739282E-1C1B-704B-5E1B-91D267258E92}"/>
+              </a:ext>
+            </a:extLst>
+          </p:cNvPr>
+          <p:cNvSpPr txBox="1">
+            <a:spLocks noChangeArrowheads="1"/>
+          </p:cNvSpPr>
+          <p:nvPr/>
+        </p:nvSpPr>
+        <p:spPr bwMode="auto">
+          <a:xfrm>
+            <a:off x="5297893" y="4634542"/>
+            <a:ext cx="2619974" cy="228479"/>
+          </a:xfrm>
+          <a:prstGeom prst="rect">
+            <a:avLst/>
+          </a:prstGeom>
+          <a:solidFill>
+            <a:schemeClr val="bg1"/>
+          </a:solidFill>
+          <a:ln>
+            <a:noFill/>
+          </a:ln>
+        </p:spPr>
         <p:txBody>
-          <a:bodyPr rtlCol="0" anchor="ctr"/>
-          <a:lstStyle/>
+          <a:bodyPr vert="horz" wrap="square" lIns="91440" tIns="45720" rIns="91440" bIns="45720" numCol="1" anchor="t" anchorCtr="0" compatLnSpc="1">
+            <a:prstTxWarp prst="textNoShape">
+              <a:avLst/>
+            </a:prstTxWarp>
+          </a:bodyPr>
+          <a:lstStyle>
+            <a:lvl1pPr eaLnBrk="0" fontAlgn="base" hangingPunct="0">
+              <a:spcBef>
+                <a:spcPct val="0"/>
+              </a:spcBef>
+              <a:spcAft>
+                <a:spcPct val="0"/>
+              </a:spcAft>
+              <a:tabLst>
+                <a:tab pos="1277938" algn="l"/>
+              </a:tabLst>
+              <a:defRPr>
+                <a:solidFill>
+                  <a:schemeClr val="tx1"/>
+                </a:solidFill>
+                <a:latin typeface="Arial" panose="020B0604020202020204" pitchFamily="34" charset="0"/>
+              </a:defRPr>
+            </a:lvl1pPr>
+            <a:lvl2pPr eaLnBrk="0" fontAlgn="base" hangingPunct="0">
+              <a:spcBef>
+                <a:spcPct val="0"/>
+              </a:spcBef>
+              <a:spcAft>
+                <a:spcPct val="0"/>
+              </a:spcAft>
+              <a:tabLst>
+                <a:tab pos="1277938" algn="l"/>
+              </a:tabLst>
+              <a:defRPr>
+                <a:solidFill>
+                  <a:schemeClr val="tx1"/>
+                </a:solidFill>
+                <a:latin typeface="Arial" panose="020B0604020202020204" pitchFamily="34" charset="0"/>
+              </a:defRPr>
+            </a:lvl2pPr>
+            <a:lvl3pPr eaLnBrk="0" fontAlgn="base" hangingPunct="0">
+              <a:spcBef>
+                <a:spcPct val="0"/>
+              </a:spcBef>
+              <a:spcAft>
+                <a:spcPct val="0"/>
+              </a:spcAft>
+              <a:tabLst>
+                <a:tab pos="1277938" algn="l"/>
+              </a:tabLst>
+              <a:defRPr>
+                <a:solidFill>
+                  <a:schemeClr val="tx1"/>
+                </a:solidFill>
+                <a:latin typeface="Arial" panose="020B0604020202020204" pitchFamily="34" charset="0"/>
+              </a:defRPr>
+            </a:lvl3pPr>
+            <a:lvl4pPr eaLnBrk="0" fontAlgn="base" hangingPunct="0">
+              <a:spcBef>
+                <a:spcPct val="0"/>
+              </a:spcBef>
+              <a:spcAft>
+                <a:spcPct val="0"/>
+              </a:spcAft>
+              <a:tabLst>
+                <a:tab pos="1277938" algn="l"/>
+              </a:tabLst>
+              <a:defRPr>
+                <a:solidFill>
+                  <a:schemeClr val="tx1"/>
+                </a:solidFill>
+                <a:latin typeface="Arial" panose="020B0604020202020204" pitchFamily="34" charset="0"/>
+              </a:defRPr>
+            </a:lvl4pPr>
+            <a:lvl5pPr eaLnBrk="0" fontAlgn="base" hangingPunct="0">
+              <a:spcBef>
+                <a:spcPct val="0"/>
+              </a:spcBef>
+              <a:spcAft>
+                <a:spcPct val="0"/>
+              </a:spcAft>
+              <a:tabLst>
+                <a:tab pos="1277938" algn="l"/>
+              </a:tabLst>
+              <a:defRPr>
+                <a:solidFill>
+                  <a:schemeClr val="tx1"/>
+                </a:solidFill>
+                <a:latin typeface="Arial" panose="020B0604020202020204" pitchFamily="34" charset="0"/>
+              </a:defRPr>
+            </a:lvl5pPr>
+            <a:lvl6pPr eaLnBrk="0" fontAlgn="base" hangingPunct="0">
+              <a:spcBef>
+                <a:spcPct val="0"/>
+              </a:spcBef>
+              <a:spcAft>
+                <a:spcPct val="0"/>
+              </a:spcAft>
+              <a:tabLst>
+                <a:tab pos="1277938" algn="l"/>
+              </a:tabLst>
+              <a:defRPr>
+                <a:solidFill>
+                  <a:schemeClr val="tx1"/>
+                </a:solidFill>
+                <a:latin typeface="Arial" panose="020B0604020202020204" pitchFamily="34" charset="0"/>
+              </a:defRPr>
+            </a:lvl6pPr>
+            <a:lvl7pPr eaLnBrk="0" fontAlgn="base" hangingPunct="0">
+              <a:spcBef>
+                <a:spcPct val="0"/>
+              </a:spcBef>
+              <a:spcAft>
+                <a:spcPct val="0"/>
+              </a:spcAft>
+              <a:tabLst>
+                <a:tab pos="1277938" algn="l"/>
+              </a:tabLst>
+              <a:defRPr>
+                <a:solidFill>
+                  <a:schemeClr val="tx1"/>
+                </a:solidFill>
+                <a:latin typeface="Arial" panose="020B0604020202020204" pitchFamily="34" charset="0"/>
+              </a:defRPr>
+            </a:lvl7pPr>
+            <a:lvl8pPr eaLnBrk="0" fontAlgn="base" hangingPunct="0">
+              <a:spcBef>
+                <a:spcPct val="0"/>
+              </a:spcBef>
+              <a:spcAft>
+                <a:spcPct val="0"/>
+              </a:spcAft>
+              <a:tabLst>
+                <a:tab pos="1277938" algn="l"/>
+              </a:tabLst>
+              <a:defRPr>
+                <a:solidFill>
+                  <a:schemeClr val="tx1"/>
+                </a:solidFill>
+                <a:latin typeface="Arial" panose="020B0604020202020204" pitchFamily="34" charset="0"/>
+              </a:defRPr>
+            </a:lvl8pPr>
+            <a:lvl9pPr eaLnBrk="0" fontAlgn="base" hangingPunct="0">
+              <a:spcBef>
+                <a:spcPct val="0"/>
+              </a:spcBef>
+              <a:spcAft>
+                <a:spcPct val="0"/>
+              </a:spcAft>
+              <a:tabLst>
+                <a:tab pos="1277938" algn="l"/>
+              </a:tabLst>
+              <a:defRPr>
+                <a:solidFill>
+                  <a:schemeClr val="tx1"/>
+                </a:solidFill>
+                <a:latin typeface="Arial" panose="020B0604020202020204" pitchFamily="34" charset="0"/>
+              </a:defRPr>
+            </a:lvl9pPr>
+          </a:lstStyle>
           <a:p>
-            <a:pPr algn="ctr"/>
+            <a:pPr marL="0" marR="0" lvl="0" indent="0" algn="ctr" defTabSz="914400" rtl="0" eaLnBrk="0" fontAlgn="base" latinLnBrk="0" hangingPunct="0">
+              <a:lnSpc>
+                <a:spcPct val="100000"/>
+              </a:lnSpc>
+              <a:spcBef>
+                <a:spcPct val="0"/>
+              </a:spcBef>
+              <a:spcAft>
+                <a:spcPct val="0"/>
+              </a:spcAft>
+              <a:buClrTx/>
+              <a:buSzTx/>
+              <a:buFontTx/>
+              <a:buNone/>
+              <a:tabLst>
+                <a:tab pos="1277938" algn="l"/>
+              </a:tabLst>
+            </a:pPr>
             <a:r>
-              <a:rPr lang="en-US" sz="1200" dirty="0">
-                <a:solidFill>
-                  <a:srgbClr val="FF0000"/>
-                </a:solidFill>
+              <a:rPr kumimoji="0" lang="en-US" altLang="en-DE" sz="1100" b="0" i="0" u="none" strike="noStrike" cap="none" normalizeH="0" baseline="0" dirty="0">
+                <a:ln>
+                  <a:noFill/>
+                </a:ln>
+                <a:solidFill>
+                  <a:srgbClr val="00B050"/>
+                </a:solidFill>
+                <a:effectLst/>
+                <a:latin typeface="Arial" panose="020B0604020202020204" pitchFamily="34" charset="0"/>
+                <a:ea typeface="Calibri" panose="020F0502020204030204" pitchFamily="34" charset="0"/>
+                <a:cs typeface="Times New Roman" panose="02020603050405020304" pitchFamily="18" charset="0"/>
               </a:rPr>
-              <a:t>10</a:t>
+              <a:t>ICMPv6 request Dest: 2001::1004</a:t>
             </a:r>
-            <a:endParaRPr lang="en-DE" sz="1200" dirty="0">
+            <a:endParaRPr kumimoji="0" lang="en-US" altLang="en-DE" sz="1600" b="0" i="0" u="none" strike="noStrike" cap="none" normalizeH="0" baseline="0" dirty="0">
+              <a:ln>
+                <a:noFill/>
+              </a:ln>
               <a:solidFill>
-                <a:srgbClr val="FF0000"/>
+                <a:srgbClr val="00B050"/>
               </a:solidFill>
+              <a:effectLst/>
+              <a:latin typeface="Arial" panose="020B0604020202020204" pitchFamily="34" charset="0"/>
             </a:endParaRPr>
           </a:p>
         </p:txBody>
       </p:sp>
       <p:sp>
         <p:nvSpPr>
-          <p:cNvPr id="126" name="Octagon 125">
+          <p:cNvPr id="59" name="Text Box 149">
             <a:extLst>
               <a:ext uri="{FF2B5EF4-FFF2-40B4-BE49-F238E27FC236}">
-                <a16:creationId xmlns:a16="http://schemas.microsoft.com/office/drawing/2014/main" id="{C113A153-A444-94BA-629B-737D9D6CA48A}"/>
+                <a16:creationId xmlns:a16="http://schemas.microsoft.com/office/drawing/2014/main" id="{2BC84AD9-3AA6-7D01-8919-549248D24FB1}"/>
               </a:ext>
             </a:extLst>
           </p:cNvPr>
-          <p:cNvSpPr/>
+          <p:cNvSpPr txBox="1">
+            <a:spLocks noChangeArrowheads="1"/>
+          </p:cNvSpPr>
           <p:nvPr/>
         </p:nvSpPr>
-        <p:spPr>
+        <p:spPr bwMode="auto">
           <a:xfrm>
-            <a:off x="7668869" y="4864154"/>
-            <a:ext cx="447173" cy="300285"/>
+            <a:off x="5347716" y="5344572"/>
+            <a:ext cx="2507517" cy="228479"/>
           </a:xfrm>
-          <a:prstGeom prst="octagon">
+          <a:prstGeom prst="rect">
             <a:avLst/>
           </a:prstGeom>
-          <a:noFill/>
+          <a:solidFill>
+            <a:schemeClr val="bg1"/>
+          </a:solidFill>
           <a:ln>
-            <a:solidFill>
-              <a:srgbClr val="FF0000"/>
-            </a:solidFill>
+            <a:noFill/>
           </a:ln>
         </p:spPr>
-        <p:style>
-          <a:lnRef idx="2">
-            <a:schemeClr val="accent1">
-              <a:shade val="50000"/>
-            </a:schemeClr>
-          </a:lnRef>
-          <a:fillRef idx="1">
-            <a:schemeClr val="accent1"/>
-          </a:fillRef>
-          <a:effectRef idx="0">
-            <a:schemeClr val="accent1"/>
-          </a:effectRef>
-          <a:fontRef idx="minor">
-            <a:schemeClr val="lt1"/>
-          </a:fontRef>
-        </p:style>
         <p:txBody>
-          <a:bodyPr rtlCol="0" anchor="ctr"/>
-          <a:lstStyle/>
+          <a:bodyPr vert="horz" wrap="square" lIns="91440" tIns="45720" rIns="91440" bIns="45720" numCol="1" anchor="t" anchorCtr="0" compatLnSpc="1">
+            <a:prstTxWarp prst="textNoShape">
+              <a:avLst/>
+            </a:prstTxWarp>
+          </a:bodyPr>
+          <a:lstStyle>
+            <a:lvl1pPr eaLnBrk="0" fontAlgn="base" hangingPunct="0">
+              <a:spcBef>
+                <a:spcPct val="0"/>
+              </a:spcBef>
+              <a:spcAft>
+                <a:spcPct val="0"/>
+              </a:spcAft>
+              <a:tabLst>
+                <a:tab pos="1277938" algn="l"/>
+              </a:tabLst>
+              <a:defRPr>
+                <a:solidFill>
+                  <a:schemeClr val="tx1"/>
+                </a:solidFill>
+                <a:latin typeface="Arial" panose="020B0604020202020204" pitchFamily="34" charset="0"/>
+              </a:defRPr>
+            </a:lvl1pPr>
+            <a:lvl2pPr eaLnBrk="0" fontAlgn="base" hangingPunct="0">
+              <a:spcBef>
+                <a:spcPct val="0"/>
+              </a:spcBef>
+              <a:spcAft>
+                <a:spcPct val="0"/>
+              </a:spcAft>
+              <a:tabLst>
+                <a:tab pos="1277938" algn="l"/>
+              </a:tabLst>
+              <a:defRPr>
+                <a:solidFill>
+                  <a:schemeClr val="tx1"/>
+                </a:solidFill>
+                <a:latin typeface="Arial" panose="020B0604020202020204" pitchFamily="34" charset="0"/>
+              </a:defRPr>
+            </a:lvl2pPr>
+            <a:lvl3pPr eaLnBrk="0" fontAlgn="base" hangingPunct="0">
+              <a:spcBef>
+                <a:spcPct val="0"/>
+              </a:spcBef>
+              <a:spcAft>
+                <a:spcPct val="0"/>
+              </a:spcAft>
+              <a:tabLst>
+                <a:tab pos="1277938" algn="l"/>
+              </a:tabLst>
+              <a:defRPr>
+                <a:solidFill>
+                  <a:schemeClr val="tx1"/>
+                </a:solidFill>
+                <a:latin typeface="Arial" panose="020B0604020202020204" pitchFamily="34" charset="0"/>
+              </a:defRPr>
+            </a:lvl3pPr>
+            <a:lvl4pPr eaLnBrk="0" fontAlgn="base" hangingPunct="0">
+              <a:spcBef>
+                <a:spcPct val="0"/>
+              </a:spcBef>
+              <a:spcAft>
+                <a:spcPct val="0"/>
+              </a:spcAft>
+              <a:tabLst>
+                <a:tab pos="1277938" algn="l"/>
+              </a:tabLst>
+              <a:defRPr>
+                <a:solidFill>
+                  <a:schemeClr val="tx1"/>
+                </a:solidFill>
+                <a:latin typeface="Arial" panose="020B0604020202020204" pitchFamily="34" charset="0"/>
+              </a:defRPr>
+            </a:lvl4pPr>
+            <a:lvl5pPr eaLnBrk="0" fontAlgn="base" hangingPunct="0">
+              <a:spcBef>
+                <a:spcPct val="0"/>
+              </a:spcBef>
+              <a:spcAft>
+                <a:spcPct val="0"/>
+              </a:spcAft>
+              <a:tabLst>
+                <a:tab pos="1277938" algn="l"/>
+              </a:tabLst>
+              <a:defRPr>
+                <a:solidFill>
+                  <a:schemeClr val="tx1"/>
+                </a:solidFill>
+                <a:latin typeface="Arial" panose="020B0604020202020204" pitchFamily="34" charset="0"/>
+              </a:defRPr>
+            </a:lvl5pPr>
+            <a:lvl6pPr eaLnBrk="0" fontAlgn="base" hangingPunct="0">
+              <a:spcBef>
+                <a:spcPct val="0"/>
+              </a:spcBef>
+              <a:spcAft>
+                <a:spcPct val="0"/>
+              </a:spcAft>
+              <a:tabLst>
+                <a:tab pos="1277938" algn="l"/>
+              </a:tabLst>
+              <a:defRPr>
+                <a:solidFill>
+                  <a:schemeClr val="tx1"/>
+                </a:solidFill>
+                <a:latin typeface="Arial" panose="020B0604020202020204" pitchFamily="34" charset="0"/>
+              </a:defRPr>
+            </a:lvl6pPr>
+            <a:lvl7pPr eaLnBrk="0" fontAlgn="base" hangingPunct="0">
+              <a:spcBef>
+                <a:spcPct val="0"/>
+              </a:spcBef>
+              <a:spcAft>
+                <a:spcPct val="0"/>
+              </a:spcAft>
+              <a:tabLst>
+                <a:tab pos="1277938" algn="l"/>
+              </a:tabLst>
+              <a:defRPr>
+                <a:solidFill>
+                  <a:schemeClr val="tx1"/>
+                </a:solidFill>
+                <a:latin typeface="Arial" panose="020B0604020202020204" pitchFamily="34" charset="0"/>
+              </a:defRPr>
+            </a:lvl7pPr>
+            <a:lvl8pPr eaLnBrk="0" fontAlgn="base" hangingPunct="0">
+              <a:spcBef>
+                <a:spcPct val="0"/>
+              </a:spcBef>
+              <a:spcAft>
+                <a:spcPct val="0"/>
+              </a:spcAft>
+              <a:tabLst>
+                <a:tab pos="1277938" algn="l"/>
+              </a:tabLst>
+              <a:defRPr>
+                <a:solidFill>
+                  <a:schemeClr val="tx1"/>
+                </a:solidFill>
+                <a:latin typeface="Arial" panose="020B0604020202020204" pitchFamily="34" charset="0"/>
+              </a:defRPr>
+            </a:lvl8pPr>
+            <a:lvl9pPr eaLnBrk="0" fontAlgn="base" hangingPunct="0">
+              <a:spcBef>
+                <a:spcPct val="0"/>
+              </a:spcBef>
+              <a:spcAft>
+                <a:spcPct val="0"/>
+              </a:spcAft>
+              <a:tabLst>
+                <a:tab pos="1277938" algn="l"/>
+              </a:tabLst>
+              <a:defRPr>
+                <a:solidFill>
+                  <a:schemeClr val="tx1"/>
+                </a:solidFill>
+                <a:latin typeface="Arial" panose="020B0604020202020204" pitchFamily="34" charset="0"/>
+              </a:defRPr>
+            </a:lvl9pPr>
+          </a:lstStyle>
           <a:p>
-            <a:pPr algn="ctr"/>
+            <a:pPr marL="0" marR="0" lvl="0" indent="0" algn="ctr" defTabSz="914400" rtl="0" eaLnBrk="0" fontAlgn="base" latinLnBrk="0" hangingPunct="0">
+              <a:lnSpc>
+                <a:spcPct val="100000"/>
+              </a:lnSpc>
+              <a:spcBef>
+                <a:spcPct val="0"/>
+              </a:spcBef>
+              <a:spcAft>
+                <a:spcPct val="0"/>
+              </a:spcAft>
+              <a:buClrTx/>
+              <a:buSzTx/>
+              <a:buFontTx/>
+              <a:buNone/>
+              <a:tabLst>
+                <a:tab pos="1277938" algn="l"/>
+              </a:tabLst>
+            </a:pPr>
             <a:r>
-              <a:rPr lang="en-US" sz="1200" dirty="0">
-                <a:solidFill>
-                  <a:srgbClr val="FF0000"/>
-                </a:solidFill>
+              <a:rPr kumimoji="0" lang="en-US" altLang="en-DE" sz="1100" b="0" i="0" u="none" strike="noStrike" cap="none" normalizeH="0" baseline="0" dirty="0">
+                <a:ln>
+                  <a:noFill/>
+                </a:ln>
+                <a:solidFill>
+                  <a:srgbClr val="00B050"/>
+                </a:solidFill>
+                <a:effectLst/>
+                <a:latin typeface="Arial" panose="020B0604020202020204" pitchFamily="34" charset="0"/>
+                <a:ea typeface="Calibri" panose="020F0502020204030204" pitchFamily="34" charset="0"/>
+                <a:cs typeface="Times New Roman" panose="02020603050405020304" pitchFamily="18" charset="0"/>
               </a:rPr>
-              <a:t>11</a:t>
+              <a:t>ICMPv6 reply Dest: 2001::1001</a:t>
             </a:r>
-            <a:endParaRPr lang="en-DE" sz="1200" dirty="0">
+            <a:endParaRPr kumimoji="0" lang="en-US" altLang="en-DE" sz="1600" b="0" i="0" u="none" strike="noStrike" cap="none" normalizeH="0" baseline="0" dirty="0">
+              <a:ln>
+                <a:noFill/>
+              </a:ln>
               <a:solidFill>
-                <a:srgbClr val="FF0000"/>
+                <a:srgbClr val="00B050"/>
               </a:solidFill>
+              <a:effectLst/>
+              <a:latin typeface="Arial" panose="020B0604020202020204" pitchFamily="34" charset="0"/>
             </a:endParaRPr>
           </a:p>
         </p:txBody>
       </p:sp>
       <p:sp>
         <p:nvSpPr>
-          <p:cNvPr id="127" name="Octagon 126">
+          <p:cNvPr id="73" name="TextBox 72">
             <a:extLst>
               <a:ext uri="{FF2B5EF4-FFF2-40B4-BE49-F238E27FC236}">
-                <a16:creationId xmlns:a16="http://schemas.microsoft.com/office/drawing/2014/main" id="{79D6A885-0EB1-F84E-66BC-67EFCEFA47A0}"/>
+                <a16:creationId xmlns:a16="http://schemas.microsoft.com/office/drawing/2014/main" id="{020E9387-08A7-2385-18D0-F603D2C9D463}"/>
               </a:ext>
             </a:extLst>
           </p:cNvPr>
-          <p:cNvSpPr/>
+          <p:cNvSpPr txBox="1"/>
           <p:nvPr/>
         </p:nvSpPr>
         <p:spPr>
           <a:xfrm>
-            <a:off x="3604702" y="5209423"/>
-            <a:ext cx="447173" cy="300285"/>
+            <a:off x="857054" y="4551225"/>
+            <a:ext cx="366288" cy="276999"/>
           </a:xfrm>
-          <a:prstGeom prst="octagon">
+          <a:prstGeom prst="rect">
             <a:avLst/>
           </a:prstGeom>
           <a:noFill/>
-          <a:ln>
-            <a:solidFill>
-              <a:srgbClr val="FF0000"/>
-            </a:solidFill>
-          </a:ln>
         </p:spPr>
-        <p:style>
-          <a:lnRef idx="2">
-            <a:schemeClr val="accent1">
-              <a:shade val="50000"/>
-            </a:schemeClr>
-          </a:lnRef>
-          <a:fillRef idx="1">
-            <a:schemeClr val="accent1"/>
-          </a:fillRef>
-          <a:effectRef idx="0">
-            <a:schemeClr val="accent1"/>
-          </a:effectRef>
-          <a:fontRef idx="minor">
-            <a:schemeClr val="lt1"/>
-          </a:fontRef>
-        </p:style>
         <p:txBody>
-          <a:bodyPr rtlCol="0" anchor="ctr"/>
+          <a:bodyPr wrap="square" rtlCol="0">
+            <a:spAutoFit/>
+          </a:bodyPr>
           <a:lstStyle/>
           <a:p>
-            <a:pPr algn="ctr"/>
             <a:r>
-              <a:rPr lang="en-US" sz="1200" dirty="0">
-                <a:solidFill>
-                  <a:srgbClr val="FF0000"/>
+              <a:rPr lang="en-US" sz="1200" b="1" dirty="0">
+                <a:solidFill>
+                  <a:srgbClr val="C00000"/>
                 </a:solidFill>
               </a:rPr>
-              <a:t>12</a:t>
+              <a:t>19</a:t>
             </a:r>
-            <a:endParaRPr lang="en-DE" sz="1200" dirty="0">
-              <a:solidFill>
-                <a:srgbClr val="FF0000"/>
-              </a:solidFill>
-            </a:endParaRPr>
           </a:p>
         </p:txBody>
       </p:sp>
       <p:sp>
         <p:nvSpPr>
-          <p:cNvPr id="128" name="Octagon 127">
+          <p:cNvPr id="74" name="TextBox 73">
             <a:extLst>
               <a:ext uri="{FF2B5EF4-FFF2-40B4-BE49-F238E27FC236}">
-                <a16:creationId xmlns:a16="http://schemas.microsoft.com/office/drawing/2014/main" id="{98D35BEC-BA52-001E-9211-B987E46456F7}"/>
+                <a16:creationId xmlns:a16="http://schemas.microsoft.com/office/drawing/2014/main" id="{1960F272-D88D-ABB8-FE17-04B140823119}"/>
               </a:ext>
             </a:extLst>
           </p:cNvPr>
-          <p:cNvSpPr/>
+          <p:cNvSpPr txBox="1"/>
           <p:nvPr/>
         </p:nvSpPr>
         <p:spPr>
           <a:xfrm>
-            <a:off x="3618382" y="5589270"/>
-            <a:ext cx="447173" cy="300285"/>
+            <a:off x="3033024" y="4828224"/>
+            <a:ext cx="366288" cy="276999"/>
           </a:xfrm>
-          <a:prstGeom prst="octagon">
+          <a:prstGeom prst="rect">
             <a:avLst/>
           </a:prstGeom>
           <a:noFill/>
-          <a:ln>
-            <a:solidFill>
-              <a:srgbClr val="FF0000"/>
-            </a:solidFill>
-          </a:ln>
         </p:spPr>
-        <p:style>
-          <a:lnRef idx="2">
-            <a:schemeClr val="accent1">
-              <a:shade val="50000"/>
-            </a:schemeClr>
-          </a:lnRef>
-          <a:fillRef idx="1">
-            <a:schemeClr val="accent1"/>
-          </a:fillRef>
-          <a:effectRef idx="0">
-            <a:schemeClr val="accent1"/>
-          </a:effectRef>
-          <a:fontRef idx="minor">
-            <a:schemeClr val="lt1"/>
-          </a:fontRef>
-        </p:style>
         <p:txBody>
-          <a:bodyPr rtlCol="0" anchor="ctr"/>
+          <a:bodyPr wrap="square" rtlCol="0">
+            <a:spAutoFit/>
+          </a:bodyPr>
           <a:lstStyle/>
           <a:p>
-            <a:pPr algn="ctr"/>
             <a:r>
-              <a:rPr lang="en-US" sz="1200" dirty="0">
-                <a:solidFill>
-                  <a:srgbClr val="FF0000"/>
+              <a:rPr lang="en-US" sz="1200" b="1" dirty="0">
+                <a:solidFill>
+                  <a:srgbClr val="C00000"/>
                 </a:solidFill>
               </a:rPr>
-              <a:t>13</a:t>
+              <a:t>20</a:t>
             </a:r>
-            <a:endParaRPr lang="en-DE" sz="1200" dirty="0">
-              <a:solidFill>
-                <a:srgbClr val="FF0000"/>
-              </a:solidFill>
-            </a:endParaRPr>
           </a:p>
         </p:txBody>
       </p:sp>
       <p:sp>
         <p:nvSpPr>
-          <p:cNvPr id="129" name="Octagon 128">
+          <p:cNvPr id="75" name="TextBox 74">
             <a:extLst>
               <a:ext uri="{FF2B5EF4-FFF2-40B4-BE49-F238E27FC236}">
-                <a16:creationId xmlns:a16="http://schemas.microsoft.com/office/drawing/2014/main" id="{6BE827CC-CF95-B852-15A3-167433190628}"/>
+                <a16:creationId xmlns:a16="http://schemas.microsoft.com/office/drawing/2014/main" id="{ABF46BB0-A868-CC02-1473-780FF508F7BB}"/>
               </a:ext>
             </a:extLst>
           </p:cNvPr>
-          <p:cNvSpPr/>
+          <p:cNvSpPr txBox="1"/>
           <p:nvPr/>
         </p:nvSpPr>
         <p:spPr>
           <a:xfrm>
-            <a:off x="1421126" y="6242035"/>
-            <a:ext cx="447173" cy="300285"/>
+            <a:off x="8963418" y="4972725"/>
+            <a:ext cx="366288" cy="276999"/>
           </a:xfrm>
-          <a:prstGeom prst="octagon">
+          <a:prstGeom prst="rect">
             <a:avLst/>
           </a:prstGeom>
           <a:noFill/>
-          <a:ln>
-            <a:solidFill>
-              <a:srgbClr val="FF0000"/>
-            </a:solidFill>
-          </a:ln>
         </p:spPr>
-        <p:style>
-          <a:lnRef idx="2">
-            <a:schemeClr val="accent1">
-              <a:shade val="50000"/>
-            </a:schemeClr>
-          </a:lnRef>
-          <a:fillRef idx="1">
-            <a:schemeClr val="accent1"/>
-          </a:fillRef>
-          <a:effectRef idx="0">
-            <a:schemeClr val="accent1"/>
-          </a:effectRef>
-          <a:fontRef idx="minor">
-            <a:schemeClr val="lt1"/>
-          </a:fontRef>
-        </p:style>
         <p:txBody>
-          <a:bodyPr rtlCol="0" anchor="ctr"/>
+          <a:bodyPr wrap="square" rtlCol="0">
+            <a:spAutoFit/>
+          </a:bodyPr>
           <a:lstStyle/>
           <a:p>
-            <a:pPr algn="ctr"/>
             <a:r>
-              <a:rPr lang="en-US" sz="1200" dirty="0">
-                <a:solidFill>
-                  <a:srgbClr val="FF0000"/>
+              <a:rPr lang="en-US" sz="1200" b="1" dirty="0">
+                <a:solidFill>
+                  <a:srgbClr val="C00000"/>
                 </a:solidFill>
               </a:rPr>
-              <a:t>14</a:t>
+              <a:t>21</a:t>
             </a:r>
-            <a:endParaRPr lang="en-DE" sz="1200" dirty="0">
-              <a:solidFill>
-                <a:srgbClr val="FF0000"/>
-              </a:solidFill>
-            </a:endParaRPr>
+          </a:p>
+        </p:txBody>
+      </p:sp>
+      <p:sp>
+        <p:nvSpPr>
+          <p:cNvPr id="76" name="TextBox 75">
+            <a:extLst>
+              <a:ext uri="{FF2B5EF4-FFF2-40B4-BE49-F238E27FC236}">
+                <a16:creationId xmlns:a16="http://schemas.microsoft.com/office/drawing/2014/main" id="{DE49B67E-73BF-C7E9-49C2-518B3E7FE414}"/>
+              </a:ext>
+            </a:extLst>
+          </p:cNvPr>
+          <p:cNvSpPr txBox="1"/>
+          <p:nvPr/>
+        </p:nvSpPr>
+        <p:spPr>
+          <a:xfrm>
+            <a:off x="11004827" y="5296052"/>
+            <a:ext cx="366288" cy="276999"/>
+          </a:xfrm>
+          <a:prstGeom prst="rect">
+            <a:avLst/>
+          </a:prstGeom>
+          <a:noFill/>
+        </p:spPr>
+        <p:txBody>
+          <a:bodyPr wrap="square" rtlCol="0">
+            <a:spAutoFit/>
+          </a:bodyPr>
+          <a:lstStyle/>
+          <a:p>
+            <a:r>
+              <a:rPr lang="en-US" sz="1200" b="1" dirty="0">
+                <a:solidFill>
+                  <a:srgbClr val="C00000"/>
+                </a:solidFill>
+              </a:rPr>
+              <a:t>22</a:t>
+            </a:r>
+          </a:p>
+        </p:txBody>
+      </p:sp>
+      <p:sp>
+        <p:nvSpPr>
+          <p:cNvPr id="77" name="TextBox 76">
+            <a:extLst>
+              <a:ext uri="{FF2B5EF4-FFF2-40B4-BE49-F238E27FC236}">
+                <a16:creationId xmlns:a16="http://schemas.microsoft.com/office/drawing/2014/main" id="{13F5AE11-E9B5-76BA-D878-6DD471754467}"/>
+              </a:ext>
+            </a:extLst>
+          </p:cNvPr>
+          <p:cNvSpPr txBox="1"/>
+          <p:nvPr/>
+        </p:nvSpPr>
+        <p:spPr>
+          <a:xfrm>
+            <a:off x="8745046" y="5530433"/>
+            <a:ext cx="366288" cy="276999"/>
+          </a:xfrm>
+          <a:prstGeom prst="rect">
+            <a:avLst/>
+          </a:prstGeom>
+          <a:noFill/>
+        </p:spPr>
+        <p:txBody>
+          <a:bodyPr wrap="square" rtlCol="0">
+            <a:spAutoFit/>
+          </a:bodyPr>
+          <a:lstStyle/>
+          <a:p>
+            <a:r>
+              <a:rPr lang="en-US" sz="1200" b="1" dirty="0">
+                <a:solidFill>
+                  <a:srgbClr val="C00000"/>
+                </a:solidFill>
+              </a:rPr>
+              <a:t>23</a:t>
+            </a:r>
+          </a:p>
+        </p:txBody>
+      </p:sp>
+      <p:sp>
+        <p:nvSpPr>
+          <p:cNvPr id="78" name="TextBox 77">
+            <a:extLst>
+              <a:ext uri="{FF2B5EF4-FFF2-40B4-BE49-F238E27FC236}">
+                <a16:creationId xmlns:a16="http://schemas.microsoft.com/office/drawing/2014/main" id="{11ED860E-DCE6-DFEF-8869-77E9A11F5EF4}"/>
+              </a:ext>
+            </a:extLst>
+          </p:cNvPr>
+          <p:cNvSpPr txBox="1"/>
+          <p:nvPr/>
+        </p:nvSpPr>
+        <p:spPr>
+          <a:xfrm>
+            <a:off x="2773906" y="5687073"/>
+            <a:ext cx="366288" cy="276999"/>
+          </a:xfrm>
+          <a:prstGeom prst="rect">
+            <a:avLst/>
+          </a:prstGeom>
+          <a:noFill/>
+        </p:spPr>
+        <p:txBody>
+          <a:bodyPr wrap="square" rtlCol="0">
+            <a:spAutoFit/>
+          </a:bodyPr>
+          <a:lstStyle/>
+          <a:p>
+            <a:r>
+              <a:rPr lang="en-US" sz="1200" b="1" dirty="0">
+                <a:solidFill>
+                  <a:srgbClr val="C00000"/>
+                </a:solidFill>
+              </a:rPr>
+              <a:t>24</a:t>
+            </a:r>
           </a:p>
         </p:txBody>
       </p:sp>
     </p:spTree>
     <p:extLst>
       <p:ext uri="{BB962C8B-B14F-4D97-AF65-F5344CB8AC3E}">
-        <p14:creationId xmlns:p14="http://schemas.microsoft.com/office/powerpoint/2010/main" val="3723777884"/>
+        <p14:creationId xmlns:p14="http://schemas.microsoft.com/office/powerpoint/2010/main" val="1613873169"/>
       </p:ext>
     </p:extLst>
   </p:cSld>
@@ -35286,7 +35999,7 @@
 </p:sld>
 </file>
 
-<file path=ppt/slides/slide5.xml><?xml version="1.0" encoding="utf-8"?>
+<file path=ppt/slides/slide6.xml><?xml version="1.0" encoding="utf-8"?>
 <p:sld xmlns:a="http://schemas.openxmlformats.org/drawingml/2006/main" xmlns:r="http://schemas.openxmlformats.org/officeDocument/2006/relationships" xmlns:p="http://schemas.openxmlformats.org/presentationml/2006/main">
   <p:cSld>
     <p:spTree>
@@ -38010,7 +38723,7 @@
 </p:sld>
 </file>
 
-<file path=ppt/slides/slide6.xml><?xml version="1.0" encoding="utf-8"?>
+<file path=ppt/slides/slide7.xml><?xml version="1.0" encoding="utf-8"?>
 <p:sld xmlns:a="http://schemas.openxmlformats.org/drawingml/2006/main" xmlns:r="http://schemas.openxmlformats.org/officeDocument/2006/relationships" xmlns:p="http://schemas.openxmlformats.org/presentationml/2006/main">
   <p:cSld>
     <p:spTree>
@@ -38070,7 +38783,7 @@
 </p:sld>
 </file>
 
-<file path=ppt/slides/slide7.xml><?xml version="1.0" encoding="utf-8"?>
+<file path=ppt/slides/slide8.xml><?xml version="1.0" encoding="utf-8"?>
 <p:sld xmlns:a="http://schemas.openxmlformats.org/drawingml/2006/main" xmlns:r="http://schemas.openxmlformats.org/officeDocument/2006/relationships" xmlns:p="http://schemas.openxmlformats.org/presentationml/2006/main">
   <p:cSld>
     <p:spTree>
@@ -38268,7 +38981,7 @@
 </p:sld>
 </file>
 
-<file path=ppt/slides/slide8.xml><?xml version="1.0" encoding="utf-8"?>
+<file path=ppt/slides/slide9.xml><?xml version="1.0" encoding="utf-8"?>
 <p:sld xmlns:a="http://schemas.openxmlformats.org/drawingml/2006/main" xmlns:r="http://schemas.openxmlformats.org/officeDocument/2006/relationships" xmlns:p="http://schemas.openxmlformats.org/presentationml/2006/main">
   <p:cSld>
     <p:spTree>
@@ -39372,601 +40085,6 @@
     <p:extLst>
       <p:ext uri="{BB962C8B-B14F-4D97-AF65-F5344CB8AC3E}">
         <p14:creationId xmlns:p14="http://schemas.microsoft.com/office/powerpoint/2010/main" val="3322915202"/>
-      </p:ext>
-    </p:extLst>
-  </p:cSld>
-  <p:clrMapOvr>
-    <a:masterClrMapping/>
-  </p:clrMapOvr>
-</p:sld>
-</file>
-
-<file path=ppt/slides/slide9.xml><?xml version="1.0" encoding="utf-8"?>
-<p:sld xmlns:a="http://schemas.openxmlformats.org/drawingml/2006/main" xmlns:r="http://schemas.openxmlformats.org/officeDocument/2006/relationships" xmlns:p="http://schemas.openxmlformats.org/presentationml/2006/main">
-  <p:cSld>
-    <p:spTree>
-      <p:nvGrpSpPr>
-        <p:cNvPr id="1" name=""/>
-        <p:cNvGrpSpPr/>
-        <p:nvPr/>
-      </p:nvGrpSpPr>
-      <p:grpSpPr>
-        <a:xfrm>
-          <a:off x="0" y="0"/>
-          <a:ext cx="0" cy="0"/>
-          <a:chOff x="0" y="0"/>
-          <a:chExt cx="0" cy="0"/>
-        </a:xfrm>
-      </p:grpSpPr>
-      <p:pic>
-        <p:nvPicPr>
-          <p:cNvPr id="7" name="Picture 6">
-            <a:extLst>
-              <a:ext uri="{FF2B5EF4-FFF2-40B4-BE49-F238E27FC236}">
-                <a16:creationId xmlns:a16="http://schemas.microsoft.com/office/drawing/2014/main" id="{5F906E03-438E-DE7C-59A4-F3E307AB45C0}"/>
-              </a:ext>
-            </a:extLst>
-          </p:cNvPr>
-          <p:cNvPicPr>
-            <a:picLocks noChangeAspect="1"/>
-          </p:cNvPicPr>
-          <p:nvPr/>
-        </p:nvPicPr>
-        <p:blipFill rotWithShape="1">
-          <a:blip r:embed="rId2"/>
-          <a:srcRect l="455" t="10843" r="531"/>
-          <a:stretch/>
-        </p:blipFill>
-        <p:spPr>
-          <a:xfrm>
-            <a:off x="1902467" y="395577"/>
-            <a:ext cx="8457014" cy="6066845"/>
-          </a:xfrm>
-          <a:prstGeom prst="rect">
-            <a:avLst/>
-          </a:prstGeom>
-        </p:spPr>
-      </p:pic>
-      <p:cxnSp>
-        <p:nvCxnSpPr>
-          <p:cNvPr id="11" name="Straight Arrow Connector 10">
-            <a:extLst>
-              <a:ext uri="{FF2B5EF4-FFF2-40B4-BE49-F238E27FC236}">
-                <a16:creationId xmlns:a16="http://schemas.microsoft.com/office/drawing/2014/main" id="{A4E70A34-6008-5F14-6413-20EDA39DF933}"/>
-              </a:ext>
-            </a:extLst>
-          </p:cNvPr>
-          <p:cNvCxnSpPr/>
-          <p:nvPr/>
-        </p:nvCxnSpPr>
-        <p:spPr>
-          <a:xfrm flipH="1" flipV="1">
-            <a:off x="3220278" y="1630017"/>
-            <a:ext cx="604299" cy="644056"/>
-          </a:xfrm>
-          <a:prstGeom prst="straightConnector1">
-            <a:avLst/>
-          </a:prstGeom>
-          <a:ln w="12700">
-            <a:solidFill>
-              <a:srgbClr val="FF0000"/>
-            </a:solidFill>
-            <a:tailEnd type="triangle"/>
-          </a:ln>
-        </p:spPr>
-        <p:style>
-          <a:lnRef idx="1">
-            <a:schemeClr val="accent1"/>
-          </a:lnRef>
-          <a:fillRef idx="0">
-            <a:schemeClr val="accent1"/>
-          </a:fillRef>
-          <a:effectRef idx="0">
-            <a:schemeClr val="accent1"/>
-          </a:effectRef>
-          <a:fontRef idx="minor">
-            <a:schemeClr val="tx1"/>
-          </a:fontRef>
-        </p:style>
-      </p:cxnSp>
-      <p:cxnSp>
-        <p:nvCxnSpPr>
-          <p:cNvPr id="17" name="Straight Arrow Connector 16">
-            <a:extLst>
-              <a:ext uri="{FF2B5EF4-FFF2-40B4-BE49-F238E27FC236}">
-                <a16:creationId xmlns:a16="http://schemas.microsoft.com/office/drawing/2014/main" id="{933EB422-D3E8-0F71-7717-416CBD626E53}"/>
-              </a:ext>
-            </a:extLst>
-          </p:cNvPr>
-          <p:cNvCxnSpPr>
-            <a:cxnSpLocks/>
-          </p:cNvCxnSpPr>
-          <p:nvPr/>
-        </p:nvCxnSpPr>
-        <p:spPr>
-          <a:xfrm flipV="1">
-            <a:off x="5793850" y="629478"/>
-            <a:ext cx="0" cy="817659"/>
-          </a:xfrm>
-          <a:prstGeom prst="straightConnector1">
-            <a:avLst/>
-          </a:prstGeom>
-          <a:ln w="12700">
-            <a:solidFill>
-              <a:srgbClr val="FF0000"/>
-            </a:solidFill>
-            <a:tailEnd type="triangle"/>
-          </a:ln>
-        </p:spPr>
-        <p:style>
-          <a:lnRef idx="1">
-            <a:schemeClr val="accent1"/>
-          </a:lnRef>
-          <a:fillRef idx="0">
-            <a:schemeClr val="accent1"/>
-          </a:fillRef>
-          <a:effectRef idx="0">
-            <a:schemeClr val="accent1"/>
-          </a:effectRef>
-          <a:fontRef idx="minor">
-            <a:schemeClr val="tx1"/>
-          </a:fontRef>
-        </p:style>
-      </p:cxnSp>
-      <p:cxnSp>
-        <p:nvCxnSpPr>
-          <p:cNvPr id="19" name="Straight Arrow Connector 18">
-            <a:extLst>
-              <a:ext uri="{FF2B5EF4-FFF2-40B4-BE49-F238E27FC236}">
-                <a16:creationId xmlns:a16="http://schemas.microsoft.com/office/drawing/2014/main" id="{EA0D4BCD-881D-3051-7A5C-1CCFE88FDD92}"/>
-              </a:ext>
-            </a:extLst>
-          </p:cNvPr>
-          <p:cNvCxnSpPr>
-            <a:cxnSpLocks/>
-          </p:cNvCxnSpPr>
-          <p:nvPr/>
-        </p:nvCxnSpPr>
-        <p:spPr>
-          <a:xfrm flipV="1">
-            <a:off x="7404782" y="2369489"/>
-            <a:ext cx="824818" cy="640078"/>
-          </a:xfrm>
-          <a:prstGeom prst="straightConnector1">
-            <a:avLst/>
-          </a:prstGeom>
-          <a:ln w="12700">
-            <a:solidFill>
-              <a:srgbClr val="FF0000"/>
-            </a:solidFill>
-            <a:tailEnd type="triangle"/>
-          </a:ln>
-        </p:spPr>
-        <p:style>
-          <a:lnRef idx="1">
-            <a:schemeClr val="accent1"/>
-          </a:lnRef>
-          <a:fillRef idx="0">
-            <a:schemeClr val="accent1"/>
-          </a:fillRef>
-          <a:effectRef idx="0">
-            <a:schemeClr val="accent1"/>
-          </a:effectRef>
-          <a:fontRef idx="minor">
-            <a:schemeClr val="tx1"/>
-          </a:fontRef>
-        </p:style>
-      </p:cxnSp>
-      <p:cxnSp>
-        <p:nvCxnSpPr>
-          <p:cNvPr id="21" name="Straight Arrow Connector 20">
-            <a:extLst>
-              <a:ext uri="{FF2B5EF4-FFF2-40B4-BE49-F238E27FC236}">
-                <a16:creationId xmlns:a16="http://schemas.microsoft.com/office/drawing/2014/main" id="{EA81539F-4BBF-1663-6FAE-FAC0EA926A78}"/>
-              </a:ext>
-            </a:extLst>
-          </p:cNvPr>
-          <p:cNvCxnSpPr>
-            <a:cxnSpLocks/>
-          </p:cNvCxnSpPr>
-          <p:nvPr/>
-        </p:nvCxnSpPr>
-        <p:spPr>
-          <a:xfrm flipH="1">
-            <a:off x="3929270" y="5255812"/>
-            <a:ext cx="690438" cy="430696"/>
-          </a:xfrm>
-          <a:prstGeom prst="straightConnector1">
-            <a:avLst/>
-          </a:prstGeom>
-          <a:ln w="12700">
-            <a:solidFill>
-              <a:srgbClr val="FF0000"/>
-            </a:solidFill>
-            <a:tailEnd type="triangle"/>
-          </a:ln>
-        </p:spPr>
-        <p:style>
-          <a:lnRef idx="1">
-            <a:schemeClr val="accent1"/>
-          </a:lnRef>
-          <a:fillRef idx="0">
-            <a:schemeClr val="accent1"/>
-          </a:fillRef>
-          <a:effectRef idx="0">
-            <a:schemeClr val="accent1"/>
-          </a:effectRef>
-          <a:fontRef idx="minor">
-            <a:schemeClr val="tx1"/>
-          </a:fontRef>
-        </p:style>
-      </p:cxnSp>
-      <p:cxnSp>
-        <p:nvCxnSpPr>
-          <p:cNvPr id="23" name="Straight Arrow Connector 22">
-            <a:extLst>
-              <a:ext uri="{FF2B5EF4-FFF2-40B4-BE49-F238E27FC236}">
-                <a16:creationId xmlns:a16="http://schemas.microsoft.com/office/drawing/2014/main" id="{D934C1F0-0599-9588-BF1F-75FBF59D6462}"/>
-              </a:ext>
-            </a:extLst>
-          </p:cNvPr>
-          <p:cNvCxnSpPr>
-            <a:cxnSpLocks/>
-          </p:cNvCxnSpPr>
-          <p:nvPr/>
-        </p:nvCxnSpPr>
-        <p:spPr>
-          <a:xfrm flipH="1" flipV="1">
-            <a:off x="2044810" y="716279"/>
-            <a:ext cx="690972" cy="2192573"/>
-          </a:xfrm>
-          <a:prstGeom prst="straightConnector1">
-            <a:avLst/>
-          </a:prstGeom>
-          <a:ln w="12700">
-            <a:solidFill>
-              <a:srgbClr val="FF0000"/>
-            </a:solidFill>
-            <a:tailEnd type="triangle"/>
-          </a:ln>
-        </p:spPr>
-        <p:style>
-          <a:lnRef idx="1">
-            <a:schemeClr val="accent1"/>
-          </a:lnRef>
-          <a:fillRef idx="0">
-            <a:schemeClr val="accent1"/>
-          </a:fillRef>
-          <a:effectRef idx="0">
-            <a:schemeClr val="accent1"/>
-          </a:effectRef>
-          <a:fontRef idx="minor">
-            <a:schemeClr val="tx1"/>
-          </a:fontRef>
-        </p:style>
-      </p:cxnSp>
-      <p:cxnSp>
-        <p:nvCxnSpPr>
-          <p:cNvPr id="25" name="Straight Arrow Connector 24">
-            <a:extLst>
-              <a:ext uri="{FF2B5EF4-FFF2-40B4-BE49-F238E27FC236}">
-                <a16:creationId xmlns:a16="http://schemas.microsoft.com/office/drawing/2014/main" id="{EB0F5594-6AEA-6052-A82D-9DD0A6DC2EBA}"/>
-              </a:ext>
-            </a:extLst>
-          </p:cNvPr>
-          <p:cNvCxnSpPr>
-            <a:cxnSpLocks/>
-          </p:cNvCxnSpPr>
-          <p:nvPr/>
-        </p:nvCxnSpPr>
-        <p:spPr>
-          <a:xfrm flipV="1">
-            <a:off x="9485906" y="629478"/>
-            <a:ext cx="571970" cy="3338223"/>
-          </a:xfrm>
-          <a:prstGeom prst="straightConnector1">
-            <a:avLst/>
-          </a:prstGeom>
-          <a:ln w="12700">
-            <a:solidFill>
-              <a:srgbClr val="FF0000"/>
-            </a:solidFill>
-            <a:tailEnd type="triangle"/>
-          </a:ln>
-        </p:spPr>
-        <p:style>
-          <a:lnRef idx="1">
-            <a:schemeClr val="accent1"/>
-          </a:lnRef>
-          <a:fillRef idx="0">
-            <a:schemeClr val="accent1"/>
-          </a:fillRef>
-          <a:effectRef idx="0">
-            <a:schemeClr val="accent1"/>
-          </a:effectRef>
-          <a:fontRef idx="minor">
-            <a:schemeClr val="tx1"/>
-          </a:fontRef>
-        </p:style>
-      </p:cxnSp>
-      <p:sp>
-        <p:nvSpPr>
-          <p:cNvPr id="27" name="TextBox 26">
-            <a:extLst>
-              <a:ext uri="{FF2B5EF4-FFF2-40B4-BE49-F238E27FC236}">
-                <a16:creationId xmlns:a16="http://schemas.microsoft.com/office/drawing/2014/main" id="{07519777-3303-DA67-0FBA-0ED5ABFD15DE}"/>
-              </a:ext>
-            </a:extLst>
-          </p:cNvPr>
-          <p:cNvSpPr txBox="1"/>
-          <p:nvPr/>
-        </p:nvSpPr>
-        <p:spPr>
-          <a:xfrm>
-            <a:off x="5221097" y="1447137"/>
-            <a:ext cx="1145506" cy="369332"/>
-          </a:xfrm>
-          <a:prstGeom prst="rect">
-            <a:avLst/>
-          </a:prstGeom>
-          <a:noFill/>
-        </p:spPr>
-        <p:txBody>
-          <a:bodyPr wrap="none" rtlCol="0">
-            <a:spAutoFit/>
-          </a:bodyPr>
-          <a:lstStyle/>
-          <a:p>
-            <a:r>
-              <a:rPr lang="en-US" b="1" dirty="0">
-                <a:solidFill>
-                  <a:srgbClr val="FF0000"/>
-                </a:solidFill>
-              </a:rPr>
-              <a:t>Masthead</a:t>
-            </a:r>
-            <a:endParaRPr lang="en-DE" b="1" dirty="0">
-              <a:solidFill>
-                <a:srgbClr val="FF0000"/>
-              </a:solidFill>
-            </a:endParaRPr>
-          </a:p>
-        </p:txBody>
-      </p:sp>
-      <p:sp>
-        <p:nvSpPr>
-          <p:cNvPr id="29" name="TextBox 28">
-            <a:extLst>
-              <a:ext uri="{FF2B5EF4-FFF2-40B4-BE49-F238E27FC236}">
-                <a16:creationId xmlns:a16="http://schemas.microsoft.com/office/drawing/2014/main" id="{B9E2F8A7-B2B4-9F96-20B2-024896EE3069}"/>
-              </a:ext>
-            </a:extLst>
-          </p:cNvPr>
-          <p:cNvSpPr txBox="1"/>
-          <p:nvPr/>
-        </p:nvSpPr>
-        <p:spPr>
-          <a:xfrm>
-            <a:off x="3524426" y="2264796"/>
-            <a:ext cx="2622577" cy="369332"/>
-          </a:xfrm>
-          <a:prstGeom prst="rect">
-            <a:avLst/>
-          </a:prstGeom>
-          <a:noFill/>
-        </p:spPr>
-        <p:txBody>
-          <a:bodyPr wrap="none" rtlCol="0">
-            <a:spAutoFit/>
-          </a:bodyPr>
-          <a:lstStyle/>
-          <a:p>
-            <a:r>
-              <a:rPr lang="en-US" b="1" dirty="0">
-                <a:solidFill>
-                  <a:srgbClr val="FF0000"/>
-                </a:solidFill>
-              </a:rPr>
-              <a:t>ONOS Cluster Node Panel</a:t>
-            </a:r>
-            <a:endParaRPr lang="en-DE" b="1" dirty="0">
-              <a:solidFill>
-                <a:srgbClr val="FF0000"/>
-              </a:solidFill>
-            </a:endParaRPr>
-          </a:p>
-        </p:txBody>
-      </p:sp>
-      <p:sp>
-        <p:nvSpPr>
-          <p:cNvPr id="31" name="TextBox 30">
-            <a:extLst>
-              <a:ext uri="{FF2B5EF4-FFF2-40B4-BE49-F238E27FC236}">
-                <a16:creationId xmlns:a16="http://schemas.microsoft.com/office/drawing/2014/main" id="{9C278016-A8C3-7585-2CC9-6B059AEF3BF4}"/>
-              </a:ext>
-            </a:extLst>
-          </p:cNvPr>
-          <p:cNvSpPr txBox="1"/>
-          <p:nvPr/>
-        </p:nvSpPr>
-        <p:spPr>
-          <a:xfrm>
-            <a:off x="3920144" y="4886480"/>
-            <a:ext cx="1815112" cy="369332"/>
-          </a:xfrm>
-          <a:prstGeom prst="rect">
-            <a:avLst/>
-          </a:prstGeom>
-          <a:noFill/>
-        </p:spPr>
-        <p:txBody>
-          <a:bodyPr wrap="none" rtlCol="0">
-            <a:spAutoFit/>
-          </a:bodyPr>
-          <a:lstStyle/>
-          <a:p>
-            <a:r>
-              <a:rPr lang="en-US" b="1" dirty="0">
-                <a:solidFill>
-                  <a:srgbClr val="FF0000"/>
-                </a:solidFill>
-              </a:rPr>
-              <a:t>Topology Toolbar</a:t>
-            </a:r>
-            <a:endParaRPr lang="en-DE" b="1" dirty="0">
-              <a:solidFill>
-                <a:srgbClr val="FF0000"/>
-              </a:solidFill>
-            </a:endParaRPr>
-          </a:p>
-        </p:txBody>
-      </p:sp>
-      <p:sp>
-        <p:nvSpPr>
-          <p:cNvPr id="33" name="TextBox 32">
-            <a:extLst>
-              <a:ext uri="{FF2B5EF4-FFF2-40B4-BE49-F238E27FC236}">
-                <a16:creationId xmlns:a16="http://schemas.microsoft.com/office/drawing/2014/main" id="{AC56668E-5FF0-07B0-CEE6-2E3E1AC47790}"/>
-              </a:ext>
-            </a:extLst>
-          </p:cNvPr>
-          <p:cNvSpPr txBox="1"/>
-          <p:nvPr/>
-        </p:nvSpPr>
-        <p:spPr>
-          <a:xfrm>
-            <a:off x="6247847" y="3009567"/>
-            <a:ext cx="1678408" cy="369332"/>
-          </a:xfrm>
-          <a:prstGeom prst="rect">
-            <a:avLst/>
-          </a:prstGeom>
-          <a:noFill/>
-        </p:spPr>
-        <p:txBody>
-          <a:bodyPr wrap="none" rtlCol="0">
-            <a:spAutoFit/>
-          </a:bodyPr>
-          <a:lstStyle/>
-          <a:p>
-            <a:r>
-              <a:rPr lang="en-US" b="1" dirty="0">
-                <a:solidFill>
-                  <a:srgbClr val="FF0000"/>
-                </a:solidFill>
-              </a:rPr>
-              <a:t>Summary Panel</a:t>
-            </a:r>
-            <a:endParaRPr lang="en-DE" b="1" dirty="0">
-              <a:solidFill>
-                <a:srgbClr val="FF0000"/>
-              </a:solidFill>
-            </a:endParaRPr>
-          </a:p>
-        </p:txBody>
-      </p:sp>
-      <p:sp>
-        <p:nvSpPr>
-          <p:cNvPr id="37" name="TextBox 36">
-            <a:extLst>
-              <a:ext uri="{FF2B5EF4-FFF2-40B4-BE49-F238E27FC236}">
-                <a16:creationId xmlns:a16="http://schemas.microsoft.com/office/drawing/2014/main" id="{BFED3F50-12AD-084B-E03D-B7433198DDAE}"/>
-              </a:ext>
-            </a:extLst>
-          </p:cNvPr>
-          <p:cNvSpPr txBox="1"/>
-          <p:nvPr/>
-        </p:nvSpPr>
-        <p:spPr>
-          <a:xfrm>
-            <a:off x="2006457" y="2908852"/>
-            <a:ext cx="2538002" cy="369332"/>
-          </a:xfrm>
-          <a:prstGeom prst="rect">
-            <a:avLst/>
-          </a:prstGeom>
-          <a:noFill/>
-        </p:spPr>
-        <p:txBody>
-          <a:bodyPr wrap="none" rtlCol="0">
-            <a:spAutoFit/>
-          </a:bodyPr>
-          <a:lstStyle/>
-          <a:p>
-            <a:r>
-              <a:rPr lang="en-US" b="1" dirty="0">
-                <a:solidFill>
-                  <a:srgbClr val="FF0000"/>
-                </a:solidFill>
-              </a:rPr>
-              <a:t>Navigation Menu Button</a:t>
-            </a:r>
-            <a:endParaRPr lang="en-DE" b="1" dirty="0">
-              <a:solidFill>
-                <a:srgbClr val="FF0000"/>
-              </a:solidFill>
-            </a:endParaRPr>
-          </a:p>
-        </p:txBody>
-      </p:sp>
-      <p:sp>
-        <p:nvSpPr>
-          <p:cNvPr id="40" name="TextBox 39">
-            <a:extLst>
-              <a:ext uri="{FF2B5EF4-FFF2-40B4-BE49-F238E27FC236}">
-                <a16:creationId xmlns:a16="http://schemas.microsoft.com/office/drawing/2014/main" id="{0C8239DD-036D-1FD0-9D99-04D47331E3B1}"/>
-              </a:ext>
-            </a:extLst>
-          </p:cNvPr>
-          <p:cNvSpPr txBox="1"/>
-          <p:nvPr/>
-        </p:nvSpPr>
-        <p:spPr>
-          <a:xfrm>
-            <a:off x="8615053" y="3967701"/>
-            <a:ext cx="1263487" cy="646331"/>
-          </a:xfrm>
-          <a:prstGeom prst="rect">
-            <a:avLst/>
-          </a:prstGeom>
-          <a:noFill/>
-        </p:spPr>
-        <p:txBody>
-          <a:bodyPr wrap="none" rtlCol="0">
-            <a:spAutoFit/>
-          </a:bodyPr>
-          <a:lstStyle/>
-          <a:p>
-            <a:r>
-              <a:rPr lang="en-US" b="1" dirty="0">
-                <a:solidFill>
-                  <a:srgbClr val="FF0000"/>
-                </a:solidFill>
-              </a:rPr>
-              <a:t>Username/</a:t>
-            </a:r>
-          </a:p>
-          <a:p>
-            <a:r>
-              <a:rPr lang="en-US" b="1" dirty="0">
-                <a:solidFill>
-                  <a:srgbClr val="FF0000"/>
-                </a:solidFill>
-              </a:rPr>
-              <a:t>Logout link</a:t>
-            </a:r>
-            <a:endParaRPr lang="en-DE" b="1" dirty="0">
-              <a:solidFill>
-                <a:srgbClr val="FF0000"/>
-              </a:solidFill>
-            </a:endParaRPr>
-          </a:p>
-        </p:txBody>
-      </p:sp>
-    </p:spTree>
-    <p:extLst>
-      <p:ext uri="{BB962C8B-B14F-4D97-AF65-F5344CB8AC3E}">
-        <p14:creationId xmlns:p14="http://schemas.microsoft.com/office/powerpoint/2010/main" val="1952688431"/>
       </p:ext>
     </p:extLst>
   </p:cSld>

--- a/Content/Diagrams.pptx
+++ b/Content/Diagrams.pptx
@@ -5,25 +5,26 @@
     <p:sldMasterId id="2147483648" r:id="rId1"/>
   </p:sldMasterIdLst>
   <p:notesMasterIdLst>
-    <p:notesMasterId r:id="rId13"/>
+    <p:notesMasterId r:id="rId14"/>
   </p:notesMasterIdLst>
   <p:sldIdLst>
     <p:sldId id="256" r:id="rId2"/>
-    <p:sldId id="267" r:id="rId3"/>
-    <p:sldId id="265" r:id="rId4"/>
-    <p:sldId id="264" r:id="rId5"/>
-    <p:sldId id="266" r:id="rId6"/>
-    <p:sldId id="263" r:id="rId7"/>
-    <p:sldId id="261" r:id="rId8"/>
-    <p:sldId id="260" r:id="rId9"/>
-    <p:sldId id="259" r:id="rId10"/>
-    <p:sldId id="258" r:id="rId11"/>
-    <p:sldId id="257" r:id="rId12"/>
+    <p:sldId id="268" r:id="rId3"/>
+    <p:sldId id="267" r:id="rId4"/>
+    <p:sldId id="265" r:id="rId5"/>
+    <p:sldId id="264" r:id="rId6"/>
+    <p:sldId id="266" r:id="rId7"/>
+    <p:sldId id="263" r:id="rId8"/>
+    <p:sldId id="261" r:id="rId9"/>
+    <p:sldId id="260" r:id="rId10"/>
+    <p:sldId id="259" r:id="rId11"/>
+    <p:sldId id="258" r:id="rId12"/>
+    <p:sldId id="257" r:id="rId13"/>
   </p:sldIdLst>
   <p:sldSz cx="12192000" cy="6858000"/>
   <p:notesSz cx="6858000" cy="9144000"/>
   <p:custDataLst>
-    <p:tags r:id="rId14"/>
+    <p:tags r:id="rId15"/>
   </p:custDataLst>
   <p:defaultTextStyle>
     <a:defPPr>
@@ -221,7 +222,7 @@
           <a:p>
             <a:fld id="{F2DD37F5-048F-4840-9C6A-E88D052B6663}" type="datetimeFigureOut">
               <a:rPr lang="en-US" smtClean="0"/>
-              <a:t>9/18/2022</a:t>
+              <a:t>9/21/2022</a:t>
             </a:fld>
             <a:endParaRPr lang="en-US"/>
           </a:p>
@@ -635,7 +636,7 @@
           <a:p>
             <a:fld id="{BCCA07F9-06C3-4C90-A7AE-61AB97B15816}" type="datetimeFigureOut">
               <a:rPr lang="en-US" smtClean="0"/>
-              <a:t>9/18/2022</a:t>
+              <a:t>9/21/2022</a:t>
             </a:fld>
             <a:endParaRPr lang="en-US"/>
           </a:p>
@@ -833,7 +834,7 @@
           <a:p>
             <a:fld id="{BCCA07F9-06C3-4C90-A7AE-61AB97B15816}" type="datetimeFigureOut">
               <a:rPr lang="en-US" smtClean="0"/>
-              <a:t>9/18/2022</a:t>
+              <a:t>9/21/2022</a:t>
             </a:fld>
             <a:endParaRPr lang="en-US"/>
           </a:p>
@@ -1041,7 +1042,7 @@
           <a:p>
             <a:fld id="{BCCA07F9-06C3-4C90-A7AE-61AB97B15816}" type="datetimeFigureOut">
               <a:rPr lang="en-US" smtClean="0"/>
-              <a:t>9/18/2022</a:t>
+              <a:t>9/21/2022</a:t>
             </a:fld>
             <a:endParaRPr lang="en-US"/>
           </a:p>
@@ -1239,7 +1240,7 @@
           <a:p>
             <a:fld id="{BCCA07F9-06C3-4C90-A7AE-61AB97B15816}" type="datetimeFigureOut">
               <a:rPr lang="en-US" smtClean="0"/>
-              <a:t>9/18/2022</a:t>
+              <a:t>9/21/2022</a:t>
             </a:fld>
             <a:endParaRPr lang="en-US"/>
           </a:p>
@@ -1514,7 +1515,7 @@
           <a:p>
             <a:fld id="{BCCA07F9-06C3-4C90-A7AE-61AB97B15816}" type="datetimeFigureOut">
               <a:rPr lang="en-US" smtClean="0"/>
-              <a:t>9/18/2022</a:t>
+              <a:t>9/21/2022</a:t>
             </a:fld>
             <a:endParaRPr lang="en-US"/>
           </a:p>
@@ -1779,7 +1780,7 @@
           <a:p>
             <a:fld id="{BCCA07F9-06C3-4C90-A7AE-61AB97B15816}" type="datetimeFigureOut">
               <a:rPr lang="en-US" smtClean="0"/>
-              <a:t>9/18/2022</a:t>
+              <a:t>9/21/2022</a:t>
             </a:fld>
             <a:endParaRPr lang="en-US"/>
           </a:p>
@@ -2191,7 +2192,7 @@
           <a:p>
             <a:fld id="{BCCA07F9-06C3-4C90-A7AE-61AB97B15816}" type="datetimeFigureOut">
               <a:rPr lang="en-US" smtClean="0"/>
-              <a:t>9/18/2022</a:t>
+              <a:t>9/21/2022</a:t>
             </a:fld>
             <a:endParaRPr lang="en-US"/>
           </a:p>
@@ -2332,7 +2333,7 @@
           <a:p>
             <a:fld id="{BCCA07F9-06C3-4C90-A7AE-61AB97B15816}" type="datetimeFigureOut">
               <a:rPr lang="en-US" smtClean="0"/>
-              <a:t>9/18/2022</a:t>
+              <a:t>9/21/2022</a:t>
             </a:fld>
             <a:endParaRPr lang="en-US"/>
           </a:p>
@@ -2445,7 +2446,7 @@
           <a:p>
             <a:fld id="{BCCA07F9-06C3-4C90-A7AE-61AB97B15816}" type="datetimeFigureOut">
               <a:rPr lang="en-US" smtClean="0"/>
-              <a:t>9/18/2022</a:t>
+              <a:t>9/21/2022</a:t>
             </a:fld>
             <a:endParaRPr lang="en-US"/>
           </a:p>
@@ -2756,7 +2757,7 @@
           <a:p>
             <a:fld id="{BCCA07F9-06C3-4C90-A7AE-61AB97B15816}" type="datetimeFigureOut">
               <a:rPr lang="en-US" smtClean="0"/>
-              <a:t>9/18/2022</a:t>
+              <a:t>9/21/2022</a:t>
             </a:fld>
             <a:endParaRPr lang="en-US"/>
           </a:p>
@@ -3044,7 +3045,7 @@
           <a:p>
             <a:fld id="{BCCA07F9-06C3-4C90-A7AE-61AB97B15816}" type="datetimeFigureOut">
               <a:rPr lang="en-US" smtClean="0"/>
-              <a:t>9/18/2022</a:t>
+              <a:t>9/21/2022</a:t>
             </a:fld>
             <a:endParaRPr lang="en-US"/>
           </a:p>
@@ -3351,7 +3352,7 @@
           <a:p>
             <a:fld id="{BCCA07F9-06C3-4C90-A7AE-61AB97B15816}" type="datetimeFigureOut">
               <a:rPr lang="en-US" smtClean="0"/>
-              <a:t>9/18/2022</a:t>
+              <a:t>9/21/2022</a:t>
             </a:fld>
             <a:endParaRPr lang="en-US"/>
           </a:p>
@@ -3848,6 +3849,1119 @@
           <a:chExt cx="0" cy="0"/>
         </a:xfrm>
       </p:grpSpPr>
+      <p:sp>
+        <p:nvSpPr>
+          <p:cNvPr id="27" name="Rectangle 26">
+            <a:extLst>
+              <a:ext uri="{FF2B5EF4-FFF2-40B4-BE49-F238E27FC236}">
+                <a16:creationId xmlns:a16="http://schemas.microsoft.com/office/drawing/2014/main" id="{EF47E0B4-DE6B-4494-3A72-7C3BF2D10D0F}"/>
+              </a:ext>
+            </a:extLst>
+          </p:cNvPr>
+          <p:cNvSpPr/>
+          <p:nvPr/>
+        </p:nvSpPr>
+        <p:spPr>
+          <a:xfrm>
+            <a:off x="1526650" y="1463236"/>
+            <a:ext cx="9477955" cy="2639635"/>
+          </a:xfrm>
+          <a:prstGeom prst="rect">
+            <a:avLst/>
+          </a:prstGeom>
+          <a:solidFill>
+            <a:schemeClr val="accent5">
+              <a:lumMod val="60000"/>
+              <a:lumOff val="40000"/>
+            </a:schemeClr>
+          </a:solidFill>
+          <a:ln>
+            <a:noFill/>
+          </a:ln>
+        </p:spPr>
+        <p:style>
+          <a:lnRef idx="2">
+            <a:schemeClr val="accent1">
+              <a:shade val="50000"/>
+            </a:schemeClr>
+          </a:lnRef>
+          <a:fillRef idx="1">
+            <a:schemeClr val="accent1"/>
+          </a:fillRef>
+          <a:effectRef idx="0">
+            <a:schemeClr val="accent1"/>
+          </a:effectRef>
+          <a:fontRef idx="minor">
+            <a:schemeClr val="lt1"/>
+          </a:fontRef>
+        </p:style>
+        <p:txBody>
+          <a:bodyPr rtlCol="0" anchor="ctr"/>
+          <a:lstStyle/>
+          <a:p>
+            <a:pPr algn="ctr"/>
+            <a:endParaRPr lang="en-DE" dirty="0">
+              <a:solidFill>
+                <a:schemeClr val="tx1"/>
+              </a:solidFill>
+            </a:endParaRPr>
+          </a:p>
+        </p:txBody>
+      </p:sp>
+      <p:sp>
+        <p:nvSpPr>
+          <p:cNvPr id="4" name="Rectangle 3">
+            <a:extLst>
+              <a:ext uri="{FF2B5EF4-FFF2-40B4-BE49-F238E27FC236}">
+                <a16:creationId xmlns:a16="http://schemas.microsoft.com/office/drawing/2014/main" id="{A3746AAF-3CB1-A691-A030-2702A5A416D3}"/>
+              </a:ext>
+            </a:extLst>
+          </p:cNvPr>
+          <p:cNvSpPr/>
+          <p:nvPr/>
+        </p:nvSpPr>
+        <p:spPr>
+          <a:xfrm>
+            <a:off x="2296953" y="1971921"/>
+            <a:ext cx="1089331" cy="1844703"/>
+          </a:xfrm>
+          <a:prstGeom prst="rect">
+            <a:avLst/>
+          </a:prstGeom>
+          <a:solidFill>
+            <a:schemeClr val="bg1"/>
+          </a:solidFill>
+          <a:ln>
+            <a:solidFill>
+              <a:schemeClr val="tx1"/>
+            </a:solidFill>
+          </a:ln>
+        </p:spPr>
+        <p:style>
+          <a:lnRef idx="2">
+            <a:schemeClr val="accent1">
+              <a:shade val="50000"/>
+            </a:schemeClr>
+          </a:lnRef>
+          <a:fillRef idx="1">
+            <a:schemeClr val="accent1"/>
+          </a:fillRef>
+          <a:effectRef idx="0">
+            <a:schemeClr val="accent1"/>
+          </a:effectRef>
+          <a:fontRef idx="minor">
+            <a:schemeClr val="lt1"/>
+          </a:fontRef>
+        </p:style>
+        <p:txBody>
+          <a:bodyPr rtlCol="0" anchor="ctr"/>
+          <a:lstStyle/>
+          <a:p>
+            <a:pPr algn="ctr"/>
+            <a:r>
+              <a:rPr lang="en-US" dirty="0">
+                <a:solidFill>
+                  <a:schemeClr val="tx1"/>
+                </a:solidFill>
+              </a:rPr>
+              <a:t>Flow</a:t>
+            </a:r>
+          </a:p>
+          <a:p>
+            <a:pPr algn="ctr"/>
+            <a:r>
+              <a:rPr lang="en-US" dirty="0">
+                <a:solidFill>
+                  <a:schemeClr val="tx1"/>
+                </a:solidFill>
+              </a:rPr>
+              <a:t>Table</a:t>
+            </a:r>
+          </a:p>
+          <a:p>
+            <a:pPr algn="ctr"/>
+            <a:r>
+              <a:rPr lang="en-US" dirty="0">
+                <a:solidFill>
+                  <a:schemeClr val="tx1"/>
+                </a:solidFill>
+              </a:rPr>
+              <a:t>0</a:t>
+            </a:r>
+            <a:endParaRPr lang="en-DE" dirty="0">
+              <a:solidFill>
+                <a:schemeClr val="tx1"/>
+              </a:solidFill>
+            </a:endParaRPr>
+          </a:p>
+        </p:txBody>
+      </p:sp>
+      <p:cxnSp>
+        <p:nvCxnSpPr>
+          <p:cNvPr id="6" name="Straight Arrow Connector 5">
+            <a:extLst>
+              <a:ext uri="{FF2B5EF4-FFF2-40B4-BE49-F238E27FC236}">
+                <a16:creationId xmlns:a16="http://schemas.microsoft.com/office/drawing/2014/main" id="{5140983C-E2C9-B9C7-740F-0F10FD074455}"/>
+              </a:ext>
+            </a:extLst>
+          </p:cNvPr>
+          <p:cNvCxnSpPr>
+            <a:cxnSpLocks/>
+          </p:cNvCxnSpPr>
+          <p:nvPr/>
+        </p:nvCxnSpPr>
+        <p:spPr>
+          <a:xfrm>
+            <a:off x="787179" y="3562281"/>
+            <a:ext cx="1509774" cy="0"/>
+          </a:xfrm>
+          <a:prstGeom prst="straightConnector1">
+            <a:avLst/>
+          </a:prstGeom>
+          <a:ln w="38100">
+            <a:solidFill>
+              <a:schemeClr val="tx1"/>
+            </a:solidFill>
+            <a:tailEnd type="triangle"/>
+          </a:ln>
+        </p:spPr>
+        <p:style>
+          <a:lnRef idx="1">
+            <a:schemeClr val="accent1"/>
+          </a:lnRef>
+          <a:fillRef idx="0">
+            <a:schemeClr val="accent1"/>
+          </a:fillRef>
+          <a:effectRef idx="0">
+            <a:schemeClr val="accent1"/>
+          </a:effectRef>
+          <a:fontRef idx="minor">
+            <a:schemeClr val="tx1"/>
+          </a:fontRef>
+        </p:style>
+      </p:cxnSp>
+      <p:cxnSp>
+        <p:nvCxnSpPr>
+          <p:cNvPr id="8" name="Straight Arrow Connector 7">
+            <a:extLst>
+              <a:ext uri="{FF2B5EF4-FFF2-40B4-BE49-F238E27FC236}">
+                <a16:creationId xmlns:a16="http://schemas.microsoft.com/office/drawing/2014/main" id="{D55E054C-8927-544B-282C-35635B5711DB}"/>
+              </a:ext>
+            </a:extLst>
+          </p:cNvPr>
+          <p:cNvCxnSpPr>
+            <a:cxnSpLocks/>
+          </p:cNvCxnSpPr>
+          <p:nvPr/>
+        </p:nvCxnSpPr>
+        <p:spPr>
+          <a:xfrm>
+            <a:off x="3386284" y="3562281"/>
+            <a:ext cx="1509774" cy="0"/>
+          </a:xfrm>
+          <a:prstGeom prst="straightConnector1">
+            <a:avLst/>
+          </a:prstGeom>
+          <a:ln w="38100">
+            <a:solidFill>
+              <a:schemeClr val="tx1"/>
+            </a:solidFill>
+            <a:tailEnd type="triangle"/>
+          </a:ln>
+        </p:spPr>
+        <p:style>
+          <a:lnRef idx="1">
+            <a:schemeClr val="accent1"/>
+          </a:lnRef>
+          <a:fillRef idx="0">
+            <a:schemeClr val="accent1"/>
+          </a:fillRef>
+          <a:effectRef idx="0">
+            <a:schemeClr val="accent1"/>
+          </a:effectRef>
+          <a:fontRef idx="minor">
+            <a:schemeClr val="tx1"/>
+          </a:fontRef>
+        </p:style>
+      </p:cxnSp>
+      <p:sp>
+        <p:nvSpPr>
+          <p:cNvPr id="9" name="TextBox 8">
+            <a:extLst>
+              <a:ext uri="{FF2B5EF4-FFF2-40B4-BE49-F238E27FC236}">
+                <a16:creationId xmlns:a16="http://schemas.microsoft.com/office/drawing/2014/main" id="{7AB97C71-D52C-A3A8-BFF1-25AB9A5F2C09}"/>
+              </a:ext>
+            </a:extLst>
+          </p:cNvPr>
+          <p:cNvSpPr txBox="1"/>
+          <p:nvPr/>
+        </p:nvSpPr>
+        <p:spPr>
+          <a:xfrm>
+            <a:off x="888250" y="3598207"/>
+            <a:ext cx="1290407" cy="369332"/>
+          </a:xfrm>
+          <a:prstGeom prst="rect">
+            <a:avLst/>
+          </a:prstGeom>
+          <a:noFill/>
+        </p:spPr>
+        <p:txBody>
+          <a:bodyPr wrap="square" rtlCol="0">
+            <a:spAutoFit/>
+          </a:bodyPr>
+          <a:lstStyle/>
+          <a:p>
+            <a:r>
+              <a:rPr lang="en-US" dirty="0"/>
+              <a:t>Ingress Port</a:t>
+            </a:r>
+          </a:p>
+        </p:txBody>
+      </p:sp>
+      <p:sp>
+        <p:nvSpPr>
+          <p:cNvPr id="11" name="TextBox 10">
+            <a:extLst>
+              <a:ext uri="{FF2B5EF4-FFF2-40B4-BE49-F238E27FC236}">
+                <a16:creationId xmlns:a16="http://schemas.microsoft.com/office/drawing/2014/main" id="{DA0742E4-C0A1-DF7C-F534-414580889B23}"/>
+              </a:ext>
+            </a:extLst>
+          </p:cNvPr>
+          <p:cNvSpPr txBox="1"/>
+          <p:nvPr/>
+        </p:nvSpPr>
+        <p:spPr>
+          <a:xfrm>
+            <a:off x="10531149" y="3570329"/>
+            <a:ext cx="1223797" cy="369332"/>
+          </a:xfrm>
+          <a:prstGeom prst="rect">
+            <a:avLst/>
+          </a:prstGeom>
+          <a:noFill/>
+        </p:spPr>
+        <p:txBody>
+          <a:bodyPr wrap="none" rtlCol="0">
+            <a:spAutoFit/>
+          </a:bodyPr>
+          <a:lstStyle/>
+          <a:p>
+            <a:r>
+              <a:rPr lang="en-US" dirty="0"/>
+              <a:t>Egress Port</a:t>
+            </a:r>
+          </a:p>
+        </p:txBody>
+      </p:sp>
+      <p:sp>
+        <p:nvSpPr>
+          <p:cNvPr id="12" name="Rectangle 11">
+            <a:extLst>
+              <a:ext uri="{FF2B5EF4-FFF2-40B4-BE49-F238E27FC236}">
+                <a16:creationId xmlns:a16="http://schemas.microsoft.com/office/drawing/2014/main" id="{EB220551-762C-DFA4-DA97-0CC266E4CA7F}"/>
+              </a:ext>
+            </a:extLst>
+          </p:cNvPr>
+          <p:cNvSpPr/>
+          <p:nvPr/>
+        </p:nvSpPr>
+        <p:spPr>
+          <a:xfrm>
+            <a:off x="4896058" y="1971921"/>
+            <a:ext cx="1089331" cy="1844703"/>
+          </a:xfrm>
+          <a:prstGeom prst="rect">
+            <a:avLst/>
+          </a:prstGeom>
+          <a:solidFill>
+            <a:schemeClr val="bg1"/>
+          </a:solidFill>
+          <a:ln>
+            <a:solidFill>
+              <a:schemeClr val="tx1"/>
+            </a:solidFill>
+          </a:ln>
+        </p:spPr>
+        <p:style>
+          <a:lnRef idx="2">
+            <a:schemeClr val="accent1">
+              <a:shade val="50000"/>
+            </a:schemeClr>
+          </a:lnRef>
+          <a:fillRef idx="1">
+            <a:schemeClr val="accent1"/>
+          </a:fillRef>
+          <a:effectRef idx="0">
+            <a:schemeClr val="accent1"/>
+          </a:effectRef>
+          <a:fontRef idx="minor">
+            <a:schemeClr val="lt1"/>
+          </a:fontRef>
+        </p:style>
+        <p:txBody>
+          <a:bodyPr rtlCol="0" anchor="ctr"/>
+          <a:lstStyle/>
+          <a:p>
+            <a:pPr algn="ctr"/>
+            <a:r>
+              <a:rPr lang="en-US" dirty="0">
+                <a:solidFill>
+                  <a:schemeClr val="tx1"/>
+                </a:solidFill>
+              </a:rPr>
+              <a:t>Flow</a:t>
+            </a:r>
+          </a:p>
+          <a:p>
+            <a:pPr algn="ctr"/>
+            <a:r>
+              <a:rPr lang="en-US" dirty="0">
+                <a:solidFill>
+                  <a:schemeClr val="tx1"/>
+                </a:solidFill>
+              </a:rPr>
+              <a:t>Table</a:t>
+            </a:r>
+          </a:p>
+          <a:p>
+            <a:pPr algn="ctr"/>
+            <a:r>
+              <a:rPr lang="en-US" dirty="0">
+                <a:solidFill>
+                  <a:schemeClr val="tx1"/>
+                </a:solidFill>
+              </a:rPr>
+              <a:t>1</a:t>
+            </a:r>
+            <a:endParaRPr lang="en-DE" dirty="0">
+              <a:solidFill>
+                <a:schemeClr val="tx1"/>
+              </a:solidFill>
+            </a:endParaRPr>
+          </a:p>
+        </p:txBody>
+      </p:sp>
+      <p:cxnSp>
+        <p:nvCxnSpPr>
+          <p:cNvPr id="13" name="Straight Arrow Connector 12">
+            <a:extLst>
+              <a:ext uri="{FF2B5EF4-FFF2-40B4-BE49-F238E27FC236}">
+                <a16:creationId xmlns:a16="http://schemas.microsoft.com/office/drawing/2014/main" id="{3E20A015-6B53-776E-32B6-FFF9FD1E6890}"/>
+              </a:ext>
+            </a:extLst>
+          </p:cNvPr>
+          <p:cNvCxnSpPr>
+            <a:cxnSpLocks/>
+          </p:cNvCxnSpPr>
+          <p:nvPr/>
+        </p:nvCxnSpPr>
+        <p:spPr>
+          <a:xfrm>
+            <a:off x="5985389" y="3570329"/>
+            <a:ext cx="431314" cy="0"/>
+          </a:xfrm>
+          <a:prstGeom prst="straightConnector1">
+            <a:avLst/>
+          </a:prstGeom>
+          <a:ln w="38100">
+            <a:solidFill>
+              <a:schemeClr val="tx1"/>
+            </a:solidFill>
+            <a:tailEnd type="triangle"/>
+          </a:ln>
+        </p:spPr>
+        <p:style>
+          <a:lnRef idx="1">
+            <a:schemeClr val="accent1"/>
+          </a:lnRef>
+          <a:fillRef idx="0">
+            <a:schemeClr val="accent1"/>
+          </a:fillRef>
+          <a:effectRef idx="0">
+            <a:schemeClr val="accent1"/>
+          </a:effectRef>
+          <a:fontRef idx="minor">
+            <a:schemeClr val="tx1"/>
+          </a:fontRef>
+        </p:style>
+      </p:cxnSp>
+      <p:sp>
+        <p:nvSpPr>
+          <p:cNvPr id="19" name="Rectangle 18">
+            <a:extLst>
+              <a:ext uri="{FF2B5EF4-FFF2-40B4-BE49-F238E27FC236}">
+                <a16:creationId xmlns:a16="http://schemas.microsoft.com/office/drawing/2014/main" id="{82635BE0-E1A2-9170-543A-D96535D68FC2}"/>
+              </a:ext>
+            </a:extLst>
+          </p:cNvPr>
+          <p:cNvSpPr/>
+          <p:nvPr/>
+        </p:nvSpPr>
+        <p:spPr>
+          <a:xfrm>
+            <a:off x="7394092" y="1971920"/>
+            <a:ext cx="1089331" cy="1844703"/>
+          </a:xfrm>
+          <a:prstGeom prst="rect">
+            <a:avLst/>
+          </a:prstGeom>
+          <a:solidFill>
+            <a:schemeClr val="bg1"/>
+          </a:solidFill>
+          <a:ln>
+            <a:solidFill>
+              <a:schemeClr val="tx1"/>
+            </a:solidFill>
+          </a:ln>
+        </p:spPr>
+        <p:style>
+          <a:lnRef idx="2">
+            <a:schemeClr val="accent1">
+              <a:shade val="50000"/>
+            </a:schemeClr>
+          </a:lnRef>
+          <a:fillRef idx="1">
+            <a:schemeClr val="accent1"/>
+          </a:fillRef>
+          <a:effectRef idx="0">
+            <a:schemeClr val="accent1"/>
+          </a:effectRef>
+          <a:fontRef idx="minor">
+            <a:schemeClr val="lt1"/>
+          </a:fontRef>
+        </p:style>
+        <p:txBody>
+          <a:bodyPr rtlCol="0" anchor="ctr"/>
+          <a:lstStyle/>
+          <a:p>
+            <a:pPr algn="ctr"/>
+            <a:r>
+              <a:rPr lang="en-US" dirty="0">
+                <a:solidFill>
+                  <a:schemeClr val="tx1"/>
+                </a:solidFill>
+              </a:rPr>
+              <a:t>Flow</a:t>
+            </a:r>
+          </a:p>
+          <a:p>
+            <a:pPr algn="ctr"/>
+            <a:r>
+              <a:rPr lang="en-US" dirty="0">
+                <a:solidFill>
+                  <a:schemeClr val="tx1"/>
+                </a:solidFill>
+              </a:rPr>
+              <a:t>Table</a:t>
+            </a:r>
+          </a:p>
+          <a:p>
+            <a:pPr algn="ctr"/>
+            <a:r>
+              <a:rPr lang="en-US" dirty="0">
+                <a:solidFill>
+                  <a:schemeClr val="tx1"/>
+                </a:solidFill>
+              </a:rPr>
+              <a:t>n</a:t>
+            </a:r>
+            <a:endParaRPr lang="en-DE" dirty="0">
+              <a:solidFill>
+                <a:schemeClr val="tx1"/>
+              </a:solidFill>
+            </a:endParaRPr>
+          </a:p>
+        </p:txBody>
+      </p:sp>
+      <p:cxnSp>
+        <p:nvCxnSpPr>
+          <p:cNvPr id="20" name="Straight Arrow Connector 19">
+            <a:extLst>
+              <a:ext uri="{FF2B5EF4-FFF2-40B4-BE49-F238E27FC236}">
+                <a16:creationId xmlns:a16="http://schemas.microsoft.com/office/drawing/2014/main" id="{D2FF6C0D-44CD-F53A-4EA1-0C80F8C0FBFB}"/>
+              </a:ext>
+            </a:extLst>
+          </p:cNvPr>
+          <p:cNvCxnSpPr>
+            <a:cxnSpLocks/>
+          </p:cNvCxnSpPr>
+          <p:nvPr/>
+        </p:nvCxnSpPr>
+        <p:spPr>
+          <a:xfrm>
+            <a:off x="6962778" y="3562281"/>
+            <a:ext cx="431314" cy="0"/>
+          </a:xfrm>
+          <a:prstGeom prst="straightConnector1">
+            <a:avLst/>
+          </a:prstGeom>
+          <a:ln w="38100">
+            <a:solidFill>
+              <a:schemeClr val="tx1"/>
+            </a:solidFill>
+            <a:tailEnd type="triangle"/>
+          </a:ln>
+        </p:spPr>
+        <p:style>
+          <a:lnRef idx="1">
+            <a:schemeClr val="accent1"/>
+          </a:lnRef>
+          <a:fillRef idx="0">
+            <a:schemeClr val="accent1"/>
+          </a:fillRef>
+          <a:effectRef idx="0">
+            <a:schemeClr val="accent1"/>
+          </a:effectRef>
+          <a:fontRef idx="minor">
+            <a:schemeClr val="tx1"/>
+          </a:fontRef>
+        </p:style>
+      </p:cxnSp>
+      <p:cxnSp>
+        <p:nvCxnSpPr>
+          <p:cNvPr id="21" name="Straight Arrow Connector 20">
+            <a:extLst>
+              <a:ext uri="{FF2B5EF4-FFF2-40B4-BE49-F238E27FC236}">
+                <a16:creationId xmlns:a16="http://schemas.microsoft.com/office/drawing/2014/main" id="{B06FDE2D-FEF2-1C74-F43F-EAEB5BC7CCD3}"/>
+              </a:ext>
+            </a:extLst>
+          </p:cNvPr>
+          <p:cNvCxnSpPr>
+            <a:cxnSpLocks/>
+          </p:cNvCxnSpPr>
+          <p:nvPr/>
+        </p:nvCxnSpPr>
+        <p:spPr>
+          <a:xfrm>
+            <a:off x="10357901" y="3555752"/>
+            <a:ext cx="1509774" cy="0"/>
+          </a:xfrm>
+          <a:prstGeom prst="straightConnector1">
+            <a:avLst/>
+          </a:prstGeom>
+          <a:ln w="38100">
+            <a:solidFill>
+              <a:schemeClr val="tx1"/>
+            </a:solidFill>
+            <a:tailEnd type="triangle"/>
+          </a:ln>
+        </p:spPr>
+        <p:style>
+          <a:lnRef idx="1">
+            <a:schemeClr val="accent1"/>
+          </a:lnRef>
+          <a:fillRef idx="0">
+            <a:schemeClr val="accent1"/>
+          </a:fillRef>
+          <a:effectRef idx="0">
+            <a:schemeClr val="accent1"/>
+          </a:effectRef>
+          <a:fontRef idx="minor">
+            <a:schemeClr val="tx1"/>
+          </a:fontRef>
+        </p:style>
+      </p:cxnSp>
+      <p:sp>
+        <p:nvSpPr>
+          <p:cNvPr id="23" name="Rectangle 22">
+            <a:extLst>
+              <a:ext uri="{FF2B5EF4-FFF2-40B4-BE49-F238E27FC236}">
+                <a16:creationId xmlns:a16="http://schemas.microsoft.com/office/drawing/2014/main" id="{59F21169-46A5-2CDB-AA21-99F3C0ED2BBF}"/>
+              </a:ext>
+            </a:extLst>
+          </p:cNvPr>
+          <p:cNvSpPr/>
+          <p:nvPr/>
+        </p:nvSpPr>
+        <p:spPr>
+          <a:xfrm>
+            <a:off x="9268570" y="2665471"/>
+            <a:ext cx="1089331" cy="1149204"/>
+          </a:xfrm>
+          <a:prstGeom prst="rect">
+            <a:avLst/>
+          </a:prstGeom>
+          <a:solidFill>
+            <a:schemeClr val="bg1"/>
+          </a:solidFill>
+          <a:ln>
+            <a:solidFill>
+              <a:schemeClr val="tx1"/>
+            </a:solidFill>
+            <a:prstDash val="sysDash"/>
+          </a:ln>
+        </p:spPr>
+        <p:style>
+          <a:lnRef idx="2">
+            <a:schemeClr val="accent1">
+              <a:shade val="50000"/>
+            </a:schemeClr>
+          </a:lnRef>
+          <a:fillRef idx="1">
+            <a:schemeClr val="accent1"/>
+          </a:fillRef>
+          <a:effectRef idx="0">
+            <a:schemeClr val="accent1"/>
+          </a:effectRef>
+          <a:fontRef idx="minor">
+            <a:schemeClr val="lt1"/>
+          </a:fontRef>
+        </p:style>
+        <p:txBody>
+          <a:bodyPr rtlCol="0" anchor="ctr"/>
+          <a:lstStyle/>
+          <a:p>
+            <a:pPr algn="ctr"/>
+            <a:r>
+              <a:rPr lang="en-US" dirty="0">
+                <a:solidFill>
+                  <a:schemeClr val="tx1"/>
+                </a:solidFill>
+              </a:rPr>
+              <a:t>Execute Action Set</a:t>
+            </a:r>
+            <a:endParaRPr lang="en-DE" dirty="0">
+              <a:solidFill>
+                <a:schemeClr val="tx1"/>
+              </a:solidFill>
+            </a:endParaRPr>
+          </a:p>
+        </p:txBody>
+      </p:sp>
+      <p:cxnSp>
+        <p:nvCxnSpPr>
+          <p:cNvPr id="24" name="Straight Arrow Connector 23">
+            <a:extLst>
+              <a:ext uri="{FF2B5EF4-FFF2-40B4-BE49-F238E27FC236}">
+                <a16:creationId xmlns:a16="http://schemas.microsoft.com/office/drawing/2014/main" id="{DB158599-ABCD-FB4A-D9E1-CA46A4D59B7A}"/>
+              </a:ext>
+            </a:extLst>
+          </p:cNvPr>
+          <p:cNvCxnSpPr>
+            <a:cxnSpLocks/>
+          </p:cNvCxnSpPr>
+          <p:nvPr/>
+        </p:nvCxnSpPr>
+        <p:spPr>
+          <a:xfrm>
+            <a:off x="8483423" y="3555752"/>
+            <a:ext cx="785147" cy="0"/>
+          </a:xfrm>
+          <a:prstGeom prst="straightConnector1">
+            <a:avLst/>
+          </a:prstGeom>
+          <a:ln w="38100">
+            <a:solidFill>
+              <a:schemeClr val="tx1"/>
+            </a:solidFill>
+            <a:tailEnd type="triangle"/>
+          </a:ln>
+        </p:spPr>
+        <p:style>
+          <a:lnRef idx="1">
+            <a:schemeClr val="accent1"/>
+          </a:lnRef>
+          <a:fillRef idx="0">
+            <a:schemeClr val="accent1"/>
+          </a:fillRef>
+          <a:effectRef idx="0">
+            <a:schemeClr val="accent1"/>
+          </a:effectRef>
+          <a:fontRef idx="minor">
+            <a:schemeClr val="tx1"/>
+          </a:fontRef>
+        </p:style>
+      </p:cxnSp>
+      <p:sp>
+        <p:nvSpPr>
+          <p:cNvPr id="29" name="TextBox 28">
+            <a:extLst>
+              <a:ext uri="{FF2B5EF4-FFF2-40B4-BE49-F238E27FC236}">
+                <a16:creationId xmlns:a16="http://schemas.microsoft.com/office/drawing/2014/main" id="{4FEEADE4-895C-F671-5FB6-D02CBD5924A8}"/>
+              </a:ext>
+            </a:extLst>
+          </p:cNvPr>
+          <p:cNvSpPr txBox="1"/>
+          <p:nvPr/>
+        </p:nvSpPr>
+        <p:spPr>
+          <a:xfrm>
+            <a:off x="766904" y="2837584"/>
+            <a:ext cx="825698" cy="646331"/>
+          </a:xfrm>
+          <a:prstGeom prst="rect">
+            <a:avLst/>
+          </a:prstGeom>
+          <a:noFill/>
+        </p:spPr>
+        <p:txBody>
+          <a:bodyPr wrap="square" rtlCol="0">
+            <a:spAutoFit/>
+          </a:bodyPr>
+          <a:lstStyle/>
+          <a:p>
+            <a:pPr algn="ctr"/>
+            <a:r>
+              <a:rPr lang="en-US" dirty="0"/>
+              <a:t>Packet</a:t>
+            </a:r>
+          </a:p>
+          <a:p>
+            <a:pPr algn="ctr"/>
+            <a:r>
+              <a:rPr lang="en-US" dirty="0"/>
+              <a:t>In</a:t>
+            </a:r>
+          </a:p>
+        </p:txBody>
+      </p:sp>
+      <p:sp>
+        <p:nvSpPr>
+          <p:cNvPr id="31" name="TextBox 30">
+            <a:extLst>
+              <a:ext uri="{FF2B5EF4-FFF2-40B4-BE49-F238E27FC236}">
+                <a16:creationId xmlns:a16="http://schemas.microsoft.com/office/drawing/2014/main" id="{562F3545-4C0F-731F-0917-1B31FE514FB3}"/>
+              </a:ext>
+            </a:extLst>
+          </p:cNvPr>
+          <p:cNvSpPr txBox="1"/>
+          <p:nvPr/>
+        </p:nvSpPr>
+        <p:spPr>
+          <a:xfrm>
+            <a:off x="10949253" y="2783149"/>
+            <a:ext cx="825698" cy="646331"/>
+          </a:xfrm>
+          <a:prstGeom prst="rect">
+            <a:avLst/>
+          </a:prstGeom>
+          <a:noFill/>
+        </p:spPr>
+        <p:txBody>
+          <a:bodyPr wrap="square" rtlCol="0">
+            <a:spAutoFit/>
+          </a:bodyPr>
+          <a:lstStyle/>
+          <a:p>
+            <a:pPr algn="ctr"/>
+            <a:r>
+              <a:rPr lang="en-US" dirty="0"/>
+              <a:t>Packet</a:t>
+            </a:r>
+          </a:p>
+          <a:p>
+            <a:pPr algn="ctr"/>
+            <a:r>
+              <a:rPr lang="en-US" dirty="0"/>
+              <a:t>Out</a:t>
+            </a:r>
+          </a:p>
+        </p:txBody>
+      </p:sp>
+      <p:sp>
+        <p:nvSpPr>
+          <p:cNvPr id="33" name="TextBox 32">
+            <a:extLst>
+              <a:ext uri="{FF2B5EF4-FFF2-40B4-BE49-F238E27FC236}">
+                <a16:creationId xmlns:a16="http://schemas.microsoft.com/office/drawing/2014/main" id="{C7DEE9C3-6230-1C6A-3E44-61A07E63B756}"/>
+              </a:ext>
+            </a:extLst>
+          </p:cNvPr>
+          <p:cNvSpPr txBox="1"/>
+          <p:nvPr/>
+        </p:nvSpPr>
+        <p:spPr>
+          <a:xfrm>
+            <a:off x="9198066" y="1550390"/>
+            <a:ext cx="1663416" cy="369332"/>
+          </a:xfrm>
+          <a:prstGeom prst="rect">
+            <a:avLst/>
+          </a:prstGeom>
+          <a:noFill/>
+        </p:spPr>
+        <p:txBody>
+          <a:bodyPr wrap="square" rtlCol="0">
+            <a:spAutoFit/>
+          </a:bodyPr>
+          <a:lstStyle/>
+          <a:p>
+            <a:pPr algn="ctr"/>
+            <a:r>
+              <a:rPr lang="en-US" b="1" dirty="0"/>
+              <a:t>Open vSwitch</a:t>
+            </a:r>
+          </a:p>
+        </p:txBody>
+      </p:sp>
+      <p:sp>
+        <p:nvSpPr>
+          <p:cNvPr id="37" name="TextBox 36">
+            <a:extLst>
+              <a:ext uri="{FF2B5EF4-FFF2-40B4-BE49-F238E27FC236}">
+                <a16:creationId xmlns:a16="http://schemas.microsoft.com/office/drawing/2014/main" id="{49C41834-1838-28EF-4EAB-195D0FC7CA2F}"/>
+              </a:ext>
+            </a:extLst>
+          </p:cNvPr>
+          <p:cNvSpPr txBox="1"/>
+          <p:nvPr/>
+        </p:nvSpPr>
+        <p:spPr>
+          <a:xfrm>
+            <a:off x="6272718" y="3222305"/>
+            <a:ext cx="825698" cy="523220"/>
+          </a:xfrm>
+          <a:prstGeom prst="rect">
+            <a:avLst/>
+          </a:prstGeom>
+          <a:noFill/>
+        </p:spPr>
+        <p:txBody>
+          <a:bodyPr wrap="square" rtlCol="0">
+            <a:spAutoFit/>
+          </a:bodyPr>
+          <a:lstStyle/>
+          <a:p>
+            <a:pPr algn="ctr"/>
+            <a:r>
+              <a:rPr lang="en-US" sz="2800" b="1" dirty="0"/>
+              <a:t>. . .</a:t>
+            </a:r>
+          </a:p>
+        </p:txBody>
+      </p:sp>
+      <p:sp>
+        <p:nvSpPr>
+          <p:cNvPr id="39" name="TextBox 38">
+            <a:extLst>
+              <a:ext uri="{FF2B5EF4-FFF2-40B4-BE49-F238E27FC236}">
+                <a16:creationId xmlns:a16="http://schemas.microsoft.com/office/drawing/2014/main" id="{9FC0F109-1300-44EF-31BA-383F6B49AD15}"/>
+              </a:ext>
+            </a:extLst>
+          </p:cNvPr>
+          <p:cNvSpPr txBox="1"/>
+          <p:nvPr/>
+        </p:nvSpPr>
+        <p:spPr>
+          <a:xfrm>
+            <a:off x="3977636" y="2885090"/>
+            <a:ext cx="825698" cy="646331"/>
+          </a:xfrm>
+          <a:prstGeom prst="rect">
+            <a:avLst/>
+          </a:prstGeom>
+          <a:noFill/>
+        </p:spPr>
+        <p:txBody>
+          <a:bodyPr wrap="square" rtlCol="0">
+            <a:spAutoFit/>
+          </a:bodyPr>
+          <a:lstStyle/>
+          <a:p>
+            <a:pPr algn="r"/>
+            <a:r>
+              <a:rPr lang="en-US" dirty="0"/>
+              <a:t>Action Set</a:t>
+            </a:r>
+          </a:p>
+        </p:txBody>
+      </p:sp>
+      <p:sp>
+        <p:nvSpPr>
+          <p:cNvPr id="41" name="TextBox 40">
+            <a:extLst>
+              <a:ext uri="{FF2B5EF4-FFF2-40B4-BE49-F238E27FC236}">
+                <a16:creationId xmlns:a16="http://schemas.microsoft.com/office/drawing/2014/main" id="{DEFA3716-7D0B-8B8E-67D7-F60120C5D760}"/>
+              </a:ext>
+            </a:extLst>
+          </p:cNvPr>
+          <p:cNvSpPr txBox="1"/>
+          <p:nvPr/>
+        </p:nvSpPr>
+        <p:spPr>
+          <a:xfrm>
+            <a:off x="6530757" y="2894271"/>
+            <a:ext cx="825698" cy="646331"/>
+          </a:xfrm>
+          <a:prstGeom prst="rect">
+            <a:avLst/>
+          </a:prstGeom>
+          <a:noFill/>
+        </p:spPr>
+        <p:txBody>
+          <a:bodyPr wrap="square" rtlCol="0">
+            <a:spAutoFit/>
+          </a:bodyPr>
+          <a:lstStyle/>
+          <a:p>
+            <a:pPr algn="r"/>
+            <a:r>
+              <a:rPr lang="en-US" dirty="0"/>
+              <a:t>Action Set</a:t>
+            </a:r>
+          </a:p>
+        </p:txBody>
+      </p:sp>
+      <p:sp>
+        <p:nvSpPr>
+          <p:cNvPr id="43" name="TextBox 42">
+            <a:extLst>
+              <a:ext uri="{FF2B5EF4-FFF2-40B4-BE49-F238E27FC236}">
+                <a16:creationId xmlns:a16="http://schemas.microsoft.com/office/drawing/2014/main" id="{9FFA44E6-E247-642B-874B-2B103E0E6FFD}"/>
+              </a:ext>
+            </a:extLst>
+          </p:cNvPr>
+          <p:cNvSpPr txBox="1"/>
+          <p:nvPr/>
+        </p:nvSpPr>
+        <p:spPr>
+          <a:xfrm>
+            <a:off x="8442872" y="2885090"/>
+            <a:ext cx="825698" cy="646331"/>
+          </a:xfrm>
+          <a:prstGeom prst="rect">
+            <a:avLst/>
+          </a:prstGeom>
+          <a:noFill/>
+        </p:spPr>
+        <p:txBody>
+          <a:bodyPr wrap="square" rtlCol="0">
+            <a:spAutoFit/>
+          </a:bodyPr>
+          <a:lstStyle/>
+          <a:p>
+            <a:pPr algn="r"/>
+            <a:r>
+              <a:rPr lang="en-US" dirty="0"/>
+              <a:t>Action Set</a:t>
+            </a:r>
+          </a:p>
+        </p:txBody>
+      </p:sp>
+      <p:sp>
+        <p:nvSpPr>
+          <p:cNvPr id="45" name="TextBox 44">
+            <a:extLst>
+              <a:ext uri="{FF2B5EF4-FFF2-40B4-BE49-F238E27FC236}">
+                <a16:creationId xmlns:a16="http://schemas.microsoft.com/office/drawing/2014/main" id="{F5F9ABFD-07A2-D8FF-4C21-815A0A5846A9}"/>
+              </a:ext>
+            </a:extLst>
+          </p:cNvPr>
+          <p:cNvSpPr txBox="1"/>
+          <p:nvPr/>
+        </p:nvSpPr>
+        <p:spPr>
+          <a:xfrm>
+            <a:off x="1437792" y="2885090"/>
+            <a:ext cx="825698" cy="646331"/>
+          </a:xfrm>
+          <a:prstGeom prst="rect">
+            <a:avLst/>
+          </a:prstGeom>
+          <a:noFill/>
+        </p:spPr>
+        <p:txBody>
+          <a:bodyPr wrap="square" rtlCol="0">
+            <a:spAutoFit/>
+          </a:bodyPr>
+          <a:lstStyle/>
+          <a:p>
+            <a:pPr algn="r"/>
+            <a:r>
+              <a:rPr lang="en-US" dirty="0"/>
+              <a:t>Action Set</a:t>
+            </a:r>
+          </a:p>
+        </p:txBody>
+      </p:sp>
+      <p:sp>
+        <p:nvSpPr>
+          <p:cNvPr id="47" name="TextBox 46">
+            <a:extLst>
+              <a:ext uri="{FF2B5EF4-FFF2-40B4-BE49-F238E27FC236}">
+                <a16:creationId xmlns:a16="http://schemas.microsoft.com/office/drawing/2014/main" id="{903ED567-3C9E-C235-5A67-30AFEAD7B475}"/>
+              </a:ext>
+            </a:extLst>
+          </p:cNvPr>
+          <p:cNvSpPr txBox="1"/>
+          <p:nvPr/>
+        </p:nvSpPr>
+        <p:spPr>
+          <a:xfrm>
+            <a:off x="3208875" y="1692112"/>
+            <a:ext cx="1734445" cy="1077218"/>
+          </a:xfrm>
+          <a:prstGeom prst="rect">
+            <a:avLst/>
+          </a:prstGeom>
+          <a:noFill/>
+        </p:spPr>
+        <p:txBody>
+          <a:bodyPr wrap="square" rtlCol="0">
+            <a:spAutoFit/>
+          </a:bodyPr>
+          <a:lstStyle/>
+          <a:p>
+            <a:pPr algn="r"/>
+            <a:r>
+              <a:rPr lang="en-US" sz="1600" b="1" dirty="0"/>
+              <a:t>Match Fields:</a:t>
+            </a:r>
+          </a:p>
+          <a:p>
+            <a:pPr algn="r"/>
+            <a:r>
+              <a:rPr lang="en-US" sz="1600" dirty="0"/>
+              <a:t>Ingress port +</a:t>
+            </a:r>
+          </a:p>
+          <a:p>
+            <a:pPr algn="r"/>
+            <a:r>
+              <a:rPr lang="en-US" sz="1600" dirty="0"/>
+              <a:t>Packet header +</a:t>
+            </a:r>
+          </a:p>
+          <a:p>
+            <a:pPr algn="r"/>
+            <a:r>
+              <a:rPr lang="en-US" sz="1600" dirty="0"/>
+              <a:t>metadata</a:t>
+            </a:r>
+          </a:p>
+        </p:txBody>
+      </p:sp>
+    </p:spTree>
+    <p:extLst>
+      <p:ext uri="{BB962C8B-B14F-4D97-AF65-F5344CB8AC3E}">
+        <p14:creationId xmlns:p14="http://schemas.microsoft.com/office/powerpoint/2010/main" val="3322915202"/>
+      </p:ext>
+    </p:extLst>
+  </p:cSld>
+  <p:clrMapOvr>
+    <a:masterClrMapping/>
+  </p:clrMapOvr>
+</p:sld>
+</file>
+
+<file path=ppt/slides/slide11.xml><?xml version="1.0" encoding="utf-8"?>
+<p:sld xmlns:a="http://schemas.openxmlformats.org/drawingml/2006/main" xmlns:r="http://schemas.openxmlformats.org/officeDocument/2006/relationships" xmlns:p="http://schemas.openxmlformats.org/presentationml/2006/main">
+  <p:cSld>
+    <p:spTree>
+      <p:nvGrpSpPr>
+        <p:cNvPr id="1" name=""/>
+        <p:cNvGrpSpPr/>
+        <p:nvPr/>
+      </p:nvGrpSpPr>
+      <p:grpSpPr>
+        <a:xfrm>
+          <a:off x="0" y="0"/>
+          <a:ext cx="0" cy="0"/>
+          <a:chOff x="0" y="0"/>
+          <a:chExt cx="0" cy="0"/>
+        </a:xfrm>
+      </p:grpSpPr>
       <p:pic>
         <p:nvPicPr>
           <p:cNvPr id="7" name="Picture 6">
@@ -4426,7 +5540,7 @@
 </p:sld>
 </file>
 
-<file path=ppt/slides/slide11.xml><?xml version="1.0" encoding="utf-8"?>
+<file path=ppt/slides/slide12.xml><?xml version="1.0" encoding="utf-8"?>
 <p:sld xmlns:a="http://schemas.openxmlformats.org/drawingml/2006/main" xmlns:r="http://schemas.openxmlformats.org/officeDocument/2006/relationships" xmlns:p="http://schemas.openxmlformats.org/presentationml/2006/main">
   <p:cSld>
     <p:spTree>
@@ -22717,6 +23831,86 @@
           <a:chExt cx="0" cy="0"/>
         </a:xfrm>
       </p:grpSpPr>
+      <p:sp>
+        <p:nvSpPr>
+          <p:cNvPr id="6" name="Rectangle 5">
+            <a:extLst>
+              <a:ext uri="{FF2B5EF4-FFF2-40B4-BE49-F238E27FC236}">
+                <a16:creationId xmlns:a16="http://schemas.microsoft.com/office/drawing/2014/main" id="{B1EC9878-FC3A-A303-A366-651F4E0581AE}"/>
+              </a:ext>
+            </a:extLst>
+          </p:cNvPr>
+          <p:cNvSpPr/>
+          <p:nvPr/>
+        </p:nvSpPr>
+        <p:spPr>
+          <a:xfrm>
+            <a:off x="4528457" y="430305"/>
+            <a:ext cx="3135086" cy="491779"/>
+          </a:xfrm>
+          <a:prstGeom prst="rect">
+            <a:avLst/>
+          </a:prstGeom>
+        </p:spPr>
+        <p:style>
+          <a:lnRef idx="2">
+            <a:schemeClr val="accent1">
+              <a:shade val="50000"/>
+            </a:schemeClr>
+          </a:lnRef>
+          <a:fillRef idx="1">
+            <a:schemeClr val="accent1"/>
+          </a:fillRef>
+          <a:effectRef idx="0">
+            <a:schemeClr val="accent1"/>
+          </a:effectRef>
+          <a:fontRef idx="minor">
+            <a:schemeClr val="lt1"/>
+          </a:fontRef>
+        </p:style>
+        <p:txBody>
+          <a:bodyPr rtlCol="0" anchor="ctr"/>
+          <a:lstStyle/>
+          <a:p>
+            <a:pPr algn="ctr"/>
+            <a:r>
+              <a:rPr lang="en-US" dirty="0"/>
+              <a:t>SDN Control Architecture</a:t>
+            </a:r>
+            <a:endParaRPr lang="en-DE" dirty="0"/>
+          </a:p>
+        </p:txBody>
+      </p:sp>
+    </p:spTree>
+    <p:extLst>
+      <p:ext uri="{BB962C8B-B14F-4D97-AF65-F5344CB8AC3E}">
+        <p14:creationId xmlns:p14="http://schemas.microsoft.com/office/powerpoint/2010/main" val="345501861"/>
+      </p:ext>
+    </p:extLst>
+  </p:cSld>
+  <p:clrMapOvr>
+    <a:masterClrMapping/>
+  </p:clrMapOvr>
+</p:sld>
+</file>
+
+<file path=ppt/slides/slide3.xml><?xml version="1.0" encoding="utf-8"?>
+<p:sld xmlns:a="http://schemas.openxmlformats.org/drawingml/2006/main" xmlns:r="http://schemas.openxmlformats.org/officeDocument/2006/relationships" xmlns:p="http://schemas.openxmlformats.org/presentationml/2006/main">
+  <p:cSld>
+    <p:spTree>
+      <p:nvGrpSpPr>
+        <p:cNvPr id="1" name=""/>
+        <p:cNvGrpSpPr/>
+        <p:nvPr/>
+      </p:nvGrpSpPr>
+      <p:grpSpPr>
+        <a:xfrm>
+          <a:off x="0" y="0"/>
+          <a:ext cx="0" cy="0"/>
+          <a:chOff x="0" y="0"/>
+          <a:chExt cx="0" cy="0"/>
+        </a:xfrm>
+      </p:grpSpPr>
       <p:pic>
         <p:nvPicPr>
           <p:cNvPr id="5" name="Picture 4">
@@ -22760,7 +23954,7 @@
 </p:sld>
 </file>
 
-<file path=ppt/slides/slide3.xml><?xml version="1.0" encoding="utf-8"?>
+<file path=ppt/slides/slide4.xml><?xml version="1.0" encoding="utf-8"?>
 <p:sld xmlns:a="http://schemas.openxmlformats.org/drawingml/2006/main" xmlns:r="http://schemas.openxmlformats.org/officeDocument/2006/relationships" xmlns:p="http://schemas.openxmlformats.org/presentationml/2006/main">
   <p:cSld>
     <p:spTree>
@@ -23337,7 +24531,7 @@
 </p:sld>
 </file>
 
-<file path=ppt/slides/slide4.xml><?xml version="1.0" encoding="utf-8"?>
+<file path=ppt/slides/slide5.xml><?xml version="1.0" encoding="utf-8"?>
 <p:sld xmlns:a="http://schemas.openxmlformats.org/drawingml/2006/main" xmlns:r="http://schemas.openxmlformats.org/officeDocument/2006/relationships" xmlns:p="http://schemas.openxmlformats.org/presentationml/2006/main">
   <p:cSld>
     <p:spTree>
@@ -30065,7 +31259,7 @@
 </p:sld>
 </file>
 
-<file path=ppt/slides/slide5.xml><?xml version="1.0" encoding="utf-8"?>
+<file path=ppt/slides/slide6.xml><?xml version="1.0" encoding="utf-8"?>
 <p:sld xmlns:a="http://schemas.openxmlformats.org/drawingml/2006/main" xmlns:r="http://schemas.openxmlformats.org/officeDocument/2006/relationships" xmlns:p="http://schemas.openxmlformats.org/presentationml/2006/main">
   <p:cSld>
     <p:spTree>
@@ -35999,7 +37193,7 @@
 </p:sld>
 </file>
 
-<file path=ppt/slides/slide6.xml><?xml version="1.0" encoding="utf-8"?>
+<file path=ppt/slides/slide7.xml><?xml version="1.0" encoding="utf-8"?>
 <p:sld xmlns:a="http://schemas.openxmlformats.org/drawingml/2006/main" xmlns:r="http://schemas.openxmlformats.org/officeDocument/2006/relationships" xmlns:p="http://schemas.openxmlformats.org/presentationml/2006/main">
   <p:cSld>
     <p:spTree>
@@ -38723,7 +39917,7 @@
 </p:sld>
 </file>
 
-<file path=ppt/slides/slide7.xml><?xml version="1.0" encoding="utf-8"?>
+<file path=ppt/slides/slide8.xml><?xml version="1.0" encoding="utf-8"?>
 <p:sld xmlns:a="http://schemas.openxmlformats.org/drawingml/2006/main" xmlns:r="http://schemas.openxmlformats.org/officeDocument/2006/relationships" xmlns:p="http://schemas.openxmlformats.org/presentationml/2006/main">
   <p:cSld>
     <p:spTree>
@@ -38783,7 +39977,7 @@
 </p:sld>
 </file>
 
-<file path=ppt/slides/slide8.xml><?xml version="1.0" encoding="utf-8"?>
+<file path=ppt/slides/slide9.xml><?xml version="1.0" encoding="utf-8"?>
 <p:sld xmlns:a="http://schemas.openxmlformats.org/drawingml/2006/main" xmlns:r="http://schemas.openxmlformats.org/officeDocument/2006/relationships" xmlns:p="http://schemas.openxmlformats.org/presentationml/2006/main">
   <p:cSld>
     <p:spTree>
@@ -38972,1119 +40166,6 @@
     <p:extLst>
       <p:ext uri="{BB962C8B-B14F-4D97-AF65-F5344CB8AC3E}">
         <p14:creationId xmlns:p14="http://schemas.microsoft.com/office/powerpoint/2010/main" val="3163657227"/>
-      </p:ext>
-    </p:extLst>
-  </p:cSld>
-  <p:clrMapOvr>
-    <a:masterClrMapping/>
-  </p:clrMapOvr>
-</p:sld>
-</file>
-
-<file path=ppt/slides/slide9.xml><?xml version="1.0" encoding="utf-8"?>
-<p:sld xmlns:a="http://schemas.openxmlformats.org/drawingml/2006/main" xmlns:r="http://schemas.openxmlformats.org/officeDocument/2006/relationships" xmlns:p="http://schemas.openxmlformats.org/presentationml/2006/main">
-  <p:cSld>
-    <p:spTree>
-      <p:nvGrpSpPr>
-        <p:cNvPr id="1" name=""/>
-        <p:cNvGrpSpPr/>
-        <p:nvPr/>
-      </p:nvGrpSpPr>
-      <p:grpSpPr>
-        <a:xfrm>
-          <a:off x="0" y="0"/>
-          <a:ext cx="0" cy="0"/>
-          <a:chOff x="0" y="0"/>
-          <a:chExt cx="0" cy="0"/>
-        </a:xfrm>
-      </p:grpSpPr>
-      <p:sp>
-        <p:nvSpPr>
-          <p:cNvPr id="27" name="Rectangle 26">
-            <a:extLst>
-              <a:ext uri="{FF2B5EF4-FFF2-40B4-BE49-F238E27FC236}">
-                <a16:creationId xmlns:a16="http://schemas.microsoft.com/office/drawing/2014/main" id="{EF47E0B4-DE6B-4494-3A72-7C3BF2D10D0F}"/>
-              </a:ext>
-            </a:extLst>
-          </p:cNvPr>
-          <p:cNvSpPr/>
-          <p:nvPr/>
-        </p:nvSpPr>
-        <p:spPr>
-          <a:xfrm>
-            <a:off x="1526650" y="1463236"/>
-            <a:ext cx="9477955" cy="2639635"/>
-          </a:xfrm>
-          <a:prstGeom prst="rect">
-            <a:avLst/>
-          </a:prstGeom>
-          <a:solidFill>
-            <a:schemeClr val="accent5">
-              <a:lumMod val="60000"/>
-              <a:lumOff val="40000"/>
-            </a:schemeClr>
-          </a:solidFill>
-          <a:ln>
-            <a:noFill/>
-          </a:ln>
-        </p:spPr>
-        <p:style>
-          <a:lnRef idx="2">
-            <a:schemeClr val="accent1">
-              <a:shade val="50000"/>
-            </a:schemeClr>
-          </a:lnRef>
-          <a:fillRef idx="1">
-            <a:schemeClr val="accent1"/>
-          </a:fillRef>
-          <a:effectRef idx="0">
-            <a:schemeClr val="accent1"/>
-          </a:effectRef>
-          <a:fontRef idx="minor">
-            <a:schemeClr val="lt1"/>
-          </a:fontRef>
-        </p:style>
-        <p:txBody>
-          <a:bodyPr rtlCol="0" anchor="ctr"/>
-          <a:lstStyle/>
-          <a:p>
-            <a:pPr algn="ctr"/>
-            <a:endParaRPr lang="en-DE" dirty="0">
-              <a:solidFill>
-                <a:schemeClr val="tx1"/>
-              </a:solidFill>
-            </a:endParaRPr>
-          </a:p>
-        </p:txBody>
-      </p:sp>
-      <p:sp>
-        <p:nvSpPr>
-          <p:cNvPr id="4" name="Rectangle 3">
-            <a:extLst>
-              <a:ext uri="{FF2B5EF4-FFF2-40B4-BE49-F238E27FC236}">
-                <a16:creationId xmlns:a16="http://schemas.microsoft.com/office/drawing/2014/main" id="{A3746AAF-3CB1-A691-A030-2702A5A416D3}"/>
-              </a:ext>
-            </a:extLst>
-          </p:cNvPr>
-          <p:cNvSpPr/>
-          <p:nvPr/>
-        </p:nvSpPr>
-        <p:spPr>
-          <a:xfrm>
-            <a:off x="2296953" y="1971921"/>
-            <a:ext cx="1089331" cy="1844703"/>
-          </a:xfrm>
-          <a:prstGeom prst="rect">
-            <a:avLst/>
-          </a:prstGeom>
-          <a:solidFill>
-            <a:schemeClr val="bg1"/>
-          </a:solidFill>
-          <a:ln>
-            <a:solidFill>
-              <a:schemeClr val="tx1"/>
-            </a:solidFill>
-          </a:ln>
-        </p:spPr>
-        <p:style>
-          <a:lnRef idx="2">
-            <a:schemeClr val="accent1">
-              <a:shade val="50000"/>
-            </a:schemeClr>
-          </a:lnRef>
-          <a:fillRef idx="1">
-            <a:schemeClr val="accent1"/>
-          </a:fillRef>
-          <a:effectRef idx="0">
-            <a:schemeClr val="accent1"/>
-          </a:effectRef>
-          <a:fontRef idx="minor">
-            <a:schemeClr val="lt1"/>
-          </a:fontRef>
-        </p:style>
-        <p:txBody>
-          <a:bodyPr rtlCol="0" anchor="ctr"/>
-          <a:lstStyle/>
-          <a:p>
-            <a:pPr algn="ctr"/>
-            <a:r>
-              <a:rPr lang="en-US" dirty="0">
-                <a:solidFill>
-                  <a:schemeClr val="tx1"/>
-                </a:solidFill>
-              </a:rPr>
-              <a:t>Flow</a:t>
-            </a:r>
-          </a:p>
-          <a:p>
-            <a:pPr algn="ctr"/>
-            <a:r>
-              <a:rPr lang="en-US" dirty="0">
-                <a:solidFill>
-                  <a:schemeClr val="tx1"/>
-                </a:solidFill>
-              </a:rPr>
-              <a:t>Table</a:t>
-            </a:r>
-          </a:p>
-          <a:p>
-            <a:pPr algn="ctr"/>
-            <a:r>
-              <a:rPr lang="en-US" dirty="0">
-                <a:solidFill>
-                  <a:schemeClr val="tx1"/>
-                </a:solidFill>
-              </a:rPr>
-              <a:t>0</a:t>
-            </a:r>
-            <a:endParaRPr lang="en-DE" dirty="0">
-              <a:solidFill>
-                <a:schemeClr val="tx1"/>
-              </a:solidFill>
-            </a:endParaRPr>
-          </a:p>
-        </p:txBody>
-      </p:sp>
-      <p:cxnSp>
-        <p:nvCxnSpPr>
-          <p:cNvPr id="6" name="Straight Arrow Connector 5">
-            <a:extLst>
-              <a:ext uri="{FF2B5EF4-FFF2-40B4-BE49-F238E27FC236}">
-                <a16:creationId xmlns:a16="http://schemas.microsoft.com/office/drawing/2014/main" id="{5140983C-E2C9-B9C7-740F-0F10FD074455}"/>
-              </a:ext>
-            </a:extLst>
-          </p:cNvPr>
-          <p:cNvCxnSpPr>
-            <a:cxnSpLocks/>
-          </p:cNvCxnSpPr>
-          <p:nvPr/>
-        </p:nvCxnSpPr>
-        <p:spPr>
-          <a:xfrm>
-            <a:off x="787179" y="3562281"/>
-            <a:ext cx="1509774" cy="0"/>
-          </a:xfrm>
-          <a:prstGeom prst="straightConnector1">
-            <a:avLst/>
-          </a:prstGeom>
-          <a:ln w="38100">
-            <a:solidFill>
-              <a:schemeClr val="tx1"/>
-            </a:solidFill>
-            <a:tailEnd type="triangle"/>
-          </a:ln>
-        </p:spPr>
-        <p:style>
-          <a:lnRef idx="1">
-            <a:schemeClr val="accent1"/>
-          </a:lnRef>
-          <a:fillRef idx="0">
-            <a:schemeClr val="accent1"/>
-          </a:fillRef>
-          <a:effectRef idx="0">
-            <a:schemeClr val="accent1"/>
-          </a:effectRef>
-          <a:fontRef idx="minor">
-            <a:schemeClr val="tx1"/>
-          </a:fontRef>
-        </p:style>
-      </p:cxnSp>
-      <p:cxnSp>
-        <p:nvCxnSpPr>
-          <p:cNvPr id="8" name="Straight Arrow Connector 7">
-            <a:extLst>
-              <a:ext uri="{FF2B5EF4-FFF2-40B4-BE49-F238E27FC236}">
-                <a16:creationId xmlns:a16="http://schemas.microsoft.com/office/drawing/2014/main" id="{D55E054C-8927-544B-282C-35635B5711DB}"/>
-              </a:ext>
-            </a:extLst>
-          </p:cNvPr>
-          <p:cNvCxnSpPr>
-            <a:cxnSpLocks/>
-          </p:cNvCxnSpPr>
-          <p:nvPr/>
-        </p:nvCxnSpPr>
-        <p:spPr>
-          <a:xfrm>
-            <a:off x="3386284" y="3562281"/>
-            <a:ext cx="1509774" cy="0"/>
-          </a:xfrm>
-          <a:prstGeom prst="straightConnector1">
-            <a:avLst/>
-          </a:prstGeom>
-          <a:ln w="38100">
-            <a:solidFill>
-              <a:schemeClr val="tx1"/>
-            </a:solidFill>
-            <a:tailEnd type="triangle"/>
-          </a:ln>
-        </p:spPr>
-        <p:style>
-          <a:lnRef idx="1">
-            <a:schemeClr val="accent1"/>
-          </a:lnRef>
-          <a:fillRef idx="0">
-            <a:schemeClr val="accent1"/>
-          </a:fillRef>
-          <a:effectRef idx="0">
-            <a:schemeClr val="accent1"/>
-          </a:effectRef>
-          <a:fontRef idx="minor">
-            <a:schemeClr val="tx1"/>
-          </a:fontRef>
-        </p:style>
-      </p:cxnSp>
-      <p:sp>
-        <p:nvSpPr>
-          <p:cNvPr id="9" name="TextBox 8">
-            <a:extLst>
-              <a:ext uri="{FF2B5EF4-FFF2-40B4-BE49-F238E27FC236}">
-                <a16:creationId xmlns:a16="http://schemas.microsoft.com/office/drawing/2014/main" id="{7AB97C71-D52C-A3A8-BFF1-25AB9A5F2C09}"/>
-              </a:ext>
-            </a:extLst>
-          </p:cNvPr>
-          <p:cNvSpPr txBox="1"/>
-          <p:nvPr/>
-        </p:nvSpPr>
-        <p:spPr>
-          <a:xfrm>
-            <a:off x="888250" y="3598207"/>
-            <a:ext cx="1290407" cy="369332"/>
-          </a:xfrm>
-          <a:prstGeom prst="rect">
-            <a:avLst/>
-          </a:prstGeom>
-          <a:noFill/>
-        </p:spPr>
-        <p:txBody>
-          <a:bodyPr wrap="square" rtlCol="0">
-            <a:spAutoFit/>
-          </a:bodyPr>
-          <a:lstStyle/>
-          <a:p>
-            <a:r>
-              <a:rPr lang="en-US" dirty="0"/>
-              <a:t>Ingress Port</a:t>
-            </a:r>
-          </a:p>
-        </p:txBody>
-      </p:sp>
-      <p:sp>
-        <p:nvSpPr>
-          <p:cNvPr id="11" name="TextBox 10">
-            <a:extLst>
-              <a:ext uri="{FF2B5EF4-FFF2-40B4-BE49-F238E27FC236}">
-                <a16:creationId xmlns:a16="http://schemas.microsoft.com/office/drawing/2014/main" id="{DA0742E4-C0A1-DF7C-F534-414580889B23}"/>
-              </a:ext>
-            </a:extLst>
-          </p:cNvPr>
-          <p:cNvSpPr txBox="1"/>
-          <p:nvPr/>
-        </p:nvSpPr>
-        <p:spPr>
-          <a:xfrm>
-            <a:off x="10531149" y="3570329"/>
-            <a:ext cx="1223797" cy="369332"/>
-          </a:xfrm>
-          <a:prstGeom prst="rect">
-            <a:avLst/>
-          </a:prstGeom>
-          <a:noFill/>
-        </p:spPr>
-        <p:txBody>
-          <a:bodyPr wrap="none" rtlCol="0">
-            <a:spAutoFit/>
-          </a:bodyPr>
-          <a:lstStyle/>
-          <a:p>
-            <a:r>
-              <a:rPr lang="en-US" dirty="0"/>
-              <a:t>Egress Port</a:t>
-            </a:r>
-          </a:p>
-        </p:txBody>
-      </p:sp>
-      <p:sp>
-        <p:nvSpPr>
-          <p:cNvPr id="12" name="Rectangle 11">
-            <a:extLst>
-              <a:ext uri="{FF2B5EF4-FFF2-40B4-BE49-F238E27FC236}">
-                <a16:creationId xmlns:a16="http://schemas.microsoft.com/office/drawing/2014/main" id="{EB220551-762C-DFA4-DA97-0CC266E4CA7F}"/>
-              </a:ext>
-            </a:extLst>
-          </p:cNvPr>
-          <p:cNvSpPr/>
-          <p:nvPr/>
-        </p:nvSpPr>
-        <p:spPr>
-          <a:xfrm>
-            <a:off x="4896058" y="1971921"/>
-            <a:ext cx="1089331" cy="1844703"/>
-          </a:xfrm>
-          <a:prstGeom prst="rect">
-            <a:avLst/>
-          </a:prstGeom>
-          <a:solidFill>
-            <a:schemeClr val="bg1"/>
-          </a:solidFill>
-          <a:ln>
-            <a:solidFill>
-              <a:schemeClr val="tx1"/>
-            </a:solidFill>
-          </a:ln>
-        </p:spPr>
-        <p:style>
-          <a:lnRef idx="2">
-            <a:schemeClr val="accent1">
-              <a:shade val="50000"/>
-            </a:schemeClr>
-          </a:lnRef>
-          <a:fillRef idx="1">
-            <a:schemeClr val="accent1"/>
-          </a:fillRef>
-          <a:effectRef idx="0">
-            <a:schemeClr val="accent1"/>
-          </a:effectRef>
-          <a:fontRef idx="minor">
-            <a:schemeClr val="lt1"/>
-          </a:fontRef>
-        </p:style>
-        <p:txBody>
-          <a:bodyPr rtlCol="0" anchor="ctr"/>
-          <a:lstStyle/>
-          <a:p>
-            <a:pPr algn="ctr"/>
-            <a:r>
-              <a:rPr lang="en-US" dirty="0">
-                <a:solidFill>
-                  <a:schemeClr val="tx1"/>
-                </a:solidFill>
-              </a:rPr>
-              <a:t>Flow</a:t>
-            </a:r>
-          </a:p>
-          <a:p>
-            <a:pPr algn="ctr"/>
-            <a:r>
-              <a:rPr lang="en-US" dirty="0">
-                <a:solidFill>
-                  <a:schemeClr val="tx1"/>
-                </a:solidFill>
-              </a:rPr>
-              <a:t>Table</a:t>
-            </a:r>
-          </a:p>
-          <a:p>
-            <a:pPr algn="ctr"/>
-            <a:r>
-              <a:rPr lang="en-US" dirty="0">
-                <a:solidFill>
-                  <a:schemeClr val="tx1"/>
-                </a:solidFill>
-              </a:rPr>
-              <a:t>1</a:t>
-            </a:r>
-            <a:endParaRPr lang="en-DE" dirty="0">
-              <a:solidFill>
-                <a:schemeClr val="tx1"/>
-              </a:solidFill>
-            </a:endParaRPr>
-          </a:p>
-        </p:txBody>
-      </p:sp>
-      <p:cxnSp>
-        <p:nvCxnSpPr>
-          <p:cNvPr id="13" name="Straight Arrow Connector 12">
-            <a:extLst>
-              <a:ext uri="{FF2B5EF4-FFF2-40B4-BE49-F238E27FC236}">
-                <a16:creationId xmlns:a16="http://schemas.microsoft.com/office/drawing/2014/main" id="{3E20A015-6B53-776E-32B6-FFF9FD1E6890}"/>
-              </a:ext>
-            </a:extLst>
-          </p:cNvPr>
-          <p:cNvCxnSpPr>
-            <a:cxnSpLocks/>
-          </p:cNvCxnSpPr>
-          <p:nvPr/>
-        </p:nvCxnSpPr>
-        <p:spPr>
-          <a:xfrm>
-            <a:off x="5985389" y="3570329"/>
-            <a:ext cx="431314" cy="0"/>
-          </a:xfrm>
-          <a:prstGeom prst="straightConnector1">
-            <a:avLst/>
-          </a:prstGeom>
-          <a:ln w="38100">
-            <a:solidFill>
-              <a:schemeClr val="tx1"/>
-            </a:solidFill>
-            <a:tailEnd type="triangle"/>
-          </a:ln>
-        </p:spPr>
-        <p:style>
-          <a:lnRef idx="1">
-            <a:schemeClr val="accent1"/>
-          </a:lnRef>
-          <a:fillRef idx="0">
-            <a:schemeClr val="accent1"/>
-          </a:fillRef>
-          <a:effectRef idx="0">
-            <a:schemeClr val="accent1"/>
-          </a:effectRef>
-          <a:fontRef idx="minor">
-            <a:schemeClr val="tx1"/>
-          </a:fontRef>
-        </p:style>
-      </p:cxnSp>
-      <p:sp>
-        <p:nvSpPr>
-          <p:cNvPr id="19" name="Rectangle 18">
-            <a:extLst>
-              <a:ext uri="{FF2B5EF4-FFF2-40B4-BE49-F238E27FC236}">
-                <a16:creationId xmlns:a16="http://schemas.microsoft.com/office/drawing/2014/main" id="{82635BE0-E1A2-9170-543A-D96535D68FC2}"/>
-              </a:ext>
-            </a:extLst>
-          </p:cNvPr>
-          <p:cNvSpPr/>
-          <p:nvPr/>
-        </p:nvSpPr>
-        <p:spPr>
-          <a:xfrm>
-            <a:off x="7394092" y="1971920"/>
-            <a:ext cx="1089331" cy="1844703"/>
-          </a:xfrm>
-          <a:prstGeom prst="rect">
-            <a:avLst/>
-          </a:prstGeom>
-          <a:solidFill>
-            <a:schemeClr val="bg1"/>
-          </a:solidFill>
-          <a:ln>
-            <a:solidFill>
-              <a:schemeClr val="tx1"/>
-            </a:solidFill>
-          </a:ln>
-        </p:spPr>
-        <p:style>
-          <a:lnRef idx="2">
-            <a:schemeClr val="accent1">
-              <a:shade val="50000"/>
-            </a:schemeClr>
-          </a:lnRef>
-          <a:fillRef idx="1">
-            <a:schemeClr val="accent1"/>
-          </a:fillRef>
-          <a:effectRef idx="0">
-            <a:schemeClr val="accent1"/>
-          </a:effectRef>
-          <a:fontRef idx="minor">
-            <a:schemeClr val="lt1"/>
-          </a:fontRef>
-        </p:style>
-        <p:txBody>
-          <a:bodyPr rtlCol="0" anchor="ctr"/>
-          <a:lstStyle/>
-          <a:p>
-            <a:pPr algn="ctr"/>
-            <a:r>
-              <a:rPr lang="en-US" dirty="0">
-                <a:solidFill>
-                  <a:schemeClr val="tx1"/>
-                </a:solidFill>
-              </a:rPr>
-              <a:t>Flow</a:t>
-            </a:r>
-          </a:p>
-          <a:p>
-            <a:pPr algn="ctr"/>
-            <a:r>
-              <a:rPr lang="en-US" dirty="0">
-                <a:solidFill>
-                  <a:schemeClr val="tx1"/>
-                </a:solidFill>
-              </a:rPr>
-              <a:t>Table</a:t>
-            </a:r>
-          </a:p>
-          <a:p>
-            <a:pPr algn="ctr"/>
-            <a:r>
-              <a:rPr lang="en-US" dirty="0">
-                <a:solidFill>
-                  <a:schemeClr val="tx1"/>
-                </a:solidFill>
-              </a:rPr>
-              <a:t>n</a:t>
-            </a:r>
-            <a:endParaRPr lang="en-DE" dirty="0">
-              <a:solidFill>
-                <a:schemeClr val="tx1"/>
-              </a:solidFill>
-            </a:endParaRPr>
-          </a:p>
-        </p:txBody>
-      </p:sp>
-      <p:cxnSp>
-        <p:nvCxnSpPr>
-          <p:cNvPr id="20" name="Straight Arrow Connector 19">
-            <a:extLst>
-              <a:ext uri="{FF2B5EF4-FFF2-40B4-BE49-F238E27FC236}">
-                <a16:creationId xmlns:a16="http://schemas.microsoft.com/office/drawing/2014/main" id="{D2FF6C0D-44CD-F53A-4EA1-0C80F8C0FBFB}"/>
-              </a:ext>
-            </a:extLst>
-          </p:cNvPr>
-          <p:cNvCxnSpPr>
-            <a:cxnSpLocks/>
-          </p:cNvCxnSpPr>
-          <p:nvPr/>
-        </p:nvCxnSpPr>
-        <p:spPr>
-          <a:xfrm>
-            <a:off x="6962778" y="3562281"/>
-            <a:ext cx="431314" cy="0"/>
-          </a:xfrm>
-          <a:prstGeom prst="straightConnector1">
-            <a:avLst/>
-          </a:prstGeom>
-          <a:ln w="38100">
-            <a:solidFill>
-              <a:schemeClr val="tx1"/>
-            </a:solidFill>
-            <a:tailEnd type="triangle"/>
-          </a:ln>
-        </p:spPr>
-        <p:style>
-          <a:lnRef idx="1">
-            <a:schemeClr val="accent1"/>
-          </a:lnRef>
-          <a:fillRef idx="0">
-            <a:schemeClr val="accent1"/>
-          </a:fillRef>
-          <a:effectRef idx="0">
-            <a:schemeClr val="accent1"/>
-          </a:effectRef>
-          <a:fontRef idx="minor">
-            <a:schemeClr val="tx1"/>
-          </a:fontRef>
-        </p:style>
-      </p:cxnSp>
-      <p:cxnSp>
-        <p:nvCxnSpPr>
-          <p:cNvPr id="21" name="Straight Arrow Connector 20">
-            <a:extLst>
-              <a:ext uri="{FF2B5EF4-FFF2-40B4-BE49-F238E27FC236}">
-                <a16:creationId xmlns:a16="http://schemas.microsoft.com/office/drawing/2014/main" id="{B06FDE2D-FEF2-1C74-F43F-EAEB5BC7CCD3}"/>
-              </a:ext>
-            </a:extLst>
-          </p:cNvPr>
-          <p:cNvCxnSpPr>
-            <a:cxnSpLocks/>
-          </p:cNvCxnSpPr>
-          <p:nvPr/>
-        </p:nvCxnSpPr>
-        <p:spPr>
-          <a:xfrm>
-            <a:off x="10357901" y="3555752"/>
-            <a:ext cx="1509774" cy="0"/>
-          </a:xfrm>
-          <a:prstGeom prst="straightConnector1">
-            <a:avLst/>
-          </a:prstGeom>
-          <a:ln w="38100">
-            <a:solidFill>
-              <a:schemeClr val="tx1"/>
-            </a:solidFill>
-            <a:tailEnd type="triangle"/>
-          </a:ln>
-        </p:spPr>
-        <p:style>
-          <a:lnRef idx="1">
-            <a:schemeClr val="accent1"/>
-          </a:lnRef>
-          <a:fillRef idx="0">
-            <a:schemeClr val="accent1"/>
-          </a:fillRef>
-          <a:effectRef idx="0">
-            <a:schemeClr val="accent1"/>
-          </a:effectRef>
-          <a:fontRef idx="minor">
-            <a:schemeClr val="tx1"/>
-          </a:fontRef>
-        </p:style>
-      </p:cxnSp>
-      <p:sp>
-        <p:nvSpPr>
-          <p:cNvPr id="23" name="Rectangle 22">
-            <a:extLst>
-              <a:ext uri="{FF2B5EF4-FFF2-40B4-BE49-F238E27FC236}">
-                <a16:creationId xmlns:a16="http://schemas.microsoft.com/office/drawing/2014/main" id="{59F21169-46A5-2CDB-AA21-99F3C0ED2BBF}"/>
-              </a:ext>
-            </a:extLst>
-          </p:cNvPr>
-          <p:cNvSpPr/>
-          <p:nvPr/>
-        </p:nvSpPr>
-        <p:spPr>
-          <a:xfrm>
-            <a:off x="9268570" y="2665471"/>
-            <a:ext cx="1089331" cy="1149204"/>
-          </a:xfrm>
-          <a:prstGeom prst="rect">
-            <a:avLst/>
-          </a:prstGeom>
-          <a:solidFill>
-            <a:schemeClr val="bg1"/>
-          </a:solidFill>
-          <a:ln>
-            <a:solidFill>
-              <a:schemeClr val="tx1"/>
-            </a:solidFill>
-            <a:prstDash val="sysDash"/>
-          </a:ln>
-        </p:spPr>
-        <p:style>
-          <a:lnRef idx="2">
-            <a:schemeClr val="accent1">
-              <a:shade val="50000"/>
-            </a:schemeClr>
-          </a:lnRef>
-          <a:fillRef idx="1">
-            <a:schemeClr val="accent1"/>
-          </a:fillRef>
-          <a:effectRef idx="0">
-            <a:schemeClr val="accent1"/>
-          </a:effectRef>
-          <a:fontRef idx="minor">
-            <a:schemeClr val="lt1"/>
-          </a:fontRef>
-        </p:style>
-        <p:txBody>
-          <a:bodyPr rtlCol="0" anchor="ctr"/>
-          <a:lstStyle/>
-          <a:p>
-            <a:pPr algn="ctr"/>
-            <a:r>
-              <a:rPr lang="en-US" dirty="0">
-                <a:solidFill>
-                  <a:schemeClr val="tx1"/>
-                </a:solidFill>
-              </a:rPr>
-              <a:t>Execute Action Set</a:t>
-            </a:r>
-            <a:endParaRPr lang="en-DE" dirty="0">
-              <a:solidFill>
-                <a:schemeClr val="tx1"/>
-              </a:solidFill>
-            </a:endParaRPr>
-          </a:p>
-        </p:txBody>
-      </p:sp>
-      <p:cxnSp>
-        <p:nvCxnSpPr>
-          <p:cNvPr id="24" name="Straight Arrow Connector 23">
-            <a:extLst>
-              <a:ext uri="{FF2B5EF4-FFF2-40B4-BE49-F238E27FC236}">
-                <a16:creationId xmlns:a16="http://schemas.microsoft.com/office/drawing/2014/main" id="{DB158599-ABCD-FB4A-D9E1-CA46A4D59B7A}"/>
-              </a:ext>
-            </a:extLst>
-          </p:cNvPr>
-          <p:cNvCxnSpPr>
-            <a:cxnSpLocks/>
-          </p:cNvCxnSpPr>
-          <p:nvPr/>
-        </p:nvCxnSpPr>
-        <p:spPr>
-          <a:xfrm>
-            <a:off x="8483423" y="3555752"/>
-            <a:ext cx="785147" cy="0"/>
-          </a:xfrm>
-          <a:prstGeom prst="straightConnector1">
-            <a:avLst/>
-          </a:prstGeom>
-          <a:ln w="38100">
-            <a:solidFill>
-              <a:schemeClr val="tx1"/>
-            </a:solidFill>
-            <a:tailEnd type="triangle"/>
-          </a:ln>
-        </p:spPr>
-        <p:style>
-          <a:lnRef idx="1">
-            <a:schemeClr val="accent1"/>
-          </a:lnRef>
-          <a:fillRef idx="0">
-            <a:schemeClr val="accent1"/>
-          </a:fillRef>
-          <a:effectRef idx="0">
-            <a:schemeClr val="accent1"/>
-          </a:effectRef>
-          <a:fontRef idx="minor">
-            <a:schemeClr val="tx1"/>
-          </a:fontRef>
-        </p:style>
-      </p:cxnSp>
-      <p:sp>
-        <p:nvSpPr>
-          <p:cNvPr id="29" name="TextBox 28">
-            <a:extLst>
-              <a:ext uri="{FF2B5EF4-FFF2-40B4-BE49-F238E27FC236}">
-                <a16:creationId xmlns:a16="http://schemas.microsoft.com/office/drawing/2014/main" id="{4FEEADE4-895C-F671-5FB6-D02CBD5924A8}"/>
-              </a:ext>
-            </a:extLst>
-          </p:cNvPr>
-          <p:cNvSpPr txBox="1"/>
-          <p:nvPr/>
-        </p:nvSpPr>
-        <p:spPr>
-          <a:xfrm>
-            <a:off x="766904" y="2837584"/>
-            <a:ext cx="825698" cy="646331"/>
-          </a:xfrm>
-          <a:prstGeom prst="rect">
-            <a:avLst/>
-          </a:prstGeom>
-          <a:noFill/>
-        </p:spPr>
-        <p:txBody>
-          <a:bodyPr wrap="square" rtlCol="0">
-            <a:spAutoFit/>
-          </a:bodyPr>
-          <a:lstStyle/>
-          <a:p>
-            <a:pPr algn="ctr"/>
-            <a:r>
-              <a:rPr lang="en-US" dirty="0"/>
-              <a:t>Packet</a:t>
-            </a:r>
-          </a:p>
-          <a:p>
-            <a:pPr algn="ctr"/>
-            <a:r>
-              <a:rPr lang="en-US" dirty="0"/>
-              <a:t>In</a:t>
-            </a:r>
-          </a:p>
-        </p:txBody>
-      </p:sp>
-      <p:sp>
-        <p:nvSpPr>
-          <p:cNvPr id="31" name="TextBox 30">
-            <a:extLst>
-              <a:ext uri="{FF2B5EF4-FFF2-40B4-BE49-F238E27FC236}">
-                <a16:creationId xmlns:a16="http://schemas.microsoft.com/office/drawing/2014/main" id="{562F3545-4C0F-731F-0917-1B31FE514FB3}"/>
-              </a:ext>
-            </a:extLst>
-          </p:cNvPr>
-          <p:cNvSpPr txBox="1"/>
-          <p:nvPr/>
-        </p:nvSpPr>
-        <p:spPr>
-          <a:xfrm>
-            <a:off x="10949253" y="2783149"/>
-            <a:ext cx="825698" cy="646331"/>
-          </a:xfrm>
-          <a:prstGeom prst="rect">
-            <a:avLst/>
-          </a:prstGeom>
-          <a:noFill/>
-        </p:spPr>
-        <p:txBody>
-          <a:bodyPr wrap="square" rtlCol="0">
-            <a:spAutoFit/>
-          </a:bodyPr>
-          <a:lstStyle/>
-          <a:p>
-            <a:pPr algn="ctr"/>
-            <a:r>
-              <a:rPr lang="en-US" dirty="0"/>
-              <a:t>Packet</a:t>
-            </a:r>
-          </a:p>
-          <a:p>
-            <a:pPr algn="ctr"/>
-            <a:r>
-              <a:rPr lang="en-US" dirty="0"/>
-              <a:t>Out</a:t>
-            </a:r>
-          </a:p>
-        </p:txBody>
-      </p:sp>
-      <p:sp>
-        <p:nvSpPr>
-          <p:cNvPr id="33" name="TextBox 32">
-            <a:extLst>
-              <a:ext uri="{FF2B5EF4-FFF2-40B4-BE49-F238E27FC236}">
-                <a16:creationId xmlns:a16="http://schemas.microsoft.com/office/drawing/2014/main" id="{C7DEE9C3-6230-1C6A-3E44-61A07E63B756}"/>
-              </a:ext>
-            </a:extLst>
-          </p:cNvPr>
-          <p:cNvSpPr txBox="1"/>
-          <p:nvPr/>
-        </p:nvSpPr>
-        <p:spPr>
-          <a:xfrm>
-            <a:off x="9198066" y="1550390"/>
-            <a:ext cx="1663416" cy="369332"/>
-          </a:xfrm>
-          <a:prstGeom prst="rect">
-            <a:avLst/>
-          </a:prstGeom>
-          <a:noFill/>
-        </p:spPr>
-        <p:txBody>
-          <a:bodyPr wrap="square" rtlCol="0">
-            <a:spAutoFit/>
-          </a:bodyPr>
-          <a:lstStyle/>
-          <a:p>
-            <a:pPr algn="ctr"/>
-            <a:r>
-              <a:rPr lang="en-US" b="1" dirty="0"/>
-              <a:t>Open vSwitch</a:t>
-            </a:r>
-          </a:p>
-        </p:txBody>
-      </p:sp>
-      <p:sp>
-        <p:nvSpPr>
-          <p:cNvPr id="37" name="TextBox 36">
-            <a:extLst>
-              <a:ext uri="{FF2B5EF4-FFF2-40B4-BE49-F238E27FC236}">
-                <a16:creationId xmlns:a16="http://schemas.microsoft.com/office/drawing/2014/main" id="{49C41834-1838-28EF-4EAB-195D0FC7CA2F}"/>
-              </a:ext>
-            </a:extLst>
-          </p:cNvPr>
-          <p:cNvSpPr txBox="1"/>
-          <p:nvPr/>
-        </p:nvSpPr>
-        <p:spPr>
-          <a:xfrm>
-            <a:off x="6272718" y="3222305"/>
-            <a:ext cx="825698" cy="523220"/>
-          </a:xfrm>
-          <a:prstGeom prst="rect">
-            <a:avLst/>
-          </a:prstGeom>
-          <a:noFill/>
-        </p:spPr>
-        <p:txBody>
-          <a:bodyPr wrap="square" rtlCol="0">
-            <a:spAutoFit/>
-          </a:bodyPr>
-          <a:lstStyle/>
-          <a:p>
-            <a:pPr algn="ctr"/>
-            <a:r>
-              <a:rPr lang="en-US" sz="2800" b="1" dirty="0"/>
-              <a:t>. . .</a:t>
-            </a:r>
-          </a:p>
-        </p:txBody>
-      </p:sp>
-      <p:sp>
-        <p:nvSpPr>
-          <p:cNvPr id="39" name="TextBox 38">
-            <a:extLst>
-              <a:ext uri="{FF2B5EF4-FFF2-40B4-BE49-F238E27FC236}">
-                <a16:creationId xmlns:a16="http://schemas.microsoft.com/office/drawing/2014/main" id="{9FC0F109-1300-44EF-31BA-383F6B49AD15}"/>
-              </a:ext>
-            </a:extLst>
-          </p:cNvPr>
-          <p:cNvSpPr txBox="1"/>
-          <p:nvPr/>
-        </p:nvSpPr>
-        <p:spPr>
-          <a:xfrm>
-            <a:off x="3977636" y="2885090"/>
-            <a:ext cx="825698" cy="646331"/>
-          </a:xfrm>
-          <a:prstGeom prst="rect">
-            <a:avLst/>
-          </a:prstGeom>
-          <a:noFill/>
-        </p:spPr>
-        <p:txBody>
-          <a:bodyPr wrap="square" rtlCol="0">
-            <a:spAutoFit/>
-          </a:bodyPr>
-          <a:lstStyle/>
-          <a:p>
-            <a:pPr algn="r"/>
-            <a:r>
-              <a:rPr lang="en-US" dirty="0"/>
-              <a:t>Action Set</a:t>
-            </a:r>
-          </a:p>
-        </p:txBody>
-      </p:sp>
-      <p:sp>
-        <p:nvSpPr>
-          <p:cNvPr id="41" name="TextBox 40">
-            <a:extLst>
-              <a:ext uri="{FF2B5EF4-FFF2-40B4-BE49-F238E27FC236}">
-                <a16:creationId xmlns:a16="http://schemas.microsoft.com/office/drawing/2014/main" id="{DEFA3716-7D0B-8B8E-67D7-F60120C5D760}"/>
-              </a:ext>
-            </a:extLst>
-          </p:cNvPr>
-          <p:cNvSpPr txBox="1"/>
-          <p:nvPr/>
-        </p:nvSpPr>
-        <p:spPr>
-          <a:xfrm>
-            <a:off x="6530757" y="2894271"/>
-            <a:ext cx="825698" cy="646331"/>
-          </a:xfrm>
-          <a:prstGeom prst="rect">
-            <a:avLst/>
-          </a:prstGeom>
-          <a:noFill/>
-        </p:spPr>
-        <p:txBody>
-          <a:bodyPr wrap="square" rtlCol="0">
-            <a:spAutoFit/>
-          </a:bodyPr>
-          <a:lstStyle/>
-          <a:p>
-            <a:pPr algn="r"/>
-            <a:r>
-              <a:rPr lang="en-US" dirty="0"/>
-              <a:t>Action Set</a:t>
-            </a:r>
-          </a:p>
-        </p:txBody>
-      </p:sp>
-      <p:sp>
-        <p:nvSpPr>
-          <p:cNvPr id="43" name="TextBox 42">
-            <a:extLst>
-              <a:ext uri="{FF2B5EF4-FFF2-40B4-BE49-F238E27FC236}">
-                <a16:creationId xmlns:a16="http://schemas.microsoft.com/office/drawing/2014/main" id="{9FFA44E6-E247-642B-874B-2B103E0E6FFD}"/>
-              </a:ext>
-            </a:extLst>
-          </p:cNvPr>
-          <p:cNvSpPr txBox="1"/>
-          <p:nvPr/>
-        </p:nvSpPr>
-        <p:spPr>
-          <a:xfrm>
-            <a:off x="8442872" y="2885090"/>
-            <a:ext cx="825698" cy="646331"/>
-          </a:xfrm>
-          <a:prstGeom prst="rect">
-            <a:avLst/>
-          </a:prstGeom>
-          <a:noFill/>
-        </p:spPr>
-        <p:txBody>
-          <a:bodyPr wrap="square" rtlCol="0">
-            <a:spAutoFit/>
-          </a:bodyPr>
-          <a:lstStyle/>
-          <a:p>
-            <a:pPr algn="r"/>
-            <a:r>
-              <a:rPr lang="en-US" dirty="0"/>
-              <a:t>Action Set</a:t>
-            </a:r>
-          </a:p>
-        </p:txBody>
-      </p:sp>
-      <p:sp>
-        <p:nvSpPr>
-          <p:cNvPr id="45" name="TextBox 44">
-            <a:extLst>
-              <a:ext uri="{FF2B5EF4-FFF2-40B4-BE49-F238E27FC236}">
-                <a16:creationId xmlns:a16="http://schemas.microsoft.com/office/drawing/2014/main" id="{F5F9ABFD-07A2-D8FF-4C21-815A0A5846A9}"/>
-              </a:ext>
-            </a:extLst>
-          </p:cNvPr>
-          <p:cNvSpPr txBox="1"/>
-          <p:nvPr/>
-        </p:nvSpPr>
-        <p:spPr>
-          <a:xfrm>
-            <a:off x="1437792" y="2885090"/>
-            <a:ext cx="825698" cy="646331"/>
-          </a:xfrm>
-          <a:prstGeom prst="rect">
-            <a:avLst/>
-          </a:prstGeom>
-          <a:noFill/>
-        </p:spPr>
-        <p:txBody>
-          <a:bodyPr wrap="square" rtlCol="0">
-            <a:spAutoFit/>
-          </a:bodyPr>
-          <a:lstStyle/>
-          <a:p>
-            <a:pPr algn="r"/>
-            <a:r>
-              <a:rPr lang="en-US" dirty="0"/>
-              <a:t>Action Set</a:t>
-            </a:r>
-          </a:p>
-        </p:txBody>
-      </p:sp>
-      <p:sp>
-        <p:nvSpPr>
-          <p:cNvPr id="47" name="TextBox 46">
-            <a:extLst>
-              <a:ext uri="{FF2B5EF4-FFF2-40B4-BE49-F238E27FC236}">
-                <a16:creationId xmlns:a16="http://schemas.microsoft.com/office/drawing/2014/main" id="{903ED567-3C9E-C235-5A67-30AFEAD7B475}"/>
-              </a:ext>
-            </a:extLst>
-          </p:cNvPr>
-          <p:cNvSpPr txBox="1"/>
-          <p:nvPr/>
-        </p:nvSpPr>
-        <p:spPr>
-          <a:xfrm>
-            <a:off x="3208875" y="1692112"/>
-            <a:ext cx="1734445" cy="1077218"/>
-          </a:xfrm>
-          <a:prstGeom prst="rect">
-            <a:avLst/>
-          </a:prstGeom>
-          <a:noFill/>
-        </p:spPr>
-        <p:txBody>
-          <a:bodyPr wrap="square" rtlCol="0">
-            <a:spAutoFit/>
-          </a:bodyPr>
-          <a:lstStyle/>
-          <a:p>
-            <a:pPr algn="r"/>
-            <a:r>
-              <a:rPr lang="en-US" sz="1600" b="1" dirty="0"/>
-              <a:t>Match Fields:</a:t>
-            </a:r>
-          </a:p>
-          <a:p>
-            <a:pPr algn="r"/>
-            <a:r>
-              <a:rPr lang="en-US" sz="1600" dirty="0"/>
-              <a:t>Ingress port +</a:t>
-            </a:r>
-          </a:p>
-          <a:p>
-            <a:pPr algn="r"/>
-            <a:r>
-              <a:rPr lang="en-US" sz="1600" dirty="0"/>
-              <a:t>Packet header +</a:t>
-            </a:r>
-          </a:p>
-          <a:p>
-            <a:pPr algn="r"/>
-            <a:r>
-              <a:rPr lang="en-US" sz="1600" dirty="0"/>
-              <a:t>metadata</a:t>
-            </a:r>
-          </a:p>
-        </p:txBody>
-      </p:sp>
-    </p:spTree>
-    <p:extLst>
-      <p:ext uri="{BB962C8B-B14F-4D97-AF65-F5344CB8AC3E}">
-        <p14:creationId xmlns:p14="http://schemas.microsoft.com/office/powerpoint/2010/main" val="3322915202"/>
       </p:ext>
     </p:extLst>
   </p:cSld>

--- a/Content/Diagrams.pptx
+++ b/Content/Diagrams.pptx
@@ -5,26 +5,27 @@
     <p:sldMasterId id="2147483648" r:id="rId1"/>
   </p:sldMasterIdLst>
   <p:notesMasterIdLst>
-    <p:notesMasterId r:id="rId14"/>
+    <p:notesMasterId r:id="rId15"/>
   </p:notesMasterIdLst>
   <p:sldIdLst>
     <p:sldId id="256" r:id="rId2"/>
-    <p:sldId id="268" r:id="rId3"/>
-    <p:sldId id="267" r:id="rId4"/>
-    <p:sldId id="265" r:id="rId5"/>
-    <p:sldId id="264" r:id="rId6"/>
-    <p:sldId id="266" r:id="rId7"/>
-    <p:sldId id="263" r:id="rId8"/>
-    <p:sldId id="261" r:id="rId9"/>
-    <p:sldId id="260" r:id="rId10"/>
-    <p:sldId id="259" r:id="rId11"/>
-    <p:sldId id="258" r:id="rId12"/>
-    <p:sldId id="257" r:id="rId13"/>
+    <p:sldId id="269" r:id="rId3"/>
+    <p:sldId id="268" r:id="rId4"/>
+    <p:sldId id="267" r:id="rId5"/>
+    <p:sldId id="265" r:id="rId6"/>
+    <p:sldId id="264" r:id="rId7"/>
+    <p:sldId id="266" r:id="rId8"/>
+    <p:sldId id="263" r:id="rId9"/>
+    <p:sldId id="261" r:id="rId10"/>
+    <p:sldId id="260" r:id="rId11"/>
+    <p:sldId id="259" r:id="rId12"/>
+    <p:sldId id="258" r:id="rId13"/>
+    <p:sldId id="257" r:id="rId14"/>
   </p:sldIdLst>
   <p:sldSz cx="12192000" cy="6858000"/>
   <p:notesSz cx="6858000" cy="9144000"/>
   <p:custDataLst>
-    <p:tags r:id="rId15"/>
+    <p:tags r:id="rId16"/>
   </p:custDataLst>
   <p:defaultTextStyle>
     <a:defPPr>
@@ -222,7 +223,7 @@
           <a:p>
             <a:fld id="{F2DD37F5-048F-4840-9C6A-E88D052B6663}" type="datetimeFigureOut">
               <a:rPr lang="en-US" smtClean="0"/>
-              <a:t>9/21/2022</a:t>
+              <a:t>9/22/2022</a:t>
             </a:fld>
             <a:endParaRPr lang="en-US"/>
           </a:p>
@@ -636,7 +637,7 @@
           <a:p>
             <a:fld id="{BCCA07F9-06C3-4C90-A7AE-61AB97B15816}" type="datetimeFigureOut">
               <a:rPr lang="en-US" smtClean="0"/>
-              <a:t>9/21/2022</a:t>
+              <a:t>9/22/2022</a:t>
             </a:fld>
             <a:endParaRPr lang="en-US"/>
           </a:p>
@@ -834,7 +835,7 @@
           <a:p>
             <a:fld id="{BCCA07F9-06C3-4C90-A7AE-61AB97B15816}" type="datetimeFigureOut">
               <a:rPr lang="en-US" smtClean="0"/>
-              <a:t>9/21/2022</a:t>
+              <a:t>9/22/2022</a:t>
             </a:fld>
             <a:endParaRPr lang="en-US"/>
           </a:p>
@@ -1042,7 +1043,7 @@
           <a:p>
             <a:fld id="{BCCA07F9-06C3-4C90-A7AE-61AB97B15816}" type="datetimeFigureOut">
               <a:rPr lang="en-US" smtClean="0"/>
-              <a:t>9/21/2022</a:t>
+              <a:t>9/22/2022</a:t>
             </a:fld>
             <a:endParaRPr lang="en-US"/>
           </a:p>
@@ -1240,7 +1241,7 @@
           <a:p>
             <a:fld id="{BCCA07F9-06C3-4C90-A7AE-61AB97B15816}" type="datetimeFigureOut">
               <a:rPr lang="en-US" smtClean="0"/>
-              <a:t>9/21/2022</a:t>
+              <a:t>9/22/2022</a:t>
             </a:fld>
             <a:endParaRPr lang="en-US"/>
           </a:p>
@@ -1515,7 +1516,7 @@
           <a:p>
             <a:fld id="{BCCA07F9-06C3-4C90-A7AE-61AB97B15816}" type="datetimeFigureOut">
               <a:rPr lang="en-US" smtClean="0"/>
-              <a:t>9/21/2022</a:t>
+              <a:t>9/22/2022</a:t>
             </a:fld>
             <a:endParaRPr lang="en-US"/>
           </a:p>
@@ -1780,7 +1781,7 @@
           <a:p>
             <a:fld id="{BCCA07F9-06C3-4C90-A7AE-61AB97B15816}" type="datetimeFigureOut">
               <a:rPr lang="en-US" smtClean="0"/>
-              <a:t>9/21/2022</a:t>
+              <a:t>9/22/2022</a:t>
             </a:fld>
             <a:endParaRPr lang="en-US"/>
           </a:p>
@@ -2192,7 +2193,7 @@
           <a:p>
             <a:fld id="{BCCA07F9-06C3-4C90-A7AE-61AB97B15816}" type="datetimeFigureOut">
               <a:rPr lang="en-US" smtClean="0"/>
-              <a:t>9/21/2022</a:t>
+              <a:t>9/22/2022</a:t>
             </a:fld>
             <a:endParaRPr lang="en-US"/>
           </a:p>
@@ -2333,7 +2334,7 @@
           <a:p>
             <a:fld id="{BCCA07F9-06C3-4C90-A7AE-61AB97B15816}" type="datetimeFigureOut">
               <a:rPr lang="en-US" smtClean="0"/>
-              <a:t>9/21/2022</a:t>
+              <a:t>9/22/2022</a:t>
             </a:fld>
             <a:endParaRPr lang="en-US"/>
           </a:p>
@@ -2446,7 +2447,7 @@
           <a:p>
             <a:fld id="{BCCA07F9-06C3-4C90-A7AE-61AB97B15816}" type="datetimeFigureOut">
               <a:rPr lang="en-US" smtClean="0"/>
-              <a:t>9/21/2022</a:t>
+              <a:t>9/22/2022</a:t>
             </a:fld>
             <a:endParaRPr lang="en-US"/>
           </a:p>
@@ -2757,7 +2758,7 @@
           <a:p>
             <a:fld id="{BCCA07F9-06C3-4C90-A7AE-61AB97B15816}" type="datetimeFigureOut">
               <a:rPr lang="en-US" smtClean="0"/>
-              <a:t>9/21/2022</a:t>
+              <a:t>9/22/2022</a:t>
             </a:fld>
             <a:endParaRPr lang="en-US"/>
           </a:p>
@@ -3045,7 +3046,7 @@
           <a:p>
             <a:fld id="{BCCA07F9-06C3-4C90-A7AE-61AB97B15816}" type="datetimeFigureOut">
               <a:rPr lang="en-US" smtClean="0"/>
-              <a:t>9/21/2022</a:t>
+              <a:t>9/22/2022</a:t>
             </a:fld>
             <a:endParaRPr lang="en-US"/>
           </a:p>
@@ -3352,7 +3353,7 @@
           <a:p>
             <a:fld id="{BCCA07F9-06C3-4C90-A7AE-61AB97B15816}" type="datetimeFigureOut">
               <a:rPr lang="en-US" smtClean="0"/>
-              <a:t>9/21/2022</a:t>
+              <a:t>9/22/2022</a:t>
             </a:fld>
             <a:endParaRPr lang="en-US"/>
           </a:p>
@@ -3833,6 +3834,204 @@
 </file>
 
 <file path=ppt/slides/slide10.xml><?xml version="1.0" encoding="utf-8"?>
+<p:sld xmlns:a="http://schemas.openxmlformats.org/drawingml/2006/main" xmlns:r="http://schemas.openxmlformats.org/officeDocument/2006/relationships" xmlns:p="http://schemas.openxmlformats.org/presentationml/2006/main">
+  <p:cSld>
+    <p:spTree>
+      <p:nvGrpSpPr>
+        <p:cNvPr id="1" name=""/>
+        <p:cNvGrpSpPr/>
+        <p:nvPr/>
+      </p:nvGrpSpPr>
+      <p:grpSpPr>
+        <a:xfrm>
+          <a:off x="0" y="0"/>
+          <a:ext cx="0" cy="0"/>
+          <a:chOff x="0" y="0"/>
+          <a:chExt cx="0" cy="0"/>
+        </a:xfrm>
+      </p:grpSpPr>
+      <p:pic>
+        <p:nvPicPr>
+          <p:cNvPr id="7" name="Picture 6">
+            <a:extLst>
+              <a:ext uri="{FF2B5EF4-FFF2-40B4-BE49-F238E27FC236}">
+                <a16:creationId xmlns:a16="http://schemas.microsoft.com/office/drawing/2014/main" id="{C44DC955-AA62-C845-716D-637C5FE0F1DA}"/>
+              </a:ext>
+            </a:extLst>
+          </p:cNvPr>
+          <p:cNvPicPr>
+            <a:picLocks noChangeAspect="1"/>
+          </p:cNvPicPr>
+          <p:nvPr/>
+        </p:nvPicPr>
+        <p:blipFill>
+          <a:blip r:embed="rId2"/>
+          <a:stretch>
+            <a:fillRect/>
+          </a:stretch>
+        </p:blipFill>
+        <p:spPr>
+          <a:xfrm>
+            <a:off x="1760911" y="475838"/>
+            <a:ext cx="7906853" cy="5906324"/>
+          </a:xfrm>
+          <a:prstGeom prst="rect">
+            <a:avLst/>
+          </a:prstGeom>
+        </p:spPr>
+      </p:pic>
+      <p:sp>
+        <p:nvSpPr>
+          <p:cNvPr id="5" name="TextBox 4">
+            <a:extLst>
+              <a:ext uri="{FF2B5EF4-FFF2-40B4-BE49-F238E27FC236}">
+                <a16:creationId xmlns:a16="http://schemas.microsoft.com/office/drawing/2014/main" id="{60C9B9EC-F653-0CE0-5F0E-DC89D5F1DB2D}"/>
+              </a:ext>
+            </a:extLst>
+          </p:cNvPr>
+          <p:cNvSpPr txBox="1"/>
+          <p:nvPr/>
+        </p:nvSpPr>
+        <p:spPr>
+          <a:xfrm>
+            <a:off x="1847328" y="558542"/>
+            <a:ext cx="2031197" cy="461665"/>
+          </a:xfrm>
+          <a:prstGeom prst="rect">
+            <a:avLst/>
+          </a:prstGeom>
+          <a:solidFill>
+            <a:schemeClr val="bg1"/>
+          </a:solidFill>
+        </p:spPr>
+        <p:txBody>
+          <a:bodyPr wrap="none" rtlCol="0">
+            <a:spAutoFit/>
+          </a:bodyPr>
+          <a:lstStyle/>
+          <a:p>
+            <a:r>
+              <a:rPr lang="en-US" sz="2400" b="1" dirty="0">
+                <a:solidFill>
+                  <a:srgbClr val="1A294B"/>
+                </a:solidFill>
+              </a:rPr>
+              <a:t>add-test-flows</a:t>
+            </a:r>
+            <a:endParaRPr lang="en-DE" sz="2400" b="1" dirty="0">
+              <a:solidFill>
+                <a:srgbClr val="1A294B"/>
+              </a:solidFill>
+            </a:endParaRPr>
+          </a:p>
+        </p:txBody>
+      </p:sp>
+      <p:sp>
+        <p:nvSpPr>
+          <p:cNvPr id="9" name="TextBox 8">
+            <a:extLst>
+              <a:ext uri="{FF2B5EF4-FFF2-40B4-BE49-F238E27FC236}">
+                <a16:creationId xmlns:a16="http://schemas.microsoft.com/office/drawing/2014/main" id="{864F1984-C45F-A300-0445-02B61F0B0218}"/>
+              </a:ext>
+            </a:extLst>
+          </p:cNvPr>
+          <p:cNvSpPr txBox="1"/>
+          <p:nvPr/>
+        </p:nvSpPr>
+        <p:spPr>
+          <a:xfrm>
+            <a:off x="2637841" y="1419103"/>
+            <a:ext cx="2258054" cy="400110"/>
+          </a:xfrm>
+          <a:prstGeom prst="rect">
+            <a:avLst/>
+          </a:prstGeom>
+          <a:solidFill>
+            <a:schemeClr val="bg1"/>
+          </a:solidFill>
+        </p:spPr>
+        <p:txBody>
+          <a:bodyPr wrap="none" rtlCol="0">
+            <a:spAutoFit/>
+          </a:bodyPr>
+          <a:lstStyle/>
+          <a:p>
+            <a:r>
+              <a:rPr lang="en-US" sz="2000" dirty="0">
+                <a:solidFill>
+                  <a:srgbClr val="1A294B"/>
+                </a:solidFill>
+              </a:rPr>
+              <a:t>onos:add-test-flows</a:t>
+            </a:r>
+            <a:endParaRPr lang="en-DE" sz="2000" dirty="0">
+              <a:solidFill>
+                <a:srgbClr val="1A294B"/>
+              </a:solidFill>
+            </a:endParaRPr>
+          </a:p>
+        </p:txBody>
+      </p:sp>
+      <p:sp>
+        <p:nvSpPr>
+          <p:cNvPr id="11" name="TextBox 10">
+            <a:extLst>
+              <a:ext uri="{FF2B5EF4-FFF2-40B4-BE49-F238E27FC236}">
+                <a16:creationId xmlns:a16="http://schemas.microsoft.com/office/drawing/2014/main" id="{C96064BE-98CA-88F2-9797-F6DA1858E230}"/>
+              </a:ext>
+            </a:extLst>
+          </p:cNvPr>
+          <p:cNvSpPr txBox="1"/>
+          <p:nvPr/>
+        </p:nvSpPr>
+        <p:spPr>
+          <a:xfrm>
+            <a:off x="2637841" y="2425041"/>
+            <a:ext cx="6101478" cy="400110"/>
+          </a:xfrm>
+          <a:prstGeom prst="rect">
+            <a:avLst/>
+          </a:prstGeom>
+          <a:solidFill>
+            <a:schemeClr val="bg1"/>
+          </a:solidFill>
+        </p:spPr>
+        <p:txBody>
+          <a:bodyPr wrap="none" rtlCol="0">
+            <a:spAutoFit/>
+          </a:bodyPr>
+          <a:lstStyle/>
+          <a:p>
+            <a:r>
+              <a:rPr lang="en-US" sz="2000" dirty="0">
+                <a:solidFill>
+                  <a:srgbClr val="1A294B"/>
+                </a:solidFill>
+              </a:rPr>
+              <a:t>onos:add-test-flows [options] flowPerDevice numOfRuns</a:t>
+            </a:r>
+            <a:endParaRPr lang="en-DE" sz="2000" dirty="0">
+              <a:solidFill>
+                <a:srgbClr val="1A294B"/>
+              </a:solidFill>
+            </a:endParaRPr>
+          </a:p>
+        </p:txBody>
+      </p:sp>
+    </p:spTree>
+    <p:extLst>
+      <p:ext uri="{BB962C8B-B14F-4D97-AF65-F5344CB8AC3E}">
+        <p14:creationId xmlns:p14="http://schemas.microsoft.com/office/powerpoint/2010/main" val="3163657227"/>
+      </p:ext>
+    </p:extLst>
+  </p:cSld>
+  <p:clrMapOvr>
+    <a:masterClrMapping/>
+  </p:clrMapOvr>
+</p:sld>
+</file>
+
+<file path=ppt/slides/slide11.xml><?xml version="1.0" encoding="utf-8"?>
 <p:sld xmlns:a="http://schemas.openxmlformats.org/drawingml/2006/main" xmlns:r="http://schemas.openxmlformats.org/officeDocument/2006/relationships" xmlns:p="http://schemas.openxmlformats.org/presentationml/2006/main">
   <p:cSld>
     <p:spTree>
@@ -4945,7 +5144,7 @@
 </p:sld>
 </file>
 
-<file path=ppt/slides/slide11.xml><?xml version="1.0" encoding="utf-8"?>
+<file path=ppt/slides/slide12.xml><?xml version="1.0" encoding="utf-8"?>
 <p:sld xmlns:a="http://schemas.openxmlformats.org/drawingml/2006/main" xmlns:r="http://schemas.openxmlformats.org/officeDocument/2006/relationships" xmlns:p="http://schemas.openxmlformats.org/presentationml/2006/main">
   <p:cSld>
     <p:spTree>
@@ -5540,7 +5739,7 @@
 </p:sld>
 </file>
 
-<file path=ppt/slides/slide12.xml><?xml version="1.0" encoding="utf-8"?>
+<file path=ppt/slides/slide13.xml><?xml version="1.0" encoding="utf-8"?>
 <p:sld xmlns:a="http://schemas.openxmlformats.org/drawingml/2006/main" xmlns:r="http://schemas.openxmlformats.org/officeDocument/2006/relationships" xmlns:p="http://schemas.openxmlformats.org/presentationml/2006/main">
   <p:cSld>
     <p:spTree>
@@ -23831,6 +24030,2367 @@
           <a:chExt cx="0" cy="0"/>
         </a:xfrm>
       </p:grpSpPr>
+      <p:graphicFrame>
+        <p:nvGraphicFramePr>
+          <p:cNvPr id="7" name="Table 7">
+            <a:extLst>
+              <a:ext uri="{FF2B5EF4-FFF2-40B4-BE49-F238E27FC236}">
+                <a16:creationId xmlns:a16="http://schemas.microsoft.com/office/drawing/2014/main" id="{0AC247BB-3505-0B4F-9567-D11731E4CE00}"/>
+              </a:ext>
+            </a:extLst>
+          </p:cNvPr>
+          <p:cNvGraphicFramePr>
+            <a:graphicFrameLocks noGrp="1"/>
+          </p:cNvGraphicFramePr>
+          <p:nvPr>
+            <p:extLst>
+              <p:ext uri="{D42A27DB-BD31-4B8C-83A1-F6EECF244321}">
+                <p14:modId xmlns:p14="http://schemas.microsoft.com/office/powerpoint/2010/main" val="3878259296"/>
+              </p:ext>
+            </p:extLst>
+          </p:nvPr>
+        </p:nvGraphicFramePr>
+        <p:xfrm>
+          <a:off x="2031999" y="2316480"/>
+          <a:ext cx="8128002" cy="2301240"/>
+        </p:xfrm>
+        <a:graphic>
+          <a:graphicData uri="http://schemas.openxmlformats.org/drawingml/2006/table">
+            <a:tbl>
+              <a:tblPr firstRow="1" bandRow="1">
+                <a:tableStyleId>{3B4B98B0-60AC-42C2-AFA5-B58CD77FA1E5}</a:tableStyleId>
+              </a:tblPr>
+              <a:tblGrid>
+                <a:gridCol w="1354667">
+                  <a:extLst>
+                    <a:ext uri="{9D8B030D-6E8A-4147-A177-3AD203B41FA5}">
+                      <a16:colId xmlns:a16="http://schemas.microsoft.com/office/drawing/2014/main" val="1939629907"/>
+                    </a:ext>
+                  </a:extLst>
+                </a:gridCol>
+                <a:gridCol w="1354667">
+                  <a:extLst>
+                    <a:ext uri="{9D8B030D-6E8A-4147-A177-3AD203B41FA5}">
+                      <a16:colId xmlns:a16="http://schemas.microsoft.com/office/drawing/2014/main" val="1947658173"/>
+                    </a:ext>
+                  </a:extLst>
+                </a:gridCol>
+                <a:gridCol w="1354667">
+                  <a:extLst>
+                    <a:ext uri="{9D8B030D-6E8A-4147-A177-3AD203B41FA5}">
+                      <a16:colId xmlns:a16="http://schemas.microsoft.com/office/drawing/2014/main" val="2719836434"/>
+                    </a:ext>
+                  </a:extLst>
+                </a:gridCol>
+                <a:gridCol w="1354667">
+                  <a:extLst>
+                    <a:ext uri="{9D8B030D-6E8A-4147-A177-3AD203B41FA5}">
+                      <a16:colId xmlns:a16="http://schemas.microsoft.com/office/drawing/2014/main" val="2161592313"/>
+                    </a:ext>
+                  </a:extLst>
+                </a:gridCol>
+                <a:gridCol w="1354667">
+                  <a:extLst>
+                    <a:ext uri="{9D8B030D-6E8A-4147-A177-3AD203B41FA5}">
+                      <a16:colId xmlns:a16="http://schemas.microsoft.com/office/drawing/2014/main" val="1347804674"/>
+                    </a:ext>
+                  </a:extLst>
+                </a:gridCol>
+                <a:gridCol w="1354667">
+                  <a:extLst>
+                    <a:ext uri="{9D8B030D-6E8A-4147-A177-3AD203B41FA5}">
+                      <a16:colId xmlns:a16="http://schemas.microsoft.com/office/drawing/2014/main" val="165987470"/>
+                    </a:ext>
+                  </a:extLst>
+                </a:gridCol>
+              </a:tblGrid>
+              <a:tr h="370840">
+                <a:tc>
+                  <a:txBody>
+                    <a:bodyPr/>
+                    <a:lstStyle/>
+                    <a:p>
+                      <a:pPr algn="ctr"/>
+                      <a:r>
+                        <a:rPr lang="en-US" sz="1200" dirty="0">
+                          <a:latin typeface="Times New Roman" panose="02020603050405020304" pitchFamily="18" charset="0"/>
+                          <a:cs typeface="Times New Roman" panose="02020603050405020304" pitchFamily="18" charset="0"/>
+                        </a:rPr>
+                        <a:t>Version 1.0</a:t>
+                      </a:r>
+                      <a:endParaRPr lang="en-DE" sz="1200" dirty="0">
+                        <a:latin typeface="Times New Roman" panose="02020603050405020304" pitchFamily="18" charset="0"/>
+                        <a:cs typeface="Times New Roman" panose="02020603050405020304" pitchFamily="18" charset="0"/>
+                      </a:endParaRPr>
+                    </a:p>
+                  </a:txBody>
+                  <a:tcPr>
+                    <a:lnL>
+                      <a:noFill/>
+                    </a:lnL>
+                    <a:lnR w="12700" cap="flat" cmpd="sng" algn="ctr">
+                      <a:solidFill>
+                        <a:schemeClr val="tx1"/>
+                      </a:solidFill>
+                      <a:prstDash val="solid"/>
+                      <a:round/>
+                      <a:headEnd type="none" w="med" len="med"/>
+                      <a:tailEnd type="none" w="med" len="med"/>
+                    </a:lnR>
+                    <a:lnT w="12700" cmpd="sng">
+                      <a:noFill/>
+                    </a:lnT>
+                    <a:lnB w="12700" cap="flat" cmpd="sng" algn="ctr">
+                      <a:solidFill>
+                        <a:schemeClr val="tx1"/>
+                      </a:solidFill>
+                      <a:prstDash val="solid"/>
+                      <a:round/>
+                      <a:headEnd type="none" w="med" len="med"/>
+                      <a:tailEnd type="none" w="med" len="med"/>
+                    </a:lnB>
+                    <a:lnTlToBr w="12700" cmpd="sng">
+                      <a:noFill/>
+                      <a:prstDash val="solid"/>
+                    </a:lnTlToBr>
+                    <a:lnBlToTr w="12700" cmpd="sng">
+                      <a:noFill/>
+                      <a:prstDash val="solid"/>
+                    </a:lnBlToTr>
+                  </a:tcPr>
+                </a:tc>
+                <a:tc>
+                  <a:txBody>
+                    <a:bodyPr/>
+                    <a:lstStyle/>
+                    <a:p>
+                      <a:pPr marL="0" marR="0" lvl="0" indent="0" algn="ctr" defTabSz="914400" rtl="0" eaLnBrk="1" fontAlgn="auto" latinLnBrk="0" hangingPunct="1">
+                        <a:lnSpc>
+                          <a:spcPct val="100000"/>
+                        </a:lnSpc>
+                        <a:spcBef>
+                          <a:spcPts val="0"/>
+                        </a:spcBef>
+                        <a:spcAft>
+                          <a:spcPts val="0"/>
+                        </a:spcAft>
+                        <a:buClrTx/>
+                        <a:buSzTx/>
+                        <a:buFontTx/>
+                        <a:buNone/>
+                        <a:tabLst/>
+                        <a:defRPr/>
+                      </a:pPr>
+                      <a:r>
+                        <a:rPr lang="en-US" sz="1200" dirty="0">
+                          <a:latin typeface="Times New Roman" panose="02020603050405020304" pitchFamily="18" charset="0"/>
+                          <a:cs typeface="Times New Roman" panose="02020603050405020304" pitchFamily="18" charset="0"/>
+                        </a:rPr>
+                        <a:t>Version 1.1</a:t>
+                      </a:r>
+                      <a:endParaRPr lang="en-DE" sz="1200" dirty="0">
+                        <a:latin typeface="Times New Roman" panose="02020603050405020304" pitchFamily="18" charset="0"/>
+                        <a:cs typeface="Times New Roman" panose="02020603050405020304" pitchFamily="18" charset="0"/>
+                      </a:endParaRPr>
+                    </a:p>
+                  </a:txBody>
+                  <a:tcPr>
+                    <a:lnL w="12700" cap="flat" cmpd="sng" algn="ctr">
+                      <a:solidFill>
+                        <a:schemeClr val="tx1"/>
+                      </a:solidFill>
+                      <a:prstDash val="solid"/>
+                      <a:round/>
+                      <a:headEnd type="none" w="med" len="med"/>
+                      <a:tailEnd type="none" w="med" len="med"/>
+                    </a:lnL>
+                    <a:lnR w="12700" cap="flat" cmpd="sng" algn="ctr">
+                      <a:solidFill>
+                        <a:schemeClr val="tx1"/>
+                      </a:solidFill>
+                      <a:prstDash val="solid"/>
+                      <a:round/>
+                      <a:headEnd type="none" w="med" len="med"/>
+                      <a:tailEnd type="none" w="med" len="med"/>
+                    </a:lnR>
+                    <a:lnT w="12700" cmpd="sng">
+                      <a:noFill/>
+                    </a:lnT>
+                    <a:lnB w="12700" cap="flat" cmpd="sng" algn="ctr">
+                      <a:solidFill>
+                        <a:schemeClr val="tx1"/>
+                      </a:solidFill>
+                      <a:prstDash val="solid"/>
+                      <a:round/>
+                      <a:headEnd type="none" w="med" len="med"/>
+                      <a:tailEnd type="none" w="med" len="med"/>
+                    </a:lnB>
+                    <a:lnTlToBr w="12700" cmpd="sng">
+                      <a:noFill/>
+                      <a:prstDash val="solid"/>
+                    </a:lnTlToBr>
+                    <a:lnBlToTr w="12700" cmpd="sng">
+                      <a:noFill/>
+                      <a:prstDash val="solid"/>
+                    </a:lnBlToTr>
+                  </a:tcPr>
+                </a:tc>
+                <a:tc>
+                  <a:txBody>
+                    <a:bodyPr/>
+                    <a:lstStyle/>
+                    <a:p>
+                      <a:pPr marL="0" marR="0" lvl="0" indent="0" algn="ctr" defTabSz="914400" rtl="0" eaLnBrk="1" fontAlgn="auto" latinLnBrk="0" hangingPunct="1">
+                        <a:lnSpc>
+                          <a:spcPct val="100000"/>
+                        </a:lnSpc>
+                        <a:spcBef>
+                          <a:spcPts val="0"/>
+                        </a:spcBef>
+                        <a:spcAft>
+                          <a:spcPts val="0"/>
+                        </a:spcAft>
+                        <a:buClrTx/>
+                        <a:buSzTx/>
+                        <a:buFontTx/>
+                        <a:buNone/>
+                        <a:tabLst/>
+                        <a:defRPr/>
+                      </a:pPr>
+                      <a:r>
+                        <a:rPr lang="en-US" sz="1200" dirty="0">
+                          <a:latin typeface="Times New Roman" panose="02020603050405020304" pitchFamily="18" charset="0"/>
+                          <a:cs typeface="Times New Roman" panose="02020603050405020304" pitchFamily="18" charset="0"/>
+                        </a:rPr>
+                        <a:t>Version 1.2</a:t>
+                      </a:r>
+                      <a:endParaRPr lang="en-DE" sz="1200" dirty="0">
+                        <a:latin typeface="Times New Roman" panose="02020603050405020304" pitchFamily="18" charset="0"/>
+                        <a:cs typeface="Times New Roman" panose="02020603050405020304" pitchFamily="18" charset="0"/>
+                      </a:endParaRPr>
+                    </a:p>
+                  </a:txBody>
+                  <a:tcPr>
+                    <a:lnL w="12700" cap="flat" cmpd="sng" algn="ctr">
+                      <a:solidFill>
+                        <a:schemeClr val="tx1"/>
+                      </a:solidFill>
+                      <a:prstDash val="solid"/>
+                      <a:round/>
+                      <a:headEnd type="none" w="med" len="med"/>
+                      <a:tailEnd type="none" w="med" len="med"/>
+                    </a:lnL>
+                    <a:lnR w="12700" cap="flat" cmpd="sng" algn="ctr">
+                      <a:solidFill>
+                        <a:schemeClr val="tx1"/>
+                      </a:solidFill>
+                      <a:prstDash val="solid"/>
+                      <a:round/>
+                      <a:headEnd type="none" w="med" len="med"/>
+                      <a:tailEnd type="none" w="med" len="med"/>
+                    </a:lnR>
+                    <a:lnT w="12700" cmpd="sng">
+                      <a:noFill/>
+                    </a:lnT>
+                    <a:lnB w="12700" cap="flat" cmpd="sng" algn="ctr">
+                      <a:solidFill>
+                        <a:schemeClr val="tx1"/>
+                      </a:solidFill>
+                      <a:prstDash val="solid"/>
+                      <a:round/>
+                      <a:headEnd type="none" w="med" len="med"/>
+                      <a:tailEnd type="none" w="med" len="med"/>
+                    </a:lnB>
+                    <a:lnTlToBr w="12700" cmpd="sng">
+                      <a:noFill/>
+                      <a:prstDash val="solid"/>
+                    </a:lnTlToBr>
+                    <a:lnBlToTr w="12700" cmpd="sng">
+                      <a:noFill/>
+                      <a:prstDash val="solid"/>
+                    </a:lnBlToTr>
+                  </a:tcPr>
+                </a:tc>
+                <a:tc>
+                  <a:txBody>
+                    <a:bodyPr/>
+                    <a:lstStyle/>
+                    <a:p>
+                      <a:pPr marL="0" marR="0" lvl="0" indent="0" algn="ctr" defTabSz="914400" rtl="0" eaLnBrk="1" fontAlgn="auto" latinLnBrk="0" hangingPunct="1">
+                        <a:lnSpc>
+                          <a:spcPct val="100000"/>
+                        </a:lnSpc>
+                        <a:spcBef>
+                          <a:spcPts val="0"/>
+                        </a:spcBef>
+                        <a:spcAft>
+                          <a:spcPts val="0"/>
+                        </a:spcAft>
+                        <a:buClrTx/>
+                        <a:buSzTx/>
+                        <a:buFontTx/>
+                        <a:buNone/>
+                        <a:tabLst/>
+                        <a:defRPr/>
+                      </a:pPr>
+                      <a:r>
+                        <a:rPr lang="en-US" sz="1200" dirty="0">
+                          <a:latin typeface="Times New Roman" panose="02020603050405020304" pitchFamily="18" charset="0"/>
+                          <a:cs typeface="Times New Roman" panose="02020603050405020304" pitchFamily="18" charset="0"/>
+                        </a:rPr>
+                        <a:t>Version 1.3</a:t>
+                      </a:r>
+                      <a:endParaRPr lang="en-DE" sz="1200" dirty="0">
+                        <a:latin typeface="Times New Roman" panose="02020603050405020304" pitchFamily="18" charset="0"/>
+                        <a:cs typeface="Times New Roman" panose="02020603050405020304" pitchFamily="18" charset="0"/>
+                      </a:endParaRPr>
+                    </a:p>
+                  </a:txBody>
+                  <a:tcPr>
+                    <a:lnL w="12700" cap="flat" cmpd="sng" algn="ctr">
+                      <a:solidFill>
+                        <a:schemeClr val="tx1"/>
+                      </a:solidFill>
+                      <a:prstDash val="solid"/>
+                      <a:round/>
+                      <a:headEnd type="none" w="med" len="med"/>
+                      <a:tailEnd type="none" w="med" len="med"/>
+                    </a:lnL>
+                    <a:lnR w="12700" cap="flat" cmpd="sng" algn="ctr">
+                      <a:solidFill>
+                        <a:schemeClr val="tx1"/>
+                      </a:solidFill>
+                      <a:prstDash val="solid"/>
+                      <a:round/>
+                      <a:headEnd type="none" w="med" len="med"/>
+                      <a:tailEnd type="none" w="med" len="med"/>
+                    </a:lnR>
+                    <a:lnT w="12700" cmpd="sng">
+                      <a:noFill/>
+                    </a:lnT>
+                    <a:lnB w="12700" cap="flat" cmpd="sng" algn="ctr">
+                      <a:solidFill>
+                        <a:schemeClr val="tx1"/>
+                      </a:solidFill>
+                      <a:prstDash val="solid"/>
+                      <a:round/>
+                      <a:headEnd type="none" w="med" len="med"/>
+                      <a:tailEnd type="none" w="med" len="med"/>
+                    </a:lnB>
+                    <a:lnTlToBr w="12700" cmpd="sng">
+                      <a:noFill/>
+                      <a:prstDash val="solid"/>
+                    </a:lnTlToBr>
+                    <a:lnBlToTr w="12700" cmpd="sng">
+                      <a:noFill/>
+                      <a:prstDash val="solid"/>
+                    </a:lnBlToTr>
+                  </a:tcPr>
+                </a:tc>
+                <a:tc>
+                  <a:txBody>
+                    <a:bodyPr/>
+                    <a:lstStyle/>
+                    <a:p>
+                      <a:pPr marL="0" marR="0" lvl="0" indent="0" algn="ctr" defTabSz="914400" rtl="0" eaLnBrk="1" fontAlgn="auto" latinLnBrk="0" hangingPunct="1">
+                        <a:lnSpc>
+                          <a:spcPct val="100000"/>
+                        </a:lnSpc>
+                        <a:spcBef>
+                          <a:spcPts val="0"/>
+                        </a:spcBef>
+                        <a:spcAft>
+                          <a:spcPts val="0"/>
+                        </a:spcAft>
+                        <a:buClrTx/>
+                        <a:buSzTx/>
+                        <a:buFontTx/>
+                        <a:buNone/>
+                        <a:tabLst/>
+                        <a:defRPr/>
+                      </a:pPr>
+                      <a:r>
+                        <a:rPr lang="en-US" sz="1200" dirty="0">
+                          <a:latin typeface="Times New Roman" panose="02020603050405020304" pitchFamily="18" charset="0"/>
+                          <a:cs typeface="Times New Roman" panose="02020603050405020304" pitchFamily="18" charset="0"/>
+                        </a:rPr>
+                        <a:t>Version 1.4</a:t>
+                      </a:r>
+                      <a:endParaRPr lang="en-DE" sz="1200" dirty="0">
+                        <a:latin typeface="Times New Roman" panose="02020603050405020304" pitchFamily="18" charset="0"/>
+                        <a:cs typeface="Times New Roman" panose="02020603050405020304" pitchFamily="18" charset="0"/>
+                      </a:endParaRPr>
+                    </a:p>
+                  </a:txBody>
+                  <a:tcPr>
+                    <a:lnL w="12700" cap="flat" cmpd="sng" algn="ctr">
+                      <a:solidFill>
+                        <a:schemeClr val="tx1"/>
+                      </a:solidFill>
+                      <a:prstDash val="solid"/>
+                      <a:round/>
+                      <a:headEnd type="none" w="med" len="med"/>
+                      <a:tailEnd type="none" w="med" len="med"/>
+                    </a:lnL>
+                    <a:lnR w="12700" cap="flat" cmpd="sng" algn="ctr">
+                      <a:solidFill>
+                        <a:schemeClr val="tx1"/>
+                      </a:solidFill>
+                      <a:prstDash val="solid"/>
+                      <a:round/>
+                      <a:headEnd type="none" w="med" len="med"/>
+                      <a:tailEnd type="none" w="med" len="med"/>
+                    </a:lnR>
+                    <a:lnT w="12700" cmpd="sng">
+                      <a:noFill/>
+                    </a:lnT>
+                    <a:lnB w="12700" cap="flat" cmpd="sng" algn="ctr">
+                      <a:solidFill>
+                        <a:schemeClr val="tx1"/>
+                      </a:solidFill>
+                      <a:prstDash val="solid"/>
+                      <a:round/>
+                      <a:headEnd type="none" w="med" len="med"/>
+                      <a:tailEnd type="none" w="med" len="med"/>
+                    </a:lnB>
+                    <a:lnTlToBr w="12700" cmpd="sng">
+                      <a:noFill/>
+                      <a:prstDash val="solid"/>
+                    </a:lnTlToBr>
+                    <a:lnBlToTr w="12700" cmpd="sng">
+                      <a:noFill/>
+                      <a:prstDash val="solid"/>
+                    </a:lnBlToTr>
+                  </a:tcPr>
+                </a:tc>
+                <a:tc>
+                  <a:txBody>
+                    <a:bodyPr/>
+                    <a:lstStyle/>
+                    <a:p>
+                      <a:pPr marL="0" marR="0" lvl="0" indent="0" algn="ctr" defTabSz="914400" rtl="0" eaLnBrk="1" fontAlgn="auto" latinLnBrk="0" hangingPunct="1">
+                        <a:lnSpc>
+                          <a:spcPct val="100000"/>
+                        </a:lnSpc>
+                        <a:spcBef>
+                          <a:spcPts val="0"/>
+                        </a:spcBef>
+                        <a:spcAft>
+                          <a:spcPts val="0"/>
+                        </a:spcAft>
+                        <a:buClrTx/>
+                        <a:buSzTx/>
+                        <a:buFontTx/>
+                        <a:buNone/>
+                        <a:tabLst/>
+                        <a:defRPr/>
+                      </a:pPr>
+                      <a:r>
+                        <a:rPr lang="en-US" sz="1200" dirty="0">
+                          <a:latin typeface="Times New Roman" panose="02020603050405020304" pitchFamily="18" charset="0"/>
+                          <a:cs typeface="Times New Roman" panose="02020603050405020304" pitchFamily="18" charset="0"/>
+                        </a:rPr>
+                        <a:t>Version 1.5</a:t>
+                      </a:r>
+                      <a:endParaRPr lang="en-DE" sz="1200" dirty="0">
+                        <a:latin typeface="Times New Roman" panose="02020603050405020304" pitchFamily="18" charset="0"/>
+                        <a:cs typeface="Times New Roman" panose="02020603050405020304" pitchFamily="18" charset="0"/>
+                      </a:endParaRPr>
+                    </a:p>
+                  </a:txBody>
+                  <a:tcPr>
+                    <a:lnL w="12700" cap="flat" cmpd="sng" algn="ctr">
+                      <a:solidFill>
+                        <a:schemeClr val="tx1"/>
+                      </a:solidFill>
+                      <a:prstDash val="solid"/>
+                      <a:round/>
+                      <a:headEnd type="none" w="med" len="med"/>
+                      <a:tailEnd type="none" w="med" len="med"/>
+                    </a:lnL>
+                    <a:lnR>
+                      <a:noFill/>
+                    </a:lnR>
+                    <a:lnT w="12700" cmpd="sng">
+                      <a:noFill/>
+                    </a:lnT>
+                    <a:lnB w="12700" cap="flat" cmpd="sng" algn="ctr">
+                      <a:solidFill>
+                        <a:schemeClr val="tx1"/>
+                      </a:solidFill>
+                      <a:prstDash val="solid"/>
+                      <a:round/>
+                      <a:headEnd type="none" w="med" len="med"/>
+                      <a:tailEnd type="none" w="med" len="med"/>
+                    </a:lnB>
+                    <a:lnTlToBr w="12700" cmpd="sng">
+                      <a:noFill/>
+                      <a:prstDash val="solid"/>
+                    </a:lnTlToBr>
+                    <a:lnBlToTr w="12700" cmpd="sng">
+                      <a:noFill/>
+                      <a:prstDash val="solid"/>
+                    </a:lnBlToTr>
+                  </a:tcPr>
+                </a:tc>
+                <a:extLst>
+                  <a:ext uri="{0D108BD9-81ED-4DB2-BD59-A6C34878D82A}">
+                    <a16:rowId xmlns:a16="http://schemas.microsoft.com/office/drawing/2014/main" val="1325475088"/>
+                  </a:ext>
+                </a:extLst>
+              </a:tr>
+              <a:tr h="370840">
+                <a:tc>
+                  <a:txBody>
+                    <a:bodyPr/>
+                    <a:lstStyle/>
+                    <a:p>
+                      <a:r>
+                        <a:rPr lang="en-US" sz="1000" dirty="0">
+                          <a:latin typeface="Times New Roman" panose="02020603050405020304" pitchFamily="18" charset="0"/>
+                          <a:cs typeface="Times New Roman" panose="02020603050405020304" pitchFamily="18" charset="0"/>
+                        </a:rPr>
+                        <a:t>Single flow table entry</a:t>
+                      </a:r>
+                      <a:endParaRPr lang="en-DE" sz="1000" dirty="0">
+                        <a:latin typeface="Times New Roman" panose="02020603050405020304" pitchFamily="18" charset="0"/>
+                        <a:cs typeface="Times New Roman" panose="02020603050405020304" pitchFamily="18" charset="0"/>
+                      </a:endParaRPr>
+                    </a:p>
+                  </a:txBody>
+                  <a:tcPr>
+                    <a:lnL>
+                      <a:noFill/>
+                    </a:lnL>
+                    <a:lnR w="12700" cap="flat" cmpd="sng" algn="ctr">
+                      <a:solidFill>
+                        <a:schemeClr val="tx1"/>
+                      </a:solidFill>
+                      <a:prstDash val="solid"/>
+                      <a:round/>
+                      <a:headEnd type="none" w="med" len="med"/>
+                      <a:tailEnd type="none" w="med" len="med"/>
+                    </a:lnR>
+                    <a:lnT w="12700" cap="flat" cmpd="sng" algn="ctr">
+                      <a:solidFill>
+                        <a:schemeClr val="tx1"/>
+                      </a:solidFill>
+                      <a:prstDash val="solid"/>
+                      <a:round/>
+                      <a:headEnd type="none" w="med" len="med"/>
+                      <a:tailEnd type="none" w="med" len="med"/>
+                    </a:lnT>
+                    <a:lnB w="3175" cap="flat" cmpd="sng" algn="ctr">
+                      <a:solidFill>
+                        <a:schemeClr val="tx1"/>
+                      </a:solidFill>
+                      <a:prstDash val="solid"/>
+                      <a:round/>
+                      <a:headEnd type="none" w="med" len="med"/>
+                      <a:tailEnd type="none" w="med" len="med"/>
+                    </a:lnB>
+                    <a:lnTlToBr w="12700" cmpd="sng">
+                      <a:noFill/>
+                      <a:prstDash val="solid"/>
+                    </a:lnTlToBr>
+                    <a:lnBlToTr w="12700" cmpd="sng">
+                      <a:noFill/>
+                      <a:prstDash val="solid"/>
+                    </a:lnBlToTr>
+                  </a:tcPr>
+                </a:tc>
+                <a:tc>
+                  <a:txBody>
+                    <a:bodyPr/>
+                    <a:lstStyle/>
+                    <a:p>
+                      <a:r>
+                        <a:rPr lang="en-US" sz="1000" dirty="0">
+                          <a:latin typeface="Times New Roman" panose="02020603050405020304" pitchFamily="18" charset="0"/>
+                          <a:cs typeface="Times New Roman" panose="02020603050405020304" pitchFamily="18" charset="0"/>
+                        </a:rPr>
+                        <a:t>Multiple flow table</a:t>
+                      </a:r>
+                      <a:endParaRPr lang="en-DE" sz="1000" dirty="0">
+                        <a:latin typeface="Times New Roman" panose="02020603050405020304" pitchFamily="18" charset="0"/>
+                        <a:cs typeface="Times New Roman" panose="02020603050405020304" pitchFamily="18" charset="0"/>
+                      </a:endParaRPr>
+                    </a:p>
+                  </a:txBody>
+                  <a:tcPr>
+                    <a:lnL w="12700" cap="flat" cmpd="sng" algn="ctr">
+                      <a:solidFill>
+                        <a:schemeClr val="tx1"/>
+                      </a:solidFill>
+                      <a:prstDash val="solid"/>
+                      <a:round/>
+                      <a:headEnd type="none" w="med" len="med"/>
+                      <a:tailEnd type="none" w="med" len="med"/>
+                    </a:lnL>
+                    <a:lnR w="12700" cap="flat" cmpd="sng" algn="ctr">
+                      <a:solidFill>
+                        <a:schemeClr val="tx1"/>
+                      </a:solidFill>
+                      <a:prstDash val="solid"/>
+                      <a:round/>
+                      <a:headEnd type="none" w="med" len="med"/>
+                      <a:tailEnd type="none" w="med" len="med"/>
+                    </a:lnR>
+                    <a:lnT w="12700" cap="flat" cmpd="sng" algn="ctr">
+                      <a:solidFill>
+                        <a:schemeClr val="tx1"/>
+                      </a:solidFill>
+                      <a:prstDash val="solid"/>
+                      <a:round/>
+                      <a:headEnd type="none" w="med" len="med"/>
+                      <a:tailEnd type="none" w="med" len="med"/>
+                    </a:lnT>
+                    <a:lnB w="3175" cap="flat" cmpd="sng" algn="ctr">
+                      <a:solidFill>
+                        <a:schemeClr val="tx1"/>
+                      </a:solidFill>
+                      <a:prstDash val="solid"/>
+                      <a:round/>
+                      <a:headEnd type="none" w="med" len="med"/>
+                      <a:tailEnd type="none" w="med" len="med"/>
+                    </a:lnB>
+                    <a:lnTlToBr w="12700" cmpd="sng">
+                      <a:noFill/>
+                      <a:prstDash val="solid"/>
+                    </a:lnTlToBr>
+                    <a:lnBlToTr w="12700" cmpd="sng">
+                      <a:noFill/>
+                      <a:prstDash val="solid"/>
+                    </a:lnBlToTr>
+                  </a:tcPr>
+                </a:tc>
+                <a:tc>
+                  <a:txBody>
+                    <a:bodyPr/>
+                    <a:lstStyle/>
+                    <a:p>
+                      <a:r>
+                        <a:rPr lang="en-US" sz="1000" dirty="0">
+                          <a:latin typeface="Times New Roman" panose="02020603050405020304" pitchFamily="18" charset="0"/>
+                          <a:cs typeface="Times New Roman" panose="02020603050405020304" pitchFamily="18" charset="0"/>
+                        </a:rPr>
+                        <a:t>Support for IPv6</a:t>
+                      </a:r>
+                      <a:endParaRPr lang="en-DE" sz="1000" dirty="0">
+                        <a:latin typeface="Times New Roman" panose="02020603050405020304" pitchFamily="18" charset="0"/>
+                        <a:cs typeface="Times New Roman" panose="02020603050405020304" pitchFamily="18" charset="0"/>
+                      </a:endParaRPr>
+                    </a:p>
+                  </a:txBody>
+                  <a:tcPr>
+                    <a:lnL w="12700" cap="flat" cmpd="sng" algn="ctr">
+                      <a:solidFill>
+                        <a:schemeClr val="tx1"/>
+                      </a:solidFill>
+                      <a:prstDash val="solid"/>
+                      <a:round/>
+                      <a:headEnd type="none" w="med" len="med"/>
+                      <a:tailEnd type="none" w="med" len="med"/>
+                    </a:lnL>
+                    <a:lnR w="12700" cap="flat" cmpd="sng" algn="ctr">
+                      <a:solidFill>
+                        <a:schemeClr val="tx1"/>
+                      </a:solidFill>
+                      <a:prstDash val="solid"/>
+                      <a:round/>
+                      <a:headEnd type="none" w="med" len="med"/>
+                      <a:tailEnd type="none" w="med" len="med"/>
+                    </a:lnR>
+                    <a:lnT w="12700" cap="flat" cmpd="sng" algn="ctr">
+                      <a:solidFill>
+                        <a:schemeClr val="tx1"/>
+                      </a:solidFill>
+                      <a:prstDash val="solid"/>
+                      <a:round/>
+                      <a:headEnd type="none" w="med" len="med"/>
+                      <a:tailEnd type="none" w="med" len="med"/>
+                    </a:lnT>
+                    <a:lnB w="3175" cap="flat" cmpd="sng" algn="ctr">
+                      <a:solidFill>
+                        <a:schemeClr val="tx1"/>
+                      </a:solidFill>
+                      <a:prstDash val="solid"/>
+                      <a:round/>
+                      <a:headEnd type="none" w="med" len="med"/>
+                      <a:tailEnd type="none" w="med" len="med"/>
+                    </a:lnB>
+                    <a:lnTlToBr w="12700" cmpd="sng">
+                      <a:noFill/>
+                      <a:prstDash val="solid"/>
+                    </a:lnTlToBr>
+                    <a:lnBlToTr w="12700" cmpd="sng">
+                      <a:noFill/>
+                      <a:prstDash val="solid"/>
+                    </a:lnBlToTr>
+                  </a:tcPr>
+                </a:tc>
+                <a:tc>
+                  <a:txBody>
+                    <a:bodyPr/>
+                    <a:lstStyle/>
+                    <a:p>
+                      <a:r>
+                        <a:rPr lang="en-US" sz="1000" dirty="0">
+                          <a:latin typeface="Times New Roman" panose="02020603050405020304" pitchFamily="18" charset="0"/>
+                          <a:cs typeface="Times New Roman" panose="02020603050405020304" pitchFamily="18" charset="0"/>
+                        </a:rPr>
+                        <a:t>Support for IPv6 extension header</a:t>
+                      </a:r>
+                    </a:p>
+                  </a:txBody>
+                  <a:tcPr>
+                    <a:lnL w="12700" cap="flat" cmpd="sng" algn="ctr">
+                      <a:solidFill>
+                        <a:schemeClr val="tx1"/>
+                      </a:solidFill>
+                      <a:prstDash val="solid"/>
+                      <a:round/>
+                      <a:headEnd type="none" w="med" len="med"/>
+                      <a:tailEnd type="none" w="med" len="med"/>
+                    </a:lnL>
+                    <a:lnR w="12700" cap="flat" cmpd="sng" algn="ctr">
+                      <a:solidFill>
+                        <a:schemeClr val="tx1"/>
+                      </a:solidFill>
+                      <a:prstDash val="solid"/>
+                      <a:round/>
+                      <a:headEnd type="none" w="med" len="med"/>
+                      <a:tailEnd type="none" w="med" len="med"/>
+                    </a:lnR>
+                    <a:lnT w="12700" cap="flat" cmpd="sng" algn="ctr">
+                      <a:solidFill>
+                        <a:schemeClr val="tx1"/>
+                      </a:solidFill>
+                      <a:prstDash val="solid"/>
+                      <a:round/>
+                      <a:headEnd type="none" w="med" len="med"/>
+                      <a:tailEnd type="none" w="med" len="med"/>
+                    </a:lnT>
+                    <a:lnB w="3175" cap="flat" cmpd="sng" algn="ctr">
+                      <a:solidFill>
+                        <a:schemeClr val="tx1"/>
+                      </a:solidFill>
+                      <a:prstDash val="solid"/>
+                      <a:round/>
+                      <a:headEnd type="none" w="med" len="med"/>
+                      <a:tailEnd type="none" w="med" len="med"/>
+                    </a:lnB>
+                    <a:lnTlToBr w="12700" cmpd="sng">
+                      <a:noFill/>
+                      <a:prstDash val="solid"/>
+                    </a:lnTlToBr>
+                    <a:lnBlToTr w="12700" cmpd="sng">
+                      <a:noFill/>
+                      <a:prstDash val="solid"/>
+                    </a:lnBlToTr>
+                  </a:tcPr>
+                </a:tc>
+                <a:tc>
+                  <a:txBody>
+                    <a:bodyPr/>
+                    <a:lstStyle/>
+                    <a:p>
+                      <a:r>
+                        <a:rPr lang="en-US" sz="1000" dirty="0">
+                          <a:latin typeface="Times New Roman" panose="02020603050405020304" pitchFamily="18" charset="0"/>
+                          <a:cs typeface="Times New Roman" panose="02020603050405020304" pitchFamily="18" charset="0"/>
+                        </a:rPr>
+                        <a:t>Add in bundle mechanism</a:t>
+                      </a:r>
+                      <a:endParaRPr lang="en-DE" sz="1000" dirty="0">
+                        <a:latin typeface="Times New Roman" panose="02020603050405020304" pitchFamily="18" charset="0"/>
+                        <a:cs typeface="Times New Roman" panose="02020603050405020304" pitchFamily="18" charset="0"/>
+                      </a:endParaRPr>
+                    </a:p>
+                  </a:txBody>
+                  <a:tcPr>
+                    <a:lnL w="12700" cap="flat" cmpd="sng" algn="ctr">
+                      <a:solidFill>
+                        <a:schemeClr val="tx1"/>
+                      </a:solidFill>
+                      <a:prstDash val="solid"/>
+                      <a:round/>
+                      <a:headEnd type="none" w="med" len="med"/>
+                      <a:tailEnd type="none" w="med" len="med"/>
+                    </a:lnL>
+                    <a:lnR w="12700" cap="flat" cmpd="sng" algn="ctr">
+                      <a:solidFill>
+                        <a:schemeClr val="tx1"/>
+                      </a:solidFill>
+                      <a:prstDash val="solid"/>
+                      <a:round/>
+                      <a:headEnd type="none" w="med" len="med"/>
+                      <a:tailEnd type="none" w="med" len="med"/>
+                    </a:lnR>
+                    <a:lnT w="12700" cap="flat" cmpd="sng" algn="ctr">
+                      <a:solidFill>
+                        <a:schemeClr val="tx1"/>
+                      </a:solidFill>
+                      <a:prstDash val="solid"/>
+                      <a:round/>
+                      <a:headEnd type="none" w="med" len="med"/>
+                      <a:tailEnd type="none" w="med" len="med"/>
+                    </a:lnT>
+                    <a:lnB w="3175" cap="flat" cmpd="sng" algn="ctr">
+                      <a:solidFill>
+                        <a:schemeClr val="tx1"/>
+                      </a:solidFill>
+                      <a:prstDash val="solid"/>
+                      <a:round/>
+                      <a:headEnd type="none" w="med" len="med"/>
+                      <a:tailEnd type="none" w="med" len="med"/>
+                    </a:lnB>
+                    <a:lnTlToBr w="12700" cmpd="sng">
+                      <a:noFill/>
+                      <a:prstDash val="solid"/>
+                    </a:lnTlToBr>
+                    <a:lnBlToTr w="12700" cmpd="sng">
+                      <a:noFill/>
+                      <a:prstDash val="solid"/>
+                    </a:lnBlToTr>
+                  </a:tcPr>
+                </a:tc>
+                <a:tc>
+                  <a:txBody>
+                    <a:bodyPr/>
+                    <a:lstStyle/>
+                    <a:p>
+                      <a:r>
+                        <a:rPr lang="en-US" sz="1000" dirty="0">
+                          <a:latin typeface="Times New Roman" panose="02020603050405020304" pitchFamily="18" charset="0"/>
+                          <a:cs typeface="Times New Roman" panose="02020603050405020304" pitchFamily="18" charset="0"/>
+                        </a:rPr>
+                        <a:t>Egress table</a:t>
+                      </a:r>
+                      <a:endParaRPr lang="en-DE" sz="1000" dirty="0">
+                        <a:latin typeface="Times New Roman" panose="02020603050405020304" pitchFamily="18" charset="0"/>
+                        <a:cs typeface="Times New Roman" panose="02020603050405020304" pitchFamily="18" charset="0"/>
+                      </a:endParaRPr>
+                    </a:p>
+                  </a:txBody>
+                  <a:tcPr>
+                    <a:lnL w="12700" cap="flat" cmpd="sng" algn="ctr">
+                      <a:solidFill>
+                        <a:schemeClr val="tx1"/>
+                      </a:solidFill>
+                      <a:prstDash val="solid"/>
+                      <a:round/>
+                      <a:headEnd type="none" w="med" len="med"/>
+                      <a:tailEnd type="none" w="med" len="med"/>
+                    </a:lnL>
+                    <a:lnR>
+                      <a:noFill/>
+                    </a:lnR>
+                    <a:lnT w="12700" cap="flat" cmpd="sng" algn="ctr">
+                      <a:solidFill>
+                        <a:schemeClr val="tx1"/>
+                      </a:solidFill>
+                      <a:prstDash val="solid"/>
+                      <a:round/>
+                      <a:headEnd type="none" w="med" len="med"/>
+                      <a:tailEnd type="none" w="med" len="med"/>
+                    </a:lnT>
+                    <a:lnB w="3175" cap="flat" cmpd="sng" algn="ctr">
+                      <a:solidFill>
+                        <a:schemeClr val="tx1"/>
+                      </a:solidFill>
+                      <a:prstDash val="solid"/>
+                      <a:round/>
+                      <a:headEnd type="none" w="med" len="med"/>
+                      <a:tailEnd type="none" w="med" len="med"/>
+                    </a:lnB>
+                    <a:lnTlToBr w="12700" cmpd="sng">
+                      <a:noFill/>
+                      <a:prstDash val="solid"/>
+                    </a:lnTlToBr>
+                    <a:lnBlToTr w="12700" cmpd="sng">
+                      <a:noFill/>
+                      <a:prstDash val="solid"/>
+                    </a:lnBlToTr>
+                  </a:tcPr>
+                </a:tc>
+                <a:extLst>
+                  <a:ext uri="{0D108BD9-81ED-4DB2-BD59-A6C34878D82A}">
+                    <a16:rowId xmlns:a16="http://schemas.microsoft.com/office/drawing/2014/main" val="2124353233"/>
+                  </a:ext>
+                </a:extLst>
+              </a:tr>
+              <a:tr h="370840">
+                <a:tc>
+                  <a:txBody>
+                    <a:bodyPr/>
+                    <a:lstStyle/>
+                    <a:p>
+                      <a:r>
+                        <a:rPr lang="en-US" sz="1000" dirty="0">
+                          <a:latin typeface="Times New Roman" panose="02020603050405020304" pitchFamily="18" charset="0"/>
+                          <a:cs typeface="Times New Roman" panose="02020603050405020304" pitchFamily="18" charset="0"/>
+                        </a:rPr>
+                        <a:t>Single Controller</a:t>
+                      </a:r>
+                      <a:endParaRPr lang="en-DE" sz="1000" dirty="0">
+                        <a:latin typeface="Times New Roman" panose="02020603050405020304" pitchFamily="18" charset="0"/>
+                        <a:cs typeface="Times New Roman" panose="02020603050405020304" pitchFamily="18" charset="0"/>
+                      </a:endParaRPr>
+                    </a:p>
+                  </a:txBody>
+                  <a:tcPr>
+                    <a:lnL>
+                      <a:noFill/>
+                    </a:lnL>
+                    <a:lnR w="12700" cap="flat" cmpd="sng" algn="ctr">
+                      <a:solidFill>
+                        <a:schemeClr val="tx1"/>
+                      </a:solidFill>
+                      <a:prstDash val="solid"/>
+                      <a:round/>
+                      <a:headEnd type="none" w="med" len="med"/>
+                      <a:tailEnd type="none" w="med" len="med"/>
+                    </a:lnR>
+                    <a:lnT w="3175" cap="flat" cmpd="sng" algn="ctr">
+                      <a:solidFill>
+                        <a:schemeClr val="tx1"/>
+                      </a:solidFill>
+                      <a:prstDash val="solid"/>
+                      <a:round/>
+                      <a:headEnd type="none" w="med" len="med"/>
+                      <a:tailEnd type="none" w="med" len="med"/>
+                    </a:lnT>
+                    <a:lnB w="3175" cap="flat" cmpd="sng" algn="ctr">
+                      <a:solidFill>
+                        <a:schemeClr val="tx1"/>
+                      </a:solidFill>
+                      <a:prstDash val="solid"/>
+                      <a:round/>
+                      <a:headEnd type="none" w="med" len="med"/>
+                      <a:tailEnd type="none" w="med" len="med"/>
+                    </a:lnB>
+                    <a:lnTlToBr w="12700" cmpd="sng">
+                      <a:noFill/>
+                      <a:prstDash val="solid"/>
+                    </a:lnTlToBr>
+                    <a:lnBlToTr w="12700" cmpd="sng">
+                      <a:noFill/>
+                      <a:prstDash val="solid"/>
+                    </a:lnBlToTr>
+                  </a:tcPr>
+                </a:tc>
+                <a:tc>
+                  <a:txBody>
+                    <a:bodyPr/>
+                    <a:lstStyle/>
+                    <a:p>
+                      <a:r>
+                        <a:rPr lang="en-US" sz="1000" dirty="0">
+                          <a:latin typeface="Times New Roman" panose="02020603050405020304" pitchFamily="18" charset="0"/>
+                          <a:cs typeface="Times New Roman" panose="02020603050405020304" pitchFamily="18" charset="0"/>
+                        </a:rPr>
+                        <a:t>Pipeline Processing</a:t>
+                      </a:r>
+                      <a:endParaRPr lang="en-DE" sz="1000" dirty="0">
+                        <a:latin typeface="Times New Roman" panose="02020603050405020304" pitchFamily="18" charset="0"/>
+                        <a:cs typeface="Times New Roman" panose="02020603050405020304" pitchFamily="18" charset="0"/>
+                      </a:endParaRPr>
+                    </a:p>
+                  </a:txBody>
+                  <a:tcPr>
+                    <a:lnL w="12700" cap="flat" cmpd="sng" algn="ctr">
+                      <a:solidFill>
+                        <a:schemeClr val="tx1"/>
+                      </a:solidFill>
+                      <a:prstDash val="solid"/>
+                      <a:round/>
+                      <a:headEnd type="none" w="med" len="med"/>
+                      <a:tailEnd type="none" w="med" len="med"/>
+                    </a:lnL>
+                    <a:lnR w="12700" cap="flat" cmpd="sng" algn="ctr">
+                      <a:solidFill>
+                        <a:schemeClr val="tx1"/>
+                      </a:solidFill>
+                      <a:prstDash val="solid"/>
+                      <a:round/>
+                      <a:headEnd type="none" w="med" len="med"/>
+                      <a:tailEnd type="none" w="med" len="med"/>
+                    </a:lnR>
+                    <a:lnT w="3175" cap="flat" cmpd="sng" algn="ctr">
+                      <a:solidFill>
+                        <a:schemeClr val="tx1"/>
+                      </a:solidFill>
+                      <a:prstDash val="solid"/>
+                      <a:round/>
+                      <a:headEnd type="none" w="med" len="med"/>
+                      <a:tailEnd type="none" w="med" len="med"/>
+                    </a:lnT>
+                    <a:lnB w="3175" cap="flat" cmpd="sng" algn="ctr">
+                      <a:solidFill>
+                        <a:schemeClr val="tx1"/>
+                      </a:solidFill>
+                      <a:prstDash val="solid"/>
+                      <a:round/>
+                      <a:headEnd type="none" w="med" len="med"/>
+                      <a:tailEnd type="none" w="med" len="med"/>
+                    </a:lnB>
+                    <a:lnTlToBr w="12700" cmpd="sng">
+                      <a:noFill/>
+                      <a:prstDash val="solid"/>
+                    </a:lnTlToBr>
+                    <a:lnBlToTr w="12700" cmpd="sng">
+                      <a:noFill/>
+                      <a:prstDash val="solid"/>
+                    </a:lnBlToTr>
+                  </a:tcPr>
+                </a:tc>
+                <a:tc>
+                  <a:txBody>
+                    <a:bodyPr/>
+                    <a:lstStyle/>
+                    <a:p>
+                      <a:r>
+                        <a:rPr lang="en-US" sz="1000" dirty="0">
+                          <a:latin typeface="Times New Roman" panose="02020603050405020304" pitchFamily="18" charset="0"/>
+                          <a:cs typeface="Times New Roman" panose="02020603050405020304" pitchFamily="18" charset="0"/>
+                        </a:rPr>
+                        <a:t>Extensible TLV support</a:t>
+                      </a:r>
+                      <a:endParaRPr lang="en-DE" sz="1000" dirty="0">
+                        <a:latin typeface="Times New Roman" panose="02020603050405020304" pitchFamily="18" charset="0"/>
+                        <a:cs typeface="Times New Roman" panose="02020603050405020304" pitchFamily="18" charset="0"/>
+                      </a:endParaRPr>
+                    </a:p>
+                  </a:txBody>
+                  <a:tcPr>
+                    <a:lnL w="12700" cap="flat" cmpd="sng" algn="ctr">
+                      <a:solidFill>
+                        <a:schemeClr val="tx1"/>
+                      </a:solidFill>
+                      <a:prstDash val="solid"/>
+                      <a:round/>
+                      <a:headEnd type="none" w="med" len="med"/>
+                      <a:tailEnd type="none" w="med" len="med"/>
+                    </a:lnL>
+                    <a:lnR w="12700" cap="flat" cmpd="sng" algn="ctr">
+                      <a:solidFill>
+                        <a:schemeClr val="tx1"/>
+                      </a:solidFill>
+                      <a:prstDash val="solid"/>
+                      <a:round/>
+                      <a:headEnd type="none" w="med" len="med"/>
+                      <a:tailEnd type="none" w="med" len="med"/>
+                    </a:lnR>
+                    <a:lnT w="3175" cap="flat" cmpd="sng" algn="ctr">
+                      <a:solidFill>
+                        <a:schemeClr val="tx1"/>
+                      </a:solidFill>
+                      <a:prstDash val="solid"/>
+                      <a:round/>
+                      <a:headEnd type="none" w="med" len="med"/>
+                      <a:tailEnd type="none" w="med" len="med"/>
+                    </a:lnT>
+                    <a:lnB w="3175" cap="flat" cmpd="sng" algn="ctr">
+                      <a:solidFill>
+                        <a:schemeClr val="tx1"/>
+                      </a:solidFill>
+                      <a:prstDash val="solid"/>
+                      <a:round/>
+                      <a:headEnd type="none" w="med" len="med"/>
+                      <a:tailEnd type="none" w="med" len="med"/>
+                    </a:lnB>
+                    <a:lnTlToBr w="12700" cmpd="sng">
+                      <a:noFill/>
+                      <a:prstDash val="solid"/>
+                    </a:lnTlToBr>
+                    <a:lnBlToTr w="12700" cmpd="sng">
+                      <a:noFill/>
+                      <a:prstDash val="solid"/>
+                    </a:lnBlToTr>
+                  </a:tcPr>
+                </a:tc>
+                <a:tc>
+                  <a:txBody>
+                    <a:bodyPr/>
+                    <a:lstStyle/>
+                    <a:p>
+                      <a:pPr marL="0" marR="0" lvl="0" indent="0" algn="l" defTabSz="914400" rtl="0" eaLnBrk="1" fontAlgn="auto" latinLnBrk="0" hangingPunct="1">
+                        <a:lnSpc>
+                          <a:spcPct val="100000"/>
+                        </a:lnSpc>
+                        <a:spcBef>
+                          <a:spcPts val="0"/>
+                        </a:spcBef>
+                        <a:spcAft>
+                          <a:spcPts val="0"/>
+                        </a:spcAft>
+                        <a:buClrTx/>
+                        <a:buSzTx/>
+                        <a:buFontTx/>
+                        <a:buNone/>
+                        <a:tabLst/>
+                        <a:defRPr/>
+                      </a:pPr>
+                      <a:r>
+                        <a:rPr lang="en-US" sz="1000" dirty="0">
+                          <a:latin typeface="Times New Roman" panose="02020603050405020304" pitchFamily="18" charset="0"/>
+                          <a:cs typeface="Times New Roman" panose="02020603050405020304" pitchFamily="18" charset="0"/>
+                        </a:rPr>
+                        <a:t>Flow meter</a:t>
+                      </a:r>
+                      <a:endParaRPr lang="en-DE" sz="1000" dirty="0">
+                        <a:latin typeface="Times New Roman" panose="02020603050405020304" pitchFamily="18" charset="0"/>
+                        <a:cs typeface="Times New Roman" panose="02020603050405020304" pitchFamily="18" charset="0"/>
+                      </a:endParaRPr>
+                    </a:p>
+                  </a:txBody>
+                  <a:tcPr>
+                    <a:lnL w="12700" cap="flat" cmpd="sng" algn="ctr">
+                      <a:solidFill>
+                        <a:schemeClr val="tx1"/>
+                      </a:solidFill>
+                      <a:prstDash val="solid"/>
+                      <a:round/>
+                      <a:headEnd type="none" w="med" len="med"/>
+                      <a:tailEnd type="none" w="med" len="med"/>
+                    </a:lnL>
+                    <a:lnR w="12700" cap="flat" cmpd="sng" algn="ctr">
+                      <a:solidFill>
+                        <a:schemeClr val="tx1"/>
+                      </a:solidFill>
+                      <a:prstDash val="solid"/>
+                      <a:round/>
+                      <a:headEnd type="none" w="med" len="med"/>
+                      <a:tailEnd type="none" w="med" len="med"/>
+                    </a:lnR>
+                    <a:lnT w="3175" cap="flat" cmpd="sng" algn="ctr">
+                      <a:solidFill>
+                        <a:schemeClr val="tx1"/>
+                      </a:solidFill>
+                      <a:prstDash val="solid"/>
+                      <a:round/>
+                      <a:headEnd type="none" w="med" len="med"/>
+                      <a:tailEnd type="none" w="med" len="med"/>
+                    </a:lnT>
+                    <a:lnB w="3175" cap="flat" cmpd="sng" algn="ctr">
+                      <a:solidFill>
+                        <a:schemeClr val="tx1"/>
+                      </a:solidFill>
+                      <a:prstDash val="solid"/>
+                      <a:round/>
+                      <a:headEnd type="none" w="med" len="med"/>
+                      <a:tailEnd type="none" w="med" len="med"/>
+                    </a:lnB>
+                    <a:lnTlToBr w="12700" cmpd="sng">
+                      <a:noFill/>
+                      <a:prstDash val="solid"/>
+                    </a:lnTlToBr>
+                    <a:lnBlToTr w="12700" cmpd="sng">
+                      <a:noFill/>
+                      <a:prstDash val="solid"/>
+                    </a:lnBlToTr>
+                  </a:tcPr>
+                </a:tc>
+                <a:tc>
+                  <a:txBody>
+                    <a:bodyPr/>
+                    <a:lstStyle/>
+                    <a:p>
+                      <a:r>
+                        <a:rPr lang="en-US" sz="1000" dirty="0">
+                          <a:latin typeface="Times New Roman" panose="02020603050405020304" pitchFamily="18" charset="0"/>
+                          <a:cs typeface="Times New Roman" panose="02020603050405020304" pitchFamily="18" charset="0"/>
+                        </a:rPr>
+                        <a:t>Support for Table synchronization</a:t>
+                      </a:r>
+                      <a:endParaRPr lang="en-DE" sz="1000" dirty="0">
+                        <a:latin typeface="Times New Roman" panose="02020603050405020304" pitchFamily="18" charset="0"/>
+                        <a:cs typeface="Times New Roman" panose="02020603050405020304" pitchFamily="18" charset="0"/>
+                      </a:endParaRPr>
+                    </a:p>
+                  </a:txBody>
+                  <a:tcPr>
+                    <a:lnL w="12700" cap="flat" cmpd="sng" algn="ctr">
+                      <a:solidFill>
+                        <a:schemeClr val="tx1"/>
+                      </a:solidFill>
+                      <a:prstDash val="solid"/>
+                      <a:round/>
+                      <a:headEnd type="none" w="med" len="med"/>
+                      <a:tailEnd type="none" w="med" len="med"/>
+                    </a:lnL>
+                    <a:lnR w="12700" cap="flat" cmpd="sng" algn="ctr">
+                      <a:solidFill>
+                        <a:schemeClr val="tx1"/>
+                      </a:solidFill>
+                      <a:prstDash val="solid"/>
+                      <a:round/>
+                      <a:headEnd type="none" w="med" len="med"/>
+                      <a:tailEnd type="none" w="med" len="med"/>
+                    </a:lnR>
+                    <a:lnT w="3175" cap="flat" cmpd="sng" algn="ctr">
+                      <a:solidFill>
+                        <a:schemeClr val="tx1"/>
+                      </a:solidFill>
+                      <a:prstDash val="solid"/>
+                      <a:round/>
+                      <a:headEnd type="none" w="med" len="med"/>
+                      <a:tailEnd type="none" w="med" len="med"/>
+                    </a:lnT>
+                    <a:lnB w="3175" cap="flat" cmpd="sng" algn="ctr">
+                      <a:solidFill>
+                        <a:schemeClr val="tx1"/>
+                      </a:solidFill>
+                      <a:prstDash val="solid"/>
+                      <a:round/>
+                      <a:headEnd type="none" w="med" len="med"/>
+                      <a:tailEnd type="none" w="med" len="med"/>
+                    </a:lnB>
+                    <a:lnTlToBr w="12700" cmpd="sng">
+                      <a:noFill/>
+                      <a:prstDash val="solid"/>
+                    </a:lnTlToBr>
+                    <a:lnBlToTr w="12700" cmpd="sng">
+                      <a:noFill/>
+                      <a:prstDash val="solid"/>
+                    </a:lnBlToTr>
+                  </a:tcPr>
+                </a:tc>
+                <a:tc>
+                  <a:txBody>
+                    <a:bodyPr/>
+                    <a:lstStyle/>
+                    <a:p>
+                      <a:r>
+                        <a:rPr lang="en-US" sz="1000" dirty="0">
+                          <a:latin typeface="Times New Roman" panose="02020603050405020304" pitchFamily="18" charset="0"/>
+                          <a:cs typeface="Times New Roman" panose="02020603050405020304" pitchFamily="18" charset="0"/>
+                        </a:rPr>
+                        <a:t>Packet type aware Pipeline</a:t>
+                      </a:r>
+                      <a:endParaRPr lang="en-DE" sz="1000" dirty="0">
+                        <a:latin typeface="Times New Roman" panose="02020603050405020304" pitchFamily="18" charset="0"/>
+                        <a:cs typeface="Times New Roman" panose="02020603050405020304" pitchFamily="18" charset="0"/>
+                      </a:endParaRPr>
+                    </a:p>
+                  </a:txBody>
+                  <a:tcPr>
+                    <a:lnL w="12700" cap="flat" cmpd="sng" algn="ctr">
+                      <a:solidFill>
+                        <a:schemeClr val="tx1"/>
+                      </a:solidFill>
+                      <a:prstDash val="solid"/>
+                      <a:round/>
+                      <a:headEnd type="none" w="med" len="med"/>
+                      <a:tailEnd type="none" w="med" len="med"/>
+                    </a:lnL>
+                    <a:lnR>
+                      <a:noFill/>
+                    </a:lnR>
+                    <a:lnT w="3175" cap="flat" cmpd="sng" algn="ctr">
+                      <a:solidFill>
+                        <a:schemeClr val="tx1"/>
+                      </a:solidFill>
+                      <a:prstDash val="solid"/>
+                      <a:round/>
+                      <a:headEnd type="none" w="med" len="med"/>
+                      <a:tailEnd type="none" w="med" len="med"/>
+                    </a:lnT>
+                    <a:lnB w="3175" cap="flat" cmpd="sng" algn="ctr">
+                      <a:solidFill>
+                        <a:schemeClr val="tx1"/>
+                      </a:solidFill>
+                      <a:prstDash val="solid"/>
+                      <a:round/>
+                      <a:headEnd type="none" w="med" len="med"/>
+                      <a:tailEnd type="none" w="med" len="med"/>
+                    </a:lnB>
+                    <a:lnTlToBr w="12700" cmpd="sng">
+                      <a:noFill/>
+                      <a:prstDash val="solid"/>
+                    </a:lnTlToBr>
+                    <a:lnBlToTr w="12700" cmpd="sng">
+                      <a:noFill/>
+                      <a:prstDash val="solid"/>
+                    </a:lnBlToTr>
+                  </a:tcPr>
+                </a:tc>
+                <a:extLst>
+                  <a:ext uri="{0D108BD9-81ED-4DB2-BD59-A6C34878D82A}">
+                    <a16:rowId xmlns:a16="http://schemas.microsoft.com/office/drawing/2014/main" val="2898062931"/>
+                  </a:ext>
+                </a:extLst>
+              </a:tr>
+              <a:tr h="370840">
+                <a:tc>
+                  <a:txBody>
+                    <a:bodyPr/>
+                    <a:lstStyle/>
+                    <a:p>
+                      <a:r>
+                        <a:rPr lang="en-US" sz="1000" dirty="0">
+                          <a:latin typeface="Times New Roman" panose="02020603050405020304" pitchFamily="18" charset="0"/>
+                          <a:cs typeface="Times New Roman" panose="02020603050405020304" pitchFamily="18" charset="0"/>
+                        </a:rPr>
+                        <a:t>Support for IPv4</a:t>
+                      </a:r>
+                      <a:endParaRPr lang="en-DE" sz="1000" dirty="0">
+                        <a:latin typeface="Times New Roman" panose="02020603050405020304" pitchFamily="18" charset="0"/>
+                        <a:cs typeface="Times New Roman" panose="02020603050405020304" pitchFamily="18" charset="0"/>
+                      </a:endParaRPr>
+                    </a:p>
+                  </a:txBody>
+                  <a:tcPr>
+                    <a:lnL>
+                      <a:noFill/>
+                    </a:lnL>
+                    <a:lnR w="12700" cap="flat" cmpd="sng" algn="ctr">
+                      <a:solidFill>
+                        <a:schemeClr val="tx1"/>
+                      </a:solidFill>
+                      <a:prstDash val="solid"/>
+                      <a:round/>
+                      <a:headEnd type="none" w="med" len="med"/>
+                      <a:tailEnd type="none" w="med" len="med"/>
+                    </a:lnR>
+                    <a:lnT w="3175" cap="flat" cmpd="sng" algn="ctr">
+                      <a:solidFill>
+                        <a:schemeClr val="tx1"/>
+                      </a:solidFill>
+                      <a:prstDash val="solid"/>
+                      <a:round/>
+                      <a:headEnd type="none" w="med" len="med"/>
+                      <a:tailEnd type="none" w="med" len="med"/>
+                    </a:lnT>
+                    <a:lnB w="3175" cap="flat" cmpd="sng" algn="ctr">
+                      <a:solidFill>
+                        <a:schemeClr val="tx1"/>
+                      </a:solidFill>
+                      <a:prstDash val="solid"/>
+                      <a:round/>
+                      <a:headEnd type="none" w="med" len="med"/>
+                      <a:tailEnd type="none" w="med" len="med"/>
+                    </a:lnB>
+                    <a:lnTlToBr w="12700" cmpd="sng">
+                      <a:noFill/>
+                      <a:prstDash val="solid"/>
+                    </a:lnTlToBr>
+                    <a:lnBlToTr w="12700" cmpd="sng">
+                      <a:noFill/>
+                      <a:prstDash val="solid"/>
+                    </a:lnBlToTr>
+                  </a:tcPr>
+                </a:tc>
+                <a:tc>
+                  <a:txBody>
+                    <a:bodyPr/>
+                    <a:lstStyle/>
+                    <a:p>
+                      <a:r>
+                        <a:rPr lang="en-US" sz="1000" dirty="0">
+                          <a:latin typeface="Times New Roman" panose="02020603050405020304" pitchFamily="18" charset="0"/>
+                          <a:cs typeface="Times New Roman" panose="02020603050405020304" pitchFamily="18" charset="0"/>
+                        </a:rPr>
+                        <a:t>Support for VLAN and MPLS</a:t>
+                      </a:r>
+                      <a:endParaRPr lang="en-DE" sz="1000" dirty="0">
+                        <a:latin typeface="Times New Roman" panose="02020603050405020304" pitchFamily="18" charset="0"/>
+                        <a:cs typeface="Times New Roman" panose="02020603050405020304" pitchFamily="18" charset="0"/>
+                      </a:endParaRPr>
+                    </a:p>
+                  </a:txBody>
+                  <a:tcPr>
+                    <a:lnL w="12700" cap="flat" cmpd="sng" algn="ctr">
+                      <a:solidFill>
+                        <a:schemeClr val="tx1"/>
+                      </a:solidFill>
+                      <a:prstDash val="solid"/>
+                      <a:round/>
+                      <a:headEnd type="none" w="med" len="med"/>
+                      <a:tailEnd type="none" w="med" len="med"/>
+                    </a:lnL>
+                    <a:lnR w="12700" cap="flat" cmpd="sng" algn="ctr">
+                      <a:solidFill>
+                        <a:schemeClr val="tx1"/>
+                      </a:solidFill>
+                      <a:prstDash val="solid"/>
+                      <a:round/>
+                      <a:headEnd type="none" w="med" len="med"/>
+                      <a:tailEnd type="none" w="med" len="med"/>
+                    </a:lnR>
+                    <a:lnT w="3175" cap="flat" cmpd="sng" algn="ctr">
+                      <a:solidFill>
+                        <a:schemeClr val="tx1"/>
+                      </a:solidFill>
+                      <a:prstDash val="solid"/>
+                      <a:round/>
+                      <a:headEnd type="none" w="med" len="med"/>
+                      <a:tailEnd type="none" w="med" len="med"/>
+                    </a:lnT>
+                    <a:lnB w="3175" cap="flat" cmpd="sng" algn="ctr">
+                      <a:solidFill>
+                        <a:schemeClr val="tx1"/>
+                      </a:solidFill>
+                      <a:prstDash val="solid"/>
+                      <a:round/>
+                      <a:headEnd type="none" w="med" len="med"/>
+                      <a:tailEnd type="none" w="med" len="med"/>
+                    </a:lnB>
+                    <a:lnTlToBr w="12700" cmpd="sng">
+                      <a:noFill/>
+                      <a:prstDash val="solid"/>
+                    </a:lnTlToBr>
+                    <a:lnBlToTr w="12700" cmpd="sng">
+                      <a:noFill/>
+                      <a:prstDash val="solid"/>
+                    </a:lnBlToTr>
+                  </a:tcPr>
+                </a:tc>
+                <a:tc>
+                  <a:txBody>
+                    <a:bodyPr/>
+                    <a:lstStyle/>
+                    <a:p>
+                      <a:endParaRPr lang="en-DE" sz="1000" dirty="0">
+                        <a:latin typeface="Times New Roman" panose="02020603050405020304" pitchFamily="18" charset="0"/>
+                        <a:cs typeface="Times New Roman" panose="02020603050405020304" pitchFamily="18" charset="0"/>
+                      </a:endParaRPr>
+                    </a:p>
+                  </a:txBody>
+                  <a:tcPr>
+                    <a:lnL w="12700" cap="flat" cmpd="sng" algn="ctr">
+                      <a:solidFill>
+                        <a:schemeClr val="tx1"/>
+                      </a:solidFill>
+                      <a:prstDash val="solid"/>
+                      <a:round/>
+                      <a:headEnd type="none" w="med" len="med"/>
+                      <a:tailEnd type="none" w="med" len="med"/>
+                    </a:lnL>
+                    <a:lnR w="12700" cap="flat" cmpd="sng" algn="ctr">
+                      <a:solidFill>
+                        <a:schemeClr val="tx1"/>
+                      </a:solidFill>
+                      <a:prstDash val="solid"/>
+                      <a:round/>
+                      <a:headEnd type="none" w="med" len="med"/>
+                      <a:tailEnd type="none" w="med" len="med"/>
+                    </a:lnR>
+                    <a:lnT w="3175" cap="flat" cmpd="sng" algn="ctr">
+                      <a:solidFill>
+                        <a:schemeClr val="tx1"/>
+                      </a:solidFill>
+                      <a:prstDash val="solid"/>
+                      <a:round/>
+                      <a:headEnd type="none" w="med" len="med"/>
+                      <a:tailEnd type="none" w="med" len="med"/>
+                    </a:lnT>
+                    <a:lnB w="3175" cap="flat" cmpd="sng" algn="ctr">
+                      <a:solidFill>
+                        <a:schemeClr val="tx1"/>
+                      </a:solidFill>
+                      <a:prstDash val="solid"/>
+                      <a:round/>
+                      <a:headEnd type="none" w="med" len="med"/>
+                      <a:tailEnd type="none" w="med" len="med"/>
+                    </a:lnB>
+                    <a:lnTlToBr w="12700" cmpd="sng">
+                      <a:noFill/>
+                      <a:prstDash val="solid"/>
+                    </a:lnTlToBr>
+                    <a:lnBlToTr w="12700" cmpd="sng">
+                      <a:noFill/>
+                      <a:prstDash val="solid"/>
+                    </a:lnBlToTr>
+                  </a:tcPr>
+                </a:tc>
+                <a:tc>
+                  <a:txBody>
+                    <a:bodyPr/>
+                    <a:lstStyle/>
+                    <a:p>
+                      <a:r>
+                        <a:rPr lang="en-US" sz="1000" dirty="0">
+                          <a:latin typeface="Times New Roman" panose="02020603050405020304" pitchFamily="18" charset="0"/>
+                          <a:cs typeface="Times New Roman" panose="02020603050405020304" pitchFamily="18" charset="0"/>
+                        </a:rPr>
+                        <a:t>Support for Table miss</a:t>
+                      </a:r>
+                      <a:endParaRPr lang="en-DE" sz="1000" dirty="0">
+                        <a:latin typeface="Times New Roman" panose="02020603050405020304" pitchFamily="18" charset="0"/>
+                        <a:cs typeface="Times New Roman" panose="02020603050405020304" pitchFamily="18" charset="0"/>
+                      </a:endParaRPr>
+                    </a:p>
+                  </a:txBody>
+                  <a:tcPr>
+                    <a:lnL w="12700" cap="flat" cmpd="sng" algn="ctr">
+                      <a:solidFill>
+                        <a:schemeClr val="tx1"/>
+                      </a:solidFill>
+                      <a:prstDash val="solid"/>
+                      <a:round/>
+                      <a:headEnd type="none" w="med" len="med"/>
+                      <a:tailEnd type="none" w="med" len="med"/>
+                    </a:lnL>
+                    <a:lnR w="12700" cap="flat" cmpd="sng" algn="ctr">
+                      <a:solidFill>
+                        <a:schemeClr val="tx1"/>
+                      </a:solidFill>
+                      <a:prstDash val="solid"/>
+                      <a:round/>
+                      <a:headEnd type="none" w="med" len="med"/>
+                      <a:tailEnd type="none" w="med" len="med"/>
+                    </a:lnR>
+                    <a:lnT w="3175" cap="flat" cmpd="sng" algn="ctr">
+                      <a:solidFill>
+                        <a:schemeClr val="tx1"/>
+                      </a:solidFill>
+                      <a:prstDash val="solid"/>
+                      <a:round/>
+                      <a:headEnd type="none" w="med" len="med"/>
+                      <a:tailEnd type="none" w="med" len="med"/>
+                    </a:lnT>
+                    <a:lnB w="3175" cap="flat" cmpd="sng" algn="ctr">
+                      <a:solidFill>
+                        <a:schemeClr val="tx1"/>
+                      </a:solidFill>
+                      <a:prstDash val="solid"/>
+                      <a:round/>
+                      <a:headEnd type="none" w="med" len="med"/>
+                      <a:tailEnd type="none" w="med" len="med"/>
+                    </a:lnB>
+                    <a:lnTlToBr w="12700" cmpd="sng">
+                      <a:noFill/>
+                      <a:prstDash val="solid"/>
+                    </a:lnTlToBr>
+                    <a:lnBlToTr w="12700" cmpd="sng">
+                      <a:noFill/>
+                      <a:prstDash val="solid"/>
+                    </a:lnBlToTr>
+                  </a:tcPr>
+                </a:tc>
+                <a:tc>
+                  <a:txBody>
+                    <a:bodyPr/>
+                    <a:lstStyle/>
+                    <a:p>
+                      <a:endParaRPr lang="en-DE" sz="1000" dirty="0">
+                        <a:latin typeface="Times New Roman" panose="02020603050405020304" pitchFamily="18" charset="0"/>
+                        <a:cs typeface="Times New Roman" panose="02020603050405020304" pitchFamily="18" charset="0"/>
+                      </a:endParaRPr>
+                    </a:p>
+                  </a:txBody>
+                  <a:tcPr>
+                    <a:lnL w="12700" cap="flat" cmpd="sng" algn="ctr">
+                      <a:solidFill>
+                        <a:schemeClr val="tx1"/>
+                      </a:solidFill>
+                      <a:prstDash val="solid"/>
+                      <a:round/>
+                      <a:headEnd type="none" w="med" len="med"/>
+                      <a:tailEnd type="none" w="med" len="med"/>
+                    </a:lnL>
+                    <a:lnR w="12700" cap="flat" cmpd="sng" algn="ctr">
+                      <a:solidFill>
+                        <a:schemeClr val="tx1"/>
+                      </a:solidFill>
+                      <a:prstDash val="solid"/>
+                      <a:round/>
+                      <a:headEnd type="none" w="med" len="med"/>
+                      <a:tailEnd type="none" w="med" len="med"/>
+                    </a:lnR>
+                    <a:lnT w="3175" cap="flat" cmpd="sng" algn="ctr">
+                      <a:solidFill>
+                        <a:schemeClr val="tx1"/>
+                      </a:solidFill>
+                      <a:prstDash val="solid"/>
+                      <a:round/>
+                      <a:headEnd type="none" w="med" len="med"/>
+                      <a:tailEnd type="none" w="med" len="med"/>
+                    </a:lnT>
+                    <a:lnB w="3175" cap="flat" cmpd="sng" algn="ctr">
+                      <a:solidFill>
+                        <a:schemeClr val="tx1"/>
+                      </a:solidFill>
+                      <a:prstDash val="solid"/>
+                      <a:round/>
+                      <a:headEnd type="none" w="med" len="med"/>
+                      <a:tailEnd type="none" w="med" len="med"/>
+                    </a:lnB>
+                    <a:lnTlToBr w="12700" cmpd="sng">
+                      <a:noFill/>
+                      <a:prstDash val="solid"/>
+                    </a:lnTlToBr>
+                    <a:lnBlToTr w="12700" cmpd="sng">
+                      <a:noFill/>
+                      <a:prstDash val="solid"/>
+                    </a:lnBlToTr>
+                  </a:tcPr>
+                </a:tc>
+                <a:tc>
+                  <a:txBody>
+                    <a:bodyPr/>
+                    <a:lstStyle/>
+                    <a:p>
+                      <a:r>
+                        <a:rPr lang="en-US" sz="1000" dirty="0">
+                          <a:latin typeface="Times New Roman" panose="02020603050405020304" pitchFamily="18" charset="0"/>
+                          <a:cs typeface="Times New Roman" panose="02020603050405020304" pitchFamily="18" charset="0"/>
+                        </a:rPr>
+                        <a:t>Extensible flow entry statistics</a:t>
+                      </a:r>
+                      <a:endParaRPr lang="en-DE" sz="1000" dirty="0">
+                        <a:latin typeface="Times New Roman" panose="02020603050405020304" pitchFamily="18" charset="0"/>
+                        <a:cs typeface="Times New Roman" panose="02020603050405020304" pitchFamily="18" charset="0"/>
+                      </a:endParaRPr>
+                    </a:p>
+                  </a:txBody>
+                  <a:tcPr>
+                    <a:lnL w="12700" cap="flat" cmpd="sng" algn="ctr">
+                      <a:solidFill>
+                        <a:schemeClr val="tx1"/>
+                      </a:solidFill>
+                      <a:prstDash val="solid"/>
+                      <a:round/>
+                      <a:headEnd type="none" w="med" len="med"/>
+                      <a:tailEnd type="none" w="med" len="med"/>
+                    </a:lnL>
+                    <a:lnR>
+                      <a:noFill/>
+                    </a:lnR>
+                    <a:lnT w="3175" cap="flat" cmpd="sng" algn="ctr">
+                      <a:solidFill>
+                        <a:schemeClr val="tx1"/>
+                      </a:solidFill>
+                      <a:prstDash val="solid"/>
+                      <a:round/>
+                      <a:headEnd type="none" w="med" len="med"/>
+                      <a:tailEnd type="none" w="med" len="med"/>
+                    </a:lnT>
+                    <a:lnB w="3175" cap="flat" cmpd="sng" algn="ctr">
+                      <a:solidFill>
+                        <a:schemeClr val="tx1"/>
+                      </a:solidFill>
+                      <a:prstDash val="solid"/>
+                      <a:round/>
+                      <a:headEnd type="none" w="med" len="med"/>
+                      <a:tailEnd type="none" w="med" len="med"/>
+                    </a:lnB>
+                    <a:lnTlToBr w="12700" cmpd="sng">
+                      <a:noFill/>
+                      <a:prstDash val="solid"/>
+                    </a:lnTlToBr>
+                    <a:lnBlToTr w="12700" cmpd="sng">
+                      <a:noFill/>
+                      <a:prstDash val="solid"/>
+                    </a:lnBlToTr>
+                  </a:tcPr>
+                </a:tc>
+                <a:extLst>
+                  <a:ext uri="{0D108BD9-81ED-4DB2-BD59-A6C34878D82A}">
+                    <a16:rowId xmlns:a16="http://schemas.microsoft.com/office/drawing/2014/main" val="3525032518"/>
+                  </a:ext>
+                </a:extLst>
+              </a:tr>
+              <a:tr h="370840">
+                <a:tc>
+                  <a:txBody>
+                    <a:bodyPr/>
+                    <a:lstStyle/>
+                    <a:p>
+                      <a:endParaRPr lang="en-DE" sz="1000" dirty="0">
+                        <a:latin typeface="Times New Roman" panose="02020603050405020304" pitchFamily="18" charset="0"/>
+                        <a:cs typeface="Times New Roman" panose="02020603050405020304" pitchFamily="18" charset="0"/>
+                      </a:endParaRPr>
+                    </a:p>
+                  </a:txBody>
+                  <a:tcPr>
+                    <a:lnL>
+                      <a:noFill/>
+                    </a:lnL>
+                    <a:lnR w="12700" cap="flat" cmpd="sng" algn="ctr">
+                      <a:solidFill>
+                        <a:schemeClr val="tx1"/>
+                      </a:solidFill>
+                      <a:prstDash val="solid"/>
+                      <a:round/>
+                      <a:headEnd type="none" w="med" len="med"/>
+                      <a:tailEnd type="none" w="med" len="med"/>
+                    </a:lnR>
+                    <a:lnT w="3175" cap="flat" cmpd="sng" algn="ctr">
+                      <a:solidFill>
+                        <a:schemeClr val="tx1"/>
+                      </a:solidFill>
+                      <a:prstDash val="solid"/>
+                      <a:round/>
+                      <a:headEnd type="none" w="med" len="med"/>
+                      <a:tailEnd type="none" w="med" len="med"/>
+                    </a:lnT>
+                    <a:lnB w="3175" cap="flat" cmpd="sng" algn="ctr">
+                      <a:solidFill>
+                        <a:schemeClr val="tx1"/>
+                      </a:solidFill>
+                      <a:prstDash val="solid"/>
+                      <a:round/>
+                      <a:headEnd type="none" w="med" len="med"/>
+                      <a:tailEnd type="none" w="med" len="med"/>
+                    </a:lnB>
+                    <a:lnTlToBr w="12700" cmpd="sng">
+                      <a:noFill/>
+                      <a:prstDash val="solid"/>
+                    </a:lnTlToBr>
+                    <a:lnBlToTr w="12700" cmpd="sng">
+                      <a:noFill/>
+                      <a:prstDash val="solid"/>
+                    </a:lnBlToTr>
+                  </a:tcPr>
+                </a:tc>
+                <a:tc>
+                  <a:txBody>
+                    <a:bodyPr/>
+                    <a:lstStyle/>
+                    <a:p>
+                      <a:r>
+                        <a:rPr lang="en-US" sz="1000" dirty="0">
+                          <a:latin typeface="Times New Roman" panose="02020603050405020304" pitchFamily="18" charset="0"/>
+                          <a:cs typeface="Times New Roman" panose="02020603050405020304" pitchFamily="18" charset="0"/>
+                        </a:rPr>
+                        <a:t>Group table</a:t>
+                      </a:r>
+                      <a:endParaRPr lang="en-DE" sz="1000" dirty="0">
+                        <a:latin typeface="Times New Roman" panose="02020603050405020304" pitchFamily="18" charset="0"/>
+                        <a:cs typeface="Times New Roman" panose="02020603050405020304" pitchFamily="18" charset="0"/>
+                      </a:endParaRPr>
+                    </a:p>
+                  </a:txBody>
+                  <a:tcPr>
+                    <a:lnL w="12700" cap="flat" cmpd="sng" algn="ctr">
+                      <a:solidFill>
+                        <a:schemeClr val="tx1"/>
+                      </a:solidFill>
+                      <a:prstDash val="solid"/>
+                      <a:round/>
+                      <a:headEnd type="none" w="med" len="med"/>
+                      <a:tailEnd type="none" w="med" len="med"/>
+                    </a:lnL>
+                    <a:lnR w="12700" cap="flat" cmpd="sng" algn="ctr">
+                      <a:solidFill>
+                        <a:schemeClr val="tx1"/>
+                      </a:solidFill>
+                      <a:prstDash val="solid"/>
+                      <a:round/>
+                      <a:headEnd type="none" w="med" len="med"/>
+                      <a:tailEnd type="none" w="med" len="med"/>
+                    </a:lnR>
+                    <a:lnT w="3175" cap="flat" cmpd="sng" algn="ctr">
+                      <a:solidFill>
+                        <a:schemeClr val="tx1"/>
+                      </a:solidFill>
+                      <a:prstDash val="solid"/>
+                      <a:round/>
+                      <a:headEnd type="none" w="med" len="med"/>
+                      <a:tailEnd type="none" w="med" len="med"/>
+                    </a:lnT>
+                    <a:lnB w="3175" cap="flat" cmpd="sng" algn="ctr">
+                      <a:solidFill>
+                        <a:schemeClr val="tx1"/>
+                      </a:solidFill>
+                      <a:prstDash val="solid"/>
+                      <a:round/>
+                      <a:headEnd type="none" w="med" len="med"/>
+                      <a:tailEnd type="none" w="med" len="med"/>
+                    </a:lnB>
+                    <a:lnTlToBr w="12700" cmpd="sng">
+                      <a:noFill/>
+                      <a:prstDash val="solid"/>
+                    </a:lnTlToBr>
+                    <a:lnBlToTr w="12700" cmpd="sng">
+                      <a:noFill/>
+                      <a:prstDash val="solid"/>
+                    </a:lnBlToTr>
+                  </a:tcPr>
+                </a:tc>
+                <a:tc>
+                  <a:txBody>
+                    <a:bodyPr/>
+                    <a:lstStyle/>
+                    <a:p>
+                      <a:endParaRPr lang="en-DE" sz="1000" dirty="0">
+                        <a:latin typeface="Times New Roman" panose="02020603050405020304" pitchFamily="18" charset="0"/>
+                        <a:cs typeface="Times New Roman" panose="02020603050405020304" pitchFamily="18" charset="0"/>
+                      </a:endParaRPr>
+                    </a:p>
+                  </a:txBody>
+                  <a:tcPr>
+                    <a:lnL w="12700" cap="flat" cmpd="sng" algn="ctr">
+                      <a:solidFill>
+                        <a:schemeClr val="tx1"/>
+                      </a:solidFill>
+                      <a:prstDash val="solid"/>
+                      <a:round/>
+                      <a:headEnd type="none" w="med" len="med"/>
+                      <a:tailEnd type="none" w="med" len="med"/>
+                    </a:lnL>
+                    <a:lnR w="12700" cap="flat" cmpd="sng" algn="ctr">
+                      <a:solidFill>
+                        <a:schemeClr val="tx1"/>
+                      </a:solidFill>
+                      <a:prstDash val="solid"/>
+                      <a:round/>
+                      <a:headEnd type="none" w="med" len="med"/>
+                      <a:tailEnd type="none" w="med" len="med"/>
+                    </a:lnR>
+                    <a:lnT w="3175" cap="flat" cmpd="sng" algn="ctr">
+                      <a:solidFill>
+                        <a:schemeClr val="tx1"/>
+                      </a:solidFill>
+                      <a:prstDash val="solid"/>
+                      <a:round/>
+                      <a:headEnd type="none" w="med" len="med"/>
+                      <a:tailEnd type="none" w="med" len="med"/>
+                    </a:lnT>
+                    <a:lnB w="3175" cap="flat" cmpd="sng" algn="ctr">
+                      <a:solidFill>
+                        <a:schemeClr val="tx1"/>
+                      </a:solidFill>
+                      <a:prstDash val="solid"/>
+                      <a:round/>
+                      <a:headEnd type="none" w="med" len="med"/>
+                      <a:tailEnd type="none" w="med" len="med"/>
+                    </a:lnB>
+                    <a:lnTlToBr w="12700" cmpd="sng">
+                      <a:noFill/>
+                      <a:prstDash val="solid"/>
+                    </a:lnTlToBr>
+                    <a:lnBlToTr w="12700" cmpd="sng">
+                      <a:noFill/>
+                      <a:prstDash val="solid"/>
+                    </a:lnBlToTr>
+                  </a:tcPr>
+                </a:tc>
+                <a:tc>
+                  <a:txBody>
+                    <a:bodyPr/>
+                    <a:lstStyle/>
+                    <a:p>
+                      <a:endParaRPr lang="en-DE" sz="1000" dirty="0">
+                        <a:latin typeface="Times New Roman" panose="02020603050405020304" pitchFamily="18" charset="0"/>
+                        <a:cs typeface="Times New Roman" panose="02020603050405020304" pitchFamily="18" charset="0"/>
+                      </a:endParaRPr>
+                    </a:p>
+                  </a:txBody>
+                  <a:tcPr>
+                    <a:lnL w="12700" cap="flat" cmpd="sng" algn="ctr">
+                      <a:solidFill>
+                        <a:schemeClr val="tx1"/>
+                      </a:solidFill>
+                      <a:prstDash val="solid"/>
+                      <a:round/>
+                      <a:headEnd type="none" w="med" len="med"/>
+                      <a:tailEnd type="none" w="med" len="med"/>
+                    </a:lnL>
+                    <a:lnR w="12700" cap="flat" cmpd="sng" algn="ctr">
+                      <a:solidFill>
+                        <a:schemeClr val="tx1"/>
+                      </a:solidFill>
+                      <a:prstDash val="solid"/>
+                      <a:round/>
+                      <a:headEnd type="none" w="med" len="med"/>
+                      <a:tailEnd type="none" w="med" len="med"/>
+                    </a:lnR>
+                    <a:lnT w="3175" cap="flat" cmpd="sng" algn="ctr">
+                      <a:solidFill>
+                        <a:schemeClr val="tx1"/>
+                      </a:solidFill>
+                      <a:prstDash val="solid"/>
+                      <a:round/>
+                      <a:headEnd type="none" w="med" len="med"/>
+                      <a:tailEnd type="none" w="med" len="med"/>
+                    </a:lnT>
+                    <a:lnB w="3175" cap="flat" cmpd="sng" algn="ctr">
+                      <a:solidFill>
+                        <a:schemeClr val="tx1"/>
+                      </a:solidFill>
+                      <a:prstDash val="solid"/>
+                      <a:round/>
+                      <a:headEnd type="none" w="med" len="med"/>
+                      <a:tailEnd type="none" w="med" len="med"/>
+                    </a:lnB>
+                    <a:lnTlToBr w="12700" cmpd="sng">
+                      <a:noFill/>
+                      <a:prstDash val="solid"/>
+                    </a:lnTlToBr>
+                    <a:lnBlToTr w="12700" cmpd="sng">
+                      <a:noFill/>
+                      <a:prstDash val="solid"/>
+                    </a:lnBlToTr>
+                  </a:tcPr>
+                </a:tc>
+                <a:tc>
+                  <a:txBody>
+                    <a:bodyPr/>
+                    <a:lstStyle/>
+                    <a:p>
+                      <a:endParaRPr lang="en-DE" sz="1000" dirty="0">
+                        <a:latin typeface="Times New Roman" panose="02020603050405020304" pitchFamily="18" charset="0"/>
+                        <a:cs typeface="Times New Roman" panose="02020603050405020304" pitchFamily="18" charset="0"/>
+                      </a:endParaRPr>
+                    </a:p>
+                  </a:txBody>
+                  <a:tcPr>
+                    <a:lnL w="12700" cap="flat" cmpd="sng" algn="ctr">
+                      <a:solidFill>
+                        <a:schemeClr val="tx1"/>
+                      </a:solidFill>
+                      <a:prstDash val="solid"/>
+                      <a:round/>
+                      <a:headEnd type="none" w="med" len="med"/>
+                      <a:tailEnd type="none" w="med" len="med"/>
+                    </a:lnL>
+                    <a:lnR w="12700" cap="flat" cmpd="sng" algn="ctr">
+                      <a:solidFill>
+                        <a:schemeClr val="tx1"/>
+                      </a:solidFill>
+                      <a:prstDash val="solid"/>
+                      <a:round/>
+                      <a:headEnd type="none" w="med" len="med"/>
+                      <a:tailEnd type="none" w="med" len="med"/>
+                    </a:lnR>
+                    <a:lnT w="3175" cap="flat" cmpd="sng" algn="ctr">
+                      <a:solidFill>
+                        <a:schemeClr val="tx1"/>
+                      </a:solidFill>
+                      <a:prstDash val="solid"/>
+                      <a:round/>
+                      <a:headEnd type="none" w="med" len="med"/>
+                      <a:tailEnd type="none" w="med" len="med"/>
+                    </a:lnT>
+                    <a:lnB w="3175" cap="flat" cmpd="sng" algn="ctr">
+                      <a:solidFill>
+                        <a:schemeClr val="tx1"/>
+                      </a:solidFill>
+                      <a:prstDash val="solid"/>
+                      <a:round/>
+                      <a:headEnd type="none" w="med" len="med"/>
+                      <a:tailEnd type="none" w="med" len="med"/>
+                    </a:lnB>
+                    <a:lnTlToBr w="12700" cmpd="sng">
+                      <a:noFill/>
+                      <a:prstDash val="solid"/>
+                    </a:lnTlToBr>
+                    <a:lnBlToTr w="12700" cmpd="sng">
+                      <a:noFill/>
+                      <a:prstDash val="solid"/>
+                    </a:lnBlToTr>
+                  </a:tcPr>
+                </a:tc>
+                <a:tc>
+                  <a:txBody>
+                    <a:bodyPr/>
+                    <a:lstStyle/>
+                    <a:p>
+                      <a:endParaRPr lang="en-DE" sz="1000" dirty="0">
+                        <a:latin typeface="Times New Roman" panose="02020603050405020304" pitchFamily="18" charset="0"/>
+                        <a:cs typeface="Times New Roman" panose="02020603050405020304" pitchFamily="18" charset="0"/>
+                      </a:endParaRPr>
+                    </a:p>
+                  </a:txBody>
+                  <a:tcPr>
+                    <a:lnL w="12700" cap="flat" cmpd="sng" algn="ctr">
+                      <a:solidFill>
+                        <a:schemeClr val="tx1"/>
+                      </a:solidFill>
+                      <a:prstDash val="solid"/>
+                      <a:round/>
+                      <a:headEnd type="none" w="med" len="med"/>
+                      <a:tailEnd type="none" w="med" len="med"/>
+                    </a:lnL>
+                    <a:lnR>
+                      <a:noFill/>
+                    </a:lnR>
+                    <a:lnT w="3175" cap="flat" cmpd="sng" algn="ctr">
+                      <a:solidFill>
+                        <a:schemeClr val="tx1"/>
+                      </a:solidFill>
+                      <a:prstDash val="solid"/>
+                      <a:round/>
+                      <a:headEnd type="none" w="med" len="med"/>
+                      <a:tailEnd type="none" w="med" len="med"/>
+                    </a:lnT>
+                    <a:lnB w="3175" cap="flat" cmpd="sng" algn="ctr">
+                      <a:solidFill>
+                        <a:schemeClr val="tx1"/>
+                      </a:solidFill>
+                      <a:prstDash val="solid"/>
+                      <a:round/>
+                      <a:headEnd type="none" w="med" len="med"/>
+                      <a:tailEnd type="none" w="med" len="med"/>
+                    </a:lnB>
+                    <a:lnTlToBr w="12700" cmpd="sng">
+                      <a:noFill/>
+                      <a:prstDash val="solid"/>
+                    </a:lnTlToBr>
+                    <a:lnBlToTr w="12700" cmpd="sng">
+                      <a:noFill/>
+                      <a:prstDash val="solid"/>
+                    </a:lnBlToTr>
+                  </a:tcPr>
+                </a:tc>
+                <a:extLst>
+                  <a:ext uri="{0D108BD9-81ED-4DB2-BD59-A6C34878D82A}">
+                    <a16:rowId xmlns:a16="http://schemas.microsoft.com/office/drawing/2014/main" val="3774779592"/>
+                  </a:ext>
+                </a:extLst>
+              </a:tr>
+              <a:tr h="370840">
+                <a:tc>
+                  <a:txBody>
+                    <a:bodyPr/>
+                    <a:lstStyle/>
+                    <a:p>
+                      <a:endParaRPr lang="en-DE" sz="1000">
+                        <a:latin typeface="Times New Roman" panose="02020603050405020304" pitchFamily="18" charset="0"/>
+                        <a:cs typeface="Times New Roman" panose="02020603050405020304" pitchFamily="18" charset="0"/>
+                      </a:endParaRPr>
+                    </a:p>
+                  </a:txBody>
+                  <a:tcPr>
+                    <a:lnL>
+                      <a:noFill/>
+                    </a:lnL>
+                    <a:lnR w="12700" cap="flat" cmpd="sng" algn="ctr">
+                      <a:solidFill>
+                        <a:schemeClr val="tx1"/>
+                      </a:solidFill>
+                      <a:prstDash val="solid"/>
+                      <a:round/>
+                      <a:headEnd type="none" w="med" len="med"/>
+                      <a:tailEnd type="none" w="med" len="med"/>
+                    </a:lnR>
+                    <a:lnT w="3175" cap="flat" cmpd="sng" algn="ctr">
+                      <a:solidFill>
+                        <a:schemeClr val="tx1"/>
+                      </a:solidFill>
+                      <a:prstDash val="solid"/>
+                      <a:round/>
+                      <a:headEnd type="none" w="med" len="med"/>
+                      <a:tailEnd type="none" w="med" len="med"/>
+                    </a:lnT>
+                    <a:lnB w="12700" cmpd="sng">
+                      <a:noFill/>
+                    </a:lnB>
+                    <a:lnTlToBr w="12700" cmpd="sng">
+                      <a:noFill/>
+                      <a:prstDash val="solid"/>
+                    </a:lnTlToBr>
+                    <a:lnBlToTr w="12700" cmpd="sng">
+                      <a:noFill/>
+                      <a:prstDash val="solid"/>
+                    </a:lnBlToTr>
+                  </a:tcPr>
+                </a:tc>
+                <a:tc>
+                  <a:txBody>
+                    <a:bodyPr/>
+                    <a:lstStyle/>
+                    <a:p>
+                      <a:r>
+                        <a:rPr lang="en-US" sz="1000" dirty="0">
+                          <a:latin typeface="Times New Roman" panose="02020603050405020304" pitchFamily="18" charset="0"/>
+                          <a:cs typeface="Times New Roman" panose="02020603050405020304" pitchFamily="18" charset="0"/>
+                        </a:rPr>
+                        <a:t>Virtual ports</a:t>
+                      </a:r>
+                      <a:endParaRPr lang="en-DE" sz="1000" dirty="0">
+                        <a:latin typeface="Times New Roman" panose="02020603050405020304" pitchFamily="18" charset="0"/>
+                        <a:cs typeface="Times New Roman" panose="02020603050405020304" pitchFamily="18" charset="0"/>
+                      </a:endParaRPr>
+                    </a:p>
+                  </a:txBody>
+                  <a:tcPr>
+                    <a:lnL w="12700" cap="flat" cmpd="sng" algn="ctr">
+                      <a:solidFill>
+                        <a:schemeClr val="tx1"/>
+                      </a:solidFill>
+                      <a:prstDash val="solid"/>
+                      <a:round/>
+                      <a:headEnd type="none" w="med" len="med"/>
+                      <a:tailEnd type="none" w="med" len="med"/>
+                    </a:lnL>
+                    <a:lnR w="12700" cap="flat" cmpd="sng" algn="ctr">
+                      <a:solidFill>
+                        <a:schemeClr val="tx1"/>
+                      </a:solidFill>
+                      <a:prstDash val="solid"/>
+                      <a:round/>
+                      <a:headEnd type="none" w="med" len="med"/>
+                      <a:tailEnd type="none" w="med" len="med"/>
+                    </a:lnR>
+                    <a:lnT w="3175" cap="flat" cmpd="sng" algn="ctr">
+                      <a:solidFill>
+                        <a:schemeClr val="tx1"/>
+                      </a:solidFill>
+                      <a:prstDash val="solid"/>
+                      <a:round/>
+                      <a:headEnd type="none" w="med" len="med"/>
+                      <a:tailEnd type="none" w="med" len="med"/>
+                    </a:lnT>
+                    <a:lnB w="12700" cmpd="sng">
+                      <a:noFill/>
+                    </a:lnB>
+                    <a:lnTlToBr w="12700" cmpd="sng">
+                      <a:noFill/>
+                      <a:prstDash val="solid"/>
+                    </a:lnTlToBr>
+                    <a:lnBlToTr w="12700" cmpd="sng">
+                      <a:noFill/>
+                      <a:prstDash val="solid"/>
+                    </a:lnBlToTr>
+                  </a:tcPr>
+                </a:tc>
+                <a:tc>
+                  <a:txBody>
+                    <a:bodyPr/>
+                    <a:lstStyle/>
+                    <a:p>
+                      <a:endParaRPr lang="en-DE" sz="1000">
+                        <a:latin typeface="Times New Roman" panose="02020603050405020304" pitchFamily="18" charset="0"/>
+                        <a:cs typeface="Times New Roman" panose="02020603050405020304" pitchFamily="18" charset="0"/>
+                      </a:endParaRPr>
+                    </a:p>
+                  </a:txBody>
+                  <a:tcPr>
+                    <a:lnL w="12700" cap="flat" cmpd="sng" algn="ctr">
+                      <a:solidFill>
+                        <a:schemeClr val="tx1"/>
+                      </a:solidFill>
+                      <a:prstDash val="solid"/>
+                      <a:round/>
+                      <a:headEnd type="none" w="med" len="med"/>
+                      <a:tailEnd type="none" w="med" len="med"/>
+                    </a:lnL>
+                    <a:lnR w="12700" cap="flat" cmpd="sng" algn="ctr">
+                      <a:solidFill>
+                        <a:schemeClr val="tx1"/>
+                      </a:solidFill>
+                      <a:prstDash val="solid"/>
+                      <a:round/>
+                      <a:headEnd type="none" w="med" len="med"/>
+                      <a:tailEnd type="none" w="med" len="med"/>
+                    </a:lnR>
+                    <a:lnT w="3175" cap="flat" cmpd="sng" algn="ctr">
+                      <a:solidFill>
+                        <a:schemeClr val="tx1"/>
+                      </a:solidFill>
+                      <a:prstDash val="solid"/>
+                      <a:round/>
+                      <a:headEnd type="none" w="med" len="med"/>
+                      <a:tailEnd type="none" w="med" len="med"/>
+                    </a:lnT>
+                    <a:lnB w="12700" cmpd="sng">
+                      <a:noFill/>
+                    </a:lnB>
+                    <a:lnTlToBr w="12700" cmpd="sng">
+                      <a:noFill/>
+                      <a:prstDash val="solid"/>
+                    </a:lnTlToBr>
+                    <a:lnBlToTr w="12700" cmpd="sng">
+                      <a:noFill/>
+                      <a:prstDash val="solid"/>
+                    </a:lnBlToTr>
+                  </a:tcPr>
+                </a:tc>
+                <a:tc>
+                  <a:txBody>
+                    <a:bodyPr/>
+                    <a:lstStyle/>
+                    <a:p>
+                      <a:endParaRPr lang="en-DE" sz="1000">
+                        <a:latin typeface="Times New Roman" panose="02020603050405020304" pitchFamily="18" charset="0"/>
+                        <a:cs typeface="Times New Roman" panose="02020603050405020304" pitchFamily="18" charset="0"/>
+                      </a:endParaRPr>
+                    </a:p>
+                  </a:txBody>
+                  <a:tcPr>
+                    <a:lnL w="12700" cap="flat" cmpd="sng" algn="ctr">
+                      <a:solidFill>
+                        <a:schemeClr val="tx1"/>
+                      </a:solidFill>
+                      <a:prstDash val="solid"/>
+                      <a:round/>
+                      <a:headEnd type="none" w="med" len="med"/>
+                      <a:tailEnd type="none" w="med" len="med"/>
+                    </a:lnL>
+                    <a:lnR w="12700" cap="flat" cmpd="sng" algn="ctr">
+                      <a:solidFill>
+                        <a:schemeClr val="tx1"/>
+                      </a:solidFill>
+                      <a:prstDash val="solid"/>
+                      <a:round/>
+                      <a:headEnd type="none" w="med" len="med"/>
+                      <a:tailEnd type="none" w="med" len="med"/>
+                    </a:lnR>
+                    <a:lnT w="3175" cap="flat" cmpd="sng" algn="ctr">
+                      <a:solidFill>
+                        <a:schemeClr val="tx1"/>
+                      </a:solidFill>
+                      <a:prstDash val="solid"/>
+                      <a:round/>
+                      <a:headEnd type="none" w="med" len="med"/>
+                      <a:tailEnd type="none" w="med" len="med"/>
+                    </a:lnT>
+                    <a:lnB w="12700" cmpd="sng">
+                      <a:noFill/>
+                    </a:lnB>
+                    <a:lnTlToBr w="12700" cmpd="sng">
+                      <a:noFill/>
+                      <a:prstDash val="solid"/>
+                    </a:lnTlToBr>
+                    <a:lnBlToTr w="12700" cmpd="sng">
+                      <a:noFill/>
+                      <a:prstDash val="solid"/>
+                    </a:lnBlToTr>
+                  </a:tcPr>
+                </a:tc>
+                <a:tc>
+                  <a:txBody>
+                    <a:bodyPr/>
+                    <a:lstStyle/>
+                    <a:p>
+                      <a:endParaRPr lang="en-DE" sz="1000">
+                        <a:latin typeface="Times New Roman" panose="02020603050405020304" pitchFamily="18" charset="0"/>
+                        <a:cs typeface="Times New Roman" panose="02020603050405020304" pitchFamily="18" charset="0"/>
+                      </a:endParaRPr>
+                    </a:p>
+                  </a:txBody>
+                  <a:tcPr>
+                    <a:lnL w="12700" cap="flat" cmpd="sng" algn="ctr">
+                      <a:solidFill>
+                        <a:schemeClr val="tx1"/>
+                      </a:solidFill>
+                      <a:prstDash val="solid"/>
+                      <a:round/>
+                      <a:headEnd type="none" w="med" len="med"/>
+                      <a:tailEnd type="none" w="med" len="med"/>
+                    </a:lnL>
+                    <a:lnR w="12700" cap="flat" cmpd="sng" algn="ctr">
+                      <a:solidFill>
+                        <a:schemeClr val="tx1"/>
+                      </a:solidFill>
+                      <a:prstDash val="solid"/>
+                      <a:round/>
+                      <a:headEnd type="none" w="med" len="med"/>
+                      <a:tailEnd type="none" w="med" len="med"/>
+                    </a:lnR>
+                    <a:lnT w="3175" cap="flat" cmpd="sng" algn="ctr">
+                      <a:solidFill>
+                        <a:schemeClr val="tx1"/>
+                      </a:solidFill>
+                      <a:prstDash val="solid"/>
+                      <a:round/>
+                      <a:headEnd type="none" w="med" len="med"/>
+                      <a:tailEnd type="none" w="med" len="med"/>
+                    </a:lnT>
+                    <a:lnB w="12700" cmpd="sng">
+                      <a:noFill/>
+                    </a:lnB>
+                    <a:lnTlToBr w="12700" cmpd="sng">
+                      <a:noFill/>
+                      <a:prstDash val="solid"/>
+                    </a:lnTlToBr>
+                    <a:lnBlToTr w="12700" cmpd="sng">
+                      <a:noFill/>
+                      <a:prstDash val="solid"/>
+                    </a:lnBlToTr>
+                  </a:tcPr>
+                </a:tc>
+                <a:tc>
+                  <a:txBody>
+                    <a:bodyPr/>
+                    <a:lstStyle/>
+                    <a:p>
+                      <a:endParaRPr lang="en-DE" sz="1000" dirty="0">
+                        <a:latin typeface="Times New Roman" panose="02020603050405020304" pitchFamily="18" charset="0"/>
+                        <a:cs typeface="Times New Roman" panose="02020603050405020304" pitchFamily="18" charset="0"/>
+                      </a:endParaRPr>
+                    </a:p>
+                  </a:txBody>
+                  <a:tcPr>
+                    <a:lnL w="12700" cap="flat" cmpd="sng" algn="ctr">
+                      <a:solidFill>
+                        <a:schemeClr val="tx1"/>
+                      </a:solidFill>
+                      <a:prstDash val="solid"/>
+                      <a:round/>
+                      <a:headEnd type="none" w="med" len="med"/>
+                      <a:tailEnd type="none" w="med" len="med"/>
+                    </a:lnL>
+                    <a:lnR>
+                      <a:noFill/>
+                    </a:lnR>
+                    <a:lnT w="3175" cap="flat" cmpd="sng" algn="ctr">
+                      <a:solidFill>
+                        <a:schemeClr val="tx1"/>
+                      </a:solidFill>
+                      <a:prstDash val="solid"/>
+                      <a:round/>
+                      <a:headEnd type="none" w="med" len="med"/>
+                      <a:tailEnd type="none" w="med" len="med"/>
+                    </a:lnT>
+                    <a:lnB w="12700" cmpd="sng">
+                      <a:noFill/>
+                    </a:lnB>
+                    <a:lnTlToBr w="12700" cmpd="sng">
+                      <a:noFill/>
+                      <a:prstDash val="solid"/>
+                    </a:lnTlToBr>
+                    <a:lnBlToTr w="12700" cmpd="sng">
+                      <a:noFill/>
+                      <a:prstDash val="solid"/>
+                    </a:lnBlToTr>
+                  </a:tcPr>
+                </a:tc>
+                <a:extLst>
+                  <a:ext uri="{0D108BD9-81ED-4DB2-BD59-A6C34878D82A}">
+                    <a16:rowId xmlns:a16="http://schemas.microsoft.com/office/drawing/2014/main" val="1398774214"/>
+                  </a:ext>
+                </a:extLst>
+              </a:tr>
+            </a:tbl>
+          </a:graphicData>
+        </a:graphic>
+      </p:graphicFrame>
+    </p:spTree>
+    <p:extLst>
+      <p:ext uri="{BB962C8B-B14F-4D97-AF65-F5344CB8AC3E}">
+        <p14:creationId xmlns:p14="http://schemas.microsoft.com/office/powerpoint/2010/main" val="2076212700"/>
+      </p:ext>
+    </p:extLst>
+  </p:cSld>
+  <p:clrMapOvr>
+    <a:masterClrMapping/>
+  </p:clrMapOvr>
+</p:sld>
+</file>
+
+<file path=ppt/slides/slide3.xml><?xml version="1.0" encoding="utf-8"?>
+<p:sld xmlns:a="http://schemas.openxmlformats.org/drawingml/2006/main" xmlns:r="http://schemas.openxmlformats.org/officeDocument/2006/relationships" xmlns:p="http://schemas.openxmlformats.org/presentationml/2006/main">
+  <p:cSld>
+    <p:spTree>
+      <p:nvGrpSpPr>
+        <p:cNvPr id="1" name=""/>
+        <p:cNvGrpSpPr/>
+        <p:nvPr/>
+      </p:nvGrpSpPr>
+      <p:grpSpPr>
+        <a:xfrm>
+          <a:off x="0" y="0"/>
+          <a:ext cx="0" cy="0"/>
+          <a:chOff x="0" y="0"/>
+          <a:chExt cx="0" cy="0"/>
+        </a:xfrm>
+      </p:grpSpPr>
       <p:sp>
         <p:nvSpPr>
           <p:cNvPr id="6" name="Rectangle 5">
@@ -23894,7 +26454,7 @@
 </p:sld>
 </file>
 
-<file path=ppt/slides/slide3.xml><?xml version="1.0" encoding="utf-8"?>
+<file path=ppt/slides/slide4.xml><?xml version="1.0" encoding="utf-8"?>
 <p:sld xmlns:a="http://schemas.openxmlformats.org/drawingml/2006/main" xmlns:r="http://schemas.openxmlformats.org/officeDocument/2006/relationships" xmlns:p="http://schemas.openxmlformats.org/presentationml/2006/main">
   <p:cSld>
     <p:spTree>
@@ -23954,7 +26514,7 @@
 </p:sld>
 </file>
 
-<file path=ppt/slides/slide4.xml><?xml version="1.0" encoding="utf-8"?>
+<file path=ppt/slides/slide5.xml><?xml version="1.0" encoding="utf-8"?>
 <p:sld xmlns:a="http://schemas.openxmlformats.org/drawingml/2006/main" xmlns:r="http://schemas.openxmlformats.org/officeDocument/2006/relationships" xmlns:p="http://schemas.openxmlformats.org/presentationml/2006/main">
   <p:cSld>
     <p:spTree>
@@ -24531,7 +27091,7 @@
 </p:sld>
 </file>
 
-<file path=ppt/slides/slide5.xml><?xml version="1.0" encoding="utf-8"?>
+<file path=ppt/slides/slide6.xml><?xml version="1.0" encoding="utf-8"?>
 <p:sld xmlns:a="http://schemas.openxmlformats.org/drawingml/2006/main" xmlns:r="http://schemas.openxmlformats.org/officeDocument/2006/relationships" xmlns:p="http://schemas.openxmlformats.org/presentationml/2006/main">
   <p:cSld>
     <p:spTree>
@@ -31259,7 +33819,7 @@
 </p:sld>
 </file>
 
-<file path=ppt/slides/slide6.xml><?xml version="1.0" encoding="utf-8"?>
+<file path=ppt/slides/slide7.xml><?xml version="1.0" encoding="utf-8"?>
 <p:sld xmlns:a="http://schemas.openxmlformats.org/drawingml/2006/main" xmlns:r="http://schemas.openxmlformats.org/officeDocument/2006/relationships" xmlns:p="http://schemas.openxmlformats.org/presentationml/2006/main">
   <p:cSld>
     <p:spTree>
@@ -37193,7 +39753,7 @@
 </p:sld>
 </file>
 
-<file path=ppt/slides/slide7.xml><?xml version="1.0" encoding="utf-8"?>
+<file path=ppt/slides/slide8.xml><?xml version="1.0" encoding="utf-8"?>
 <p:sld xmlns:a="http://schemas.openxmlformats.org/drawingml/2006/main" xmlns:r="http://schemas.openxmlformats.org/officeDocument/2006/relationships" xmlns:p="http://schemas.openxmlformats.org/presentationml/2006/main">
   <p:cSld>
     <p:spTree>
@@ -39917,7 +42477,7 @@
 </p:sld>
 </file>
 
-<file path=ppt/slides/slide8.xml><?xml version="1.0" encoding="utf-8"?>
+<file path=ppt/slides/slide9.xml><?xml version="1.0" encoding="utf-8"?>
 <p:sld xmlns:a="http://schemas.openxmlformats.org/drawingml/2006/main" xmlns:r="http://schemas.openxmlformats.org/officeDocument/2006/relationships" xmlns:p="http://schemas.openxmlformats.org/presentationml/2006/main">
   <p:cSld>
     <p:spTree>
@@ -39968,204 +42528,6 @@
     <p:extLst>
       <p:ext uri="{BB962C8B-B14F-4D97-AF65-F5344CB8AC3E}">
         <p14:creationId xmlns:p14="http://schemas.microsoft.com/office/powerpoint/2010/main" val="3014601644"/>
-      </p:ext>
-    </p:extLst>
-  </p:cSld>
-  <p:clrMapOvr>
-    <a:masterClrMapping/>
-  </p:clrMapOvr>
-</p:sld>
-</file>
-
-<file path=ppt/slides/slide9.xml><?xml version="1.0" encoding="utf-8"?>
-<p:sld xmlns:a="http://schemas.openxmlformats.org/drawingml/2006/main" xmlns:r="http://schemas.openxmlformats.org/officeDocument/2006/relationships" xmlns:p="http://schemas.openxmlformats.org/presentationml/2006/main">
-  <p:cSld>
-    <p:spTree>
-      <p:nvGrpSpPr>
-        <p:cNvPr id="1" name=""/>
-        <p:cNvGrpSpPr/>
-        <p:nvPr/>
-      </p:nvGrpSpPr>
-      <p:grpSpPr>
-        <a:xfrm>
-          <a:off x="0" y="0"/>
-          <a:ext cx="0" cy="0"/>
-          <a:chOff x="0" y="0"/>
-          <a:chExt cx="0" cy="0"/>
-        </a:xfrm>
-      </p:grpSpPr>
-      <p:pic>
-        <p:nvPicPr>
-          <p:cNvPr id="7" name="Picture 6">
-            <a:extLst>
-              <a:ext uri="{FF2B5EF4-FFF2-40B4-BE49-F238E27FC236}">
-                <a16:creationId xmlns:a16="http://schemas.microsoft.com/office/drawing/2014/main" id="{C44DC955-AA62-C845-716D-637C5FE0F1DA}"/>
-              </a:ext>
-            </a:extLst>
-          </p:cNvPr>
-          <p:cNvPicPr>
-            <a:picLocks noChangeAspect="1"/>
-          </p:cNvPicPr>
-          <p:nvPr/>
-        </p:nvPicPr>
-        <p:blipFill>
-          <a:blip r:embed="rId2"/>
-          <a:stretch>
-            <a:fillRect/>
-          </a:stretch>
-        </p:blipFill>
-        <p:spPr>
-          <a:xfrm>
-            <a:off x="1760911" y="475838"/>
-            <a:ext cx="7906853" cy="5906324"/>
-          </a:xfrm>
-          <a:prstGeom prst="rect">
-            <a:avLst/>
-          </a:prstGeom>
-        </p:spPr>
-      </p:pic>
-      <p:sp>
-        <p:nvSpPr>
-          <p:cNvPr id="5" name="TextBox 4">
-            <a:extLst>
-              <a:ext uri="{FF2B5EF4-FFF2-40B4-BE49-F238E27FC236}">
-                <a16:creationId xmlns:a16="http://schemas.microsoft.com/office/drawing/2014/main" id="{60C9B9EC-F653-0CE0-5F0E-DC89D5F1DB2D}"/>
-              </a:ext>
-            </a:extLst>
-          </p:cNvPr>
-          <p:cNvSpPr txBox="1"/>
-          <p:nvPr/>
-        </p:nvSpPr>
-        <p:spPr>
-          <a:xfrm>
-            <a:off x="1847328" y="558542"/>
-            <a:ext cx="2031197" cy="461665"/>
-          </a:xfrm>
-          <a:prstGeom prst="rect">
-            <a:avLst/>
-          </a:prstGeom>
-          <a:solidFill>
-            <a:schemeClr val="bg1"/>
-          </a:solidFill>
-        </p:spPr>
-        <p:txBody>
-          <a:bodyPr wrap="none" rtlCol="0">
-            <a:spAutoFit/>
-          </a:bodyPr>
-          <a:lstStyle/>
-          <a:p>
-            <a:r>
-              <a:rPr lang="en-US" sz="2400" b="1" dirty="0">
-                <a:solidFill>
-                  <a:srgbClr val="1A294B"/>
-                </a:solidFill>
-              </a:rPr>
-              <a:t>add-test-flows</a:t>
-            </a:r>
-            <a:endParaRPr lang="en-DE" sz="2400" b="1" dirty="0">
-              <a:solidFill>
-                <a:srgbClr val="1A294B"/>
-              </a:solidFill>
-            </a:endParaRPr>
-          </a:p>
-        </p:txBody>
-      </p:sp>
-      <p:sp>
-        <p:nvSpPr>
-          <p:cNvPr id="9" name="TextBox 8">
-            <a:extLst>
-              <a:ext uri="{FF2B5EF4-FFF2-40B4-BE49-F238E27FC236}">
-                <a16:creationId xmlns:a16="http://schemas.microsoft.com/office/drawing/2014/main" id="{864F1984-C45F-A300-0445-02B61F0B0218}"/>
-              </a:ext>
-            </a:extLst>
-          </p:cNvPr>
-          <p:cNvSpPr txBox="1"/>
-          <p:nvPr/>
-        </p:nvSpPr>
-        <p:spPr>
-          <a:xfrm>
-            <a:off x="2637841" y="1419103"/>
-            <a:ext cx="2258054" cy="400110"/>
-          </a:xfrm>
-          <a:prstGeom prst="rect">
-            <a:avLst/>
-          </a:prstGeom>
-          <a:solidFill>
-            <a:schemeClr val="bg1"/>
-          </a:solidFill>
-        </p:spPr>
-        <p:txBody>
-          <a:bodyPr wrap="none" rtlCol="0">
-            <a:spAutoFit/>
-          </a:bodyPr>
-          <a:lstStyle/>
-          <a:p>
-            <a:r>
-              <a:rPr lang="en-US" sz="2000" dirty="0">
-                <a:solidFill>
-                  <a:srgbClr val="1A294B"/>
-                </a:solidFill>
-              </a:rPr>
-              <a:t>onos:add-test-flows</a:t>
-            </a:r>
-            <a:endParaRPr lang="en-DE" sz="2000" dirty="0">
-              <a:solidFill>
-                <a:srgbClr val="1A294B"/>
-              </a:solidFill>
-            </a:endParaRPr>
-          </a:p>
-        </p:txBody>
-      </p:sp>
-      <p:sp>
-        <p:nvSpPr>
-          <p:cNvPr id="11" name="TextBox 10">
-            <a:extLst>
-              <a:ext uri="{FF2B5EF4-FFF2-40B4-BE49-F238E27FC236}">
-                <a16:creationId xmlns:a16="http://schemas.microsoft.com/office/drawing/2014/main" id="{C96064BE-98CA-88F2-9797-F6DA1858E230}"/>
-              </a:ext>
-            </a:extLst>
-          </p:cNvPr>
-          <p:cNvSpPr txBox="1"/>
-          <p:nvPr/>
-        </p:nvSpPr>
-        <p:spPr>
-          <a:xfrm>
-            <a:off x="2637841" y="2425041"/>
-            <a:ext cx="6101478" cy="400110"/>
-          </a:xfrm>
-          <a:prstGeom prst="rect">
-            <a:avLst/>
-          </a:prstGeom>
-          <a:solidFill>
-            <a:schemeClr val="bg1"/>
-          </a:solidFill>
-        </p:spPr>
-        <p:txBody>
-          <a:bodyPr wrap="none" rtlCol="0">
-            <a:spAutoFit/>
-          </a:bodyPr>
-          <a:lstStyle/>
-          <a:p>
-            <a:r>
-              <a:rPr lang="en-US" sz="2000" dirty="0">
-                <a:solidFill>
-                  <a:srgbClr val="1A294B"/>
-                </a:solidFill>
-              </a:rPr>
-              <a:t>onos:add-test-flows [options] flowPerDevice numOfRuns</a:t>
-            </a:r>
-            <a:endParaRPr lang="en-DE" sz="2000" dirty="0">
-              <a:solidFill>
-                <a:srgbClr val="1A294B"/>
-              </a:solidFill>
-            </a:endParaRPr>
-          </a:p>
-        </p:txBody>
-      </p:sp>
-    </p:spTree>
-    <p:extLst>
-      <p:ext uri="{BB962C8B-B14F-4D97-AF65-F5344CB8AC3E}">
-        <p14:creationId xmlns:p14="http://schemas.microsoft.com/office/powerpoint/2010/main" val="3163657227"/>
       </p:ext>
     </p:extLst>
   </p:cSld>

--- a/Content/Diagrams.pptx
+++ b/Content/Diagrams.pptx
@@ -5,27 +5,29 @@
     <p:sldMasterId id="2147483648" r:id="rId1"/>
   </p:sldMasterIdLst>
   <p:notesMasterIdLst>
-    <p:notesMasterId r:id="rId15"/>
+    <p:notesMasterId r:id="rId17"/>
   </p:notesMasterIdLst>
   <p:sldIdLst>
     <p:sldId id="256" r:id="rId2"/>
-    <p:sldId id="269" r:id="rId3"/>
-    <p:sldId id="268" r:id="rId4"/>
-    <p:sldId id="267" r:id="rId5"/>
-    <p:sldId id="265" r:id="rId6"/>
-    <p:sldId id="264" r:id="rId7"/>
-    <p:sldId id="266" r:id="rId8"/>
-    <p:sldId id="263" r:id="rId9"/>
-    <p:sldId id="261" r:id="rId10"/>
-    <p:sldId id="260" r:id="rId11"/>
-    <p:sldId id="259" r:id="rId12"/>
-    <p:sldId id="258" r:id="rId13"/>
-    <p:sldId id="257" r:id="rId14"/>
+    <p:sldId id="270" r:id="rId3"/>
+    <p:sldId id="269" r:id="rId4"/>
+    <p:sldId id="268" r:id="rId5"/>
+    <p:sldId id="267" r:id="rId6"/>
+    <p:sldId id="265" r:id="rId7"/>
+    <p:sldId id="264" r:id="rId8"/>
+    <p:sldId id="266" r:id="rId9"/>
+    <p:sldId id="263" r:id="rId10"/>
+    <p:sldId id="261" r:id="rId11"/>
+    <p:sldId id="271" r:id="rId12"/>
+    <p:sldId id="260" r:id="rId13"/>
+    <p:sldId id="259" r:id="rId14"/>
+    <p:sldId id="258" r:id="rId15"/>
+    <p:sldId id="257" r:id="rId16"/>
   </p:sldIdLst>
   <p:sldSz cx="12192000" cy="6858000"/>
   <p:notesSz cx="6858000" cy="9144000"/>
   <p:custDataLst>
-    <p:tags r:id="rId16"/>
+    <p:tags r:id="rId18"/>
   </p:custDataLst>
   <p:defaultTextStyle>
     <a:defPPr>
@@ -223,7 +225,7 @@
           <a:p>
             <a:fld id="{F2DD37F5-048F-4840-9C6A-E88D052B6663}" type="datetimeFigureOut">
               <a:rPr lang="en-US" smtClean="0"/>
-              <a:t>9/22/2022</a:t>
+              <a:t>9/25/2022</a:t>
             </a:fld>
             <a:endParaRPr lang="en-US"/>
           </a:p>
@@ -637,7 +639,7 @@
           <a:p>
             <a:fld id="{BCCA07F9-06C3-4C90-A7AE-61AB97B15816}" type="datetimeFigureOut">
               <a:rPr lang="en-US" smtClean="0"/>
-              <a:t>9/22/2022</a:t>
+              <a:t>9/25/2022</a:t>
             </a:fld>
             <a:endParaRPr lang="en-US"/>
           </a:p>
@@ -835,7 +837,7 @@
           <a:p>
             <a:fld id="{BCCA07F9-06C3-4C90-A7AE-61AB97B15816}" type="datetimeFigureOut">
               <a:rPr lang="en-US" smtClean="0"/>
-              <a:t>9/22/2022</a:t>
+              <a:t>9/25/2022</a:t>
             </a:fld>
             <a:endParaRPr lang="en-US"/>
           </a:p>
@@ -1043,7 +1045,7 @@
           <a:p>
             <a:fld id="{BCCA07F9-06C3-4C90-A7AE-61AB97B15816}" type="datetimeFigureOut">
               <a:rPr lang="en-US" smtClean="0"/>
-              <a:t>9/22/2022</a:t>
+              <a:t>9/25/2022</a:t>
             </a:fld>
             <a:endParaRPr lang="en-US"/>
           </a:p>
@@ -1241,7 +1243,7 @@
           <a:p>
             <a:fld id="{BCCA07F9-06C3-4C90-A7AE-61AB97B15816}" type="datetimeFigureOut">
               <a:rPr lang="en-US" smtClean="0"/>
-              <a:t>9/22/2022</a:t>
+              <a:t>9/25/2022</a:t>
             </a:fld>
             <a:endParaRPr lang="en-US"/>
           </a:p>
@@ -1516,7 +1518,7 @@
           <a:p>
             <a:fld id="{BCCA07F9-06C3-4C90-A7AE-61AB97B15816}" type="datetimeFigureOut">
               <a:rPr lang="en-US" smtClean="0"/>
-              <a:t>9/22/2022</a:t>
+              <a:t>9/25/2022</a:t>
             </a:fld>
             <a:endParaRPr lang="en-US"/>
           </a:p>
@@ -1781,7 +1783,7 @@
           <a:p>
             <a:fld id="{BCCA07F9-06C3-4C90-A7AE-61AB97B15816}" type="datetimeFigureOut">
               <a:rPr lang="en-US" smtClean="0"/>
-              <a:t>9/22/2022</a:t>
+              <a:t>9/25/2022</a:t>
             </a:fld>
             <a:endParaRPr lang="en-US"/>
           </a:p>
@@ -2193,7 +2195,7 @@
           <a:p>
             <a:fld id="{BCCA07F9-06C3-4C90-A7AE-61AB97B15816}" type="datetimeFigureOut">
               <a:rPr lang="en-US" smtClean="0"/>
-              <a:t>9/22/2022</a:t>
+              <a:t>9/25/2022</a:t>
             </a:fld>
             <a:endParaRPr lang="en-US"/>
           </a:p>
@@ -2334,7 +2336,7 @@
           <a:p>
             <a:fld id="{BCCA07F9-06C3-4C90-A7AE-61AB97B15816}" type="datetimeFigureOut">
               <a:rPr lang="en-US" smtClean="0"/>
-              <a:t>9/22/2022</a:t>
+              <a:t>9/25/2022</a:t>
             </a:fld>
             <a:endParaRPr lang="en-US"/>
           </a:p>
@@ -2447,7 +2449,7 @@
           <a:p>
             <a:fld id="{BCCA07F9-06C3-4C90-A7AE-61AB97B15816}" type="datetimeFigureOut">
               <a:rPr lang="en-US" smtClean="0"/>
-              <a:t>9/22/2022</a:t>
+              <a:t>9/25/2022</a:t>
             </a:fld>
             <a:endParaRPr lang="en-US"/>
           </a:p>
@@ -2758,7 +2760,7 @@
           <a:p>
             <a:fld id="{BCCA07F9-06C3-4C90-A7AE-61AB97B15816}" type="datetimeFigureOut">
               <a:rPr lang="en-US" smtClean="0"/>
-              <a:t>9/22/2022</a:t>
+              <a:t>9/25/2022</a:t>
             </a:fld>
             <a:endParaRPr lang="en-US"/>
           </a:p>
@@ -3046,7 +3048,7 @@
           <a:p>
             <a:fld id="{BCCA07F9-06C3-4C90-A7AE-61AB97B15816}" type="datetimeFigureOut">
               <a:rPr lang="en-US" smtClean="0"/>
-              <a:t>9/22/2022</a:t>
+              <a:t>9/25/2022</a:t>
             </a:fld>
             <a:endParaRPr lang="en-US"/>
           </a:p>
@@ -3353,7 +3355,7 @@
           <a:p>
             <a:fld id="{BCCA07F9-06C3-4C90-A7AE-61AB97B15816}" type="datetimeFigureOut">
               <a:rPr lang="en-US" smtClean="0"/>
-              <a:t>9/22/2022</a:t>
+              <a:t>9/25/2022</a:t>
             </a:fld>
             <a:endParaRPr lang="en-US"/>
           </a:p>
@@ -3852,6 +3854,1561 @@
       </p:grpSpPr>
       <p:pic>
         <p:nvPicPr>
+          <p:cNvPr id="5" name="Picture 4">
+            <a:extLst>
+              <a:ext uri="{FF2B5EF4-FFF2-40B4-BE49-F238E27FC236}">
+                <a16:creationId xmlns:a16="http://schemas.microsoft.com/office/drawing/2014/main" id="{3DEB038E-F903-90E5-ED1B-12C3A680E0DE}"/>
+              </a:ext>
+            </a:extLst>
+          </p:cNvPr>
+          <p:cNvPicPr>
+            <a:picLocks noChangeAspect="1"/>
+          </p:cNvPicPr>
+          <p:nvPr/>
+        </p:nvPicPr>
+        <p:blipFill>
+          <a:blip r:embed="rId2"/>
+          <a:stretch>
+            <a:fillRect/>
+          </a:stretch>
+        </p:blipFill>
+        <p:spPr>
+          <a:xfrm>
+            <a:off x="2123520" y="561575"/>
+            <a:ext cx="7944959" cy="5734850"/>
+          </a:xfrm>
+          <a:prstGeom prst="rect">
+            <a:avLst/>
+          </a:prstGeom>
+        </p:spPr>
+      </p:pic>
+    </p:spTree>
+    <p:extLst>
+      <p:ext uri="{BB962C8B-B14F-4D97-AF65-F5344CB8AC3E}">
+        <p14:creationId xmlns:p14="http://schemas.microsoft.com/office/powerpoint/2010/main" val="3014601644"/>
+      </p:ext>
+    </p:extLst>
+  </p:cSld>
+  <p:clrMapOvr>
+    <a:masterClrMapping/>
+  </p:clrMapOvr>
+</p:sld>
+</file>
+
+<file path=ppt/slides/slide11.xml><?xml version="1.0" encoding="utf-8"?>
+<p:sld xmlns:a="http://schemas.openxmlformats.org/drawingml/2006/main" xmlns:r="http://schemas.openxmlformats.org/officeDocument/2006/relationships" xmlns:p="http://schemas.openxmlformats.org/presentationml/2006/main">
+  <p:cSld>
+    <p:spTree>
+      <p:nvGrpSpPr>
+        <p:cNvPr id="1" name=""/>
+        <p:cNvGrpSpPr/>
+        <p:nvPr/>
+      </p:nvGrpSpPr>
+      <p:grpSpPr>
+        <a:xfrm>
+          <a:off x="0" y="0"/>
+          <a:ext cx="0" cy="0"/>
+          <a:chOff x="0" y="0"/>
+          <a:chExt cx="0" cy="0"/>
+        </a:xfrm>
+      </p:grpSpPr>
+      <p:sp>
+        <p:nvSpPr>
+          <p:cNvPr id="2" name="Rectangle 1">
+            <a:extLst>
+              <a:ext uri="{FF2B5EF4-FFF2-40B4-BE49-F238E27FC236}">
+                <a16:creationId xmlns:a16="http://schemas.microsoft.com/office/drawing/2014/main" id="{88268BCB-E6B2-8F9B-F4E3-51452881A352}"/>
+              </a:ext>
+            </a:extLst>
+          </p:cNvPr>
+          <p:cNvSpPr/>
+          <p:nvPr/>
+        </p:nvSpPr>
+        <p:spPr>
+          <a:xfrm>
+            <a:off x="3511550" y="2537194"/>
+            <a:ext cx="2070100" cy="681828"/>
+          </a:xfrm>
+          <a:prstGeom prst="rect">
+            <a:avLst/>
+          </a:prstGeom>
+          <a:noFill/>
+          <a:ln>
+            <a:solidFill>
+              <a:schemeClr val="tx1"/>
+            </a:solidFill>
+          </a:ln>
+        </p:spPr>
+        <p:style>
+          <a:lnRef idx="2">
+            <a:schemeClr val="accent1">
+              <a:shade val="50000"/>
+            </a:schemeClr>
+          </a:lnRef>
+          <a:fillRef idx="1">
+            <a:schemeClr val="accent1"/>
+          </a:fillRef>
+          <a:effectRef idx="0">
+            <a:schemeClr val="accent1"/>
+          </a:effectRef>
+          <a:fontRef idx="minor">
+            <a:schemeClr val="lt1"/>
+          </a:fontRef>
+        </p:style>
+        <p:txBody>
+          <a:bodyPr rtlCol="0" anchor="ctr"/>
+          <a:lstStyle/>
+          <a:p>
+            <a:pPr algn="ctr"/>
+            <a:r>
+              <a:rPr lang="en-US" sz="1400" dirty="0">
+                <a:solidFill>
+                  <a:schemeClr val="tx1"/>
+                </a:solidFill>
+              </a:rPr>
+              <a:t>VPLS Manager</a:t>
+            </a:r>
+            <a:endParaRPr lang="en-DE" sz="1400" dirty="0">
+              <a:solidFill>
+                <a:schemeClr val="tx1"/>
+              </a:solidFill>
+            </a:endParaRPr>
+          </a:p>
+        </p:txBody>
+      </p:sp>
+      <p:sp>
+        <p:nvSpPr>
+          <p:cNvPr id="7" name="Rectangle 6">
+            <a:extLst>
+              <a:ext uri="{FF2B5EF4-FFF2-40B4-BE49-F238E27FC236}">
+                <a16:creationId xmlns:a16="http://schemas.microsoft.com/office/drawing/2014/main" id="{FC32108C-AE0A-E178-8858-041201B281A9}"/>
+              </a:ext>
+            </a:extLst>
+          </p:cNvPr>
+          <p:cNvSpPr/>
+          <p:nvPr/>
+        </p:nvSpPr>
+        <p:spPr>
+          <a:xfrm>
+            <a:off x="4125256" y="1656269"/>
+            <a:ext cx="857250" cy="466386"/>
+          </a:xfrm>
+          <a:prstGeom prst="rect">
+            <a:avLst/>
+          </a:prstGeom>
+          <a:noFill/>
+          <a:ln>
+            <a:solidFill>
+              <a:schemeClr val="tx1"/>
+            </a:solidFill>
+          </a:ln>
+        </p:spPr>
+        <p:style>
+          <a:lnRef idx="2">
+            <a:schemeClr val="accent1">
+              <a:shade val="50000"/>
+            </a:schemeClr>
+          </a:lnRef>
+          <a:fillRef idx="1">
+            <a:schemeClr val="accent1"/>
+          </a:fillRef>
+          <a:effectRef idx="0">
+            <a:schemeClr val="accent1"/>
+          </a:effectRef>
+          <a:fontRef idx="minor">
+            <a:schemeClr val="lt1"/>
+          </a:fontRef>
+        </p:style>
+        <p:txBody>
+          <a:bodyPr rtlCol="0" anchor="ctr"/>
+          <a:lstStyle/>
+          <a:p>
+            <a:pPr algn="ctr"/>
+            <a:r>
+              <a:rPr lang="en-US" sz="1100" dirty="0">
+                <a:solidFill>
+                  <a:schemeClr val="tx1"/>
+                </a:solidFill>
+              </a:rPr>
+              <a:t>VPLS Config Manager</a:t>
+            </a:r>
+            <a:endParaRPr lang="en-DE" sz="1100" dirty="0">
+              <a:solidFill>
+                <a:schemeClr val="tx1"/>
+              </a:solidFill>
+            </a:endParaRPr>
+          </a:p>
+        </p:txBody>
+      </p:sp>
+      <p:sp>
+        <p:nvSpPr>
+          <p:cNvPr id="8" name="Rectangle: Rounded Corners 7">
+            <a:extLst>
+              <a:ext uri="{FF2B5EF4-FFF2-40B4-BE49-F238E27FC236}">
+                <a16:creationId xmlns:a16="http://schemas.microsoft.com/office/drawing/2014/main" id="{97F57E4A-F304-AE46-3518-80C2946C0E79}"/>
+              </a:ext>
+            </a:extLst>
+          </p:cNvPr>
+          <p:cNvSpPr/>
+          <p:nvPr/>
+        </p:nvSpPr>
+        <p:spPr>
+          <a:xfrm>
+            <a:off x="3761443" y="2435564"/>
+            <a:ext cx="1570313" cy="203200"/>
+          </a:xfrm>
+          <a:prstGeom prst="roundRect">
+            <a:avLst/>
+          </a:prstGeom>
+          <a:solidFill>
+            <a:srgbClr val="99CCFF"/>
+          </a:solidFill>
+          <a:ln>
+            <a:solidFill>
+              <a:schemeClr val="accent1">
+                <a:lumMod val="75000"/>
+              </a:schemeClr>
+            </a:solidFill>
+          </a:ln>
+        </p:spPr>
+        <p:style>
+          <a:lnRef idx="2">
+            <a:schemeClr val="accent1">
+              <a:shade val="50000"/>
+            </a:schemeClr>
+          </a:lnRef>
+          <a:fillRef idx="1">
+            <a:schemeClr val="accent1"/>
+          </a:fillRef>
+          <a:effectRef idx="0">
+            <a:schemeClr val="accent1"/>
+          </a:effectRef>
+          <a:fontRef idx="minor">
+            <a:schemeClr val="lt1"/>
+          </a:fontRef>
+        </p:style>
+        <p:txBody>
+          <a:bodyPr rtlCol="0" anchor="ctr"/>
+          <a:lstStyle/>
+          <a:p>
+            <a:pPr algn="ctr"/>
+            <a:r>
+              <a:rPr lang="en-US" sz="1100" dirty="0">
+                <a:solidFill>
+                  <a:schemeClr val="tx1"/>
+                </a:solidFill>
+              </a:rPr>
+              <a:t>VPLS</a:t>
+            </a:r>
+            <a:endParaRPr lang="en-DE" sz="1100" dirty="0">
+              <a:solidFill>
+                <a:schemeClr val="tx1"/>
+              </a:solidFill>
+            </a:endParaRPr>
+          </a:p>
+        </p:txBody>
+      </p:sp>
+      <p:sp>
+        <p:nvSpPr>
+          <p:cNvPr id="14" name="Rectangle: Top Corners Snipped 13">
+            <a:extLst>
+              <a:ext uri="{FF2B5EF4-FFF2-40B4-BE49-F238E27FC236}">
+                <a16:creationId xmlns:a16="http://schemas.microsoft.com/office/drawing/2014/main" id="{0EFB13D4-C094-ADF7-0860-2AB40369878D}"/>
+              </a:ext>
+            </a:extLst>
+          </p:cNvPr>
+          <p:cNvSpPr/>
+          <p:nvPr/>
+        </p:nvSpPr>
+        <p:spPr>
+          <a:xfrm>
+            <a:off x="3701475" y="884630"/>
+            <a:ext cx="777875" cy="361950"/>
+          </a:xfrm>
+          <a:prstGeom prst="snip2SameRect">
+            <a:avLst/>
+          </a:prstGeom>
+          <a:solidFill>
+            <a:schemeClr val="accent1">
+              <a:lumMod val="20000"/>
+              <a:lumOff val="80000"/>
+            </a:schemeClr>
+          </a:solidFill>
+          <a:ln>
+            <a:solidFill>
+              <a:schemeClr val="tx1"/>
+            </a:solidFill>
+          </a:ln>
+        </p:spPr>
+        <p:style>
+          <a:lnRef idx="2">
+            <a:schemeClr val="accent1">
+              <a:shade val="50000"/>
+            </a:schemeClr>
+          </a:lnRef>
+          <a:fillRef idx="1">
+            <a:schemeClr val="accent1"/>
+          </a:fillRef>
+          <a:effectRef idx="0">
+            <a:schemeClr val="accent1"/>
+          </a:effectRef>
+          <a:fontRef idx="minor">
+            <a:schemeClr val="lt1"/>
+          </a:fontRef>
+        </p:style>
+        <p:txBody>
+          <a:bodyPr rtlCol="0" anchor="ctr"/>
+          <a:lstStyle/>
+          <a:p>
+            <a:pPr algn="ctr"/>
+            <a:r>
+              <a:rPr lang="en-US" sz="1050" dirty="0">
+                <a:solidFill>
+                  <a:schemeClr val="tx1"/>
+                </a:solidFill>
+              </a:rPr>
+              <a:t>ONOS CLI</a:t>
+            </a:r>
+            <a:endParaRPr lang="en-DE" sz="1050" dirty="0">
+              <a:solidFill>
+                <a:schemeClr val="tx1"/>
+              </a:solidFill>
+            </a:endParaRPr>
+          </a:p>
+        </p:txBody>
+      </p:sp>
+      <p:sp>
+        <p:nvSpPr>
+          <p:cNvPr id="17" name="Rectangle: Top Corners Snipped 16">
+            <a:extLst>
+              <a:ext uri="{FF2B5EF4-FFF2-40B4-BE49-F238E27FC236}">
+                <a16:creationId xmlns:a16="http://schemas.microsoft.com/office/drawing/2014/main" id="{6D7A6298-9C45-C615-5649-427AFC203045}"/>
+              </a:ext>
+            </a:extLst>
+          </p:cNvPr>
+          <p:cNvSpPr/>
+          <p:nvPr/>
+        </p:nvSpPr>
+        <p:spPr>
+          <a:xfrm>
+            <a:off x="4619982" y="884630"/>
+            <a:ext cx="777875" cy="361950"/>
+          </a:xfrm>
+          <a:prstGeom prst="snip2SameRect">
+            <a:avLst/>
+          </a:prstGeom>
+          <a:solidFill>
+            <a:schemeClr val="accent1">
+              <a:lumMod val="20000"/>
+              <a:lumOff val="80000"/>
+            </a:schemeClr>
+          </a:solidFill>
+          <a:ln>
+            <a:solidFill>
+              <a:schemeClr val="tx1"/>
+            </a:solidFill>
+          </a:ln>
+        </p:spPr>
+        <p:style>
+          <a:lnRef idx="2">
+            <a:schemeClr val="accent1">
+              <a:shade val="50000"/>
+            </a:schemeClr>
+          </a:lnRef>
+          <a:fillRef idx="1">
+            <a:schemeClr val="accent1"/>
+          </a:fillRef>
+          <a:effectRef idx="0">
+            <a:schemeClr val="accent1"/>
+          </a:effectRef>
+          <a:fontRef idx="minor">
+            <a:schemeClr val="lt1"/>
+          </a:fontRef>
+        </p:style>
+        <p:txBody>
+          <a:bodyPr rtlCol="0" anchor="ctr"/>
+          <a:lstStyle/>
+          <a:p>
+            <a:pPr algn="ctr"/>
+            <a:r>
+              <a:rPr lang="en-US" sz="1050" dirty="0">
+                <a:solidFill>
+                  <a:schemeClr val="tx1"/>
+                </a:solidFill>
+              </a:rPr>
+              <a:t>REST API</a:t>
+            </a:r>
+            <a:endParaRPr lang="en-DE" sz="1050" dirty="0">
+              <a:solidFill>
+                <a:schemeClr val="tx1"/>
+              </a:solidFill>
+            </a:endParaRPr>
+          </a:p>
+        </p:txBody>
+      </p:sp>
+      <p:sp>
+        <p:nvSpPr>
+          <p:cNvPr id="19" name="Rectangle 18">
+            <a:extLst>
+              <a:ext uri="{FF2B5EF4-FFF2-40B4-BE49-F238E27FC236}">
+                <a16:creationId xmlns:a16="http://schemas.microsoft.com/office/drawing/2014/main" id="{3F841E99-9EB3-A7EF-6C7C-2DCC2035E3DC}"/>
+              </a:ext>
+            </a:extLst>
+          </p:cNvPr>
+          <p:cNvSpPr/>
+          <p:nvPr/>
+        </p:nvSpPr>
+        <p:spPr>
+          <a:xfrm>
+            <a:off x="7054850" y="3714352"/>
+            <a:ext cx="2070100" cy="596900"/>
+          </a:xfrm>
+          <a:prstGeom prst="rect">
+            <a:avLst/>
+          </a:prstGeom>
+          <a:noFill/>
+          <a:ln>
+            <a:solidFill>
+              <a:schemeClr val="tx1"/>
+            </a:solidFill>
+          </a:ln>
+        </p:spPr>
+        <p:style>
+          <a:lnRef idx="2">
+            <a:schemeClr val="accent1">
+              <a:shade val="50000"/>
+            </a:schemeClr>
+          </a:lnRef>
+          <a:fillRef idx="1">
+            <a:schemeClr val="accent1"/>
+          </a:fillRef>
+          <a:effectRef idx="0">
+            <a:schemeClr val="accent1"/>
+          </a:effectRef>
+          <a:fontRef idx="minor">
+            <a:schemeClr val="lt1"/>
+          </a:fontRef>
+        </p:style>
+        <p:txBody>
+          <a:bodyPr rtlCol="0" anchor="ctr"/>
+          <a:lstStyle/>
+          <a:p>
+            <a:pPr algn="ctr"/>
+            <a:r>
+              <a:rPr lang="en-US" sz="1400" dirty="0">
+                <a:solidFill>
+                  <a:schemeClr val="tx1"/>
+                </a:solidFill>
+              </a:rPr>
+              <a:t>VPLS Neighbour Handler</a:t>
+            </a:r>
+            <a:endParaRPr lang="en-DE" sz="1400" dirty="0">
+              <a:solidFill>
+                <a:schemeClr val="tx1"/>
+              </a:solidFill>
+            </a:endParaRPr>
+          </a:p>
+        </p:txBody>
+      </p:sp>
+      <p:sp>
+        <p:nvSpPr>
+          <p:cNvPr id="20" name="Rectangle 19">
+            <a:extLst>
+              <a:ext uri="{FF2B5EF4-FFF2-40B4-BE49-F238E27FC236}">
+                <a16:creationId xmlns:a16="http://schemas.microsoft.com/office/drawing/2014/main" id="{1707548E-369C-13DC-BF0B-D04545A08C58}"/>
+              </a:ext>
+            </a:extLst>
+          </p:cNvPr>
+          <p:cNvSpPr/>
+          <p:nvPr/>
+        </p:nvSpPr>
+        <p:spPr>
+          <a:xfrm>
+            <a:off x="4258330" y="3728616"/>
+            <a:ext cx="2070100" cy="596900"/>
+          </a:xfrm>
+          <a:prstGeom prst="rect">
+            <a:avLst/>
+          </a:prstGeom>
+          <a:noFill/>
+          <a:ln>
+            <a:solidFill>
+              <a:schemeClr val="tx1"/>
+            </a:solidFill>
+          </a:ln>
+        </p:spPr>
+        <p:style>
+          <a:lnRef idx="2">
+            <a:schemeClr val="accent1">
+              <a:shade val="50000"/>
+            </a:schemeClr>
+          </a:lnRef>
+          <a:fillRef idx="1">
+            <a:schemeClr val="accent1"/>
+          </a:fillRef>
+          <a:effectRef idx="0">
+            <a:schemeClr val="accent1"/>
+          </a:effectRef>
+          <a:fontRef idx="minor">
+            <a:schemeClr val="lt1"/>
+          </a:fontRef>
+        </p:style>
+        <p:txBody>
+          <a:bodyPr rtlCol="0" anchor="ctr"/>
+          <a:lstStyle/>
+          <a:p>
+            <a:pPr algn="ctr"/>
+            <a:r>
+              <a:rPr lang="en-US" sz="1400" dirty="0">
+                <a:solidFill>
+                  <a:schemeClr val="tx1"/>
+                </a:solidFill>
+              </a:rPr>
+              <a:t>VPLS Operation Manager</a:t>
+            </a:r>
+            <a:endParaRPr lang="en-DE" sz="1400" dirty="0">
+              <a:solidFill>
+                <a:schemeClr val="tx1"/>
+              </a:solidFill>
+            </a:endParaRPr>
+          </a:p>
+        </p:txBody>
+      </p:sp>
+      <p:sp>
+        <p:nvSpPr>
+          <p:cNvPr id="21" name="Rectangle 20">
+            <a:extLst>
+              <a:ext uri="{FF2B5EF4-FFF2-40B4-BE49-F238E27FC236}">
+                <a16:creationId xmlns:a16="http://schemas.microsoft.com/office/drawing/2014/main" id="{D5EF3C14-660F-93DC-E4A5-3AD1FDA45300}"/>
+              </a:ext>
+            </a:extLst>
+          </p:cNvPr>
+          <p:cNvSpPr/>
+          <p:nvPr/>
+        </p:nvSpPr>
+        <p:spPr>
+          <a:xfrm>
+            <a:off x="3511550" y="4994359"/>
+            <a:ext cx="2070100" cy="596900"/>
+          </a:xfrm>
+          <a:prstGeom prst="rect">
+            <a:avLst/>
+          </a:prstGeom>
+          <a:noFill/>
+          <a:ln>
+            <a:solidFill>
+              <a:schemeClr val="tx1"/>
+            </a:solidFill>
+          </a:ln>
+        </p:spPr>
+        <p:style>
+          <a:lnRef idx="2">
+            <a:schemeClr val="accent1">
+              <a:shade val="50000"/>
+            </a:schemeClr>
+          </a:lnRef>
+          <a:fillRef idx="1">
+            <a:schemeClr val="accent1"/>
+          </a:fillRef>
+          <a:effectRef idx="0">
+            <a:schemeClr val="accent1"/>
+          </a:effectRef>
+          <a:fontRef idx="minor">
+            <a:schemeClr val="lt1"/>
+          </a:fontRef>
+        </p:style>
+        <p:txBody>
+          <a:bodyPr rtlCol="0" anchor="ctr"/>
+          <a:lstStyle/>
+          <a:p>
+            <a:pPr algn="ctr"/>
+            <a:r>
+              <a:rPr lang="en-US" sz="1400" dirty="0">
+                <a:solidFill>
+                  <a:schemeClr val="tx1"/>
+                </a:solidFill>
+              </a:rPr>
+              <a:t>Distributed VPLS Store</a:t>
+            </a:r>
+            <a:endParaRPr lang="en-DE" sz="1400" dirty="0">
+              <a:solidFill>
+                <a:schemeClr val="tx1"/>
+              </a:solidFill>
+            </a:endParaRPr>
+          </a:p>
+        </p:txBody>
+      </p:sp>
+      <p:sp>
+        <p:nvSpPr>
+          <p:cNvPr id="15" name="Rectangle: Rounded Corners 14">
+            <a:extLst>
+              <a:ext uri="{FF2B5EF4-FFF2-40B4-BE49-F238E27FC236}">
+                <a16:creationId xmlns:a16="http://schemas.microsoft.com/office/drawing/2014/main" id="{B347749D-4AEE-81E2-B4D1-83A4D6447BF0}"/>
+              </a:ext>
+            </a:extLst>
+          </p:cNvPr>
+          <p:cNvSpPr/>
+          <p:nvPr/>
+        </p:nvSpPr>
+        <p:spPr>
+          <a:xfrm>
+            <a:off x="3761443" y="4892759"/>
+            <a:ext cx="1570314" cy="203200"/>
+          </a:xfrm>
+          <a:prstGeom prst="roundRect">
+            <a:avLst/>
+          </a:prstGeom>
+          <a:solidFill>
+            <a:srgbClr val="99CCFF"/>
+          </a:solidFill>
+          <a:ln>
+            <a:solidFill>
+              <a:schemeClr val="accent1">
+                <a:lumMod val="75000"/>
+              </a:schemeClr>
+            </a:solidFill>
+          </a:ln>
+        </p:spPr>
+        <p:style>
+          <a:lnRef idx="2">
+            <a:schemeClr val="accent1">
+              <a:shade val="50000"/>
+            </a:schemeClr>
+          </a:lnRef>
+          <a:fillRef idx="1">
+            <a:schemeClr val="accent1"/>
+          </a:fillRef>
+          <a:effectRef idx="0">
+            <a:schemeClr val="accent1"/>
+          </a:effectRef>
+          <a:fontRef idx="minor">
+            <a:schemeClr val="lt1"/>
+          </a:fontRef>
+        </p:style>
+        <p:txBody>
+          <a:bodyPr rtlCol="0" anchor="ctr"/>
+          <a:lstStyle/>
+          <a:p>
+            <a:pPr algn="ctr"/>
+            <a:r>
+              <a:rPr lang="en-US" sz="1100" dirty="0">
+                <a:solidFill>
+                  <a:schemeClr val="tx1"/>
+                </a:solidFill>
+              </a:rPr>
+              <a:t>VPLS Store</a:t>
+            </a:r>
+            <a:endParaRPr lang="en-DE" sz="1100" dirty="0">
+              <a:solidFill>
+                <a:schemeClr val="tx1"/>
+              </a:solidFill>
+            </a:endParaRPr>
+          </a:p>
+        </p:txBody>
+      </p:sp>
+      <p:sp>
+        <p:nvSpPr>
+          <p:cNvPr id="16" name="Rectangle: Rounded Corners 15">
+            <a:extLst>
+              <a:ext uri="{FF2B5EF4-FFF2-40B4-BE49-F238E27FC236}">
+                <a16:creationId xmlns:a16="http://schemas.microsoft.com/office/drawing/2014/main" id="{05A2F58F-78B7-D0A3-E6D6-A5A728A177DD}"/>
+              </a:ext>
+            </a:extLst>
+          </p:cNvPr>
+          <p:cNvSpPr/>
+          <p:nvPr/>
+        </p:nvSpPr>
+        <p:spPr>
+          <a:xfrm>
+            <a:off x="4508223" y="3612752"/>
+            <a:ext cx="1570314" cy="203200"/>
+          </a:xfrm>
+          <a:prstGeom prst="roundRect">
+            <a:avLst/>
+          </a:prstGeom>
+          <a:solidFill>
+            <a:srgbClr val="99CCFF"/>
+          </a:solidFill>
+          <a:ln>
+            <a:solidFill>
+              <a:schemeClr val="accent1">
+                <a:lumMod val="75000"/>
+              </a:schemeClr>
+            </a:solidFill>
+          </a:ln>
+        </p:spPr>
+        <p:style>
+          <a:lnRef idx="2">
+            <a:schemeClr val="accent1">
+              <a:shade val="50000"/>
+            </a:schemeClr>
+          </a:lnRef>
+          <a:fillRef idx="1">
+            <a:schemeClr val="accent1"/>
+          </a:fillRef>
+          <a:effectRef idx="0">
+            <a:schemeClr val="accent1"/>
+          </a:effectRef>
+          <a:fontRef idx="minor">
+            <a:schemeClr val="lt1"/>
+          </a:fontRef>
+        </p:style>
+        <p:txBody>
+          <a:bodyPr rtlCol="0" anchor="ctr"/>
+          <a:lstStyle/>
+          <a:p>
+            <a:pPr algn="ctr"/>
+            <a:r>
+              <a:rPr lang="en-US" sz="1100" dirty="0">
+                <a:solidFill>
+                  <a:schemeClr val="tx1"/>
+                </a:solidFill>
+              </a:rPr>
+              <a:t>VPLS Operation Service</a:t>
+            </a:r>
+            <a:endParaRPr lang="en-DE" sz="1100" dirty="0">
+              <a:solidFill>
+                <a:schemeClr val="tx1"/>
+              </a:solidFill>
+            </a:endParaRPr>
+          </a:p>
+        </p:txBody>
+      </p:sp>
+      <p:sp>
+        <p:nvSpPr>
+          <p:cNvPr id="22" name="Rectangle: Rounded Corners 21">
+            <a:extLst>
+              <a:ext uri="{FF2B5EF4-FFF2-40B4-BE49-F238E27FC236}">
+                <a16:creationId xmlns:a16="http://schemas.microsoft.com/office/drawing/2014/main" id="{DC555046-2503-838E-A064-BC8D4E471FB8}"/>
+              </a:ext>
+            </a:extLst>
+          </p:cNvPr>
+          <p:cNvSpPr/>
+          <p:nvPr/>
+        </p:nvSpPr>
+        <p:spPr>
+          <a:xfrm>
+            <a:off x="4258330" y="2991928"/>
+            <a:ext cx="1289793" cy="186956"/>
+          </a:xfrm>
+          <a:prstGeom prst="roundRect">
+            <a:avLst/>
+          </a:prstGeom>
+          <a:solidFill>
+            <a:srgbClr val="99CCFF"/>
+          </a:solidFill>
+          <a:ln>
+            <a:solidFill>
+              <a:schemeClr val="accent1">
+                <a:lumMod val="75000"/>
+              </a:schemeClr>
+            </a:solidFill>
+          </a:ln>
+        </p:spPr>
+        <p:style>
+          <a:lnRef idx="2">
+            <a:schemeClr val="accent1">
+              <a:shade val="50000"/>
+            </a:schemeClr>
+          </a:lnRef>
+          <a:fillRef idx="1">
+            <a:schemeClr val="accent1"/>
+          </a:fillRef>
+          <a:effectRef idx="0">
+            <a:schemeClr val="accent1"/>
+          </a:effectRef>
+          <a:fontRef idx="minor">
+            <a:schemeClr val="lt1"/>
+          </a:fontRef>
+        </p:style>
+        <p:txBody>
+          <a:bodyPr rtlCol="0" anchor="ctr"/>
+          <a:lstStyle/>
+          <a:p>
+            <a:pPr algn="ctr"/>
+            <a:r>
+              <a:rPr lang="en-US" sz="1050" dirty="0">
+                <a:solidFill>
+                  <a:schemeClr val="tx1"/>
+                </a:solidFill>
+              </a:rPr>
+              <a:t>VPLS Store delegate</a:t>
+            </a:r>
+            <a:endParaRPr lang="en-DE" sz="1050" dirty="0">
+              <a:solidFill>
+                <a:schemeClr val="tx1"/>
+              </a:solidFill>
+            </a:endParaRPr>
+          </a:p>
+        </p:txBody>
+      </p:sp>
+      <p:cxnSp>
+        <p:nvCxnSpPr>
+          <p:cNvPr id="24" name="Straight Arrow Connector 23">
+            <a:extLst>
+              <a:ext uri="{FF2B5EF4-FFF2-40B4-BE49-F238E27FC236}">
+                <a16:creationId xmlns:a16="http://schemas.microsoft.com/office/drawing/2014/main" id="{EE4C2B29-81E5-4E4C-2084-79D2C5874FA4}"/>
+              </a:ext>
+            </a:extLst>
+          </p:cNvPr>
+          <p:cNvCxnSpPr>
+            <a:cxnSpLocks/>
+            <a:stCxn id="22" idx="2"/>
+          </p:cNvCxnSpPr>
+          <p:nvPr/>
+        </p:nvCxnSpPr>
+        <p:spPr>
+          <a:xfrm flipH="1">
+            <a:off x="4903226" y="3178884"/>
+            <a:ext cx="1" cy="440616"/>
+          </a:xfrm>
+          <a:prstGeom prst="straightConnector1">
+            <a:avLst/>
+          </a:prstGeom>
+          <a:ln w="12700">
+            <a:solidFill>
+              <a:schemeClr val="tx1"/>
+            </a:solidFill>
+            <a:tailEnd type="triangle"/>
+          </a:ln>
+        </p:spPr>
+        <p:style>
+          <a:lnRef idx="1">
+            <a:schemeClr val="accent1"/>
+          </a:lnRef>
+          <a:fillRef idx="0">
+            <a:schemeClr val="accent1"/>
+          </a:fillRef>
+          <a:effectRef idx="0">
+            <a:schemeClr val="accent1"/>
+          </a:effectRef>
+          <a:fontRef idx="minor">
+            <a:schemeClr val="tx1"/>
+          </a:fontRef>
+        </p:style>
+      </p:cxnSp>
+      <p:cxnSp>
+        <p:nvCxnSpPr>
+          <p:cNvPr id="26" name="Straight Arrow Connector 25">
+            <a:extLst>
+              <a:ext uri="{FF2B5EF4-FFF2-40B4-BE49-F238E27FC236}">
+                <a16:creationId xmlns:a16="http://schemas.microsoft.com/office/drawing/2014/main" id="{F5182F55-EAB3-741D-D96B-97322A97E6A4}"/>
+              </a:ext>
+            </a:extLst>
+          </p:cNvPr>
+          <p:cNvCxnSpPr>
+            <a:cxnSpLocks/>
+          </p:cNvCxnSpPr>
+          <p:nvPr/>
+        </p:nvCxnSpPr>
+        <p:spPr>
+          <a:xfrm>
+            <a:off x="4903226" y="4325516"/>
+            <a:ext cx="0" cy="567243"/>
+          </a:xfrm>
+          <a:prstGeom prst="straightConnector1">
+            <a:avLst/>
+          </a:prstGeom>
+          <a:ln w="12700">
+            <a:solidFill>
+              <a:schemeClr val="tx1"/>
+            </a:solidFill>
+            <a:tailEnd type="triangle"/>
+          </a:ln>
+        </p:spPr>
+        <p:style>
+          <a:lnRef idx="1">
+            <a:schemeClr val="accent1"/>
+          </a:lnRef>
+          <a:fillRef idx="0">
+            <a:schemeClr val="accent1"/>
+          </a:fillRef>
+          <a:effectRef idx="0">
+            <a:schemeClr val="accent1"/>
+          </a:effectRef>
+          <a:fontRef idx="minor">
+            <a:schemeClr val="tx1"/>
+          </a:fontRef>
+        </p:style>
+      </p:cxnSp>
+      <p:cxnSp>
+        <p:nvCxnSpPr>
+          <p:cNvPr id="28" name="Straight Arrow Connector 27">
+            <a:extLst>
+              <a:ext uri="{FF2B5EF4-FFF2-40B4-BE49-F238E27FC236}">
+                <a16:creationId xmlns:a16="http://schemas.microsoft.com/office/drawing/2014/main" id="{161C6CBA-835F-ED7D-E79F-F6E9CED3884E}"/>
+              </a:ext>
+            </a:extLst>
+          </p:cNvPr>
+          <p:cNvCxnSpPr>
+            <a:cxnSpLocks/>
+          </p:cNvCxnSpPr>
+          <p:nvPr/>
+        </p:nvCxnSpPr>
+        <p:spPr>
+          <a:xfrm>
+            <a:off x="4007876" y="3219022"/>
+            <a:ext cx="0" cy="1673737"/>
+          </a:xfrm>
+          <a:prstGeom prst="straightConnector1">
+            <a:avLst/>
+          </a:prstGeom>
+          <a:ln w="12700">
+            <a:solidFill>
+              <a:schemeClr val="tx1"/>
+            </a:solidFill>
+            <a:tailEnd type="triangle"/>
+          </a:ln>
+        </p:spPr>
+        <p:style>
+          <a:lnRef idx="1">
+            <a:schemeClr val="accent1"/>
+          </a:lnRef>
+          <a:fillRef idx="0">
+            <a:schemeClr val="accent1"/>
+          </a:fillRef>
+          <a:effectRef idx="0">
+            <a:schemeClr val="accent1"/>
+          </a:effectRef>
+          <a:fontRef idx="minor">
+            <a:schemeClr val="tx1"/>
+          </a:fontRef>
+        </p:style>
+      </p:cxnSp>
+      <p:cxnSp>
+        <p:nvCxnSpPr>
+          <p:cNvPr id="67" name="Connector: Elbow 66">
+            <a:extLst>
+              <a:ext uri="{FF2B5EF4-FFF2-40B4-BE49-F238E27FC236}">
+                <a16:creationId xmlns:a16="http://schemas.microsoft.com/office/drawing/2014/main" id="{E2EB5188-EE40-2245-8424-DBB583388C02}"/>
+              </a:ext>
+            </a:extLst>
+          </p:cNvPr>
+          <p:cNvCxnSpPr>
+            <a:cxnSpLocks/>
+            <a:endCxn id="22" idx="1"/>
+          </p:cNvCxnSpPr>
+          <p:nvPr/>
+        </p:nvCxnSpPr>
+        <p:spPr>
+          <a:xfrm rot="5400000" flipH="1" flipV="1">
+            <a:off x="2510239" y="3561142"/>
+            <a:ext cx="2223827" cy="1272356"/>
+          </a:xfrm>
+          <a:prstGeom prst="bentConnector2">
+            <a:avLst/>
+          </a:prstGeom>
+          <a:ln w="12700">
+            <a:solidFill>
+              <a:schemeClr val="tx1"/>
+            </a:solidFill>
+            <a:tailEnd type="triangle"/>
+          </a:ln>
+        </p:spPr>
+        <p:style>
+          <a:lnRef idx="1">
+            <a:schemeClr val="accent1"/>
+          </a:lnRef>
+          <a:fillRef idx="0">
+            <a:schemeClr val="accent1"/>
+          </a:fillRef>
+          <a:effectRef idx="0">
+            <a:schemeClr val="accent1"/>
+          </a:effectRef>
+          <a:fontRef idx="minor">
+            <a:schemeClr val="tx1"/>
+          </a:fontRef>
+        </p:style>
+      </p:cxnSp>
+      <p:sp>
+        <p:nvSpPr>
+          <p:cNvPr id="89" name="TextBox 88">
+            <a:extLst>
+              <a:ext uri="{FF2B5EF4-FFF2-40B4-BE49-F238E27FC236}">
+                <a16:creationId xmlns:a16="http://schemas.microsoft.com/office/drawing/2014/main" id="{CB08907D-0126-11F0-52AA-9DC09A2817B5}"/>
+              </a:ext>
+            </a:extLst>
+          </p:cNvPr>
+          <p:cNvSpPr txBox="1"/>
+          <p:nvPr/>
+        </p:nvSpPr>
+        <p:spPr>
+          <a:xfrm>
+            <a:off x="4863188" y="3285401"/>
+            <a:ext cx="1072730" cy="261610"/>
+          </a:xfrm>
+          <a:prstGeom prst="rect">
+            <a:avLst/>
+          </a:prstGeom>
+          <a:noFill/>
+        </p:spPr>
+        <p:txBody>
+          <a:bodyPr wrap="none" rtlCol="0">
+            <a:spAutoFit/>
+          </a:bodyPr>
+          <a:lstStyle/>
+          <a:p>
+            <a:r>
+              <a:rPr lang="en-US" sz="1100" dirty="0"/>
+              <a:t>VPLS Operation</a:t>
+            </a:r>
+            <a:endParaRPr lang="en-DE" sz="1100" dirty="0"/>
+          </a:p>
+        </p:txBody>
+      </p:sp>
+      <p:sp>
+        <p:nvSpPr>
+          <p:cNvPr id="90" name="TextBox 89">
+            <a:extLst>
+              <a:ext uri="{FF2B5EF4-FFF2-40B4-BE49-F238E27FC236}">
+                <a16:creationId xmlns:a16="http://schemas.microsoft.com/office/drawing/2014/main" id="{1E1BD4CD-E3CD-FEC0-19CF-38EF157F4483}"/>
+              </a:ext>
+            </a:extLst>
+          </p:cNvPr>
+          <p:cNvSpPr txBox="1"/>
+          <p:nvPr/>
+        </p:nvSpPr>
+        <p:spPr>
+          <a:xfrm>
+            <a:off x="4873587" y="4325661"/>
+            <a:ext cx="1231427" cy="261610"/>
+          </a:xfrm>
+          <a:prstGeom prst="rect">
+            <a:avLst/>
+          </a:prstGeom>
+          <a:noFill/>
+        </p:spPr>
+        <p:txBody>
+          <a:bodyPr wrap="none" rtlCol="0">
+            <a:spAutoFit/>
+          </a:bodyPr>
+          <a:lstStyle/>
+          <a:p>
+            <a:r>
+              <a:rPr lang="en-US" sz="1100" dirty="0"/>
+              <a:t>Update VPLS state</a:t>
+            </a:r>
+            <a:endParaRPr lang="en-DE" sz="1100" dirty="0"/>
+          </a:p>
+        </p:txBody>
+      </p:sp>
+      <p:sp>
+        <p:nvSpPr>
+          <p:cNvPr id="91" name="TextBox 90">
+            <a:extLst>
+              <a:ext uri="{FF2B5EF4-FFF2-40B4-BE49-F238E27FC236}">
+                <a16:creationId xmlns:a16="http://schemas.microsoft.com/office/drawing/2014/main" id="{BB69B8DF-DB56-D86D-5366-9A507D4E647F}"/>
+              </a:ext>
+            </a:extLst>
+          </p:cNvPr>
+          <p:cNvSpPr txBox="1"/>
+          <p:nvPr/>
+        </p:nvSpPr>
+        <p:spPr>
+          <a:xfrm>
+            <a:off x="5976652" y="4684205"/>
+            <a:ext cx="1555234" cy="261610"/>
+          </a:xfrm>
+          <a:prstGeom prst="rect">
+            <a:avLst/>
+          </a:prstGeom>
+          <a:noFill/>
+        </p:spPr>
+        <p:txBody>
+          <a:bodyPr wrap="none" rtlCol="0">
+            <a:spAutoFit/>
+          </a:bodyPr>
+          <a:lstStyle/>
+          <a:p>
+            <a:r>
+              <a:rPr lang="en-US" sz="1100" dirty="0"/>
+              <a:t>Query VPLS information</a:t>
+            </a:r>
+            <a:endParaRPr lang="en-DE" sz="1100" dirty="0"/>
+          </a:p>
+        </p:txBody>
+      </p:sp>
+      <p:sp>
+        <p:nvSpPr>
+          <p:cNvPr id="92" name="TextBox 91">
+            <a:extLst>
+              <a:ext uri="{FF2B5EF4-FFF2-40B4-BE49-F238E27FC236}">
+                <a16:creationId xmlns:a16="http://schemas.microsoft.com/office/drawing/2014/main" id="{5E2D4AFD-7203-6141-62B5-DC152EE753FD}"/>
+              </a:ext>
+            </a:extLst>
+          </p:cNvPr>
+          <p:cNvSpPr txBox="1"/>
+          <p:nvPr/>
+        </p:nvSpPr>
+        <p:spPr>
+          <a:xfrm>
+            <a:off x="3408085" y="3626878"/>
+            <a:ext cx="652743" cy="769441"/>
+          </a:xfrm>
+          <a:prstGeom prst="rect">
+            <a:avLst/>
+          </a:prstGeom>
+          <a:noFill/>
+        </p:spPr>
+        <p:txBody>
+          <a:bodyPr wrap="none" rtlCol="0">
+            <a:spAutoFit/>
+          </a:bodyPr>
+          <a:lstStyle/>
+          <a:p>
+            <a:r>
+              <a:rPr lang="en-US" sz="1100" dirty="0"/>
+              <a:t>Add</a:t>
+            </a:r>
+          </a:p>
+          <a:p>
+            <a:r>
+              <a:rPr lang="en-US" sz="1100" dirty="0"/>
+              <a:t>Remove</a:t>
+            </a:r>
+          </a:p>
+          <a:p>
+            <a:r>
+              <a:rPr lang="en-US" sz="1100" dirty="0"/>
+              <a:t>Update</a:t>
+            </a:r>
+          </a:p>
+          <a:p>
+            <a:r>
+              <a:rPr lang="en-US" sz="1100" dirty="0"/>
+              <a:t>VPLS</a:t>
+            </a:r>
+            <a:endParaRPr lang="en-DE" sz="1100" dirty="0"/>
+          </a:p>
+        </p:txBody>
+      </p:sp>
+      <p:sp>
+        <p:nvSpPr>
+          <p:cNvPr id="93" name="TextBox 92">
+            <a:extLst>
+              <a:ext uri="{FF2B5EF4-FFF2-40B4-BE49-F238E27FC236}">
+                <a16:creationId xmlns:a16="http://schemas.microsoft.com/office/drawing/2014/main" id="{C195AEA9-CE13-9020-3060-0902685F644D}"/>
+              </a:ext>
+            </a:extLst>
+          </p:cNvPr>
+          <p:cNvSpPr txBox="1"/>
+          <p:nvPr/>
+        </p:nvSpPr>
+        <p:spPr>
+          <a:xfrm>
+            <a:off x="2482531" y="3867456"/>
+            <a:ext cx="521297" cy="600164"/>
+          </a:xfrm>
+          <a:prstGeom prst="rect">
+            <a:avLst/>
+          </a:prstGeom>
+          <a:noFill/>
+        </p:spPr>
+        <p:txBody>
+          <a:bodyPr wrap="none" rtlCol="0">
+            <a:spAutoFit/>
+          </a:bodyPr>
+          <a:lstStyle/>
+          <a:p>
+            <a:r>
+              <a:rPr lang="en-US" sz="1100" dirty="0"/>
+              <a:t>VPLS</a:t>
+            </a:r>
+          </a:p>
+          <a:p>
+            <a:r>
+              <a:rPr lang="en-US" sz="1100" dirty="0"/>
+              <a:t>Store </a:t>
+            </a:r>
+          </a:p>
+          <a:p>
+            <a:r>
+              <a:rPr lang="en-US" sz="1100" dirty="0"/>
+              <a:t>Event</a:t>
+            </a:r>
+            <a:endParaRPr lang="en-DE" sz="1100" dirty="0"/>
+          </a:p>
+        </p:txBody>
+      </p:sp>
+      <p:sp>
+        <p:nvSpPr>
+          <p:cNvPr id="94" name="TextBox 93">
+            <a:extLst>
+              <a:ext uri="{FF2B5EF4-FFF2-40B4-BE49-F238E27FC236}">
+                <a16:creationId xmlns:a16="http://schemas.microsoft.com/office/drawing/2014/main" id="{F0B68984-961E-1EF1-2012-9B4A70333619}"/>
+              </a:ext>
+            </a:extLst>
+          </p:cNvPr>
+          <p:cNvSpPr txBox="1"/>
+          <p:nvPr/>
+        </p:nvSpPr>
+        <p:spPr>
+          <a:xfrm>
+            <a:off x="4508223" y="2115827"/>
+            <a:ext cx="1266693" cy="261610"/>
+          </a:xfrm>
+          <a:prstGeom prst="rect">
+            <a:avLst/>
+          </a:prstGeom>
+          <a:noFill/>
+        </p:spPr>
+        <p:txBody>
+          <a:bodyPr wrap="none" rtlCol="0">
+            <a:spAutoFit/>
+          </a:bodyPr>
+          <a:lstStyle/>
+          <a:p>
+            <a:r>
+              <a:rPr lang="en-US" sz="1100" dirty="0"/>
+              <a:t>VPLS Config Events</a:t>
+            </a:r>
+            <a:endParaRPr lang="en-DE" sz="1100" dirty="0"/>
+          </a:p>
+        </p:txBody>
+      </p:sp>
+      <p:cxnSp>
+        <p:nvCxnSpPr>
+          <p:cNvPr id="95" name="Straight Arrow Connector 94">
+            <a:extLst>
+              <a:ext uri="{FF2B5EF4-FFF2-40B4-BE49-F238E27FC236}">
+                <a16:creationId xmlns:a16="http://schemas.microsoft.com/office/drawing/2014/main" id="{203EC15B-65C3-9755-ABA7-CEF19F580812}"/>
+              </a:ext>
+            </a:extLst>
+          </p:cNvPr>
+          <p:cNvCxnSpPr>
+            <a:cxnSpLocks/>
+          </p:cNvCxnSpPr>
+          <p:nvPr/>
+        </p:nvCxnSpPr>
+        <p:spPr>
+          <a:xfrm>
+            <a:off x="4553881" y="2127419"/>
+            <a:ext cx="0" cy="308145"/>
+          </a:xfrm>
+          <a:prstGeom prst="straightConnector1">
+            <a:avLst/>
+          </a:prstGeom>
+          <a:ln w="12700">
+            <a:solidFill>
+              <a:schemeClr val="tx1"/>
+            </a:solidFill>
+            <a:tailEnd type="triangle"/>
+          </a:ln>
+        </p:spPr>
+        <p:style>
+          <a:lnRef idx="1">
+            <a:schemeClr val="accent1"/>
+          </a:lnRef>
+          <a:fillRef idx="0">
+            <a:schemeClr val="accent1"/>
+          </a:fillRef>
+          <a:effectRef idx="0">
+            <a:schemeClr val="accent1"/>
+          </a:effectRef>
+          <a:fontRef idx="minor">
+            <a:schemeClr val="tx1"/>
+          </a:fontRef>
+        </p:style>
+      </p:cxnSp>
+      <p:cxnSp>
+        <p:nvCxnSpPr>
+          <p:cNvPr id="98" name="Connector: Elbow 97">
+            <a:extLst>
+              <a:ext uri="{FF2B5EF4-FFF2-40B4-BE49-F238E27FC236}">
+                <a16:creationId xmlns:a16="http://schemas.microsoft.com/office/drawing/2014/main" id="{FBE7BD58-3753-0225-9A6E-2F386DC1E8EE}"/>
+              </a:ext>
+            </a:extLst>
+          </p:cNvPr>
+          <p:cNvCxnSpPr>
+            <a:cxnSpLocks/>
+            <a:stCxn id="17" idx="1"/>
+          </p:cNvCxnSpPr>
+          <p:nvPr/>
+        </p:nvCxnSpPr>
+        <p:spPr>
+          <a:xfrm rot="5400000">
+            <a:off x="4631361" y="1289125"/>
+            <a:ext cx="420104" cy="335014"/>
+          </a:xfrm>
+          <a:prstGeom prst="bentConnector3">
+            <a:avLst>
+              <a:gd name="adj1" fmla="val 50000"/>
+            </a:avLst>
+          </a:prstGeom>
+          <a:ln w="12700">
+            <a:solidFill>
+              <a:schemeClr val="tx1"/>
+            </a:solidFill>
+            <a:tailEnd type="triangle"/>
+          </a:ln>
+        </p:spPr>
+        <p:style>
+          <a:lnRef idx="1">
+            <a:schemeClr val="accent1"/>
+          </a:lnRef>
+          <a:fillRef idx="0">
+            <a:schemeClr val="accent1"/>
+          </a:fillRef>
+          <a:effectRef idx="0">
+            <a:schemeClr val="accent1"/>
+          </a:effectRef>
+          <a:fontRef idx="minor">
+            <a:schemeClr val="tx1"/>
+          </a:fontRef>
+        </p:style>
+      </p:cxnSp>
+      <p:cxnSp>
+        <p:nvCxnSpPr>
+          <p:cNvPr id="104" name="Connector: Elbow 103">
+            <a:extLst>
+              <a:ext uri="{FF2B5EF4-FFF2-40B4-BE49-F238E27FC236}">
+                <a16:creationId xmlns:a16="http://schemas.microsoft.com/office/drawing/2014/main" id="{1CADDEBB-8878-2C8F-34F2-4A24EF0536F4}"/>
+              </a:ext>
+            </a:extLst>
+          </p:cNvPr>
+          <p:cNvCxnSpPr>
+            <a:cxnSpLocks/>
+            <a:stCxn id="14" idx="1"/>
+          </p:cNvCxnSpPr>
+          <p:nvPr/>
+        </p:nvCxnSpPr>
+        <p:spPr>
+          <a:xfrm rot="16200000" flipH="1">
+            <a:off x="4051446" y="1285546"/>
+            <a:ext cx="420103" cy="342169"/>
+          </a:xfrm>
+          <a:prstGeom prst="bentConnector3">
+            <a:avLst>
+              <a:gd name="adj1" fmla="val 50000"/>
+            </a:avLst>
+          </a:prstGeom>
+          <a:ln w="12700">
+            <a:solidFill>
+              <a:schemeClr val="tx1"/>
+            </a:solidFill>
+            <a:tailEnd type="triangle"/>
+          </a:ln>
+        </p:spPr>
+        <p:style>
+          <a:lnRef idx="1">
+            <a:schemeClr val="accent1"/>
+          </a:lnRef>
+          <a:fillRef idx="0">
+            <a:schemeClr val="accent1"/>
+          </a:fillRef>
+          <a:effectRef idx="0">
+            <a:schemeClr val="accent1"/>
+          </a:effectRef>
+          <a:fontRef idx="minor">
+            <a:schemeClr val="tx1"/>
+          </a:fontRef>
+        </p:style>
+      </p:cxnSp>
+      <p:cxnSp>
+        <p:nvCxnSpPr>
+          <p:cNvPr id="115" name="Straight Connector 114">
+            <a:extLst>
+              <a:ext uri="{FF2B5EF4-FFF2-40B4-BE49-F238E27FC236}">
+                <a16:creationId xmlns:a16="http://schemas.microsoft.com/office/drawing/2014/main" id="{CF35CCD6-FAA3-765A-224D-900A05941818}"/>
+              </a:ext>
+            </a:extLst>
+          </p:cNvPr>
+          <p:cNvCxnSpPr>
+            <a:cxnSpLocks/>
+          </p:cNvCxnSpPr>
+          <p:nvPr/>
+        </p:nvCxnSpPr>
+        <p:spPr>
+          <a:xfrm>
+            <a:off x="2985974" y="5309233"/>
+            <a:ext cx="525576" cy="0"/>
+          </a:xfrm>
+          <a:prstGeom prst="line">
+            <a:avLst/>
+          </a:prstGeom>
+          <a:ln w="12700">
+            <a:solidFill>
+              <a:schemeClr val="tx1"/>
+            </a:solidFill>
+          </a:ln>
+        </p:spPr>
+        <p:style>
+          <a:lnRef idx="1">
+            <a:schemeClr val="accent1"/>
+          </a:lnRef>
+          <a:fillRef idx="0">
+            <a:schemeClr val="accent1"/>
+          </a:fillRef>
+          <a:effectRef idx="0">
+            <a:schemeClr val="accent1"/>
+          </a:effectRef>
+          <a:fontRef idx="minor">
+            <a:schemeClr val="tx1"/>
+          </a:fontRef>
+        </p:style>
+      </p:cxnSp>
+      <p:cxnSp>
+        <p:nvCxnSpPr>
+          <p:cNvPr id="120" name="Straight Arrow Connector 119">
+            <a:extLst>
+              <a:ext uri="{FF2B5EF4-FFF2-40B4-BE49-F238E27FC236}">
+                <a16:creationId xmlns:a16="http://schemas.microsoft.com/office/drawing/2014/main" id="{001685D7-9862-1742-1A9D-675B4D4B1521}"/>
+              </a:ext>
+            </a:extLst>
+          </p:cNvPr>
+          <p:cNvCxnSpPr>
+            <a:cxnSpLocks/>
+          </p:cNvCxnSpPr>
+          <p:nvPr/>
+        </p:nvCxnSpPr>
+        <p:spPr>
+          <a:xfrm>
+            <a:off x="5154481" y="4709163"/>
+            <a:ext cx="0" cy="183596"/>
+          </a:xfrm>
+          <a:prstGeom prst="straightConnector1">
+            <a:avLst/>
+          </a:prstGeom>
+          <a:ln w="12700">
+            <a:solidFill>
+              <a:schemeClr val="tx1"/>
+            </a:solidFill>
+            <a:tailEnd type="triangle"/>
+          </a:ln>
+        </p:spPr>
+        <p:style>
+          <a:lnRef idx="1">
+            <a:schemeClr val="accent1"/>
+          </a:lnRef>
+          <a:fillRef idx="0">
+            <a:schemeClr val="accent1"/>
+          </a:fillRef>
+          <a:effectRef idx="0">
+            <a:schemeClr val="accent1"/>
+          </a:effectRef>
+          <a:fontRef idx="minor">
+            <a:schemeClr val="tx1"/>
+          </a:fontRef>
+        </p:style>
+      </p:cxnSp>
+      <p:cxnSp>
+        <p:nvCxnSpPr>
+          <p:cNvPr id="126" name="Straight Connector 125">
+            <a:extLst>
+              <a:ext uri="{FF2B5EF4-FFF2-40B4-BE49-F238E27FC236}">
+                <a16:creationId xmlns:a16="http://schemas.microsoft.com/office/drawing/2014/main" id="{12D7D767-11E5-A802-7512-A83D3DB3D291}"/>
+              </a:ext>
+            </a:extLst>
+          </p:cNvPr>
+          <p:cNvCxnSpPr>
+            <a:cxnSpLocks/>
+          </p:cNvCxnSpPr>
+          <p:nvPr/>
+        </p:nvCxnSpPr>
+        <p:spPr>
+          <a:xfrm flipV="1">
+            <a:off x="5154481" y="4707606"/>
+            <a:ext cx="2936528" cy="2505"/>
+          </a:xfrm>
+          <a:prstGeom prst="line">
+            <a:avLst/>
+          </a:prstGeom>
+          <a:ln w="12700">
+            <a:solidFill>
+              <a:schemeClr val="tx1"/>
+            </a:solidFill>
+          </a:ln>
+        </p:spPr>
+        <p:style>
+          <a:lnRef idx="1">
+            <a:schemeClr val="accent1"/>
+          </a:lnRef>
+          <a:fillRef idx="0">
+            <a:schemeClr val="accent1"/>
+          </a:fillRef>
+          <a:effectRef idx="0">
+            <a:schemeClr val="accent1"/>
+          </a:effectRef>
+          <a:fontRef idx="minor">
+            <a:schemeClr val="tx1"/>
+          </a:fontRef>
+        </p:style>
+      </p:cxnSp>
+      <p:cxnSp>
+        <p:nvCxnSpPr>
+          <p:cNvPr id="127" name="Straight Connector 126">
+            <a:extLst>
+              <a:ext uri="{FF2B5EF4-FFF2-40B4-BE49-F238E27FC236}">
+                <a16:creationId xmlns:a16="http://schemas.microsoft.com/office/drawing/2014/main" id="{5FA52513-5D91-5ADF-75AB-23264EDCB03D}"/>
+              </a:ext>
+            </a:extLst>
+          </p:cNvPr>
+          <p:cNvCxnSpPr>
+            <a:cxnSpLocks/>
+          </p:cNvCxnSpPr>
+          <p:nvPr/>
+        </p:nvCxnSpPr>
+        <p:spPr>
+          <a:xfrm>
+            <a:off x="8091009" y="4311252"/>
+            <a:ext cx="0" cy="397913"/>
+          </a:xfrm>
+          <a:prstGeom prst="line">
+            <a:avLst/>
+          </a:prstGeom>
+          <a:ln w="12700">
+            <a:solidFill>
+              <a:schemeClr val="tx1"/>
+            </a:solidFill>
+          </a:ln>
+        </p:spPr>
+        <p:style>
+          <a:lnRef idx="1">
+            <a:schemeClr val="accent1"/>
+          </a:lnRef>
+          <a:fillRef idx="0">
+            <a:schemeClr val="accent1"/>
+          </a:fillRef>
+          <a:effectRef idx="0">
+            <a:schemeClr val="accent1"/>
+          </a:effectRef>
+          <a:fontRef idx="minor">
+            <a:schemeClr val="tx1"/>
+          </a:fontRef>
+        </p:style>
+      </p:cxnSp>
+    </p:spTree>
+    <p:extLst>
+      <p:ext uri="{BB962C8B-B14F-4D97-AF65-F5344CB8AC3E}">
+        <p14:creationId xmlns:p14="http://schemas.microsoft.com/office/powerpoint/2010/main" val="15316549"/>
+      </p:ext>
+    </p:extLst>
+  </p:cSld>
+  <p:clrMapOvr>
+    <a:masterClrMapping/>
+  </p:clrMapOvr>
+</p:sld>
+</file>
+
+<file path=ppt/slides/slide12.xml><?xml version="1.0" encoding="utf-8"?>
+<p:sld xmlns:a="http://schemas.openxmlformats.org/drawingml/2006/main" xmlns:r="http://schemas.openxmlformats.org/officeDocument/2006/relationships" xmlns:p="http://schemas.openxmlformats.org/presentationml/2006/main">
+  <p:cSld>
+    <p:spTree>
+      <p:nvGrpSpPr>
+        <p:cNvPr id="1" name=""/>
+        <p:cNvGrpSpPr/>
+        <p:nvPr/>
+      </p:nvGrpSpPr>
+      <p:grpSpPr>
+        <a:xfrm>
+          <a:off x="0" y="0"/>
+          <a:ext cx="0" cy="0"/>
+          <a:chOff x="0" y="0"/>
+          <a:chExt cx="0" cy="0"/>
+        </a:xfrm>
+      </p:grpSpPr>
+      <p:pic>
+        <p:nvPicPr>
           <p:cNvPr id="7" name="Picture 6">
             <a:extLst>
               <a:ext uri="{FF2B5EF4-FFF2-40B4-BE49-F238E27FC236}">
@@ -4031,7 +5588,7 @@
 </p:sld>
 </file>
 
-<file path=ppt/slides/slide11.xml><?xml version="1.0" encoding="utf-8"?>
+<file path=ppt/slides/slide13.xml><?xml version="1.0" encoding="utf-8"?>
 <p:sld xmlns:a="http://schemas.openxmlformats.org/drawingml/2006/main" xmlns:r="http://schemas.openxmlformats.org/officeDocument/2006/relationships" xmlns:p="http://schemas.openxmlformats.org/presentationml/2006/main">
   <p:cSld>
     <p:spTree>
@@ -5144,7 +6701,7 @@
 </p:sld>
 </file>
 
-<file path=ppt/slides/slide12.xml><?xml version="1.0" encoding="utf-8"?>
+<file path=ppt/slides/slide14.xml><?xml version="1.0" encoding="utf-8"?>
 <p:sld xmlns:a="http://schemas.openxmlformats.org/drawingml/2006/main" xmlns:r="http://schemas.openxmlformats.org/officeDocument/2006/relationships" xmlns:p="http://schemas.openxmlformats.org/presentationml/2006/main">
   <p:cSld>
     <p:spTree>
@@ -5739,7 +7296,7 @@
 </p:sld>
 </file>
 
-<file path=ppt/slides/slide13.xml><?xml version="1.0" encoding="utf-8"?>
+<file path=ppt/slides/slide15.xml><?xml version="1.0" encoding="utf-8"?>
 <p:sld xmlns:a="http://schemas.openxmlformats.org/drawingml/2006/main" xmlns:r="http://schemas.openxmlformats.org/officeDocument/2006/relationships" xmlns:p="http://schemas.openxmlformats.org/presentationml/2006/main">
   <p:cSld>
     <p:spTree>
@@ -24030,6 +25587,1452 @@
           <a:chExt cx="0" cy="0"/>
         </a:xfrm>
       </p:grpSpPr>
+      <p:sp>
+        <p:nvSpPr>
+          <p:cNvPr id="4" name="Rectangle 3">
+            <a:extLst>
+              <a:ext uri="{FF2B5EF4-FFF2-40B4-BE49-F238E27FC236}">
+                <a16:creationId xmlns:a16="http://schemas.microsoft.com/office/drawing/2014/main" id="{45B5C06E-BE60-1484-9209-36EF9E2CF110}"/>
+              </a:ext>
+            </a:extLst>
+          </p:cNvPr>
+          <p:cNvSpPr/>
+          <p:nvPr/>
+        </p:nvSpPr>
+        <p:spPr>
+          <a:xfrm>
+            <a:off x="1273250" y="828548"/>
+            <a:ext cx="9512949" cy="5125250"/>
+          </a:xfrm>
+          <a:prstGeom prst="rect">
+            <a:avLst/>
+          </a:prstGeom>
+          <a:solidFill>
+            <a:schemeClr val="accent4">
+              <a:lumMod val="20000"/>
+              <a:lumOff val="80000"/>
+            </a:schemeClr>
+          </a:solidFill>
+          <a:ln>
+            <a:solidFill>
+              <a:schemeClr val="bg2">
+                <a:lumMod val="50000"/>
+              </a:schemeClr>
+            </a:solidFill>
+          </a:ln>
+        </p:spPr>
+        <p:style>
+          <a:lnRef idx="2">
+            <a:schemeClr val="accent1">
+              <a:shade val="50000"/>
+            </a:schemeClr>
+          </a:lnRef>
+          <a:fillRef idx="1">
+            <a:schemeClr val="accent1"/>
+          </a:fillRef>
+          <a:effectRef idx="0">
+            <a:schemeClr val="accent1"/>
+          </a:effectRef>
+          <a:fontRef idx="minor">
+            <a:schemeClr val="lt1"/>
+          </a:fontRef>
+        </p:style>
+        <p:txBody>
+          <a:bodyPr rtlCol="0" anchor="ctr"/>
+          <a:lstStyle/>
+          <a:p>
+            <a:pPr algn="ctr"/>
+            <a:endParaRPr lang="en-DE"/>
+          </a:p>
+        </p:txBody>
+      </p:sp>
+      <p:sp>
+        <p:nvSpPr>
+          <p:cNvPr id="5" name="Rectangle 4">
+            <a:extLst>
+              <a:ext uri="{FF2B5EF4-FFF2-40B4-BE49-F238E27FC236}">
+                <a16:creationId xmlns:a16="http://schemas.microsoft.com/office/drawing/2014/main" id="{1FDDD025-BEB3-3CFE-BA2E-7923E7D08ABC}"/>
+              </a:ext>
+            </a:extLst>
+          </p:cNvPr>
+          <p:cNvSpPr/>
+          <p:nvPr/>
+        </p:nvSpPr>
+        <p:spPr>
+          <a:xfrm>
+            <a:off x="1547694" y="1047924"/>
+            <a:ext cx="6740179" cy="4671087"/>
+          </a:xfrm>
+          <a:prstGeom prst="rect">
+            <a:avLst/>
+          </a:prstGeom>
+          <a:solidFill>
+            <a:schemeClr val="accent5">
+              <a:lumMod val="40000"/>
+              <a:lumOff val="60000"/>
+            </a:schemeClr>
+          </a:solidFill>
+          <a:ln>
+            <a:solidFill>
+              <a:schemeClr val="bg2">
+                <a:lumMod val="50000"/>
+              </a:schemeClr>
+            </a:solidFill>
+          </a:ln>
+        </p:spPr>
+        <p:style>
+          <a:lnRef idx="2">
+            <a:schemeClr val="accent1">
+              <a:shade val="50000"/>
+            </a:schemeClr>
+          </a:lnRef>
+          <a:fillRef idx="1">
+            <a:schemeClr val="accent1"/>
+          </a:fillRef>
+          <a:effectRef idx="0">
+            <a:schemeClr val="accent1"/>
+          </a:effectRef>
+          <a:fontRef idx="minor">
+            <a:schemeClr val="lt1"/>
+          </a:fontRef>
+        </p:style>
+        <p:txBody>
+          <a:bodyPr rtlCol="0" anchor="ctr"/>
+          <a:lstStyle/>
+          <a:p>
+            <a:pPr algn="ctr"/>
+            <a:endParaRPr lang="en-DE" dirty="0"/>
+          </a:p>
+        </p:txBody>
+      </p:sp>
+      <p:sp>
+        <p:nvSpPr>
+          <p:cNvPr id="2" name="Rectangle 1">
+            <a:extLst>
+              <a:ext uri="{FF2B5EF4-FFF2-40B4-BE49-F238E27FC236}">
+                <a16:creationId xmlns:a16="http://schemas.microsoft.com/office/drawing/2014/main" id="{1FA44421-75EE-C84E-DFB5-6611F91D5D46}"/>
+              </a:ext>
+            </a:extLst>
+          </p:cNvPr>
+          <p:cNvSpPr/>
+          <p:nvPr/>
+        </p:nvSpPr>
+        <p:spPr>
+          <a:xfrm>
+            <a:off x="8578428" y="1359532"/>
+            <a:ext cx="1940858" cy="1837766"/>
+          </a:xfrm>
+          <a:prstGeom prst="rect">
+            <a:avLst/>
+          </a:prstGeom>
+          <a:solidFill>
+            <a:schemeClr val="accent6">
+              <a:lumMod val="40000"/>
+              <a:lumOff val="60000"/>
+            </a:schemeClr>
+          </a:solidFill>
+          <a:ln>
+            <a:solidFill>
+              <a:schemeClr val="bg2">
+                <a:lumMod val="50000"/>
+              </a:schemeClr>
+            </a:solidFill>
+          </a:ln>
+        </p:spPr>
+        <p:style>
+          <a:lnRef idx="2">
+            <a:schemeClr val="accent1">
+              <a:shade val="50000"/>
+            </a:schemeClr>
+          </a:lnRef>
+          <a:fillRef idx="1">
+            <a:schemeClr val="accent1"/>
+          </a:fillRef>
+          <a:effectRef idx="0">
+            <a:schemeClr val="accent1"/>
+          </a:effectRef>
+          <a:fontRef idx="minor">
+            <a:schemeClr val="lt1"/>
+          </a:fontRef>
+        </p:style>
+        <p:txBody>
+          <a:bodyPr rtlCol="0" anchor="ctr"/>
+          <a:lstStyle/>
+          <a:p>
+            <a:pPr algn="ctr"/>
+            <a:r>
+              <a:rPr lang="en-US" b="1" dirty="0">
+                <a:solidFill>
+                  <a:schemeClr val="tx1"/>
+                </a:solidFill>
+                <a:cs typeface="Aharoni" panose="020B0604020202020204" pitchFamily="2" charset="-79"/>
+              </a:rPr>
+              <a:t>GNS3 Client</a:t>
+            </a:r>
+            <a:endParaRPr lang="en-DE" b="1" dirty="0">
+              <a:solidFill>
+                <a:schemeClr val="tx1"/>
+              </a:solidFill>
+              <a:cs typeface="Aharoni" panose="020B0604020202020204" pitchFamily="2" charset="-79"/>
+            </a:endParaRPr>
+          </a:p>
+        </p:txBody>
+      </p:sp>
+      <p:sp>
+        <p:nvSpPr>
+          <p:cNvPr id="3" name="Rectangle 2">
+            <a:extLst>
+              <a:ext uri="{FF2B5EF4-FFF2-40B4-BE49-F238E27FC236}">
+                <a16:creationId xmlns:a16="http://schemas.microsoft.com/office/drawing/2014/main" id="{718F2715-7707-4D42-4FB6-D7A92CD56F85}"/>
+              </a:ext>
+            </a:extLst>
+          </p:cNvPr>
+          <p:cNvSpPr/>
+          <p:nvPr/>
+        </p:nvSpPr>
+        <p:spPr>
+          <a:xfrm>
+            <a:off x="6029725" y="1359532"/>
+            <a:ext cx="1940858" cy="1837766"/>
+          </a:xfrm>
+          <a:prstGeom prst="rect">
+            <a:avLst/>
+          </a:prstGeom>
+          <a:solidFill>
+            <a:schemeClr val="accent2">
+              <a:lumMod val="40000"/>
+              <a:lumOff val="60000"/>
+            </a:schemeClr>
+          </a:solidFill>
+          <a:ln>
+            <a:solidFill>
+              <a:schemeClr val="bg2">
+                <a:lumMod val="50000"/>
+              </a:schemeClr>
+            </a:solidFill>
+          </a:ln>
+        </p:spPr>
+        <p:style>
+          <a:lnRef idx="2">
+            <a:schemeClr val="accent1">
+              <a:shade val="50000"/>
+            </a:schemeClr>
+          </a:lnRef>
+          <a:fillRef idx="1">
+            <a:schemeClr val="accent1"/>
+          </a:fillRef>
+          <a:effectRef idx="0">
+            <a:schemeClr val="accent1"/>
+          </a:effectRef>
+          <a:fontRef idx="minor">
+            <a:schemeClr val="lt1"/>
+          </a:fontRef>
+        </p:style>
+        <p:txBody>
+          <a:bodyPr rtlCol="0" anchor="ctr"/>
+          <a:lstStyle/>
+          <a:p>
+            <a:pPr algn="ctr"/>
+            <a:r>
+              <a:rPr lang="en-US" b="1" dirty="0">
+                <a:solidFill>
+                  <a:schemeClr val="tx1"/>
+                </a:solidFill>
+                <a:cs typeface="Aharoni" panose="020B0604020202020204" pitchFamily="2" charset="-79"/>
+              </a:rPr>
+              <a:t>GNS3 Server</a:t>
+            </a:r>
+          </a:p>
+          <a:p>
+            <a:pPr algn="ctr"/>
+            <a:r>
+              <a:rPr lang="en-US" b="1" dirty="0">
+                <a:solidFill>
+                  <a:schemeClr val="tx1"/>
+                </a:solidFill>
+                <a:cs typeface="Aharoni" panose="020B0604020202020204" pitchFamily="2" charset="-79"/>
+              </a:rPr>
+              <a:t>(GNS3 VM)</a:t>
+            </a:r>
+            <a:endParaRPr lang="en-DE" b="1" dirty="0">
+              <a:solidFill>
+                <a:schemeClr val="tx1"/>
+              </a:solidFill>
+              <a:cs typeface="Aharoni" panose="020B0604020202020204" pitchFamily="2" charset="-79"/>
+            </a:endParaRPr>
+          </a:p>
+        </p:txBody>
+      </p:sp>
+      <p:sp>
+        <p:nvSpPr>
+          <p:cNvPr id="6" name="Rectangle 5">
+            <a:extLst>
+              <a:ext uri="{FF2B5EF4-FFF2-40B4-BE49-F238E27FC236}">
+                <a16:creationId xmlns:a16="http://schemas.microsoft.com/office/drawing/2014/main" id="{DD67BE2B-BE5E-6EC8-CCA2-051C04F659D9}"/>
+              </a:ext>
+            </a:extLst>
+          </p:cNvPr>
+          <p:cNvSpPr/>
+          <p:nvPr/>
+        </p:nvSpPr>
+        <p:spPr>
+          <a:xfrm>
+            <a:off x="1884188" y="1243726"/>
+            <a:ext cx="1940858" cy="690517"/>
+          </a:xfrm>
+          <a:prstGeom prst="rect">
+            <a:avLst/>
+          </a:prstGeom>
+          <a:solidFill>
+            <a:schemeClr val="accent2">
+              <a:lumMod val="40000"/>
+              <a:lumOff val="60000"/>
+            </a:schemeClr>
+          </a:solidFill>
+          <a:ln>
+            <a:solidFill>
+              <a:schemeClr val="bg2">
+                <a:lumMod val="50000"/>
+              </a:schemeClr>
+            </a:solidFill>
+          </a:ln>
+        </p:spPr>
+        <p:style>
+          <a:lnRef idx="2">
+            <a:schemeClr val="accent1">
+              <a:shade val="50000"/>
+            </a:schemeClr>
+          </a:lnRef>
+          <a:fillRef idx="1">
+            <a:schemeClr val="accent1"/>
+          </a:fillRef>
+          <a:effectRef idx="0">
+            <a:schemeClr val="accent1"/>
+          </a:effectRef>
+          <a:fontRef idx="minor">
+            <a:schemeClr val="lt1"/>
+          </a:fontRef>
+        </p:style>
+        <p:txBody>
+          <a:bodyPr rtlCol="0" anchor="ctr"/>
+          <a:lstStyle/>
+          <a:p>
+            <a:pPr algn="ctr"/>
+            <a:r>
+              <a:rPr lang="en-US" b="1" dirty="0">
+                <a:solidFill>
+                  <a:schemeClr val="tx1"/>
+                </a:solidFill>
+                <a:cs typeface="Aharoni" panose="020B0604020202020204" pitchFamily="2" charset="-79"/>
+              </a:rPr>
+              <a:t>ONOS</a:t>
+            </a:r>
+            <a:endParaRPr lang="en-DE" dirty="0"/>
+          </a:p>
+        </p:txBody>
+      </p:sp>
+      <p:sp>
+        <p:nvSpPr>
+          <p:cNvPr id="7" name="Rectangle 6">
+            <a:extLst>
+              <a:ext uri="{FF2B5EF4-FFF2-40B4-BE49-F238E27FC236}">
+                <a16:creationId xmlns:a16="http://schemas.microsoft.com/office/drawing/2014/main" id="{025BC619-FA2E-3D69-0B69-60649584D66C}"/>
+              </a:ext>
+            </a:extLst>
+          </p:cNvPr>
+          <p:cNvSpPr/>
+          <p:nvPr/>
+        </p:nvSpPr>
+        <p:spPr>
+          <a:xfrm>
+            <a:off x="1884188" y="3947008"/>
+            <a:ext cx="1940858" cy="690517"/>
+          </a:xfrm>
+          <a:prstGeom prst="rect">
+            <a:avLst/>
+          </a:prstGeom>
+          <a:solidFill>
+            <a:schemeClr val="accent2">
+              <a:lumMod val="40000"/>
+              <a:lumOff val="60000"/>
+            </a:schemeClr>
+          </a:solidFill>
+          <a:ln>
+            <a:solidFill>
+              <a:schemeClr val="bg2">
+                <a:lumMod val="50000"/>
+              </a:schemeClr>
+            </a:solidFill>
+          </a:ln>
+        </p:spPr>
+        <p:style>
+          <a:lnRef idx="2">
+            <a:schemeClr val="accent1">
+              <a:shade val="50000"/>
+            </a:schemeClr>
+          </a:lnRef>
+          <a:fillRef idx="1">
+            <a:schemeClr val="accent1"/>
+          </a:fillRef>
+          <a:effectRef idx="0">
+            <a:schemeClr val="accent1"/>
+          </a:effectRef>
+          <a:fontRef idx="minor">
+            <a:schemeClr val="lt1"/>
+          </a:fontRef>
+        </p:style>
+        <p:txBody>
+          <a:bodyPr rtlCol="0" anchor="ctr"/>
+          <a:lstStyle/>
+          <a:p>
+            <a:pPr algn="ctr"/>
+            <a:r>
+              <a:rPr lang="en-US" b="1" dirty="0">
+                <a:solidFill>
+                  <a:schemeClr val="tx1"/>
+                </a:solidFill>
+                <a:cs typeface="Aharoni" panose="020B0604020202020204" pitchFamily="2" charset="-79"/>
+              </a:rPr>
+              <a:t>ONOS Docker</a:t>
+            </a:r>
+            <a:endParaRPr lang="en-DE" dirty="0"/>
+          </a:p>
+        </p:txBody>
+      </p:sp>
+      <p:sp>
+        <p:nvSpPr>
+          <p:cNvPr id="8" name="Rectangle 7">
+            <a:extLst>
+              <a:ext uri="{FF2B5EF4-FFF2-40B4-BE49-F238E27FC236}">
+                <a16:creationId xmlns:a16="http://schemas.microsoft.com/office/drawing/2014/main" id="{ACA4572D-5A19-381A-43FB-3B3470860CDE}"/>
+              </a:ext>
+            </a:extLst>
+          </p:cNvPr>
+          <p:cNvSpPr/>
+          <p:nvPr/>
+        </p:nvSpPr>
+        <p:spPr>
+          <a:xfrm>
+            <a:off x="1884188" y="3045914"/>
+            <a:ext cx="1940858" cy="690517"/>
+          </a:xfrm>
+          <a:prstGeom prst="rect">
+            <a:avLst/>
+          </a:prstGeom>
+          <a:solidFill>
+            <a:schemeClr val="accent2">
+              <a:lumMod val="40000"/>
+              <a:lumOff val="60000"/>
+            </a:schemeClr>
+          </a:solidFill>
+          <a:ln>
+            <a:solidFill>
+              <a:schemeClr val="bg2">
+                <a:lumMod val="50000"/>
+              </a:schemeClr>
+            </a:solidFill>
+          </a:ln>
+        </p:spPr>
+        <p:style>
+          <a:lnRef idx="2">
+            <a:schemeClr val="accent1">
+              <a:shade val="50000"/>
+            </a:schemeClr>
+          </a:lnRef>
+          <a:fillRef idx="1">
+            <a:schemeClr val="accent1"/>
+          </a:fillRef>
+          <a:effectRef idx="0">
+            <a:schemeClr val="accent1"/>
+          </a:effectRef>
+          <a:fontRef idx="minor">
+            <a:schemeClr val="lt1"/>
+          </a:fontRef>
+        </p:style>
+        <p:txBody>
+          <a:bodyPr rtlCol="0" anchor="ctr"/>
+          <a:lstStyle/>
+          <a:p>
+            <a:pPr algn="ctr"/>
+            <a:r>
+              <a:rPr lang="en-US" b="1" dirty="0">
+                <a:solidFill>
+                  <a:schemeClr val="tx1"/>
+                </a:solidFill>
+                <a:cs typeface="Aharoni" panose="020B0604020202020204" pitchFamily="2" charset="-79"/>
+              </a:rPr>
+              <a:t>Ryu</a:t>
+            </a:r>
+            <a:endParaRPr lang="en-DE" dirty="0"/>
+          </a:p>
+        </p:txBody>
+      </p:sp>
+      <p:sp>
+        <p:nvSpPr>
+          <p:cNvPr id="9" name="Rectangle 8">
+            <a:extLst>
+              <a:ext uri="{FF2B5EF4-FFF2-40B4-BE49-F238E27FC236}">
+                <a16:creationId xmlns:a16="http://schemas.microsoft.com/office/drawing/2014/main" id="{8D991346-D037-93D5-AB72-4CCEF0B8CF8F}"/>
+              </a:ext>
+            </a:extLst>
+          </p:cNvPr>
+          <p:cNvSpPr/>
+          <p:nvPr/>
+        </p:nvSpPr>
+        <p:spPr>
+          <a:xfrm>
+            <a:off x="1884188" y="2144820"/>
+            <a:ext cx="1940858" cy="690517"/>
+          </a:xfrm>
+          <a:prstGeom prst="rect">
+            <a:avLst/>
+          </a:prstGeom>
+          <a:solidFill>
+            <a:schemeClr val="accent2">
+              <a:lumMod val="40000"/>
+              <a:lumOff val="60000"/>
+            </a:schemeClr>
+          </a:solidFill>
+          <a:ln>
+            <a:solidFill>
+              <a:schemeClr val="bg2">
+                <a:lumMod val="50000"/>
+              </a:schemeClr>
+            </a:solidFill>
+          </a:ln>
+        </p:spPr>
+        <p:style>
+          <a:lnRef idx="2">
+            <a:schemeClr val="accent1">
+              <a:shade val="50000"/>
+            </a:schemeClr>
+          </a:lnRef>
+          <a:fillRef idx="1">
+            <a:schemeClr val="accent1"/>
+          </a:fillRef>
+          <a:effectRef idx="0">
+            <a:schemeClr val="accent1"/>
+          </a:effectRef>
+          <a:fontRef idx="minor">
+            <a:schemeClr val="lt1"/>
+          </a:fontRef>
+        </p:style>
+        <p:txBody>
+          <a:bodyPr rtlCol="0" anchor="ctr"/>
+          <a:lstStyle/>
+          <a:p>
+            <a:pPr algn="ctr"/>
+            <a:r>
+              <a:rPr lang="en-US" b="1" dirty="0">
+                <a:solidFill>
+                  <a:schemeClr val="tx1"/>
+                </a:solidFill>
+                <a:cs typeface="Aharoni" panose="020B0604020202020204" pitchFamily="2" charset="-79"/>
+              </a:rPr>
+              <a:t>OpenDaylight</a:t>
+            </a:r>
+            <a:endParaRPr lang="en-DE" dirty="0"/>
+          </a:p>
+        </p:txBody>
+      </p:sp>
+      <p:sp>
+        <p:nvSpPr>
+          <p:cNvPr id="11" name="TextBox 10">
+            <a:extLst>
+              <a:ext uri="{FF2B5EF4-FFF2-40B4-BE49-F238E27FC236}">
+                <a16:creationId xmlns:a16="http://schemas.microsoft.com/office/drawing/2014/main" id="{CF3A9E51-E205-36F4-0C54-E52978652AE0}"/>
+              </a:ext>
+            </a:extLst>
+          </p:cNvPr>
+          <p:cNvSpPr txBox="1"/>
+          <p:nvPr/>
+        </p:nvSpPr>
+        <p:spPr>
+          <a:xfrm>
+            <a:off x="7015876" y="5255941"/>
+            <a:ext cx="1186735" cy="369332"/>
+          </a:xfrm>
+          <a:prstGeom prst="rect">
+            <a:avLst/>
+          </a:prstGeom>
+          <a:noFill/>
+        </p:spPr>
+        <p:txBody>
+          <a:bodyPr wrap="none" rtlCol="0">
+            <a:spAutoFit/>
+          </a:bodyPr>
+          <a:lstStyle/>
+          <a:p>
+            <a:r>
+              <a:rPr lang="en-US" b="1" dirty="0"/>
+              <a:t>VirtualBox</a:t>
+            </a:r>
+            <a:endParaRPr lang="en-DE" b="1" dirty="0"/>
+          </a:p>
+        </p:txBody>
+      </p:sp>
+      <p:sp>
+        <p:nvSpPr>
+          <p:cNvPr id="12" name="TextBox 11">
+            <a:extLst>
+              <a:ext uri="{FF2B5EF4-FFF2-40B4-BE49-F238E27FC236}">
+                <a16:creationId xmlns:a16="http://schemas.microsoft.com/office/drawing/2014/main" id="{25B2EB4C-8C09-F0C5-BE8E-9DFDB1FE18F3}"/>
+              </a:ext>
+            </a:extLst>
+          </p:cNvPr>
+          <p:cNvSpPr txBox="1"/>
+          <p:nvPr/>
+        </p:nvSpPr>
+        <p:spPr>
+          <a:xfrm>
+            <a:off x="9304084" y="5491274"/>
+            <a:ext cx="1491755" cy="369332"/>
+          </a:xfrm>
+          <a:prstGeom prst="rect">
+            <a:avLst/>
+          </a:prstGeom>
+          <a:noFill/>
+        </p:spPr>
+        <p:txBody>
+          <a:bodyPr wrap="none" rtlCol="0">
+            <a:spAutoFit/>
+          </a:bodyPr>
+          <a:lstStyle/>
+          <a:p>
+            <a:r>
+              <a:rPr lang="en-US" b="1" dirty="0"/>
+              <a:t>Host machine</a:t>
+            </a:r>
+            <a:endParaRPr lang="en-DE" b="1" dirty="0"/>
+          </a:p>
+        </p:txBody>
+      </p:sp>
+      <p:sp>
+        <p:nvSpPr>
+          <p:cNvPr id="13" name="Rectangle: Rounded Corners 12">
+            <a:extLst>
+              <a:ext uri="{FF2B5EF4-FFF2-40B4-BE49-F238E27FC236}">
+                <a16:creationId xmlns:a16="http://schemas.microsoft.com/office/drawing/2014/main" id="{CA48E854-13C4-9AF8-F0FF-8196757F5CB8}"/>
+              </a:ext>
+            </a:extLst>
+          </p:cNvPr>
+          <p:cNvSpPr/>
+          <p:nvPr/>
+        </p:nvSpPr>
+        <p:spPr>
+          <a:xfrm>
+            <a:off x="10342971" y="4036924"/>
+            <a:ext cx="553250" cy="307362"/>
+          </a:xfrm>
+          <a:prstGeom prst="roundRect">
+            <a:avLst/>
+          </a:prstGeom>
+          <a:solidFill>
+            <a:schemeClr val="accent2">
+              <a:lumMod val="40000"/>
+              <a:lumOff val="60000"/>
+            </a:schemeClr>
+          </a:solidFill>
+          <a:ln>
+            <a:solidFill>
+              <a:schemeClr val="tx2">
+                <a:lumMod val="60000"/>
+                <a:lumOff val="40000"/>
+              </a:schemeClr>
+            </a:solidFill>
+          </a:ln>
+        </p:spPr>
+        <p:style>
+          <a:lnRef idx="2">
+            <a:schemeClr val="accent1">
+              <a:shade val="50000"/>
+            </a:schemeClr>
+          </a:lnRef>
+          <a:fillRef idx="1">
+            <a:schemeClr val="accent1"/>
+          </a:fillRef>
+          <a:effectRef idx="0">
+            <a:schemeClr val="accent1"/>
+          </a:effectRef>
+          <a:fontRef idx="minor">
+            <a:schemeClr val="lt1"/>
+          </a:fontRef>
+        </p:style>
+        <p:txBody>
+          <a:bodyPr rtlCol="0" anchor="ctr"/>
+          <a:lstStyle/>
+          <a:p>
+            <a:pPr algn="ctr"/>
+            <a:r>
+              <a:rPr lang="en-US" sz="1400" b="1" dirty="0">
+                <a:solidFill>
+                  <a:schemeClr val="tx1"/>
+                </a:solidFill>
+              </a:rPr>
+              <a:t>NIC</a:t>
+            </a:r>
+            <a:endParaRPr lang="en-DE" sz="1400" b="1" dirty="0">
+              <a:solidFill>
+                <a:schemeClr val="tx1"/>
+              </a:solidFill>
+            </a:endParaRPr>
+          </a:p>
+        </p:txBody>
+      </p:sp>
+      <p:cxnSp>
+        <p:nvCxnSpPr>
+          <p:cNvPr id="16" name="Straight Connector 15">
+            <a:extLst>
+              <a:ext uri="{FF2B5EF4-FFF2-40B4-BE49-F238E27FC236}">
+                <a16:creationId xmlns:a16="http://schemas.microsoft.com/office/drawing/2014/main" id="{1FA3D0DD-CF63-BB5B-32D3-2F55A6AB0CAD}"/>
+              </a:ext>
+            </a:extLst>
+          </p:cNvPr>
+          <p:cNvCxnSpPr>
+            <a:cxnSpLocks/>
+            <a:stCxn id="6" idx="3"/>
+            <a:endCxn id="32" idx="2"/>
+          </p:cNvCxnSpPr>
+          <p:nvPr/>
+        </p:nvCxnSpPr>
+        <p:spPr>
+          <a:xfrm>
+            <a:off x="3825046" y="1588985"/>
+            <a:ext cx="970429" cy="1802438"/>
+          </a:xfrm>
+          <a:prstGeom prst="line">
+            <a:avLst/>
+          </a:prstGeom>
+          <a:ln w="19050">
+            <a:solidFill>
+              <a:srgbClr val="FF0000"/>
+            </a:solidFill>
+          </a:ln>
+        </p:spPr>
+        <p:style>
+          <a:lnRef idx="1">
+            <a:schemeClr val="accent1"/>
+          </a:lnRef>
+          <a:fillRef idx="0">
+            <a:schemeClr val="accent1"/>
+          </a:fillRef>
+          <a:effectRef idx="0">
+            <a:schemeClr val="accent1"/>
+          </a:effectRef>
+          <a:fontRef idx="minor">
+            <a:schemeClr val="tx1"/>
+          </a:fontRef>
+        </p:style>
+      </p:cxnSp>
+      <p:cxnSp>
+        <p:nvCxnSpPr>
+          <p:cNvPr id="19" name="Straight Connector 18">
+            <a:extLst>
+              <a:ext uri="{FF2B5EF4-FFF2-40B4-BE49-F238E27FC236}">
+                <a16:creationId xmlns:a16="http://schemas.microsoft.com/office/drawing/2014/main" id="{35C9ABF5-B834-29F6-BE74-CEF8055BE62F}"/>
+              </a:ext>
+            </a:extLst>
+          </p:cNvPr>
+          <p:cNvCxnSpPr>
+            <a:cxnSpLocks/>
+            <a:stCxn id="9" idx="3"/>
+            <a:endCxn id="32" idx="2"/>
+          </p:cNvCxnSpPr>
+          <p:nvPr/>
+        </p:nvCxnSpPr>
+        <p:spPr>
+          <a:xfrm>
+            <a:off x="3825046" y="2490079"/>
+            <a:ext cx="970429" cy="901344"/>
+          </a:xfrm>
+          <a:prstGeom prst="line">
+            <a:avLst/>
+          </a:prstGeom>
+          <a:ln w="19050">
+            <a:solidFill>
+              <a:srgbClr val="FF0000"/>
+            </a:solidFill>
+          </a:ln>
+        </p:spPr>
+        <p:style>
+          <a:lnRef idx="1">
+            <a:schemeClr val="accent1"/>
+          </a:lnRef>
+          <a:fillRef idx="0">
+            <a:schemeClr val="accent1"/>
+          </a:fillRef>
+          <a:effectRef idx="0">
+            <a:schemeClr val="accent1"/>
+          </a:effectRef>
+          <a:fontRef idx="minor">
+            <a:schemeClr val="tx1"/>
+          </a:fontRef>
+        </p:style>
+      </p:cxnSp>
+      <p:cxnSp>
+        <p:nvCxnSpPr>
+          <p:cNvPr id="22" name="Straight Connector 21">
+            <a:extLst>
+              <a:ext uri="{FF2B5EF4-FFF2-40B4-BE49-F238E27FC236}">
+                <a16:creationId xmlns:a16="http://schemas.microsoft.com/office/drawing/2014/main" id="{ED063B80-F8B2-8480-4188-D08F8037C2D8}"/>
+              </a:ext>
+            </a:extLst>
+          </p:cNvPr>
+          <p:cNvCxnSpPr>
+            <a:cxnSpLocks/>
+            <a:stCxn id="8" idx="3"/>
+            <a:endCxn id="32" idx="2"/>
+          </p:cNvCxnSpPr>
+          <p:nvPr/>
+        </p:nvCxnSpPr>
+        <p:spPr>
+          <a:xfrm>
+            <a:off x="3825046" y="3391173"/>
+            <a:ext cx="970429" cy="250"/>
+          </a:xfrm>
+          <a:prstGeom prst="line">
+            <a:avLst/>
+          </a:prstGeom>
+          <a:ln w="19050">
+            <a:solidFill>
+              <a:srgbClr val="FF0000"/>
+            </a:solidFill>
+          </a:ln>
+        </p:spPr>
+        <p:style>
+          <a:lnRef idx="1">
+            <a:schemeClr val="accent1"/>
+          </a:lnRef>
+          <a:fillRef idx="0">
+            <a:schemeClr val="accent1"/>
+          </a:fillRef>
+          <a:effectRef idx="0">
+            <a:schemeClr val="accent1"/>
+          </a:effectRef>
+          <a:fontRef idx="minor">
+            <a:schemeClr val="tx1"/>
+          </a:fontRef>
+        </p:style>
+      </p:cxnSp>
+      <p:cxnSp>
+        <p:nvCxnSpPr>
+          <p:cNvPr id="26" name="Straight Connector 25">
+            <a:extLst>
+              <a:ext uri="{FF2B5EF4-FFF2-40B4-BE49-F238E27FC236}">
+                <a16:creationId xmlns:a16="http://schemas.microsoft.com/office/drawing/2014/main" id="{603A4EA7-1CE8-45E2-2A6B-227D0B311257}"/>
+              </a:ext>
+            </a:extLst>
+          </p:cNvPr>
+          <p:cNvCxnSpPr>
+            <a:cxnSpLocks/>
+            <a:stCxn id="7" idx="3"/>
+            <a:endCxn id="32" idx="2"/>
+          </p:cNvCxnSpPr>
+          <p:nvPr/>
+        </p:nvCxnSpPr>
+        <p:spPr>
+          <a:xfrm flipV="1">
+            <a:off x="3825046" y="3391423"/>
+            <a:ext cx="970429" cy="900844"/>
+          </a:xfrm>
+          <a:prstGeom prst="line">
+            <a:avLst/>
+          </a:prstGeom>
+          <a:ln w="19050">
+            <a:solidFill>
+              <a:srgbClr val="FF0000"/>
+            </a:solidFill>
+          </a:ln>
+        </p:spPr>
+        <p:style>
+          <a:lnRef idx="1">
+            <a:schemeClr val="accent1"/>
+          </a:lnRef>
+          <a:fillRef idx="0">
+            <a:schemeClr val="accent1"/>
+          </a:fillRef>
+          <a:effectRef idx="0">
+            <a:schemeClr val="accent1"/>
+          </a:effectRef>
+          <a:fontRef idx="minor">
+            <a:schemeClr val="tx1"/>
+          </a:fontRef>
+        </p:style>
+      </p:cxnSp>
+      <p:cxnSp>
+        <p:nvCxnSpPr>
+          <p:cNvPr id="29" name="Straight Connector 28">
+            <a:extLst>
+              <a:ext uri="{FF2B5EF4-FFF2-40B4-BE49-F238E27FC236}">
+                <a16:creationId xmlns:a16="http://schemas.microsoft.com/office/drawing/2014/main" id="{FCFA1C8E-6349-D84E-9E81-9EDAC99B0399}"/>
+              </a:ext>
+            </a:extLst>
+          </p:cNvPr>
+          <p:cNvCxnSpPr>
+            <a:cxnSpLocks/>
+            <a:stCxn id="32" idx="6"/>
+            <a:endCxn id="3" idx="1"/>
+          </p:cNvCxnSpPr>
+          <p:nvPr/>
+        </p:nvCxnSpPr>
+        <p:spPr>
+          <a:xfrm flipV="1">
+            <a:off x="5141256" y="2278415"/>
+            <a:ext cx="888469" cy="1113008"/>
+          </a:xfrm>
+          <a:prstGeom prst="line">
+            <a:avLst/>
+          </a:prstGeom>
+          <a:ln w="19050">
+            <a:solidFill>
+              <a:srgbClr val="FF0000"/>
+            </a:solidFill>
+          </a:ln>
+        </p:spPr>
+        <p:style>
+          <a:lnRef idx="1">
+            <a:schemeClr val="accent1"/>
+          </a:lnRef>
+          <a:fillRef idx="0">
+            <a:schemeClr val="accent1"/>
+          </a:fillRef>
+          <a:effectRef idx="0">
+            <a:schemeClr val="accent1"/>
+          </a:effectRef>
+          <a:fontRef idx="minor">
+            <a:schemeClr val="tx1"/>
+          </a:fontRef>
+        </p:style>
+      </p:cxnSp>
+      <p:sp>
+        <p:nvSpPr>
+          <p:cNvPr id="32" name="Oval 31">
+            <a:extLst>
+              <a:ext uri="{FF2B5EF4-FFF2-40B4-BE49-F238E27FC236}">
+                <a16:creationId xmlns:a16="http://schemas.microsoft.com/office/drawing/2014/main" id="{6AF289B3-82CF-91FE-9792-44FD22AF8537}"/>
+              </a:ext>
+            </a:extLst>
+          </p:cNvPr>
+          <p:cNvSpPr/>
+          <p:nvPr/>
+        </p:nvSpPr>
+        <p:spPr>
+          <a:xfrm>
+            <a:off x="4795475" y="3209567"/>
+            <a:ext cx="345781" cy="363711"/>
+          </a:xfrm>
+          <a:prstGeom prst="ellipse">
+            <a:avLst/>
+          </a:prstGeom>
+          <a:solidFill>
+            <a:schemeClr val="accent4">
+              <a:lumMod val="40000"/>
+              <a:lumOff val="60000"/>
+            </a:schemeClr>
+          </a:solidFill>
+          <a:ln>
+            <a:solidFill>
+              <a:schemeClr val="bg2">
+                <a:lumMod val="50000"/>
+              </a:schemeClr>
+            </a:solidFill>
+          </a:ln>
+        </p:spPr>
+        <p:style>
+          <a:lnRef idx="2">
+            <a:schemeClr val="accent1">
+              <a:shade val="50000"/>
+            </a:schemeClr>
+          </a:lnRef>
+          <a:fillRef idx="1">
+            <a:schemeClr val="accent1"/>
+          </a:fillRef>
+          <a:effectRef idx="0">
+            <a:schemeClr val="accent1"/>
+          </a:effectRef>
+          <a:fontRef idx="minor">
+            <a:schemeClr val="lt1"/>
+          </a:fontRef>
+        </p:style>
+        <p:txBody>
+          <a:bodyPr rtlCol="0" anchor="ctr"/>
+          <a:lstStyle/>
+          <a:p>
+            <a:pPr algn="ctr"/>
+            <a:endParaRPr lang="en-DE"/>
+          </a:p>
+        </p:txBody>
+      </p:sp>
+      <p:sp>
+        <p:nvSpPr>
+          <p:cNvPr id="40" name="Oval 39">
+            <a:extLst>
+              <a:ext uri="{FF2B5EF4-FFF2-40B4-BE49-F238E27FC236}">
+                <a16:creationId xmlns:a16="http://schemas.microsoft.com/office/drawing/2014/main" id="{545952D7-FBE8-6C82-F583-6AC7B8E5F594}"/>
+              </a:ext>
+            </a:extLst>
+          </p:cNvPr>
+          <p:cNvSpPr/>
+          <p:nvPr/>
+        </p:nvSpPr>
+        <p:spPr>
+          <a:xfrm>
+            <a:off x="8074799" y="3986731"/>
+            <a:ext cx="345781" cy="363711"/>
+          </a:xfrm>
+          <a:prstGeom prst="ellipse">
+            <a:avLst/>
+          </a:prstGeom>
+          <a:solidFill>
+            <a:schemeClr val="accent4">
+              <a:lumMod val="40000"/>
+              <a:lumOff val="60000"/>
+            </a:schemeClr>
+          </a:solidFill>
+          <a:ln>
+            <a:solidFill>
+              <a:schemeClr val="bg2">
+                <a:lumMod val="50000"/>
+              </a:schemeClr>
+            </a:solidFill>
+          </a:ln>
+        </p:spPr>
+        <p:style>
+          <a:lnRef idx="2">
+            <a:schemeClr val="accent1">
+              <a:shade val="50000"/>
+            </a:schemeClr>
+          </a:lnRef>
+          <a:fillRef idx="1">
+            <a:schemeClr val="accent1"/>
+          </a:fillRef>
+          <a:effectRef idx="0">
+            <a:schemeClr val="accent1"/>
+          </a:effectRef>
+          <a:fontRef idx="minor">
+            <a:schemeClr val="lt1"/>
+          </a:fontRef>
+        </p:style>
+        <p:txBody>
+          <a:bodyPr rtlCol="0" anchor="ctr"/>
+          <a:lstStyle/>
+          <a:p>
+            <a:pPr algn="ctr"/>
+            <a:endParaRPr lang="en-DE"/>
+          </a:p>
+        </p:txBody>
+      </p:sp>
+      <p:cxnSp>
+        <p:nvCxnSpPr>
+          <p:cNvPr id="42" name="Straight Connector 41">
+            <a:extLst>
+              <a:ext uri="{FF2B5EF4-FFF2-40B4-BE49-F238E27FC236}">
+                <a16:creationId xmlns:a16="http://schemas.microsoft.com/office/drawing/2014/main" id="{D2EB8AA9-A293-B7D7-FCD2-6AE57CB1E16F}"/>
+              </a:ext>
+            </a:extLst>
+          </p:cNvPr>
+          <p:cNvCxnSpPr>
+            <a:cxnSpLocks/>
+            <a:stCxn id="3" idx="2"/>
+            <a:endCxn id="40" idx="2"/>
+          </p:cNvCxnSpPr>
+          <p:nvPr/>
+        </p:nvCxnSpPr>
+        <p:spPr>
+          <a:xfrm>
+            <a:off x="7000154" y="3197298"/>
+            <a:ext cx="1074645" cy="971289"/>
+          </a:xfrm>
+          <a:prstGeom prst="line">
+            <a:avLst/>
+          </a:prstGeom>
+          <a:ln w="19050">
+            <a:solidFill>
+              <a:srgbClr val="FF0000"/>
+            </a:solidFill>
+          </a:ln>
+        </p:spPr>
+        <p:style>
+          <a:lnRef idx="1">
+            <a:schemeClr val="accent1"/>
+          </a:lnRef>
+          <a:fillRef idx="0">
+            <a:schemeClr val="accent1"/>
+          </a:fillRef>
+          <a:effectRef idx="0">
+            <a:schemeClr val="accent1"/>
+          </a:effectRef>
+          <a:fontRef idx="minor">
+            <a:schemeClr val="tx1"/>
+          </a:fontRef>
+        </p:style>
+      </p:cxnSp>
+      <p:cxnSp>
+        <p:nvCxnSpPr>
+          <p:cNvPr id="45" name="Straight Connector 44">
+            <a:extLst>
+              <a:ext uri="{FF2B5EF4-FFF2-40B4-BE49-F238E27FC236}">
+                <a16:creationId xmlns:a16="http://schemas.microsoft.com/office/drawing/2014/main" id="{FEA13938-8E61-4CD8-6171-DEDE9ACB4731}"/>
+              </a:ext>
+            </a:extLst>
+          </p:cNvPr>
+          <p:cNvCxnSpPr>
+            <a:cxnSpLocks/>
+            <a:stCxn id="40" idx="6"/>
+            <a:endCxn id="2" idx="2"/>
+          </p:cNvCxnSpPr>
+          <p:nvPr/>
+        </p:nvCxnSpPr>
+        <p:spPr>
+          <a:xfrm flipV="1">
+            <a:off x="8420580" y="3197298"/>
+            <a:ext cx="1128277" cy="971289"/>
+          </a:xfrm>
+          <a:prstGeom prst="line">
+            <a:avLst/>
+          </a:prstGeom>
+          <a:ln w="19050">
+            <a:solidFill>
+              <a:srgbClr val="FF0000"/>
+            </a:solidFill>
+          </a:ln>
+        </p:spPr>
+        <p:style>
+          <a:lnRef idx="1">
+            <a:schemeClr val="accent1"/>
+          </a:lnRef>
+          <a:fillRef idx="0">
+            <a:schemeClr val="accent1"/>
+          </a:fillRef>
+          <a:effectRef idx="0">
+            <a:schemeClr val="accent1"/>
+          </a:effectRef>
+          <a:fontRef idx="minor">
+            <a:schemeClr val="tx1"/>
+          </a:fontRef>
+        </p:style>
+      </p:cxnSp>
+      <p:cxnSp>
+        <p:nvCxnSpPr>
+          <p:cNvPr id="48" name="Straight Connector 47">
+            <a:extLst>
+              <a:ext uri="{FF2B5EF4-FFF2-40B4-BE49-F238E27FC236}">
+                <a16:creationId xmlns:a16="http://schemas.microsoft.com/office/drawing/2014/main" id="{D198F12F-DE46-9D02-3868-93B5E97F9B5F}"/>
+              </a:ext>
+            </a:extLst>
+          </p:cNvPr>
+          <p:cNvCxnSpPr>
+            <a:cxnSpLocks/>
+            <a:stCxn id="40" idx="6"/>
+            <a:endCxn id="13" idx="1"/>
+          </p:cNvCxnSpPr>
+          <p:nvPr/>
+        </p:nvCxnSpPr>
+        <p:spPr>
+          <a:xfrm>
+            <a:off x="8420580" y="4168587"/>
+            <a:ext cx="1922391" cy="22018"/>
+          </a:xfrm>
+          <a:prstGeom prst="line">
+            <a:avLst/>
+          </a:prstGeom>
+          <a:ln w="19050">
+            <a:solidFill>
+              <a:srgbClr val="FF0000"/>
+            </a:solidFill>
+          </a:ln>
+        </p:spPr>
+        <p:style>
+          <a:lnRef idx="1">
+            <a:schemeClr val="accent1"/>
+          </a:lnRef>
+          <a:fillRef idx="0">
+            <a:schemeClr val="accent1"/>
+          </a:fillRef>
+          <a:effectRef idx="0">
+            <a:schemeClr val="accent1"/>
+          </a:effectRef>
+          <a:fontRef idx="minor">
+            <a:schemeClr val="tx1"/>
+          </a:fontRef>
+        </p:style>
+      </p:cxnSp>
+      <p:cxnSp>
+        <p:nvCxnSpPr>
+          <p:cNvPr id="51" name="Straight Connector 50">
+            <a:extLst>
+              <a:ext uri="{FF2B5EF4-FFF2-40B4-BE49-F238E27FC236}">
+                <a16:creationId xmlns:a16="http://schemas.microsoft.com/office/drawing/2014/main" id="{CAD7D2F2-3436-2BE5-0B10-483C162859ED}"/>
+              </a:ext>
+            </a:extLst>
+          </p:cNvPr>
+          <p:cNvCxnSpPr>
+            <a:cxnSpLocks/>
+            <a:stCxn id="32" idx="6"/>
+            <a:endCxn id="40" idx="2"/>
+          </p:cNvCxnSpPr>
+          <p:nvPr/>
+        </p:nvCxnSpPr>
+        <p:spPr>
+          <a:xfrm>
+            <a:off x="5141256" y="3391423"/>
+            <a:ext cx="2933543" cy="777164"/>
+          </a:xfrm>
+          <a:prstGeom prst="line">
+            <a:avLst/>
+          </a:prstGeom>
+          <a:ln w="19050">
+            <a:solidFill>
+              <a:srgbClr val="FF0000"/>
+            </a:solidFill>
+          </a:ln>
+        </p:spPr>
+        <p:style>
+          <a:lnRef idx="1">
+            <a:schemeClr val="accent1"/>
+          </a:lnRef>
+          <a:fillRef idx="0">
+            <a:schemeClr val="accent1"/>
+          </a:fillRef>
+          <a:effectRef idx="0">
+            <a:schemeClr val="accent1"/>
+          </a:effectRef>
+          <a:fontRef idx="minor">
+            <a:schemeClr val="tx1"/>
+          </a:fontRef>
+        </p:style>
+      </p:cxnSp>
+      <p:sp>
+        <p:nvSpPr>
+          <p:cNvPr id="57" name="Rectangle 56">
+            <a:extLst>
+              <a:ext uri="{FF2B5EF4-FFF2-40B4-BE49-F238E27FC236}">
+                <a16:creationId xmlns:a16="http://schemas.microsoft.com/office/drawing/2014/main" id="{7A159D5B-3999-C772-60C7-2310F96B8FE0}"/>
+              </a:ext>
+            </a:extLst>
+          </p:cNvPr>
+          <p:cNvSpPr/>
+          <p:nvPr/>
+        </p:nvSpPr>
+        <p:spPr>
+          <a:xfrm>
+            <a:off x="1884188" y="4848102"/>
+            <a:ext cx="1940858" cy="690517"/>
+          </a:xfrm>
+          <a:prstGeom prst="rect">
+            <a:avLst/>
+          </a:prstGeom>
+          <a:solidFill>
+            <a:schemeClr val="accent2">
+              <a:lumMod val="40000"/>
+              <a:lumOff val="60000"/>
+            </a:schemeClr>
+          </a:solidFill>
+          <a:ln>
+            <a:solidFill>
+              <a:schemeClr val="bg2">
+                <a:lumMod val="50000"/>
+              </a:schemeClr>
+            </a:solidFill>
+          </a:ln>
+        </p:spPr>
+        <p:style>
+          <a:lnRef idx="2">
+            <a:schemeClr val="accent1">
+              <a:shade val="50000"/>
+            </a:schemeClr>
+          </a:lnRef>
+          <a:fillRef idx="1">
+            <a:schemeClr val="accent1"/>
+          </a:fillRef>
+          <a:effectRef idx="0">
+            <a:schemeClr val="accent1"/>
+          </a:effectRef>
+          <a:fontRef idx="minor">
+            <a:schemeClr val="lt1"/>
+          </a:fontRef>
+        </p:style>
+        <p:txBody>
+          <a:bodyPr rtlCol="0" anchor="ctr"/>
+          <a:lstStyle/>
+          <a:p>
+            <a:pPr algn="ctr"/>
+            <a:r>
+              <a:rPr lang="en-US" b="1" dirty="0">
+                <a:solidFill>
+                  <a:schemeClr val="tx1"/>
+                </a:solidFill>
+                <a:cs typeface="Aharoni" panose="020B0604020202020204" pitchFamily="2" charset="-79"/>
+              </a:rPr>
+              <a:t>Mininet</a:t>
+            </a:r>
+            <a:endParaRPr lang="en-DE" dirty="0"/>
+          </a:p>
+        </p:txBody>
+      </p:sp>
+      <p:cxnSp>
+        <p:nvCxnSpPr>
+          <p:cNvPr id="69" name="Straight Connector 68">
+            <a:extLst>
+              <a:ext uri="{FF2B5EF4-FFF2-40B4-BE49-F238E27FC236}">
+                <a16:creationId xmlns:a16="http://schemas.microsoft.com/office/drawing/2014/main" id="{E3C2BE4A-4621-4A86-D18F-011C1E4769F4}"/>
+              </a:ext>
+            </a:extLst>
+          </p:cNvPr>
+          <p:cNvCxnSpPr>
+            <a:cxnSpLocks/>
+            <a:stCxn id="32" idx="2"/>
+            <a:endCxn id="57" idx="3"/>
+          </p:cNvCxnSpPr>
+          <p:nvPr/>
+        </p:nvCxnSpPr>
+        <p:spPr>
+          <a:xfrm flipH="1">
+            <a:off x="3825046" y="3391423"/>
+            <a:ext cx="970429" cy="1801938"/>
+          </a:xfrm>
+          <a:prstGeom prst="line">
+            <a:avLst/>
+          </a:prstGeom>
+          <a:ln w="19050">
+            <a:solidFill>
+              <a:srgbClr val="FF0000"/>
+            </a:solidFill>
+          </a:ln>
+        </p:spPr>
+        <p:style>
+          <a:lnRef idx="1">
+            <a:schemeClr val="accent1"/>
+          </a:lnRef>
+          <a:fillRef idx="0">
+            <a:schemeClr val="accent1"/>
+          </a:fillRef>
+          <a:effectRef idx="0">
+            <a:schemeClr val="accent1"/>
+          </a:effectRef>
+          <a:fontRef idx="minor">
+            <a:schemeClr val="tx1"/>
+          </a:fontRef>
+        </p:style>
+      </p:cxnSp>
+      <p:sp>
+        <p:nvSpPr>
+          <p:cNvPr id="72" name="TextBox 71">
+            <a:extLst>
+              <a:ext uri="{FF2B5EF4-FFF2-40B4-BE49-F238E27FC236}">
+                <a16:creationId xmlns:a16="http://schemas.microsoft.com/office/drawing/2014/main" id="{B73A6C10-69B2-1301-422F-52CC6B62F0E5}"/>
+              </a:ext>
+            </a:extLst>
+          </p:cNvPr>
+          <p:cNvSpPr txBox="1"/>
+          <p:nvPr/>
+        </p:nvSpPr>
+        <p:spPr>
+          <a:xfrm>
+            <a:off x="4657748" y="3549172"/>
+            <a:ext cx="701602" cy="461665"/>
+          </a:xfrm>
+          <a:prstGeom prst="rect">
+            <a:avLst/>
+          </a:prstGeom>
+          <a:noFill/>
+        </p:spPr>
+        <p:txBody>
+          <a:bodyPr wrap="none" rtlCol="0">
+            <a:spAutoFit/>
+          </a:bodyPr>
+          <a:lstStyle/>
+          <a:p>
+            <a:pPr algn="ctr"/>
+            <a:r>
+              <a:rPr lang="en-US" sz="1200" b="1" dirty="0"/>
+              <a:t>Bridge</a:t>
+            </a:r>
+          </a:p>
+          <a:p>
+            <a:pPr algn="ctr"/>
+            <a:r>
+              <a:rPr lang="en-US" sz="1200" b="1" dirty="0"/>
+              <a:t>Adapter</a:t>
+            </a:r>
+            <a:endParaRPr lang="en-DE" sz="1200" b="1" dirty="0"/>
+          </a:p>
+        </p:txBody>
+      </p:sp>
+      <p:sp>
+        <p:nvSpPr>
+          <p:cNvPr id="73" name="TextBox 72">
+            <a:extLst>
+              <a:ext uri="{FF2B5EF4-FFF2-40B4-BE49-F238E27FC236}">
+                <a16:creationId xmlns:a16="http://schemas.microsoft.com/office/drawing/2014/main" id="{A71E3688-6460-5000-383C-848E4184F149}"/>
+              </a:ext>
+            </a:extLst>
+          </p:cNvPr>
+          <p:cNvSpPr txBox="1"/>
+          <p:nvPr/>
+        </p:nvSpPr>
+        <p:spPr>
+          <a:xfrm>
+            <a:off x="7403823" y="4266905"/>
+            <a:ext cx="856453" cy="461665"/>
+          </a:xfrm>
+          <a:prstGeom prst="rect">
+            <a:avLst/>
+          </a:prstGeom>
+          <a:noFill/>
+        </p:spPr>
+        <p:txBody>
+          <a:bodyPr wrap="none" rtlCol="0">
+            <a:spAutoFit/>
+          </a:bodyPr>
+          <a:lstStyle/>
+          <a:p>
+            <a:pPr algn="ctr"/>
+            <a:r>
+              <a:rPr lang="en-US" sz="1200" b="1" dirty="0"/>
+              <a:t>VirtualBox</a:t>
+            </a:r>
+          </a:p>
+          <a:p>
+            <a:pPr algn="ctr"/>
+            <a:r>
+              <a:rPr lang="en-US" sz="1200" b="1" dirty="0"/>
+              <a:t>Adapter</a:t>
+            </a:r>
+            <a:endParaRPr lang="en-DE" sz="1200" b="1" dirty="0"/>
+          </a:p>
+        </p:txBody>
+      </p:sp>
+    </p:spTree>
+    <p:extLst>
+      <p:ext uri="{BB962C8B-B14F-4D97-AF65-F5344CB8AC3E}">
+        <p14:creationId xmlns:p14="http://schemas.microsoft.com/office/powerpoint/2010/main" val="1433759193"/>
+      </p:ext>
+    </p:extLst>
+  </p:cSld>
+  <p:clrMapOvr>
+    <a:masterClrMapping/>
+  </p:clrMapOvr>
+</p:sld>
+</file>
+
+<file path=ppt/slides/slide3.xml><?xml version="1.0" encoding="utf-8"?>
+<p:sld xmlns:a="http://schemas.openxmlformats.org/drawingml/2006/main" xmlns:r="http://schemas.openxmlformats.org/officeDocument/2006/relationships" xmlns:p="http://schemas.openxmlformats.org/presentationml/2006/main">
+  <p:cSld>
+    <p:spTree>
+      <p:nvGrpSpPr>
+        <p:cNvPr id="1" name=""/>
+        <p:cNvGrpSpPr/>
+        <p:nvPr/>
+      </p:nvGrpSpPr>
+      <p:grpSpPr>
+        <a:xfrm>
+          <a:off x="0" y="0"/>
+          <a:ext cx="0" cy="0"/>
+          <a:chOff x="0" y="0"/>
+          <a:chExt cx="0" cy="0"/>
+        </a:xfrm>
+      </p:grpSpPr>
       <p:graphicFrame>
         <p:nvGraphicFramePr>
           <p:cNvPr id="7" name="Table 7">
@@ -26374,7 +29377,7 @@
 </p:sld>
 </file>
 
-<file path=ppt/slides/slide3.xml><?xml version="1.0" encoding="utf-8"?>
+<file path=ppt/slides/slide4.xml><?xml version="1.0" encoding="utf-8"?>
 <p:sld xmlns:a="http://schemas.openxmlformats.org/drawingml/2006/main" xmlns:r="http://schemas.openxmlformats.org/officeDocument/2006/relationships" xmlns:p="http://schemas.openxmlformats.org/presentationml/2006/main">
   <p:cSld>
     <p:spTree>
@@ -26454,7 +29457,7 @@
 </p:sld>
 </file>
 
-<file path=ppt/slides/slide4.xml><?xml version="1.0" encoding="utf-8"?>
+<file path=ppt/slides/slide5.xml><?xml version="1.0" encoding="utf-8"?>
 <p:sld xmlns:a="http://schemas.openxmlformats.org/drawingml/2006/main" xmlns:r="http://schemas.openxmlformats.org/officeDocument/2006/relationships" xmlns:p="http://schemas.openxmlformats.org/presentationml/2006/main">
   <p:cSld>
     <p:spTree>
@@ -26514,7 +29517,7 @@
 </p:sld>
 </file>
 
-<file path=ppt/slides/slide5.xml><?xml version="1.0" encoding="utf-8"?>
+<file path=ppt/slides/slide6.xml><?xml version="1.0" encoding="utf-8"?>
 <p:sld xmlns:a="http://schemas.openxmlformats.org/drawingml/2006/main" xmlns:r="http://schemas.openxmlformats.org/officeDocument/2006/relationships" xmlns:p="http://schemas.openxmlformats.org/presentationml/2006/main">
   <p:cSld>
     <p:spTree>
@@ -27091,7 +30094,7 @@
 </p:sld>
 </file>
 
-<file path=ppt/slides/slide6.xml><?xml version="1.0" encoding="utf-8"?>
+<file path=ppt/slides/slide7.xml><?xml version="1.0" encoding="utf-8"?>
 <p:sld xmlns:a="http://schemas.openxmlformats.org/drawingml/2006/main" xmlns:r="http://schemas.openxmlformats.org/officeDocument/2006/relationships" xmlns:p="http://schemas.openxmlformats.org/presentationml/2006/main">
   <p:cSld>
     <p:spTree>
@@ -33819,7 +36822,7 @@
 </p:sld>
 </file>
 
-<file path=ppt/slides/slide7.xml><?xml version="1.0" encoding="utf-8"?>
+<file path=ppt/slides/slide8.xml><?xml version="1.0" encoding="utf-8"?>
 <p:sld xmlns:a="http://schemas.openxmlformats.org/drawingml/2006/main" xmlns:r="http://schemas.openxmlformats.org/officeDocument/2006/relationships" xmlns:p="http://schemas.openxmlformats.org/presentationml/2006/main">
   <p:cSld>
     <p:spTree>
@@ -39753,7 +42756,7 @@
 </p:sld>
 </file>
 
-<file path=ppt/slides/slide8.xml><?xml version="1.0" encoding="utf-8"?>
+<file path=ppt/slides/slide9.xml><?xml version="1.0" encoding="utf-8"?>
 <p:sld xmlns:a="http://schemas.openxmlformats.org/drawingml/2006/main" xmlns:r="http://schemas.openxmlformats.org/officeDocument/2006/relationships" xmlns:p="http://schemas.openxmlformats.org/presentationml/2006/main">
   <p:cSld>
     <p:spTree>
@@ -42468,66 +45471,6 @@
     <p:extLst>
       <p:ext uri="{BB962C8B-B14F-4D97-AF65-F5344CB8AC3E}">
         <p14:creationId xmlns:p14="http://schemas.microsoft.com/office/powerpoint/2010/main" val="3092062956"/>
-      </p:ext>
-    </p:extLst>
-  </p:cSld>
-  <p:clrMapOvr>
-    <a:masterClrMapping/>
-  </p:clrMapOvr>
-</p:sld>
-</file>
-
-<file path=ppt/slides/slide9.xml><?xml version="1.0" encoding="utf-8"?>
-<p:sld xmlns:a="http://schemas.openxmlformats.org/drawingml/2006/main" xmlns:r="http://schemas.openxmlformats.org/officeDocument/2006/relationships" xmlns:p="http://schemas.openxmlformats.org/presentationml/2006/main">
-  <p:cSld>
-    <p:spTree>
-      <p:nvGrpSpPr>
-        <p:cNvPr id="1" name=""/>
-        <p:cNvGrpSpPr/>
-        <p:nvPr/>
-      </p:nvGrpSpPr>
-      <p:grpSpPr>
-        <a:xfrm>
-          <a:off x="0" y="0"/>
-          <a:ext cx="0" cy="0"/>
-          <a:chOff x="0" y="0"/>
-          <a:chExt cx="0" cy="0"/>
-        </a:xfrm>
-      </p:grpSpPr>
-      <p:pic>
-        <p:nvPicPr>
-          <p:cNvPr id="5" name="Picture 4">
-            <a:extLst>
-              <a:ext uri="{FF2B5EF4-FFF2-40B4-BE49-F238E27FC236}">
-                <a16:creationId xmlns:a16="http://schemas.microsoft.com/office/drawing/2014/main" id="{3DEB038E-F903-90E5-ED1B-12C3A680E0DE}"/>
-              </a:ext>
-            </a:extLst>
-          </p:cNvPr>
-          <p:cNvPicPr>
-            <a:picLocks noChangeAspect="1"/>
-          </p:cNvPicPr>
-          <p:nvPr/>
-        </p:nvPicPr>
-        <p:blipFill>
-          <a:blip r:embed="rId2"/>
-          <a:stretch>
-            <a:fillRect/>
-          </a:stretch>
-        </p:blipFill>
-        <p:spPr>
-          <a:xfrm>
-            <a:off x="2123520" y="561575"/>
-            <a:ext cx="7944959" cy="5734850"/>
-          </a:xfrm>
-          <a:prstGeom prst="rect">
-            <a:avLst/>
-          </a:prstGeom>
-        </p:spPr>
-      </p:pic>
-    </p:spTree>
-    <p:extLst>
-      <p:ext uri="{BB962C8B-B14F-4D97-AF65-F5344CB8AC3E}">
-        <p14:creationId xmlns:p14="http://schemas.microsoft.com/office/powerpoint/2010/main" val="3014601644"/>
       </p:ext>
     </p:extLst>
   </p:cSld>
